--- a/fuentes/contenidos/grado09/guion07/MapaConceptual_MA_09_07_CO.pptx
+++ b/fuentes/contenidos/grado09/guion07/MapaConceptual_MA_09_07_CO.pptx
@@ -106,7 +106,18 @@
   </p:defaultTextStyle>
   <p:extLst>
     <p:ext uri="{EFAFB233-063F-42B5-8137-9DF3F51BA10A}">
-      <p15:sldGuideLst xmlns:p15="http://schemas.microsoft.com/office/powerpoint/2012/main" xmlns=""/>
+      <p15:sldGuideLst xmlns:p15="http://schemas.microsoft.com/office/powerpoint/2012/main">
+        <p15:guide id="1" orient="horz" pos="2949">
+          <p15:clr>
+            <a:srgbClr val="A4A3A4"/>
+          </p15:clr>
+        </p15:guide>
+        <p15:guide id="2" pos="4309">
+          <p15:clr>
+            <a:srgbClr val="A4A3A4"/>
+          </p15:clr>
+        </p15:guide>
+      </p15:sldGuideLst>
     </p:ext>
   </p:extLst>
 </p:presentation>
@@ -451,7 +462,7 @@
             <a:fld id="{5001C876-01F7-4317-94B9-1AE222133113}" type="datetimeFigureOut">
               <a:rPr lang="es-ES" smtClean="0"/>
               <a:pPr/>
-              <a:t>04/11/2015</a:t>
+              <a:t>23/02/2016</a:t>
             </a:fld>
             <a:endParaRPr lang="es-ES"/>
           </a:p>
@@ -1272,14 +1283,28 @@
                 <a:solidFill>
                   <a:schemeClr val="bg1"/>
                 </a:solidFill>
-              </a:rPr>
-              <a:t>ƒ : ℝ → ℝ </a:t>
+                <a:latin typeface="Arial" panose="020B0604020202020204" pitchFamily="34" charset="0"/>
+                <a:cs typeface="Arial" panose="020B0604020202020204" pitchFamily="34" charset="0"/>
+              </a:rPr>
+              <a:t> f: </a:t>
+            </a:r>
+            <a:r>
+              <a:rPr lang="es-ES_tradnl" sz="1050" i="1" dirty="0" smtClean="0">
+                <a:solidFill>
+                  <a:schemeClr val="bg1"/>
+                </a:solidFill>
+                <a:latin typeface="Arial" panose="020B0604020202020204" pitchFamily="34" charset="0"/>
+                <a:cs typeface="Arial" panose="020B0604020202020204" pitchFamily="34" charset="0"/>
+              </a:rPr>
+              <a:t>ℝ → ℝ </a:t>
             </a:r>
             <a:r>
               <a:rPr lang="es-ES_tradnl" sz="1050" i="1" baseline="30000" dirty="0" smtClean="0">
                 <a:solidFill>
                   <a:schemeClr val="bg1"/>
                 </a:solidFill>
+                <a:latin typeface="Arial" panose="020B0604020202020204" pitchFamily="34" charset="0"/>
+                <a:cs typeface="Arial" panose="020B0604020202020204" pitchFamily="34" charset="0"/>
               </a:rPr>
               <a:t>+</a:t>
             </a:r>
@@ -1287,6 +1312,8 @@
               <a:solidFill>
                 <a:schemeClr val="bg1"/>
               </a:solidFill>
+              <a:latin typeface="Arial" panose="020B0604020202020204" pitchFamily="34" charset="0"/>
+              <a:cs typeface="Arial" panose="020B0604020202020204" pitchFamily="34" charset="0"/>
             </a:endParaRPr>
           </a:p>
           <a:p>
@@ -1296,33 +1323,98 @@
                 <a:solidFill>
                   <a:schemeClr val="bg1"/>
                 </a:solidFill>
-                <a:cs typeface="Arial" pitchFamily="34" charset="0"/>
-              </a:rPr>
-              <a:t>f(x) = a </a:t>
-            </a:r>
-            <a:r>
-              <a:rPr lang="es-CO" sz="1050" i="1" baseline="30000" dirty="0" smtClean="0">
+                <a:latin typeface="Arial" panose="020B0604020202020204" pitchFamily="34" charset="0"/>
+                <a:cs typeface="Arial" panose="020B0604020202020204" pitchFamily="34" charset="0"/>
+              </a:rPr>
+              <a:t>f</a:t>
+            </a:r>
+            <a:r>
+              <a:rPr lang="es-CO" sz="1050" dirty="0" smtClean="0">
                 <a:solidFill>
                   <a:schemeClr val="bg1"/>
                 </a:solidFill>
-                <a:cs typeface="Arial" pitchFamily="34" charset="0"/>
+                <a:latin typeface="Arial" panose="020B0604020202020204" pitchFamily="34" charset="0"/>
+                <a:cs typeface="Arial" panose="020B0604020202020204" pitchFamily="34" charset="0"/>
+              </a:rPr>
+              <a:t>(</a:t>
+            </a:r>
+            <a:r>
+              <a:rPr lang="es-CO" sz="1050" i="1" dirty="0" smtClean="0">
+                <a:solidFill>
+                  <a:schemeClr val="bg1"/>
+                </a:solidFill>
+                <a:latin typeface="Arial" panose="020B0604020202020204" pitchFamily="34" charset="0"/>
+                <a:cs typeface="Arial" panose="020B0604020202020204" pitchFamily="34" charset="0"/>
               </a:rPr>
               <a:t>x</a:t>
             </a:r>
             <a:r>
+              <a:rPr lang="es-CO" sz="1050" dirty="0" smtClean="0">
+                <a:solidFill>
+                  <a:schemeClr val="bg1"/>
+                </a:solidFill>
+                <a:latin typeface="Arial" panose="020B0604020202020204" pitchFamily="34" charset="0"/>
+                <a:cs typeface="Arial" panose="020B0604020202020204" pitchFamily="34" charset="0"/>
+              </a:rPr>
+              <a:t>)</a:t>
+            </a:r>
+            <a:r>
               <a:rPr lang="es-CO" sz="1050" i="1" dirty="0" smtClean="0">
                 <a:solidFill>
                   <a:schemeClr val="bg1"/>
                 </a:solidFill>
-                <a:cs typeface="Arial" pitchFamily="34" charset="0"/>
-              </a:rPr>
-              <a:t> ,  a∈</a:t>
+                <a:latin typeface="Arial" panose="020B0604020202020204" pitchFamily="34" charset="0"/>
+                <a:cs typeface="Arial" panose="020B0604020202020204" pitchFamily="34" charset="0"/>
+              </a:rPr>
+              <a:t> = </a:t>
+            </a:r>
+            <a:r>
+              <a:rPr lang="es-CO" sz="1050" i="1" dirty="0" err="1" smtClean="0">
+                <a:solidFill>
+                  <a:schemeClr val="bg1"/>
+                </a:solidFill>
+                <a:latin typeface="Arial" panose="020B0604020202020204" pitchFamily="34" charset="0"/>
+                <a:cs typeface="Arial" panose="020B0604020202020204" pitchFamily="34" charset="0"/>
+              </a:rPr>
+              <a:t>a</a:t>
+            </a:r>
+            <a:r>
+              <a:rPr lang="es-CO" sz="1050" i="1" baseline="30000" dirty="0" err="1" smtClean="0">
+                <a:solidFill>
+                  <a:schemeClr val="bg1"/>
+                </a:solidFill>
+                <a:latin typeface="Arial" panose="020B0604020202020204" pitchFamily="34" charset="0"/>
+                <a:cs typeface="Arial" panose="020B0604020202020204" pitchFamily="34" charset="0"/>
+              </a:rPr>
+              <a:t>x</a:t>
+            </a:r>
+            <a:r>
+              <a:rPr lang="es-CO" sz="1050" i="1" dirty="0" smtClean="0">
+                <a:solidFill>
+                  <a:schemeClr val="bg1"/>
+                </a:solidFill>
+                <a:latin typeface="Arial" panose="020B0604020202020204" pitchFamily="34" charset="0"/>
+                <a:cs typeface="Arial" panose="020B0604020202020204" pitchFamily="34" charset="0"/>
+              </a:rPr>
+              <a:t> </a:t>
+            </a:r>
+            <a:r>
+              <a:rPr lang="es-CO" sz="1050" i="1" dirty="0" smtClean="0">
+                <a:solidFill>
+                  <a:schemeClr val="bg1"/>
+                </a:solidFill>
+                <a:latin typeface="Arial" panose="020B0604020202020204" pitchFamily="34" charset="0"/>
+                <a:cs typeface="Arial" panose="020B0604020202020204" pitchFamily="34" charset="0"/>
+              </a:rPr>
+              <a:t>,  a∈</a:t>
             </a:r>
             <a:r>
               <a:rPr lang="es-ES_tradnl" sz="1050" i="1" dirty="0" smtClean="0">
                 <a:solidFill>
                   <a:schemeClr val="bg1"/>
                 </a:solidFill>
+                <a:latin typeface="Arial" panose="020B0604020202020204" pitchFamily="34" charset="0"/>
+                <a:cs typeface="Arial" panose="020B0604020202020204" pitchFamily="34" charset="0"/>
               </a:rPr>
               <a:t> ℝ </a:t>
             </a:r>
@@ -1331,6 +1423,8 @@
                 <a:solidFill>
                   <a:schemeClr val="bg1"/>
                 </a:solidFill>
+                <a:latin typeface="Arial" panose="020B0604020202020204" pitchFamily="34" charset="0"/>
+                <a:cs typeface="Arial" panose="020B0604020202020204" pitchFamily="34" charset="0"/>
               </a:rPr>
               <a:t>+</a:t>
             </a:r>
@@ -1339,7 +1433,8 @@
                 <a:solidFill>
                   <a:schemeClr val="bg1"/>
                 </a:solidFill>
-                <a:cs typeface="Arial" pitchFamily="34" charset="0"/>
+                <a:latin typeface="Arial" panose="020B0604020202020204" pitchFamily="34" charset="0"/>
+                <a:cs typeface="Arial" panose="020B0604020202020204" pitchFamily="34" charset="0"/>
               </a:rPr>
               <a:t>,  a ≠ 1 </a:t>
             </a:r>
@@ -1347,7 +1442,8 @@
               <a:solidFill>
                 <a:schemeClr val="bg1"/>
               </a:solidFill>
-              <a:cs typeface="Arial" pitchFamily="34" charset="0"/>
+              <a:latin typeface="Arial" panose="020B0604020202020204" pitchFamily="34" charset="0"/>
+              <a:cs typeface="Arial" panose="020B0604020202020204" pitchFamily="34" charset="0"/>
             </a:endParaRPr>
           </a:p>
         </p:txBody>
@@ -1543,7 +1639,8 @@
                 <a:solidFill>
                   <a:schemeClr val="tx1"/>
                 </a:solidFill>
-                <a:cs typeface="Arial" pitchFamily="34" charset="0"/>
+                <a:latin typeface="Arial" panose="020B0604020202020204" pitchFamily="34" charset="0"/>
+                <a:cs typeface="Arial" panose="020B0604020202020204" pitchFamily="34" charset="0"/>
               </a:rPr>
               <a:t>Cuando</a:t>
             </a:r>
@@ -1552,7 +1649,8 @@
                 <a:solidFill>
                   <a:srgbClr val="FF0000"/>
                 </a:solidFill>
-                <a:cs typeface="Arial" pitchFamily="34" charset="0"/>
+                <a:latin typeface="Arial" panose="020B0604020202020204" pitchFamily="34" charset="0"/>
+                <a:cs typeface="Arial" panose="020B0604020202020204" pitchFamily="34" charset="0"/>
               </a:rPr>
               <a:t>   </a:t>
             </a:r>
@@ -1560,7 +1658,8 @@
               <a:solidFill>
                 <a:srgbClr val="FF0000"/>
               </a:solidFill>
-              <a:cs typeface="Arial" pitchFamily="34" charset="0"/>
+              <a:latin typeface="Arial" panose="020B0604020202020204" pitchFamily="34" charset="0"/>
+              <a:cs typeface="Arial" panose="020B0604020202020204" pitchFamily="34" charset="0"/>
             </a:endParaRPr>
           </a:p>
         </p:txBody>
@@ -1689,7 +1788,8 @@
                 <a:solidFill>
                   <a:schemeClr val="tx1"/>
                 </a:solidFill>
-                <a:cs typeface="Arial" pitchFamily="34" charset="0"/>
+                <a:latin typeface="Arial" panose="020B0604020202020204" pitchFamily="34" charset="0"/>
+                <a:cs typeface="Arial" panose="020B0604020202020204" pitchFamily="34" charset="0"/>
               </a:rPr>
               <a:t>de forma algebraica </a:t>
             </a:r>
@@ -1697,7 +1797,8 @@
               <a:solidFill>
                 <a:schemeClr val="tx1"/>
               </a:solidFill>
-              <a:cs typeface="Arial" pitchFamily="34" charset="0"/>
+              <a:latin typeface="Arial" panose="020B0604020202020204" pitchFamily="34" charset="0"/>
+              <a:cs typeface="Arial" panose="020B0604020202020204" pitchFamily="34" charset="0"/>
             </a:endParaRPr>
           </a:p>
         </p:txBody>
@@ -1862,7 +1963,8 @@
                 <a:solidFill>
                   <a:schemeClr val="tx1"/>
                 </a:solidFill>
-                <a:cs typeface="Arial" pitchFamily="34" charset="0"/>
+                <a:latin typeface="Arial" panose="020B0604020202020204" pitchFamily="34" charset="0"/>
+                <a:cs typeface="Arial" panose="020B0604020202020204" pitchFamily="34" charset="0"/>
               </a:rPr>
               <a:t>determina una   </a:t>
             </a:r>
@@ -1870,7 +1972,8 @@
               <a:solidFill>
                 <a:schemeClr val="tx1"/>
               </a:solidFill>
-              <a:cs typeface="Arial" pitchFamily="34" charset="0"/>
+              <a:latin typeface="Arial" panose="020B0604020202020204" pitchFamily="34" charset="0"/>
+              <a:cs typeface="Arial" panose="020B0604020202020204" pitchFamily="34" charset="0"/>
             </a:endParaRPr>
           </a:p>
         </p:txBody>
@@ -1955,24 +2058,48 @@
                 <a:solidFill>
                   <a:schemeClr val="tx1"/>
                 </a:solidFill>
-                <a:cs typeface="Arial" pitchFamily="34" charset="0"/>
-              </a:rPr>
-              <a:t>ecuación  exponencial            y=</a:t>
+                <a:latin typeface="Arial" panose="020B0604020202020204" pitchFamily="34" charset="0"/>
+                <a:cs typeface="Arial" panose="020B0604020202020204" pitchFamily="34" charset="0"/>
+              </a:rPr>
+              <a:t>ecuación  exponencial            </a:t>
+            </a:r>
+            <a:r>
+              <a:rPr lang="es-CO" sz="900" dirty="0" smtClean="0">
+                <a:solidFill>
+                  <a:schemeClr val="tx1"/>
+                </a:solidFill>
+                <a:latin typeface="Arial" panose="020B0604020202020204" pitchFamily="34" charset="0"/>
+                <a:cs typeface="Arial" panose="020B0604020202020204" pitchFamily="34" charset="0"/>
+              </a:rPr>
+              <a:t>y =</a:t>
+            </a:r>
+            <a:r>
+              <a:rPr lang="es-ES_tradnl" sz="900" i="1" dirty="0" smtClean="0">
+                <a:solidFill>
+                  <a:schemeClr val="tx1"/>
+                </a:solidFill>
+                <a:latin typeface="Arial" panose="020B0604020202020204" pitchFamily="34" charset="0"/>
+                <a:cs typeface="Arial" panose="020B0604020202020204" pitchFamily="34" charset="0"/>
+              </a:rPr>
+              <a:t> </a:t>
             </a:r>
             <a:r>
               <a:rPr lang="es-ES_tradnl" sz="900" i="1" dirty="0">
                 <a:solidFill>
                   <a:schemeClr val="tx1"/>
                 </a:solidFill>
-              </a:rPr>
-              <a:t> a </a:t>
+                <a:latin typeface="Arial" panose="020B0604020202020204" pitchFamily="34" charset="0"/>
+                <a:cs typeface="Arial" panose="020B0604020202020204" pitchFamily="34" charset="0"/>
+              </a:rPr>
+              <a:t>a </a:t>
             </a:r>
             <a:r>
               <a:rPr lang="es-CO" sz="900" baseline="30000" dirty="0" smtClean="0">
                 <a:solidFill>
                   <a:schemeClr val="tx1"/>
                 </a:solidFill>
-                <a:cs typeface="Arial" pitchFamily="34" charset="0"/>
+                <a:latin typeface="Arial" panose="020B0604020202020204" pitchFamily="34" charset="0"/>
+                <a:cs typeface="Arial" panose="020B0604020202020204" pitchFamily="34" charset="0"/>
               </a:rPr>
               <a:t>x</a:t>
             </a:r>
@@ -1981,7 +2108,8 @@
                 <a:solidFill>
                   <a:schemeClr val="tx1"/>
                 </a:solidFill>
-                <a:cs typeface="Arial" pitchFamily="34" charset="0"/>
+                <a:latin typeface="Arial" panose="020B0604020202020204" pitchFamily="34" charset="0"/>
+                <a:cs typeface="Arial" panose="020B0604020202020204" pitchFamily="34" charset="0"/>
               </a:rPr>
               <a:t>  </a:t>
             </a:r>
@@ -1989,7 +2117,8 @@
               <a:solidFill>
                 <a:schemeClr val="tx1"/>
               </a:solidFill>
-              <a:cs typeface="Arial" pitchFamily="34" charset="0"/>
+              <a:latin typeface="Arial" panose="020B0604020202020204" pitchFamily="34" charset="0"/>
+              <a:cs typeface="Arial" panose="020B0604020202020204" pitchFamily="34" charset="0"/>
             </a:endParaRPr>
           </a:p>
         </p:txBody>
@@ -2207,15 +2336,27 @@
                 <a:solidFill>
                   <a:schemeClr val="tx1"/>
                 </a:solidFill>
-                <a:cs typeface="Arial" pitchFamily="34" charset="0"/>
-              </a:rPr>
-              <a:t>de forma grafica  </a:t>
+                <a:latin typeface="Arial" panose="020B0604020202020204" pitchFamily="34" charset="0"/>
+                <a:cs typeface="Arial" panose="020B0604020202020204" pitchFamily="34" charset="0"/>
+              </a:rPr>
+              <a:t>de forma </a:t>
+            </a:r>
+            <a:r>
+              <a:rPr lang="es-CO" sz="900" dirty="0" smtClean="0">
+                <a:solidFill>
+                  <a:schemeClr val="tx1"/>
+                </a:solidFill>
+                <a:latin typeface="Arial" panose="020B0604020202020204" pitchFamily="34" charset="0"/>
+                <a:cs typeface="Arial" panose="020B0604020202020204" pitchFamily="34" charset="0"/>
+              </a:rPr>
+              <a:t>gráfica  </a:t>
             </a:r>
             <a:endParaRPr lang="es-CO" sz="900" b="1" dirty="0">
               <a:solidFill>
                 <a:schemeClr val="tx1"/>
               </a:solidFill>
-              <a:cs typeface="Arial" pitchFamily="34" charset="0"/>
+              <a:latin typeface="Arial" panose="020B0604020202020204" pitchFamily="34" charset="0"/>
+              <a:cs typeface="Arial" panose="020B0604020202020204" pitchFamily="34" charset="0"/>
             </a:endParaRPr>
           </a:p>
         </p:txBody>
@@ -2262,7 +2403,8 @@
                 <a:solidFill>
                   <a:schemeClr val="tx1"/>
                 </a:solidFill>
-                <a:cs typeface="Arial" pitchFamily="34" charset="0"/>
+                <a:latin typeface="Arial" panose="020B0604020202020204" pitchFamily="34" charset="0"/>
+                <a:cs typeface="Arial" panose="020B0604020202020204" pitchFamily="34" charset="0"/>
               </a:rPr>
               <a:t>ejemplo    </a:t>
             </a:r>
@@ -2270,7 +2412,8 @@
               <a:solidFill>
                 <a:schemeClr val="tx1"/>
               </a:solidFill>
-              <a:cs typeface="Arial" pitchFamily="34" charset="0"/>
+              <a:latin typeface="Arial" panose="020B0604020202020204" pitchFamily="34" charset="0"/>
+              <a:cs typeface="Arial" panose="020B0604020202020204" pitchFamily="34" charset="0"/>
             </a:endParaRPr>
           </a:p>
         </p:txBody>
@@ -2393,7 +2536,8 @@
                 <a:solidFill>
                   <a:schemeClr val="tx1"/>
                 </a:solidFill>
-                <a:cs typeface="Arial" pitchFamily="34" charset="0"/>
+                <a:latin typeface="Arial" panose="020B0604020202020204" pitchFamily="34" charset="0"/>
+                <a:cs typeface="Arial" panose="020B0604020202020204" pitchFamily="34" charset="0"/>
               </a:rPr>
               <a:t>ejemplo    </a:t>
             </a:r>
@@ -2401,7 +2545,8 @@
               <a:solidFill>
                 <a:schemeClr val="tx1"/>
               </a:solidFill>
-              <a:cs typeface="Arial" pitchFamily="34" charset="0"/>
+              <a:latin typeface="Arial" panose="020B0604020202020204" pitchFamily="34" charset="0"/>
+              <a:cs typeface="Arial" panose="020B0604020202020204" pitchFamily="34" charset="0"/>
             </a:endParaRPr>
           </a:p>
         </p:txBody>
@@ -2448,16 +2593,28 @@
                 <a:solidFill>
                   <a:schemeClr val="tx1"/>
                 </a:solidFill>
-                <a:cs typeface="Arial" pitchFamily="34" charset="0"/>
-              </a:rPr>
-              <a:t>y = 3 </a:t>
+                <a:latin typeface="Arial" panose="020B0604020202020204" pitchFamily="34" charset="0"/>
+                <a:cs typeface="Arial" panose="020B0604020202020204" pitchFamily="34" charset="0"/>
+              </a:rPr>
+              <a:t>y = </a:t>
+            </a:r>
+            <a:r>
+              <a:rPr lang="es-CO" sz="900" dirty="0" smtClean="0">
+                <a:solidFill>
+                  <a:schemeClr val="tx1"/>
+                </a:solidFill>
+                <a:latin typeface="Arial" panose="020B0604020202020204" pitchFamily="34" charset="0"/>
+                <a:cs typeface="Arial" panose="020B0604020202020204" pitchFamily="34" charset="0"/>
+              </a:rPr>
+              <a:t>3</a:t>
             </a:r>
             <a:r>
               <a:rPr lang="es-CO" sz="900" baseline="30000" dirty="0" smtClean="0">
                 <a:solidFill>
                   <a:schemeClr val="tx1"/>
                 </a:solidFill>
-                <a:cs typeface="Arial" pitchFamily="34" charset="0"/>
+                <a:latin typeface="Arial" panose="020B0604020202020204" pitchFamily="34" charset="0"/>
+                <a:cs typeface="Arial" panose="020B0604020202020204" pitchFamily="34" charset="0"/>
               </a:rPr>
               <a:t>x</a:t>
             </a:r>
@@ -2466,7 +2623,8 @@
                 <a:solidFill>
                   <a:schemeClr val="tx1"/>
                 </a:solidFill>
-                <a:cs typeface="Arial" pitchFamily="34" charset="0"/>
+                <a:latin typeface="Arial" panose="020B0604020202020204" pitchFamily="34" charset="0"/>
+                <a:cs typeface="Arial" panose="020B0604020202020204" pitchFamily="34" charset="0"/>
               </a:rPr>
               <a:t>  </a:t>
             </a:r>
@@ -2474,7 +2632,8 @@
               <a:solidFill>
                 <a:schemeClr val="tx1"/>
               </a:solidFill>
-              <a:cs typeface="Arial" pitchFamily="34" charset="0"/>
+              <a:latin typeface="Arial" panose="020B0604020202020204" pitchFamily="34" charset="0"/>
+              <a:cs typeface="Arial" panose="020B0604020202020204" pitchFamily="34" charset="0"/>
             </a:endParaRPr>
           </a:p>
         </p:txBody>
@@ -2654,6 +2813,8 @@
                 <a:solidFill>
                   <a:schemeClr val="bg1"/>
                 </a:solidFill>
+                <a:latin typeface="Arial" panose="020B0604020202020204" pitchFamily="34" charset="0"/>
+                <a:cs typeface="Arial" panose="020B0604020202020204" pitchFamily="34" charset="0"/>
               </a:rPr>
               <a:t>ƒ : ℝ → ℝ </a:t>
             </a:r>
@@ -2662,6 +2823,8 @@
                 <a:solidFill>
                   <a:schemeClr val="bg1"/>
                 </a:solidFill>
+                <a:latin typeface="Arial" panose="020B0604020202020204" pitchFamily="34" charset="0"/>
+                <a:cs typeface="Arial" panose="020B0604020202020204" pitchFamily="34" charset="0"/>
               </a:rPr>
               <a:t>+</a:t>
             </a:r>
@@ -2670,7 +2833,8 @@
                 <a:solidFill>
                   <a:schemeClr val="bg1"/>
                 </a:solidFill>
-                <a:cs typeface="Arial" pitchFamily="34" charset="0"/>
+                <a:latin typeface="Arial" panose="020B0604020202020204" pitchFamily="34" charset="0"/>
+                <a:cs typeface="Arial" panose="020B0604020202020204" pitchFamily="34" charset="0"/>
               </a:rPr>
               <a:t> </a:t>
             </a:r>
@@ -2678,7 +2842,8 @@
               <a:solidFill>
                 <a:schemeClr val="bg1"/>
               </a:solidFill>
-              <a:cs typeface="Arial" pitchFamily="34" charset="0"/>
+              <a:latin typeface="Arial" panose="020B0604020202020204" pitchFamily="34" charset="0"/>
+              <a:cs typeface="Arial" panose="020B0604020202020204" pitchFamily="34" charset="0"/>
             </a:endParaRPr>
           </a:p>
           <a:p>
@@ -2688,6 +2853,8 @@
                 <a:solidFill>
                   <a:schemeClr val="bg1"/>
                 </a:solidFill>
+                <a:latin typeface="Arial" panose="020B0604020202020204" pitchFamily="34" charset="0"/>
+                <a:cs typeface="Arial" panose="020B0604020202020204" pitchFamily="34" charset="0"/>
               </a:rPr>
               <a:t>ƒ(x</a:t>
             </a:r>
@@ -2696,6 +2863,8 @@
                 <a:solidFill>
                   <a:schemeClr val="bg1"/>
                 </a:solidFill>
+                <a:latin typeface="Arial" panose="020B0604020202020204" pitchFamily="34" charset="0"/>
+                <a:cs typeface="Arial" panose="020B0604020202020204" pitchFamily="34" charset="0"/>
               </a:rPr>
               <a:t>)= log </a:t>
             </a:r>
@@ -2704,6 +2873,8 @@
                 <a:solidFill>
                   <a:schemeClr val="bg1"/>
                 </a:solidFill>
+                <a:latin typeface="Arial" panose="020B0604020202020204" pitchFamily="34" charset="0"/>
+                <a:cs typeface="Arial" panose="020B0604020202020204" pitchFamily="34" charset="0"/>
               </a:rPr>
               <a:t>a</a:t>
             </a:r>
@@ -2712,6 +2883,8 @@
                 <a:solidFill>
                   <a:schemeClr val="bg1"/>
                 </a:solidFill>
+                <a:latin typeface="Arial" panose="020B0604020202020204" pitchFamily="34" charset="0"/>
+                <a:cs typeface="Arial" panose="020B0604020202020204" pitchFamily="34" charset="0"/>
               </a:rPr>
               <a:t>a</a:t>
             </a:r>
@@ -2720,6 +2893,8 @@
                 <a:solidFill>
                   <a:schemeClr val="bg1"/>
                 </a:solidFill>
+                <a:latin typeface="Arial" panose="020B0604020202020204" pitchFamily="34" charset="0"/>
+                <a:cs typeface="Arial" panose="020B0604020202020204" pitchFamily="34" charset="0"/>
               </a:rPr>
               <a:t> </a:t>
             </a:r>
@@ -2728,6 +2903,8 @@
                 <a:solidFill>
                   <a:schemeClr val="bg1"/>
                 </a:solidFill>
+                <a:latin typeface="Arial" panose="020B0604020202020204" pitchFamily="34" charset="0"/>
+                <a:cs typeface="Arial" panose="020B0604020202020204" pitchFamily="34" charset="0"/>
               </a:rPr>
               <a:t>x</a:t>
             </a:r>
@@ -2736,6 +2913,8 @@
                 <a:solidFill>
                   <a:schemeClr val="bg1"/>
                 </a:solidFill>
+                <a:latin typeface="Arial" panose="020B0604020202020204" pitchFamily="34" charset="0"/>
+                <a:cs typeface="Arial" panose="020B0604020202020204" pitchFamily="34" charset="0"/>
               </a:rPr>
               <a:t>, </a:t>
             </a:r>
@@ -2744,7 +2923,8 @@
                 <a:solidFill>
                   <a:schemeClr val="bg1"/>
                 </a:solidFill>
-                <a:cs typeface="Arial" pitchFamily="34" charset="0"/>
+                <a:latin typeface="Arial" panose="020B0604020202020204" pitchFamily="34" charset="0"/>
+                <a:cs typeface="Arial" panose="020B0604020202020204" pitchFamily="34" charset="0"/>
               </a:rPr>
               <a:t>a∈</a:t>
             </a:r>
@@ -2753,6 +2933,8 @@
                 <a:solidFill>
                   <a:schemeClr val="bg1"/>
                 </a:solidFill>
+                <a:latin typeface="Arial" panose="020B0604020202020204" pitchFamily="34" charset="0"/>
+                <a:cs typeface="Arial" panose="020B0604020202020204" pitchFamily="34" charset="0"/>
               </a:rPr>
               <a:t> ℝ </a:t>
             </a:r>
@@ -2761,6 +2943,8 @@
                 <a:solidFill>
                   <a:schemeClr val="bg1"/>
                 </a:solidFill>
+                <a:latin typeface="Arial" panose="020B0604020202020204" pitchFamily="34" charset="0"/>
+                <a:cs typeface="Arial" panose="020B0604020202020204" pitchFamily="34" charset="0"/>
               </a:rPr>
               <a:t>+</a:t>
             </a:r>
@@ -2769,6 +2953,8 @@
                 <a:solidFill>
                   <a:schemeClr val="bg1"/>
                 </a:solidFill>
+                <a:latin typeface="Arial" panose="020B0604020202020204" pitchFamily="34" charset="0"/>
+                <a:cs typeface="Arial" panose="020B0604020202020204" pitchFamily="34" charset="0"/>
               </a:rPr>
               <a:t>  , </a:t>
             </a:r>
@@ -2777,6 +2963,8 @@
                 <a:solidFill>
                   <a:schemeClr val="bg1"/>
                 </a:solidFill>
+                <a:latin typeface="Arial" panose="020B0604020202020204" pitchFamily="34" charset="0"/>
+                <a:cs typeface="Arial" panose="020B0604020202020204" pitchFamily="34" charset="0"/>
               </a:rPr>
               <a:t>a </a:t>
             </a:r>
@@ -2785,6 +2973,8 @@
                 <a:solidFill>
                   <a:schemeClr val="bg1"/>
                 </a:solidFill>
+                <a:latin typeface="Arial" panose="020B0604020202020204" pitchFamily="34" charset="0"/>
+                <a:cs typeface="Arial" panose="020B0604020202020204" pitchFamily="34" charset="0"/>
               </a:rPr>
               <a:t>≠ 1</a:t>
             </a:r>
@@ -2792,6 +2982,8 @@
               <a:solidFill>
                 <a:schemeClr val="bg1"/>
               </a:solidFill>
+              <a:latin typeface="Arial" panose="020B0604020202020204" pitchFamily="34" charset="0"/>
+              <a:cs typeface="Arial" panose="020B0604020202020204" pitchFamily="34" charset="0"/>
             </a:endParaRPr>
           </a:p>
         </p:txBody>
@@ -2837,7 +3029,8 @@
                 <a:solidFill>
                   <a:srgbClr val="FF0000"/>
                 </a:solidFill>
-                <a:cs typeface="Arial" pitchFamily="34" charset="0"/>
+                <a:latin typeface="Arial" panose="020B0604020202020204" pitchFamily="34" charset="0"/>
+                <a:cs typeface="Arial" panose="020B0604020202020204" pitchFamily="34" charset="0"/>
               </a:rPr>
               <a:t>    </a:t>
             </a:r>
@@ -2845,19 +3038,22 @@
           <a:p>
             <a:pPr algn="ctr"/>
             <a:r>
-              <a:rPr lang="es-CO" sz="900" smtClean="0">
-                <a:solidFill>
-                  <a:schemeClr val="tx1"/>
-                </a:solidFill>
-                <a:cs typeface="Arial" pitchFamily="34" charset="0"/>
+              <a:rPr lang="es-CO" sz="900" dirty="0" smtClean="0">
+                <a:solidFill>
+                  <a:schemeClr val="tx1"/>
+                </a:solidFill>
+                <a:latin typeface="Arial" panose="020B0604020202020204" pitchFamily="34" charset="0"/>
+                <a:cs typeface="Arial" panose="020B0604020202020204" pitchFamily="34" charset="0"/>
               </a:rPr>
               <a:t>0 &lt; </a:t>
             </a:r>
             <a:r>
-              <a:rPr lang="es-ES_tradnl" sz="900" i="1" smtClean="0">
-                <a:solidFill>
-                  <a:schemeClr val="tx1"/>
-                </a:solidFill>
+              <a:rPr lang="es-ES_tradnl" sz="900" i="1" dirty="0" smtClean="0">
+                <a:solidFill>
+                  <a:schemeClr val="tx1"/>
+                </a:solidFill>
+                <a:latin typeface="Arial" panose="020B0604020202020204" pitchFamily="34" charset="0"/>
+                <a:cs typeface="Arial" panose="020B0604020202020204" pitchFamily="34" charset="0"/>
               </a:rPr>
               <a:t>a </a:t>
             </a:r>
@@ -2866,7 +3062,8 @@
                 <a:solidFill>
                   <a:schemeClr val="tx1"/>
                 </a:solidFill>
-                <a:cs typeface="Arial" pitchFamily="34" charset="0"/>
+                <a:latin typeface="Arial" panose="020B0604020202020204" pitchFamily="34" charset="0"/>
+                <a:cs typeface="Arial" panose="020B0604020202020204" pitchFamily="34" charset="0"/>
               </a:rPr>
               <a:t>&lt; 1 </a:t>
             </a:r>
@@ -2875,9 +3072,30 @@
                 <a:solidFill>
                   <a:schemeClr val="tx1"/>
                 </a:solidFill>
-                <a:cs typeface="Arial" pitchFamily="34" charset="0"/>
-              </a:rPr>
-              <a:t>la grafica es decreciente   </a:t>
+                <a:latin typeface="Arial" panose="020B0604020202020204" pitchFamily="34" charset="0"/>
+                <a:cs typeface="Arial" panose="020B0604020202020204" pitchFamily="34" charset="0"/>
+              </a:rPr>
+              <a:t>la </a:t>
+            </a:r>
+            <a:r>
+              <a:rPr lang="es-CO" sz="900" dirty="0" smtClean="0">
+                <a:solidFill>
+                  <a:schemeClr val="tx1"/>
+                </a:solidFill>
+                <a:latin typeface="Arial" panose="020B0604020202020204" pitchFamily="34" charset="0"/>
+                <a:cs typeface="Arial" panose="020B0604020202020204" pitchFamily="34" charset="0"/>
+              </a:rPr>
+              <a:t>gráfica </a:t>
+            </a:r>
+            <a:r>
+              <a:rPr lang="es-CO" sz="900" dirty="0">
+                <a:solidFill>
+                  <a:schemeClr val="tx1"/>
+                </a:solidFill>
+                <a:latin typeface="Arial" panose="020B0604020202020204" pitchFamily="34" charset="0"/>
+                <a:cs typeface="Arial" panose="020B0604020202020204" pitchFamily="34" charset="0"/>
+              </a:rPr>
+              <a:t>es decreciente   </a:t>
             </a:r>
           </a:p>
           <a:p>
@@ -2887,7 +3105,8 @@
                 <a:solidFill>
                   <a:srgbClr val="FF0000"/>
                 </a:solidFill>
-                <a:cs typeface="Arial" pitchFamily="34" charset="0"/>
+                <a:latin typeface="Arial" panose="020B0604020202020204" pitchFamily="34" charset="0"/>
+                <a:cs typeface="Arial" panose="020B0604020202020204" pitchFamily="34" charset="0"/>
               </a:rPr>
               <a:t> </a:t>
             </a:r>
@@ -2895,7 +3114,8 @@
               <a:solidFill>
                 <a:srgbClr val="FF0000"/>
               </a:solidFill>
-              <a:cs typeface="Arial" pitchFamily="34" charset="0"/>
+              <a:latin typeface="Arial" panose="020B0604020202020204" pitchFamily="34" charset="0"/>
+              <a:cs typeface="Arial" panose="020B0604020202020204" pitchFamily="34" charset="0"/>
             </a:endParaRPr>
           </a:p>
         </p:txBody>
@@ -2976,7 +3196,8 @@
                 <a:solidFill>
                   <a:srgbClr val="FF0000"/>
                 </a:solidFill>
-                <a:cs typeface="Arial" pitchFamily="34" charset="0"/>
+                <a:latin typeface="Arial" panose="020B0604020202020204" pitchFamily="34" charset="0"/>
+                <a:cs typeface="Arial" panose="020B0604020202020204" pitchFamily="34" charset="0"/>
               </a:rPr>
               <a:t> </a:t>
             </a:r>
@@ -2987,7 +3208,8 @@
               <a:solidFill>
                 <a:srgbClr val="FF0000"/>
               </a:solidFill>
-              <a:cs typeface="Arial" pitchFamily="34" charset="0"/>
+              <a:latin typeface="Arial" panose="020B0604020202020204" pitchFamily="34" charset="0"/>
+              <a:cs typeface="Arial" panose="020B0604020202020204" pitchFamily="34" charset="0"/>
             </a:endParaRPr>
           </a:p>
           <a:p>
@@ -2997,6 +3219,8 @@
                 <a:solidFill>
                   <a:schemeClr val="tx1"/>
                 </a:solidFill>
+                <a:latin typeface="Arial" panose="020B0604020202020204" pitchFamily="34" charset="0"/>
+                <a:cs typeface="Arial" panose="020B0604020202020204" pitchFamily="34" charset="0"/>
               </a:rPr>
               <a:t>a</a:t>
             </a:r>
@@ -3005,7 +3229,8 @@
                 <a:solidFill>
                   <a:schemeClr val="tx1"/>
                 </a:solidFill>
-                <a:cs typeface="Arial" pitchFamily="34" charset="0"/>
+                <a:latin typeface="Arial" panose="020B0604020202020204" pitchFamily="34" charset="0"/>
+                <a:cs typeface="Arial" panose="020B0604020202020204" pitchFamily="34" charset="0"/>
               </a:rPr>
               <a:t> &gt; 1 </a:t>
             </a:r>
@@ -3014,9 +3239,30 @@
                 <a:solidFill>
                   <a:schemeClr val="tx1"/>
                 </a:solidFill>
-                <a:cs typeface="Arial" pitchFamily="34" charset="0"/>
-              </a:rPr>
-              <a:t>la grafica es creciente </a:t>
+                <a:latin typeface="Arial" panose="020B0604020202020204" pitchFamily="34" charset="0"/>
+                <a:cs typeface="Arial" panose="020B0604020202020204" pitchFamily="34" charset="0"/>
+              </a:rPr>
+              <a:t>la </a:t>
+            </a:r>
+            <a:r>
+              <a:rPr lang="es-CO" sz="900" dirty="0" smtClean="0">
+                <a:solidFill>
+                  <a:schemeClr val="tx1"/>
+                </a:solidFill>
+                <a:latin typeface="Arial" panose="020B0604020202020204" pitchFamily="34" charset="0"/>
+                <a:cs typeface="Arial" panose="020B0604020202020204" pitchFamily="34" charset="0"/>
+              </a:rPr>
+              <a:t>gráfica </a:t>
+            </a:r>
+            <a:r>
+              <a:rPr lang="es-CO" sz="900" dirty="0">
+                <a:solidFill>
+                  <a:schemeClr val="tx1"/>
+                </a:solidFill>
+                <a:latin typeface="Arial" panose="020B0604020202020204" pitchFamily="34" charset="0"/>
+                <a:cs typeface="Arial" panose="020B0604020202020204" pitchFamily="34" charset="0"/>
+              </a:rPr>
+              <a:t>es creciente </a:t>
             </a:r>
           </a:p>
           <a:p>
@@ -3025,7 +3271,8 @@
               <a:solidFill>
                 <a:srgbClr val="FF0000"/>
               </a:solidFill>
-              <a:cs typeface="Arial" pitchFamily="34" charset="0"/>
+              <a:latin typeface="Arial" panose="020B0604020202020204" pitchFamily="34" charset="0"/>
+              <a:cs typeface="Arial" panose="020B0604020202020204" pitchFamily="34" charset="0"/>
             </a:endParaRPr>
           </a:p>
           <a:p>
@@ -3035,7 +3282,8 @@
                 <a:solidFill>
                   <a:srgbClr val="FF0000"/>
                 </a:solidFill>
-                <a:cs typeface="Arial" pitchFamily="34" charset="0"/>
+                <a:latin typeface="Arial" panose="020B0604020202020204" pitchFamily="34" charset="0"/>
+                <a:cs typeface="Arial" panose="020B0604020202020204" pitchFamily="34" charset="0"/>
               </a:rPr>
               <a:t> </a:t>
             </a:r>
@@ -3043,7 +3291,8 @@
               <a:solidFill>
                 <a:srgbClr val="FF0000"/>
               </a:solidFill>
-              <a:cs typeface="Arial" pitchFamily="34" charset="0"/>
+              <a:latin typeface="Arial" panose="020B0604020202020204" pitchFamily="34" charset="0"/>
+              <a:cs typeface="Arial" panose="020B0604020202020204" pitchFamily="34" charset="0"/>
             </a:endParaRPr>
           </a:p>
         </p:txBody>
@@ -3556,7 +3805,8 @@
               <a:solidFill>
                 <a:schemeClr val="tx1"/>
               </a:solidFill>
-              <a:cs typeface="Arial" pitchFamily="34" charset="0"/>
+              <a:latin typeface="Arial" panose="020B0604020202020204" pitchFamily="34" charset="0"/>
+              <a:cs typeface="Arial" panose="020B0604020202020204" pitchFamily="34" charset="0"/>
             </a:endParaRPr>
           </a:p>
           <a:p>
@@ -3566,7 +3816,8 @@
                 <a:solidFill>
                   <a:schemeClr val="tx1"/>
                 </a:solidFill>
-                <a:cs typeface="Arial" pitchFamily="34" charset="0"/>
+                <a:latin typeface="Arial" panose="020B0604020202020204" pitchFamily="34" charset="0"/>
+                <a:cs typeface="Arial" panose="020B0604020202020204" pitchFamily="34" charset="0"/>
               </a:rPr>
               <a:t>Dominio   </a:t>
             </a:r>
@@ -3575,6 +3826,8 @@
                 <a:solidFill>
                   <a:schemeClr val="tx1"/>
                 </a:solidFill>
+                <a:latin typeface="Arial" panose="020B0604020202020204" pitchFamily="34" charset="0"/>
+                <a:cs typeface="Arial" panose="020B0604020202020204" pitchFamily="34" charset="0"/>
               </a:rPr>
               <a:t>ℝ</a:t>
             </a:r>
@@ -3586,7 +3839,8 @@
                 <a:solidFill>
                   <a:schemeClr val="tx1"/>
                 </a:solidFill>
-                <a:cs typeface="Arial" pitchFamily="34" charset="0"/>
+                <a:latin typeface="Arial" panose="020B0604020202020204" pitchFamily="34" charset="0"/>
+                <a:cs typeface="Arial" panose="020B0604020202020204" pitchFamily="34" charset="0"/>
               </a:rPr>
               <a:t>  Rango   </a:t>
             </a:r>
@@ -3595,6 +3849,8 @@
                 <a:solidFill>
                   <a:schemeClr val="tx1"/>
                 </a:solidFill>
+                <a:latin typeface="Arial" panose="020B0604020202020204" pitchFamily="34" charset="0"/>
+                <a:cs typeface="Arial" panose="020B0604020202020204" pitchFamily="34" charset="0"/>
               </a:rPr>
               <a:t>ℝ</a:t>
             </a:r>
@@ -3603,7 +3859,8 @@
                 <a:solidFill>
                   <a:schemeClr val="tx1"/>
                 </a:solidFill>
-                <a:cs typeface="Arial" pitchFamily="34" charset="0"/>
+                <a:latin typeface="Arial" panose="020B0604020202020204" pitchFamily="34" charset="0"/>
+                <a:cs typeface="Arial" panose="020B0604020202020204" pitchFamily="34" charset="0"/>
               </a:rPr>
               <a:t> </a:t>
             </a:r>
@@ -3612,7 +3869,8 @@
                 <a:solidFill>
                   <a:schemeClr val="tx1"/>
                 </a:solidFill>
-                <a:cs typeface="Arial" pitchFamily="34" charset="0"/>
+                <a:latin typeface="Arial" panose="020B0604020202020204" pitchFamily="34" charset="0"/>
+                <a:cs typeface="Arial" panose="020B0604020202020204" pitchFamily="34" charset="0"/>
               </a:rPr>
               <a:t>+</a:t>
             </a:r>
@@ -3621,7 +3879,8 @@
                 <a:solidFill>
                   <a:schemeClr val="tx1"/>
                 </a:solidFill>
-                <a:cs typeface="Arial" pitchFamily="34" charset="0"/>
+                <a:latin typeface="Arial" panose="020B0604020202020204" pitchFamily="34" charset="0"/>
+                <a:cs typeface="Arial" panose="020B0604020202020204" pitchFamily="34" charset="0"/>
               </a:rPr>
               <a:t>  </a:t>
             </a:r>
@@ -3629,7 +3888,8 @@
               <a:solidFill>
                 <a:schemeClr val="tx1"/>
               </a:solidFill>
-              <a:cs typeface="Arial" pitchFamily="34" charset="0"/>
+              <a:latin typeface="Arial" panose="020B0604020202020204" pitchFamily="34" charset="0"/>
+              <a:cs typeface="Arial" panose="020B0604020202020204" pitchFamily="34" charset="0"/>
             </a:endParaRPr>
           </a:p>
           <a:p>
@@ -3638,7 +3898,8 @@
               <a:solidFill>
                 <a:schemeClr val="tx1"/>
               </a:solidFill>
-              <a:cs typeface="Arial" pitchFamily="34" charset="0"/>
+              <a:latin typeface="Arial" panose="020B0604020202020204" pitchFamily="34" charset="0"/>
+              <a:cs typeface="Arial" panose="020B0604020202020204" pitchFamily="34" charset="0"/>
             </a:endParaRPr>
           </a:p>
         </p:txBody>
@@ -3727,7 +3988,8 @@
                 <a:solidFill>
                   <a:schemeClr val="tx1"/>
                 </a:solidFill>
-                <a:cs typeface="Arial" pitchFamily="34" charset="0"/>
+                <a:latin typeface="Arial" panose="020B0604020202020204" pitchFamily="34" charset="0"/>
+                <a:cs typeface="Arial" panose="020B0604020202020204" pitchFamily="34" charset="0"/>
               </a:rPr>
               <a:t>  </a:t>
             </a:r>
@@ -3735,7 +3997,8 @@
               <a:solidFill>
                 <a:schemeClr val="tx1"/>
               </a:solidFill>
-              <a:cs typeface="Arial" pitchFamily="34" charset="0"/>
+              <a:latin typeface="Arial" panose="020B0604020202020204" pitchFamily="34" charset="0"/>
+              <a:cs typeface="Arial" panose="020B0604020202020204" pitchFamily="34" charset="0"/>
             </a:endParaRPr>
           </a:p>
           <a:p>
@@ -3745,7 +4008,8 @@
                 <a:solidFill>
                   <a:schemeClr val="tx1"/>
                 </a:solidFill>
-                <a:cs typeface="Arial" pitchFamily="34" charset="0"/>
+                <a:latin typeface="Arial" panose="020B0604020202020204" pitchFamily="34" charset="0"/>
+                <a:cs typeface="Arial" panose="020B0604020202020204" pitchFamily="34" charset="0"/>
               </a:rPr>
               <a:t>Continuas  en    </a:t>
             </a:r>
@@ -3757,6 +4021,8 @@
                 <a:solidFill>
                   <a:schemeClr val="tx1"/>
                 </a:solidFill>
+                <a:latin typeface="Arial" panose="020B0604020202020204" pitchFamily="34" charset="0"/>
+                <a:cs typeface="Arial" panose="020B0604020202020204" pitchFamily="34" charset="0"/>
               </a:rPr>
               <a:t>ℝ</a:t>
             </a:r>
@@ -3765,7 +4031,8 @@
                 <a:solidFill>
                   <a:schemeClr val="tx1"/>
                 </a:solidFill>
-                <a:cs typeface="Arial" pitchFamily="34" charset="0"/>
+                <a:latin typeface="Arial" panose="020B0604020202020204" pitchFamily="34" charset="0"/>
+                <a:cs typeface="Arial" panose="020B0604020202020204" pitchFamily="34" charset="0"/>
               </a:rPr>
               <a:t> </a:t>
             </a:r>
@@ -3774,7 +4041,8 @@
                 <a:solidFill>
                   <a:schemeClr val="tx1"/>
                 </a:solidFill>
-                <a:cs typeface="Arial" pitchFamily="34" charset="0"/>
+                <a:latin typeface="Arial" panose="020B0604020202020204" pitchFamily="34" charset="0"/>
+                <a:cs typeface="Arial" panose="020B0604020202020204" pitchFamily="34" charset="0"/>
               </a:rPr>
               <a:t>+</a:t>
             </a:r>
@@ -3783,7 +4051,8 @@
                 <a:solidFill>
                   <a:schemeClr val="tx1"/>
                 </a:solidFill>
-                <a:cs typeface="Arial" pitchFamily="34" charset="0"/>
+                <a:latin typeface="Arial" panose="020B0604020202020204" pitchFamily="34" charset="0"/>
+                <a:cs typeface="Arial" panose="020B0604020202020204" pitchFamily="34" charset="0"/>
               </a:rPr>
               <a:t>  </a:t>
             </a:r>
@@ -3791,7 +4060,8 @@
               <a:solidFill>
                 <a:schemeClr val="tx1"/>
               </a:solidFill>
-              <a:cs typeface="Arial" pitchFamily="34" charset="0"/>
+              <a:latin typeface="Arial" panose="020B0604020202020204" pitchFamily="34" charset="0"/>
+              <a:cs typeface="Arial" panose="020B0604020202020204" pitchFamily="34" charset="0"/>
             </a:endParaRPr>
           </a:p>
           <a:p>
@@ -3800,7 +4070,8 @@
               <a:solidFill>
                 <a:schemeClr val="tx1"/>
               </a:solidFill>
-              <a:cs typeface="Arial" pitchFamily="34" charset="0"/>
+              <a:latin typeface="Arial" panose="020B0604020202020204" pitchFamily="34" charset="0"/>
+              <a:cs typeface="Arial" panose="020B0604020202020204" pitchFamily="34" charset="0"/>
             </a:endParaRPr>
           </a:p>
         </p:txBody>
@@ -3849,7 +4120,8 @@
                 <a:solidFill>
                   <a:schemeClr val="tx1"/>
                 </a:solidFill>
-                <a:cs typeface="Arial" pitchFamily="34" charset="0"/>
+                <a:latin typeface="Arial" panose="020B0604020202020204" pitchFamily="34" charset="0"/>
+                <a:cs typeface="Arial" panose="020B0604020202020204" pitchFamily="34" charset="0"/>
               </a:rPr>
               <a:t>  </a:t>
             </a:r>
@@ -3857,7 +4129,8 @@
               <a:solidFill>
                 <a:schemeClr val="tx1"/>
               </a:solidFill>
-              <a:cs typeface="Arial" pitchFamily="34" charset="0"/>
+              <a:latin typeface="Arial" panose="020B0604020202020204" pitchFamily="34" charset="0"/>
+              <a:cs typeface="Arial" panose="020B0604020202020204" pitchFamily="34" charset="0"/>
             </a:endParaRPr>
           </a:p>
           <a:p>
@@ -3866,7 +4139,8 @@
                 <a:solidFill>
                   <a:schemeClr val="tx1"/>
                 </a:solidFill>
-                <a:cs typeface="Arial" pitchFamily="34" charset="0"/>
+                <a:latin typeface="Arial" panose="020B0604020202020204" pitchFamily="34" charset="0"/>
+                <a:cs typeface="Arial" panose="020B0604020202020204" pitchFamily="34" charset="0"/>
               </a:rPr>
               <a:t>Corta al eje Y en 1 , No corta al eje X</a:t>
             </a:r>
@@ -3877,7 +4151,8 @@
               <a:solidFill>
                 <a:schemeClr val="tx1"/>
               </a:solidFill>
-              <a:cs typeface="Arial" pitchFamily="34" charset="0"/>
+              <a:latin typeface="Arial" panose="020B0604020202020204" pitchFamily="34" charset="0"/>
+              <a:cs typeface="Arial" panose="020B0604020202020204" pitchFamily="34" charset="0"/>
             </a:endParaRPr>
           </a:p>
         </p:txBody>
@@ -3924,7 +4199,8 @@
                 <a:solidFill>
                   <a:schemeClr val="tx1"/>
                 </a:solidFill>
-                <a:cs typeface="Arial" pitchFamily="34" charset="0"/>
+                <a:latin typeface="Arial" panose="020B0604020202020204" pitchFamily="34" charset="0"/>
+                <a:cs typeface="Arial" panose="020B0604020202020204" pitchFamily="34" charset="0"/>
               </a:rPr>
               <a:t>se puede representar  </a:t>
             </a:r>
@@ -3932,7 +4208,8 @@
               <a:solidFill>
                 <a:schemeClr val="tx1"/>
               </a:solidFill>
-              <a:cs typeface="Arial" pitchFamily="34" charset="0"/>
+              <a:latin typeface="Arial" panose="020B0604020202020204" pitchFamily="34" charset="0"/>
+              <a:cs typeface="Arial" panose="020B0604020202020204" pitchFamily="34" charset="0"/>
             </a:endParaRPr>
           </a:p>
         </p:txBody>
@@ -4045,7 +4322,8 @@
                 <a:solidFill>
                   <a:schemeClr val="tx1"/>
                 </a:solidFill>
-                <a:cs typeface="Arial" pitchFamily="34" charset="0"/>
+                <a:latin typeface="Arial" panose="020B0604020202020204" pitchFamily="34" charset="0"/>
+                <a:cs typeface="Arial" panose="020B0604020202020204" pitchFamily="34" charset="0"/>
               </a:rPr>
               <a:t>de forma algebraica </a:t>
             </a:r>
@@ -4053,7 +4331,8 @@
               <a:solidFill>
                 <a:schemeClr val="tx1"/>
               </a:solidFill>
-              <a:cs typeface="Arial" pitchFamily="34" charset="0"/>
+              <a:latin typeface="Arial" panose="020B0604020202020204" pitchFamily="34" charset="0"/>
+              <a:cs typeface="Arial" panose="020B0604020202020204" pitchFamily="34" charset="0"/>
             </a:endParaRPr>
           </a:p>
         </p:txBody>
@@ -4218,7 +4497,8 @@
                 <a:solidFill>
                   <a:schemeClr val="tx1"/>
                 </a:solidFill>
-                <a:cs typeface="Arial" pitchFamily="34" charset="0"/>
+                <a:latin typeface="Arial" panose="020B0604020202020204" pitchFamily="34" charset="0"/>
+                <a:cs typeface="Arial" panose="020B0604020202020204" pitchFamily="34" charset="0"/>
               </a:rPr>
               <a:t>determina una   </a:t>
             </a:r>
@@ -4226,7 +4506,8 @@
               <a:solidFill>
                 <a:schemeClr val="tx1"/>
               </a:solidFill>
-              <a:cs typeface="Arial" pitchFamily="34" charset="0"/>
+              <a:latin typeface="Arial" panose="020B0604020202020204" pitchFamily="34" charset="0"/>
+              <a:cs typeface="Arial" panose="020B0604020202020204" pitchFamily="34" charset="0"/>
             </a:endParaRPr>
           </a:p>
         </p:txBody>
@@ -4313,15 +4594,27 @@
                 <a:solidFill>
                   <a:schemeClr val="tx1"/>
                 </a:solidFill>
-                <a:cs typeface="Arial" pitchFamily="34" charset="0"/>
-              </a:rPr>
-              <a:t>de forma grafica  </a:t>
+                <a:latin typeface="Arial" panose="020B0604020202020204" pitchFamily="34" charset="0"/>
+                <a:cs typeface="Arial" panose="020B0604020202020204" pitchFamily="34" charset="0"/>
+              </a:rPr>
+              <a:t>de forma </a:t>
+            </a:r>
+            <a:r>
+              <a:rPr lang="es-CO" sz="900" dirty="0" smtClean="0">
+                <a:solidFill>
+                  <a:schemeClr val="tx1"/>
+                </a:solidFill>
+                <a:latin typeface="Arial" panose="020B0604020202020204" pitchFamily="34" charset="0"/>
+                <a:cs typeface="Arial" panose="020B0604020202020204" pitchFamily="34" charset="0"/>
+              </a:rPr>
+              <a:t>gráfica  </a:t>
             </a:r>
             <a:endParaRPr lang="es-CO" sz="900" b="1" dirty="0">
               <a:solidFill>
                 <a:schemeClr val="tx1"/>
               </a:solidFill>
-              <a:cs typeface="Arial" pitchFamily="34" charset="0"/>
+              <a:latin typeface="Arial" panose="020B0604020202020204" pitchFamily="34" charset="0"/>
+              <a:cs typeface="Arial" panose="020B0604020202020204" pitchFamily="34" charset="0"/>
             </a:endParaRPr>
           </a:p>
         </p:txBody>
@@ -4368,32 +4661,47 @@
                 <a:solidFill>
                   <a:schemeClr val="tx1"/>
                 </a:solidFill>
-                <a:cs typeface="Arial" pitchFamily="34" charset="0"/>
+                <a:latin typeface="Arial" panose="020B0604020202020204" pitchFamily="34" charset="0"/>
+                <a:cs typeface="Arial" panose="020B0604020202020204" pitchFamily="34" charset="0"/>
               </a:rPr>
               <a:t>ecuación  logarítmica            y = log</a:t>
             </a:r>
             <a:r>
-              <a:rPr lang="es-ES_tradnl" sz="900" i="1" baseline="-25000" dirty="0">
-                <a:solidFill>
-                  <a:schemeClr val="tx1"/>
-                </a:solidFill>
-              </a:rPr>
-              <a:t>a</a:t>
-            </a:r>
-            <a:r>
-              <a:rPr lang="es-CO" sz="900" dirty="0" smtClean="0">
-                <a:solidFill>
-                  <a:schemeClr val="tx1"/>
-                </a:solidFill>
-                <a:cs typeface="Arial" pitchFamily="34" charset="0"/>
-              </a:rPr>
-              <a:t>x  </a:t>
+              <a:rPr lang="es-ES_tradnl" sz="900" i="1" baseline="-25000" dirty="0" smtClean="0">
+                <a:solidFill>
+                  <a:schemeClr val="tx1"/>
+                </a:solidFill>
+                <a:latin typeface="Arial" panose="020B0604020202020204" pitchFamily="34" charset="0"/>
+                <a:cs typeface="Arial" panose="020B0604020202020204" pitchFamily="34" charset="0"/>
+              </a:rPr>
+              <a:t>a </a:t>
+            </a:r>
+            <a:r>
+              <a:rPr lang="es-CO" sz="900" i="1" dirty="0" smtClean="0">
+                <a:solidFill>
+                  <a:schemeClr val="tx1"/>
+                </a:solidFill>
+                <a:latin typeface="Arial" panose="020B0604020202020204" pitchFamily="34" charset="0"/>
+                <a:cs typeface="Arial" panose="020B0604020202020204" pitchFamily="34" charset="0"/>
+              </a:rPr>
+              <a:t>x</a:t>
+            </a:r>
+            <a:r>
+              <a:rPr lang="es-CO" sz="900" dirty="0" smtClean="0">
+                <a:solidFill>
+                  <a:schemeClr val="tx1"/>
+                </a:solidFill>
+                <a:latin typeface="Arial" panose="020B0604020202020204" pitchFamily="34" charset="0"/>
+                <a:cs typeface="Arial" panose="020B0604020202020204" pitchFamily="34" charset="0"/>
+              </a:rPr>
+              <a:t>  </a:t>
             </a:r>
             <a:endParaRPr lang="es-CO" sz="900" dirty="0">
               <a:solidFill>
                 <a:schemeClr val="tx1"/>
               </a:solidFill>
-              <a:cs typeface="Arial" pitchFamily="34" charset="0"/>
+              <a:latin typeface="Arial" panose="020B0604020202020204" pitchFamily="34" charset="0"/>
+              <a:cs typeface="Arial" panose="020B0604020202020204" pitchFamily="34" charset="0"/>
             </a:endParaRPr>
           </a:p>
         </p:txBody>
@@ -4477,7 +4785,8 @@
                 <a:solidFill>
                   <a:schemeClr val="tx1"/>
                 </a:solidFill>
-                <a:cs typeface="Arial" pitchFamily="34" charset="0"/>
+                <a:latin typeface="Arial" panose="020B0604020202020204" pitchFamily="34" charset="0"/>
+                <a:cs typeface="Arial" panose="020B0604020202020204" pitchFamily="34" charset="0"/>
               </a:rPr>
               <a:t>ejemplo    </a:t>
             </a:r>
@@ -4485,7 +4794,8 @@
               <a:solidFill>
                 <a:schemeClr val="tx1"/>
               </a:solidFill>
-              <a:cs typeface="Arial" pitchFamily="34" charset="0"/>
+              <a:latin typeface="Arial" panose="020B0604020202020204" pitchFamily="34" charset="0"/>
+              <a:cs typeface="Arial" panose="020B0604020202020204" pitchFamily="34" charset="0"/>
             </a:endParaRPr>
           </a:p>
         </p:txBody>
@@ -4569,7 +4879,8 @@
                 <a:solidFill>
                   <a:schemeClr val="tx1"/>
                 </a:solidFill>
-                <a:cs typeface="Arial" pitchFamily="34" charset="0"/>
+                <a:latin typeface="Arial" panose="020B0604020202020204" pitchFamily="34" charset="0"/>
+                <a:cs typeface="Arial" panose="020B0604020202020204" pitchFamily="34" charset="0"/>
               </a:rPr>
               <a:t>y =log </a:t>
             </a:r>
@@ -4578,7 +4889,8 @@
                 <a:solidFill>
                   <a:schemeClr val="tx1"/>
                 </a:solidFill>
-                <a:cs typeface="Arial" pitchFamily="34" charset="0"/>
+                <a:latin typeface="Arial" panose="020B0604020202020204" pitchFamily="34" charset="0"/>
+                <a:cs typeface="Arial" panose="020B0604020202020204" pitchFamily="34" charset="0"/>
               </a:rPr>
               <a:t>3</a:t>
             </a:r>
@@ -4587,7 +4899,8 @@
                 <a:solidFill>
                   <a:schemeClr val="tx1"/>
                 </a:solidFill>
-                <a:cs typeface="Arial" pitchFamily="34" charset="0"/>
+                <a:latin typeface="Arial" panose="020B0604020202020204" pitchFamily="34" charset="0"/>
+                <a:cs typeface="Arial" panose="020B0604020202020204" pitchFamily="34" charset="0"/>
               </a:rPr>
               <a:t> x  </a:t>
             </a:r>
@@ -4595,7 +4908,8 @@
               <a:solidFill>
                 <a:schemeClr val="tx1"/>
               </a:solidFill>
-              <a:cs typeface="Arial" pitchFamily="34" charset="0"/>
+              <a:latin typeface="Arial" panose="020B0604020202020204" pitchFamily="34" charset="0"/>
+              <a:cs typeface="Arial" panose="020B0604020202020204" pitchFamily="34" charset="0"/>
             </a:endParaRPr>
           </a:p>
         </p:txBody>
@@ -4717,7 +5031,8 @@
                 <a:solidFill>
                   <a:schemeClr val="tx1"/>
                 </a:solidFill>
-                <a:cs typeface="Arial" pitchFamily="34" charset="0"/>
+                <a:latin typeface="Arial" panose="020B0604020202020204" pitchFamily="34" charset="0"/>
+                <a:cs typeface="Arial" panose="020B0604020202020204" pitchFamily="34" charset="0"/>
               </a:rPr>
               <a:t>ejemplo    </a:t>
             </a:r>
@@ -4725,7 +5040,8 @@
               <a:solidFill>
                 <a:schemeClr val="tx1"/>
               </a:solidFill>
-              <a:cs typeface="Arial" pitchFamily="34" charset="0"/>
+              <a:latin typeface="Arial" panose="020B0604020202020204" pitchFamily="34" charset="0"/>
+              <a:cs typeface="Arial" panose="020B0604020202020204" pitchFamily="34" charset="0"/>
             </a:endParaRPr>
           </a:p>
         </p:txBody>
@@ -4808,7 +5124,8 @@
                 <a:solidFill>
                   <a:srgbClr val="FF0000"/>
                 </a:solidFill>
-                <a:cs typeface="Arial" pitchFamily="34" charset="0"/>
+                <a:latin typeface="Arial" panose="020B0604020202020204" pitchFamily="34" charset="0"/>
+                <a:cs typeface="Arial" panose="020B0604020202020204" pitchFamily="34" charset="0"/>
               </a:rPr>
               <a:t>    </a:t>
             </a:r>
@@ -4820,7 +5137,8 @@
                 <a:solidFill>
                   <a:schemeClr val="tx1"/>
                 </a:solidFill>
-                <a:cs typeface="Arial" pitchFamily="34" charset="0"/>
+                <a:latin typeface="Arial" panose="020B0604020202020204" pitchFamily="34" charset="0"/>
+                <a:cs typeface="Arial" panose="020B0604020202020204" pitchFamily="34" charset="0"/>
               </a:rPr>
               <a:t>0 &lt; </a:t>
             </a:r>
@@ -4829,6 +5147,8 @@
                 <a:solidFill>
                   <a:schemeClr val="tx1"/>
                 </a:solidFill>
+                <a:latin typeface="Arial" panose="020B0604020202020204" pitchFamily="34" charset="0"/>
+                <a:cs typeface="Arial" panose="020B0604020202020204" pitchFamily="34" charset="0"/>
               </a:rPr>
               <a:t>a</a:t>
             </a:r>
@@ -4837,7 +5157,8 @@
                 <a:solidFill>
                   <a:schemeClr val="tx1"/>
                 </a:solidFill>
-                <a:cs typeface="Arial" pitchFamily="34" charset="0"/>
+                <a:latin typeface="Arial" panose="020B0604020202020204" pitchFamily="34" charset="0"/>
+                <a:cs typeface="Arial" panose="020B0604020202020204" pitchFamily="34" charset="0"/>
               </a:rPr>
               <a:t> &lt; 1 </a:t>
             </a:r>
@@ -4846,7 +5167,8 @@
                 <a:solidFill>
                   <a:schemeClr val="tx1"/>
                 </a:solidFill>
-                <a:cs typeface="Arial" pitchFamily="34" charset="0"/>
+                <a:latin typeface="Arial" panose="020B0604020202020204" pitchFamily="34" charset="0"/>
+                <a:cs typeface="Arial" panose="020B0604020202020204" pitchFamily="34" charset="0"/>
               </a:rPr>
               <a:t>la grafica es decreciente   </a:t>
             </a:r>
@@ -4858,7 +5180,8 @@
                 <a:solidFill>
                   <a:srgbClr val="FF0000"/>
                 </a:solidFill>
-                <a:cs typeface="Arial" pitchFamily="34" charset="0"/>
+                <a:latin typeface="Arial" panose="020B0604020202020204" pitchFamily="34" charset="0"/>
+                <a:cs typeface="Arial" panose="020B0604020202020204" pitchFamily="34" charset="0"/>
               </a:rPr>
               <a:t> </a:t>
             </a:r>
@@ -4866,7 +5189,8 @@
               <a:solidFill>
                 <a:srgbClr val="FF0000"/>
               </a:solidFill>
-              <a:cs typeface="Arial" pitchFamily="34" charset="0"/>
+              <a:latin typeface="Arial" panose="020B0604020202020204" pitchFamily="34" charset="0"/>
+              <a:cs typeface="Arial" panose="020B0604020202020204" pitchFamily="34" charset="0"/>
             </a:endParaRPr>
           </a:p>
         </p:txBody>
@@ -4947,7 +5271,8 @@
                 <a:solidFill>
                   <a:srgbClr val="FF0000"/>
                 </a:solidFill>
-                <a:cs typeface="Arial" pitchFamily="34" charset="0"/>
+                <a:latin typeface="Arial" panose="020B0604020202020204" pitchFamily="34" charset="0"/>
+                <a:cs typeface="Arial" panose="020B0604020202020204" pitchFamily="34" charset="0"/>
               </a:rPr>
               <a:t> </a:t>
             </a:r>
@@ -4958,7 +5283,8 @@
               <a:solidFill>
                 <a:srgbClr val="FF0000"/>
               </a:solidFill>
-              <a:cs typeface="Arial" pitchFamily="34" charset="0"/>
+              <a:latin typeface="Arial" panose="020B0604020202020204" pitchFamily="34" charset="0"/>
+              <a:cs typeface="Arial" panose="020B0604020202020204" pitchFamily="34" charset="0"/>
             </a:endParaRPr>
           </a:p>
           <a:p>
@@ -4968,6 +5294,8 @@
                 <a:solidFill>
                   <a:schemeClr val="bg1"/>
                 </a:solidFill>
+                <a:latin typeface="Arial" panose="020B0604020202020204" pitchFamily="34" charset="0"/>
+                <a:cs typeface="Arial" panose="020B0604020202020204" pitchFamily="34" charset="0"/>
               </a:rPr>
               <a:t>a</a:t>
             </a:r>
@@ -4976,6 +5304,8 @@
                 <a:solidFill>
                   <a:schemeClr val="tx1"/>
                 </a:solidFill>
+                <a:latin typeface="Arial" panose="020B0604020202020204" pitchFamily="34" charset="0"/>
+                <a:cs typeface="Arial" panose="020B0604020202020204" pitchFamily="34" charset="0"/>
               </a:rPr>
               <a:t>a</a:t>
             </a:r>
@@ -4984,7 +5314,8 @@
                 <a:solidFill>
                   <a:schemeClr val="tx1"/>
                 </a:solidFill>
-                <a:cs typeface="Arial" pitchFamily="34" charset="0"/>
+                <a:latin typeface="Arial" panose="020B0604020202020204" pitchFamily="34" charset="0"/>
+                <a:cs typeface="Arial" panose="020B0604020202020204" pitchFamily="34" charset="0"/>
               </a:rPr>
               <a:t> &gt; 1 </a:t>
             </a:r>
@@ -4993,7 +5324,8 @@
                 <a:solidFill>
                   <a:schemeClr val="tx1"/>
                 </a:solidFill>
-                <a:cs typeface="Arial" pitchFamily="34" charset="0"/>
+                <a:latin typeface="Arial" panose="020B0604020202020204" pitchFamily="34" charset="0"/>
+                <a:cs typeface="Arial" panose="020B0604020202020204" pitchFamily="34" charset="0"/>
               </a:rPr>
               <a:t>la grafica es creciente </a:t>
             </a:r>
@@ -5004,7 +5336,8 @@
               <a:solidFill>
                 <a:srgbClr val="FF0000"/>
               </a:solidFill>
-              <a:cs typeface="Arial" pitchFamily="34" charset="0"/>
+              <a:latin typeface="Arial" panose="020B0604020202020204" pitchFamily="34" charset="0"/>
+              <a:cs typeface="Arial" panose="020B0604020202020204" pitchFamily="34" charset="0"/>
             </a:endParaRPr>
           </a:p>
           <a:p>
@@ -5014,7 +5347,8 @@
                 <a:solidFill>
                   <a:srgbClr val="FF0000"/>
                 </a:solidFill>
-                <a:cs typeface="Arial" pitchFamily="34" charset="0"/>
+                <a:latin typeface="Arial" panose="020B0604020202020204" pitchFamily="34" charset="0"/>
+                <a:cs typeface="Arial" panose="020B0604020202020204" pitchFamily="34" charset="0"/>
               </a:rPr>
               <a:t> </a:t>
             </a:r>
@@ -5022,7 +5356,8 @@
               <a:solidFill>
                 <a:srgbClr val="FF0000"/>
               </a:solidFill>
-              <a:cs typeface="Arial" pitchFamily="34" charset="0"/>
+              <a:latin typeface="Arial" panose="020B0604020202020204" pitchFamily="34" charset="0"/>
+              <a:cs typeface="Arial" panose="020B0604020202020204" pitchFamily="34" charset="0"/>
             </a:endParaRPr>
           </a:p>
         </p:txBody>
@@ -5315,8 +5650,8 @@
         </p:blipFill>
         <p:spPr bwMode="auto">
           <a:xfrm>
-            <a:off x="10457731" y="7530340"/>
-            <a:ext cx="1394251" cy="1466479"/>
+            <a:off x="10830457" y="7530341"/>
+            <a:ext cx="1021525" cy="1074444"/>
           </a:xfrm>
           <a:prstGeom prst="rect">
             <a:avLst/>
@@ -5553,19 +5888,41 @@
           <a:p>
             <a:pPr algn="ctr"/>
             <a:r>
-              <a:rPr lang="es-CO" sz="900" dirty="0" smtClean="0">
-                <a:solidFill>
-                  <a:schemeClr val="tx1"/>
-                </a:solidFill>
-                <a:cs typeface="Arial" pitchFamily="34" charset="0"/>
-              </a:rPr>
-              <a:t>Sus características  son   </a:t>
+              <a:rPr lang="es-CO" sz="900" dirty="0">
+                <a:solidFill>
+                  <a:schemeClr val="tx1"/>
+                </a:solidFill>
+                <a:latin typeface="Arial" panose="020B0604020202020204" pitchFamily="34" charset="0"/>
+                <a:cs typeface="Arial" panose="020B0604020202020204" pitchFamily="34" charset="0"/>
+              </a:rPr>
+              <a:t>s</a:t>
+            </a:r>
+            <a:r>
+              <a:rPr lang="es-CO" sz="900" dirty="0" smtClean="0">
+                <a:solidFill>
+                  <a:schemeClr val="tx1"/>
+                </a:solidFill>
+                <a:latin typeface="Arial" panose="020B0604020202020204" pitchFamily="34" charset="0"/>
+                <a:cs typeface="Arial" panose="020B0604020202020204" pitchFamily="34" charset="0"/>
+              </a:rPr>
+              <a:t>us </a:t>
+            </a:r>
+            <a:r>
+              <a:rPr lang="es-CO" sz="900" dirty="0" smtClean="0">
+                <a:solidFill>
+                  <a:schemeClr val="tx1"/>
+                </a:solidFill>
+                <a:latin typeface="Arial" panose="020B0604020202020204" pitchFamily="34" charset="0"/>
+                <a:cs typeface="Arial" panose="020B0604020202020204" pitchFamily="34" charset="0"/>
+              </a:rPr>
+              <a:t>características  son   </a:t>
             </a:r>
             <a:endParaRPr lang="es-CO" sz="900" dirty="0">
               <a:solidFill>
                 <a:schemeClr val="tx1"/>
               </a:solidFill>
-              <a:cs typeface="Arial" pitchFamily="34" charset="0"/>
+              <a:latin typeface="Arial" panose="020B0604020202020204" pitchFamily="34" charset="0"/>
+              <a:cs typeface="Arial" panose="020B0604020202020204" pitchFamily="34" charset="0"/>
             </a:endParaRPr>
           </a:p>
         </p:txBody>
@@ -5653,25 +6010,39 @@
               <a:solidFill>
                 <a:schemeClr val="tx1"/>
               </a:solidFill>
-              <a:cs typeface="Arial" pitchFamily="34" charset="0"/>
+              <a:latin typeface="Arial" panose="020B0604020202020204" pitchFamily="34" charset="0"/>
+              <a:cs typeface="Arial" panose="020B0604020202020204" pitchFamily="34" charset="0"/>
             </a:endParaRPr>
           </a:p>
           <a:p>
             <a:pPr algn="ctr"/>
             <a:r>
-              <a:rPr lang="es-CO" sz="900" dirty="0" smtClean="0">
-                <a:solidFill>
-                  <a:schemeClr val="tx1"/>
-                </a:solidFill>
-                <a:cs typeface="Arial" pitchFamily="34" charset="0"/>
-              </a:rPr>
-              <a:t>dominio   </a:t>
+              <a:rPr lang="es-CO" sz="900" dirty="0">
+                <a:solidFill>
+                  <a:schemeClr val="tx1"/>
+                </a:solidFill>
+                <a:latin typeface="Arial" panose="020B0604020202020204" pitchFamily="34" charset="0"/>
+                <a:cs typeface="Arial" panose="020B0604020202020204" pitchFamily="34" charset="0"/>
+              </a:rPr>
+              <a:t>D</a:t>
+            </a:r>
+            <a:r>
+              <a:rPr lang="es-CO" sz="900" dirty="0" smtClean="0">
+                <a:solidFill>
+                  <a:schemeClr val="tx1"/>
+                </a:solidFill>
+                <a:latin typeface="Arial" panose="020B0604020202020204" pitchFamily="34" charset="0"/>
+                <a:cs typeface="Arial" panose="020B0604020202020204" pitchFamily="34" charset="0"/>
+              </a:rPr>
+              <a:t>ominio   </a:t>
             </a:r>
             <a:r>
               <a:rPr lang="es-ES_tradnl" sz="900" i="1" dirty="0" smtClean="0">
                 <a:solidFill>
                   <a:schemeClr val="tx1"/>
                 </a:solidFill>
+                <a:latin typeface="Arial" panose="020B0604020202020204" pitchFamily="34" charset="0"/>
+                <a:cs typeface="Arial" panose="020B0604020202020204" pitchFamily="34" charset="0"/>
               </a:rPr>
               <a:t>ℝ</a:t>
             </a:r>
@@ -5683,7 +6054,8 @@
                 <a:solidFill>
                   <a:schemeClr val="tx1"/>
                 </a:solidFill>
-                <a:cs typeface="Arial" pitchFamily="34" charset="0"/>
+                <a:latin typeface="Arial" panose="020B0604020202020204" pitchFamily="34" charset="0"/>
+                <a:cs typeface="Arial" panose="020B0604020202020204" pitchFamily="34" charset="0"/>
               </a:rPr>
               <a:t>  Rango   </a:t>
             </a:r>
@@ -5692,6 +6064,8 @@
                 <a:solidFill>
                   <a:schemeClr val="tx1"/>
                 </a:solidFill>
+                <a:latin typeface="Arial" panose="020B0604020202020204" pitchFamily="34" charset="0"/>
+                <a:cs typeface="Arial" panose="020B0604020202020204" pitchFamily="34" charset="0"/>
               </a:rPr>
               <a:t>ℝ</a:t>
             </a:r>
@@ -5700,7 +6074,8 @@
                 <a:solidFill>
                   <a:schemeClr val="tx1"/>
                 </a:solidFill>
-                <a:cs typeface="Arial" pitchFamily="34" charset="0"/>
+                <a:latin typeface="Arial" panose="020B0604020202020204" pitchFamily="34" charset="0"/>
+                <a:cs typeface="Arial" panose="020B0604020202020204" pitchFamily="34" charset="0"/>
               </a:rPr>
               <a:t> </a:t>
             </a:r>
@@ -5709,10 +6084,212 @@
                 <a:solidFill>
                   <a:schemeClr val="tx1"/>
                 </a:solidFill>
-                <a:cs typeface="Arial" pitchFamily="34" charset="0"/>
+                <a:latin typeface="Arial" panose="020B0604020202020204" pitchFamily="34" charset="0"/>
+                <a:cs typeface="Arial" panose="020B0604020202020204" pitchFamily="34" charset="0"/>
               </a:rPr>
               <a:t>+</a:t>
             </a:r>
+            <a:r>
+              <a:rPr lang="es-CO" sz="900" dirty="0" smtClean="0">
+                <a:solidFill>
+                  <a:schemeClr val="tx1"/>
+                </a:solidFill>
+                <a:latin typeface="Arial" panose="020B0604020202020204" pitchFamily="34" charset="0"/>
+                <a:cs typeface="Arial" panose="020B0604020202020204" pitchFamily="34" charset="0"/>
+              </a:rPr>
+              <a:t>  </a:t>
+            </a:r>
+            <a:endParaRPr lang="es-CO" sz="900" b="1" dirty="0" smtClean="0">
+              <a:solidFill>
+                <a:schemeClr val="tx1"/>
+              </a:solidFill>
+              <a:latin typeface="Arial" panose="020B0604020202020204" pitchFamily="34" charset="0"/>
+              <a:cs typeface="Arial" panose="020B0604020202020204" pitchFamily="34" charset="0"/>
+            </a:endParaRPr>
+          </a:p>
+          <a:p>
+            <a:pPr algn="ctr"/>
+            <a:endParaRPr lang="es-CO" sz="900" b="1" dirty="0">
+              <a:solidFill>
+                <a:schemeClr val="tx1"/>
+              </a:solidFill>
+              <a:latin typeface="Arial" panose="020B0604020202020204" pitchFamily="34" charset="0"/>
+              <a:cs typeface="Arial" panose="020B0604020202020204" pitchFamily="34" charset="0"/>
+            </a:endParaRPr>
+          </a:p>
+        </p:txBody>
+      </p:sp>
+      <p:sp>
+        <p:nvSpPr>
+          <p:cNvPr id="111" name="Rectángulo 33"/>
+          <p:cNvSpPr/>
+          <p:nvPr/>
+        </p:nvSpPr>
+        <p:spPr>
+          <a:xfrm>
+            <a:off x="12215222" y="5011089"/>
+            <a:ext cx="950457" cy="449386"/>
+          </a:xfrm>
+          <a:prstGeom prst="rect">
+            <a:avLst/>
+          </a:prstGeom>
+          <a:solidFill>
+            <a:schemeClr val="bg2">
+              <a:lumMod val="90000"/>
+            </a:schemeClr>
+          </a:solidFill>
+        </p:spPr>
+        <p:style>
+          <a:lnRef idx="2">
+            <a:schemeClr val="dk1"/>
+          </a:lnRef>
+          <a:fillRef idx="1">
+            <a:schemeClr val="lt1"/>
+          </a:fillRef>
+          <a:effectRef idx="0">
+            <a:schemeClr val="dk1"/>
+          </a:effectRef>
+          <a:fontRef idx="minor">
+            <a:schemeClr val="dk1"/>
+          </a:fontRef>
+        </p:style>
+        <p:txBody>
+          <a:bodyPr lIns="105683" tIns="52841" rIns="105683" bIns="52841" rtlCol="0" anchor="ctr"/>
+          <a:lstStyle/>
+          <a:p>
+            <a:pPr algn="ctr"/>
+            <a:r>
+              <a:rPr lang="es-CO" sz="900" dirty="0" smtClean="0">
+                <a:solidFill>
+                  <a:schemeClr val="tx1"/>
+                </a:solidFill>
+                <a:latin typeface="Arial" panose="020B0604020202020204" pitchFamily="34" charset="0"/>
+                <a:cs typeface="Arial" panose="020B0604020202020204" pitchFamily="34" charset="0"/>
+              </a:rPr>
+              <a:t>  </a:t>
+            </a:r>
+            <a:endParaRPr lang="es-CO" sz="900" b="1" dirty="0" smtClean="0">
+              <a:solidFill>
+                <a:schemeClr val="tx1"/>
+              </a:solidFill>
+              <a:latin typeface="Arial" panose="020B0604020202020204" pitchFamily="34" charset="0"/>
+              <a:cs typeface="Arial" panose="020B0604020202020204" pitchFamily="34" charset="0"/>
+            </a:endParaRPr>
+          </a:p>
+          <a:p>
+            <a:pPr algn="ctr"/>
+            <a:r>
+              <a:rPr lang="es-CO" sz="900" dirty="0" smtClean="0">
+                <a:solidFill>
+                  <a:schemeClr val="tx1"/>
+                </a:solidFill>
+                <a:latin typeface="Arial" panose="020B0604020202020204" pitchFamily="34" charset="0"/>
+                <a:cs typeface="Arial" panose="020B0604020202020204" pitchFamily="34" charset="0"/>
+              </a:rPr>
+              <a:t>continuas  en    </a:t>
+            </a:r>
+          </a:p>
+          <a:p>
+            <a:pPr algn="ctr"/>
+            <a:r>
+              <a:rPr lang="es-ES_tradnl" sz="900" i="1" dirty="0" smtClean="0">
+                <a:solidFill>
+                  <a:schemeClr val="tx1"/>
+                </a:solidFill>
+                <a:latin typeface="Arial" panose="020B0604020202020204" pitchFamily="34" charset="0"/>
+                <a:cs typeface="Arial" panose="020B0604020202020204" pitchFamily="34" charset="0"/>
+              </a:rPr>
+              <a:t>ℝ</a:t>
+            </a:r>
+            <a:r>
+              <a:rPr lang="es-CO" sz="900" dirty="0" smtClean="0">
+                <a:solidFill>
+                  <a:schemeClr val="tx1"/>
+                </a:solidFill>
+                <a:latin typeface="Arial" panose="020B0604020202020204" pitchFamily="34" charset="0"/>
+                <a:cs typeface="Arial" panose="020B0604020202020204" pitchFamily="34" charset="0"/>
+              </a:rPr>
+              <a:t> </a:t>
+            </a:r>
+            <a:r>
+              <a:rPr lang="es-CO" sz="900" baseline="30000" dirty="0" smtClean="0">
+                <a:solidFill>
+                  <a:schemeClr val="tx1"/>
+                </a:solidFill>
+                <a:latin typeface="Arial" panose="020B0604020202020204" pitchFamily="34" charset="0"/>
+                <a:cs typeface="Arial" panose="020B0604020202020204" pitchFamily="34" charset="0"/>
+              </a:rPr>
+              <a:t>+</a:t>
+            </a:r>
+            <a:r>
+              <a:rPr lang="es-CO" sz="900" dirty="0" smtClean="0">
+                <a:solidFill>
+                  <a:schemeClr val="tx1"/>
+                </a:solidFill>
+                <a:latin typeface="Arial" panose="020B0604020202020204" pitchFamily="34" charset="0"/>
+                <a:cs typeface="Arial" panose="020B0604020202020204" pitchFamily="34" charset="0"/>
+              </a:rPr>
+              <a:t>  </a:t>
+            </a:r>
+            <a:endParaRPr lang="es-CO" sz="900" b="1" dirty="0" smtClean="0">
+              <a:solidFill>
+                <a:schemeClr val="tx1"/>
+              </a:solidFill>
+              <a:latin typeface="Arial" panose="020B0604020202020204" pitchFamily="34" charset="0"/>
+              <a:cs typeface="Arial" panose="020B0604020202020204" pitchFamily="34" charset="0"/>
+            </a:endParaRPr>
+          </a:p>
+          <a:p>
+            <a:pPr algn="ctr"/>
+            <a:endParaRPr lang="es-CO" sz="900" b="1" dirty="0">
+              <a:solidFill>
+                <a:schemeClr val="tx1"/>
+              </a:solidFill>
+              <a:latin typeface="Arial" panose="020B0604020202020204" pitchFamily="34" charset="0"/>
+              <a:cs typeface="Arial" panose="020B0604020202020204" pitchFamily="34" charset="0"/>
+            </a:endParaRPr>
+          </a:p>
+        </p:txBody>
+      </p:sp>
+      <p:sp>
+        <p:nvSpPr>
+          <p:cNvPr id="112" name="Rectángulo 33"/>
+          <p:cNvSpPr/>
+          <p:nvPr/>
+        </p:nvSpPr>
+        <p:spPr>
+          <a:xfrm>
+            <a:off x="12215222" y="5677767"/>
+            <a:ext cx="950457" cy="449386"/>
+          </a:xfrm>
+          <a:prstGeom prst="rect">
+            <a:avLst/>
+          </a:prstGeom>
+          <a:solidFill>
+            <a:schemeClr val="bg2">
+              <a:lumMod val="90000"/>
+            </a:schemeClr>
+          </a:solidFill>
+        </p:spPr>
+        <p:style>
+          <a:lnRef idx="2">
+            <a:schemeClr val="dk1"/>
+          </a:lnRef>
+          <a:fillRef idx="1">
+            <a:schemeClr val="lt1"/>
+          </a:fillRef>
+          <a:effectRef idx="0">
+            <a:schemeClr val="dk1"/>
+          </a:effectRef>
+          <a:fontRef idx="minor">
+            <a:schemeClr val="dk1"/>
+          </a:fontRef>
+        </p:style>
+        <p:txBody>
+          <a:bodyPr lIns="105683" tIns="52841" rIns="105683" bIns="52841" rtlCol="0" anchor="ctr"/>
+          <a:lstStyle/>
+          <a:p>
+            <a:pPr algn="ctr"/>
             <a:r>
               <a:rPr lang="es-CO" sz="900" dirty="0" smtClean="0">
                 <a:solidFill>
@@ -5730,205 +6307,17 @@
             </a:endParaRPr>
           </a:p>
           <a:p>
-            <a:pPr algn="ctr"/>
-            <a:endParaRPr lang="es-CO" sz="900" b="1" dirty="0">
-              <a:solidFill>
-                <a:schemeClr val="tx1"/>
-              </a:solidFill>
-              <a:cs typeface="Arial" pitchFamily="34" charset="0"/>
-            </a:endParaRPr>
-          </a:p>
-        </p:txBody>
-      </p:sp>
-      <p:sp>
-        <p:nvSpPr>
-          <p:cNvPr id="111" name="Rectángulo 33"/>
-          <p:cNvSpPr/>
-          <p:nvPr/>
-        </p:nvSpPr>
-        <p:spPr>
-          <a:xfrm>
-            <a:off x="12215222" y="5011089"/>
-            <a:ext cx="950457" cy="449386"/>
-          </a:xfrm>
-          <a:prstGeom prst="rect">
-            <a:avLst/>
-          </a:prstGeom>
-          <a:solidFill>
-            <a:schemeClr val="bg2">
-              <a:lumMod val="90000"/>
-            </a:schemeClr>
-          </a:solidFill>
-        </p:spPr>
-        <p:style>
-          <a:lnRef idx="2">
-            <a:schemeClr val="dk1"/>
-          </a:lnRef>
-          <a:fillRef idx="1">
-            <a:schemeClr val="lt1"/>
-          </a:fillRef>
-          <a:effectRef idx="0">
-            <a:schemeClr val="dk1"/>
-          </a:effectRef>
-          <a:fontRef idx="minor">
-            <a:schemeClr val="dk1"/>
-          </a:fontRef>
-        </p:style>
-        <p:txBody>
-          <a:bodyPr lIns="105683" tIns="52841" rIns="105683" bIns="52841" rtlCol="0" anchor="ctr"/>
-          <a:lstStyle/>
-          <a:p>
-            <a:pPr algn="ctr"/>
-            <a:r>
-              <a:rPr lang="es-CO" sz="900" dirty="0" smtClean="0">
+            <a:r>
+              <a:rPr lang="es-CO" sz="900" dirty="0">
                 <a:solidFill>
                   <a:schemeClr val="tx1"/>
                 </a:solidFill>
                 <a:cs typeface="Arial" pitchFamily="34" charset="0"/>
               </a:rPr>
-              <a:t>  </a:t>
-            </a:r>
-            <a:endParaRPr lang="es-CO" sz="900" b="1" dirty="0" smtClean="0">
-              <a:solidFill>
-                <a:schemeClr val="tx1"/>
-              </a:solidFill>
-              <a:cs typeface="Arial" pitchFamily="34" charset="0"/>
-            </a:endParaRPr>
-          </a:p>
-          <a:p>
-            <a:pPr algn="ctr"/>
-            <a:r>
-              <a:rPr lang="es-CO" sz="900" dirty="0" smtClean="0">
-                <a:solidFill>
-                  <a:schemeClr val="tx1"/>
-                </a:solidFill>
-                <a:cs typeface="Arial" pitchFamily="34" charset="0"/>
-              </a:rPr>
-              <a:t>continuas  en    </a:t>
-            </a:r>
-          </a:p>
-          <a:p>
-            <a:pPr algn="ctr"/>
-            <a:r>
-              <a:rPr lang="es-ES_tradnl" sz="900" i="1" dirty="0" smtClean="0">
-                <a:solidFill>
-                  <a:schemeClr val="tx1"/>
-                </a:solidFill>
-              </a:rPr>
-              <a:t>ℝ</a:t>
-            </a:r>
-            <a:r>
-              <a:rPr lang="es-CO" sz="900" dirty="0" smtClean="0">
-                <a:solidFill>
-                  <a:schemeClr val="tx1"/>
-                </a:solidFill>
-                <a:cs typeface="Arial" pitchFamily="34" charset="0"/>
-              </a:rPr>
-              <a:t> </a:t>
-            </a:r>
-            <a:r>
-              <a:rPr lang="es-CO" sz="900" baseline="30000" dirty="0" smtClean="0">
-                <a:solidFill>
-                  <a:schemeClr val="tx1"/>
-                </a:solidFill>
-                <a:cs typeface="Arial" pitchFamily="34" charset="0"/>
-              </a:rPr>
-              <a:t>+</a:t>
-            </a:r>
-            <a:r>
-              <a:rPr lang="es-CO" sz="900" dirty="0" smtClean="0">
-                <a:solidFill>
-                  <a:schemeClr val="tx1"/>
-                </a:solidFill>
-                <a:cs typeface="Arial" pitchFamily="34" charset="0"/>
-              </a:rPr>
-              <a:t>  </a:t>
-            </a:r>
-            <a:endParaRPr lang="es-CO" sz="900" b="1" dirty="0" smtClean="0">
-              <a:solidFill>
-                <a:schemeClr val="tx1"/>
-              </a:solidFill>
-              <a:cs typeface="Arial" pitchFamily="34" charset="0"/>
-            </a:endParaRPr>
-          </a:p>
-          <a:p>
-            <a:pPr algn="ctr"/>
-            <a:endParaRPr lang="es-CO" sz="900" b="1" dirty="0">
-              <a:solidFill>
-                <a:schemeClr val="tx1"/>
-              </a:solidFill>
-              <a:cs typeface="Arial" pitchFamily="34" charset="0"/>
-            </a:endParaRPr>
-          </a:p>
-        </p:txBody>
-      </p:sp>
-      <p:sp>
-        <p:nvSpPr>
-          <p:cNvPr id="112" name="Rectángulo 33"/>
-          <p:cNvSpPr/>
-          <p:nvPr/>
-        </p:nvSpPr>
-        <p:spPr>
-          <a:xfrm>
-            <a:off x="12215222" y="5677767"/>
-            <a:ext cx="950457" cy="449386"/>
-          </a:xfrm>
-          <a:prstGeom prst="rect">
-            <a:avLst/>
-          </a:prstGeom>
-          <a:solidFill>
-            <a:schemeClr val="bg2">
-              <a:lumMod val="90000"/>
-            </a:schemeClr>
-          </a:solidFill>
-        </p:spPr>
-        <p:style>
-          <a:lnRef idx="2">
-            <a:schemeClr val="dk1"/>
-          </a:lnRef>
-          <a:fillRef idx="1">
-            <a:schemeClr val="lt1"/>
-          </a:fillRef>
-          <a:effectRef idx="0">
-            <a:schemeClr val="dk1"/>
-          </a:effectRef>
-          <a:fontRef idx="minor">
-            <a:schemeClr val="dk1"/>
-          </a:fontRef>
-        </p:style>
-        <p:txBody>
-          <a:bodyPr lIns="105683" tIns="52841" rIns="105683" bIns="52841" rtlCol="0" anchor="ctr"/>
-          <a:lstStyle/>
-          <a:p>
-            <a:pPr algn="ctr"/>
-            <a:r>
-              <a:rPr lang="es-CO" sz="900" dirty="0" smtClean="0">
-                <a:solidFill>
-                  <a:schemeClr val="tx1"/>
-                </a:solidFill>
-                <a:cs typeface="Arial" pitchFamily="34" charset="0"/>
-              </a:rPr>
-              <a:t>  </a:t>
-            </a:r>
-            <a:endParaRPr lang="es-CO" sz="900" b="1" dirty="0" smtClean="0">
-              <a:solidFill>
-                <a:schemeClr val="tx1"/>
-              </a:solidFill>
-              <a:cs typeface="Arial" pitchFamily="34" charset="0"/>
-            </a:endParaRPr>
-          </a:p>
-          <a:p>
-            <a:r>
-              <a:rPr lang="es-CO" sz="900" dirty="0">
-                <a:solidFill>
-                  <a:schemeClr val="tx1"/>
-                </a:solidFill>
-                <a:cs typeface="Arial" pitchFamily="34" charset="0"/>
-              </a:rPr>
-              <a:t>c</a:t>
-            </a:r>
-            <a:r>
-              <a:rPr lang="es-CO" sz="900" smtClean="0">
+              <a:t>C</a:t>
+            </a:r>
+            <a:r>
+              <a:rPr lang="es-CO" sz="900" dirty="0" smtClean="0">
                 <a:solidFill>
                   <a:schemeClr val="tx1"/>
                 </a:solidFill>
@@ -6328,7 +6717,8 @@
                 <a:solidFill>
                   <a:schemeClr val="tx1"/>
                 </a:solidFill>
-                <a:cs typeface="Arial" pitchFamily="34" charset="0"/>
+                <a:latin typeface="Arial" panose="020B0604020202020204" pitchFamily="34" charset="0"/>
+                <a:cs typeface="Arial" panose="020B0604020202020204" pitchFamily="34" charset="0"/>
               </a:rPr>
               <a:t>crecimiento exponencial </a:t>
             </a:r>
@@ -6336,6 +6726,8 @@
               <a:solidFill>
                 <a:schemeClr val="tx1"/>
               </a:solidFill>
+              <a:latin typeface="Arial" panose="020B0604020202020204" pitchFamily="34" charset="0"/>
+              <a:cs typeface="Arial" panose="020B0604020202020204" pitchFamily="34" charset="0"/>
             </a:endParaRPr>
           </a:p>
         </p:txBody>
@@ -6384,7 +6776,8 @@
                 <a:solidFill>
                   <a:schemeClr val="tx1"/>
                 </a:solidFill>
-                <a:cs typeface="Arial" pitchFamily="34" charset="0"/>
+                <a:latin typeface="Arial" panose="020B0604020202020204" pitchFamily="34" charset="0"/>
+                <a:cs typeface="Arial" panose="020B0604020202020204" pitchFamily="34" charset="0"/>
               </a:rPr>
               <a:t>interés compuesto </a:t>
             </a:r>
@@ -6392,6 +6785,8 @@
               <a:solidFill>
                 <a:schemeClr val="tx1"/>
               </a:solidFill>
+              <a:latin typeface="Arial" panose="020B0604020202020204" pitchFamily="34" charset="0"/>
+              <a:cs typeface="Arial" panose="020B0604020202020204" pitchFamily="34" charset="0"/>
             </a:endParaRPr>
           </a:p>
         </p:txBody>
@@ -6440,7 +6835,8 @@
                 <a:solidFill>
                   <a:schemeClr val="tx1"/>
                 </a:solidFill>
-                <a:cs typeface="Arial" pitchFamily="34" charset="0"/>
+                <a:latin typeface="Arial" panose="020B0604020202020204" pitchFamily="34" charset="0"/>
+                <a:cs typeface="Arial" panose="020B0604020202020204" pitchFamily="34" charset="0"/>
               </a:rPr>
               <a:t>crecimiento  poblacional  </a:t>
             </a:r>
@@ -6448,6 +6844,8 @@
               <a:solidFill>
                 <a:schemeClr val="tx1"/>
               </a:solidFill>
+              <a:latin typeface="Arial" panose="020B0604020202020204" pitchFamily="34" charset="0"/>
+              <a:cs typeface="Arial" panose="020B0604020202020204" pitchFamily="34" charset="0"/>
             </a:endParaRPr>
           </a:p>
         </p:txBody>
@@ -6496,7 +6894,8 @@
                 <a:solidFill>
                   <a:schemeClr val="tx1"/>
                 </a:solidFill>
-                <a:cs typeface="Arial" pitchFamily="34" charset="0"/>
+                <a:latin typeface="Arial" panose="020B0604020202020204" pitchFamily="34" charset="0"/>
+                <a:cs typeface="Arial" panose="020B0604020202020204" pitchFamily="34" charset="0"/>
               </a:rPr>
               <a:t>decrecimiento exponencial </a:t>
             </a:r>
@@ -6504,6 +6903,8 @@
               <a:solidFill>
                 <a:schemeClr val="tx1"/>
               </a:solidFill>
+              <a:latin typeface="Arial" panose="020B0604020202020204" pitchFamily="34" charset="0"/>
+              <a:cs typeface="Arial" panose="020B0604020202020204" pitchFamily="34" charset="0"/>
             </a:endParaRPr>
           </a:p>
         </p:txBody>
@@ -6552,7 +6953,8 @@
                 <a:solidFill>
                   <a:schemeClr val="tx1"/>
                 </a:solidFill>
-                <a:cs typeface="Arial" pitchFamily="34" charset="0"/>
+                <a:latin typeface="Arial" panose="020B0604020202020204" pitchFamily="34" charset="0"/>
+                <a:cs typeface="Arial" panose="020B0604020202020204" pitchFamily="34" charset="0"/>
               </a:rPr>
               <a:t>descomposición radioactiva </a:t>
             </a:r>
@@ -6560,6 +6962,8 @@
               <a:solidFill>
                 <a:schemeClr val="tx1"/>
               </a:solidFill>
+              <a:latin typeface="Arial" panose="020B0604020202020204" pitchFamily="34" charset="0"/>
+              <a:cs typeface="Arial" panose="020B0604020202020204" pitchFamily="34" charset="0"/>
             </a:endParaRPr>
           </a:p>
         </p:txBody>
@@ -6902,7 +7306,8 @@
                 <a:solidFill>
                   <a:schemeClr val="tx1"/>
                 </a:solidFill>
-                <a:cs typeface="Arial" pitchFamily="34" charset="0"/>
+                <a:latin typeface="Arial" panose="020B0604020202020204" pitchFamily="34" charset="0"/>
+                <a:cs typeface="Arial" panose="020B0604020202020204" pitchFamily="34" charset="0"/>
               </a:rPr>
               <a:t>m</a:t>
             </a:r>
@@ -6911,7 +7316,8 @@
                 <a:solidFill>
                   <a:schemeClr val="tx1"/>
                 </a:solidFill>
-                <a:cs typeface="Arial" pitchFamily="34" charset="0"/>
+                <a:latin typeface="Arial" panose="020B0604020202020204" pitchFamily="34" charset="0"/>
+                <a:cs typeface="Arial" panose="020B0604020202020204" pitchFamily="34" charset="0"/>
               </a:rPr>
               <a:t>edición </a:t>
             </a:r>
@@ -6920,7 +7326,8 @@
                 <a:solidFill>
                   <a:schemeClr val="tx1"/>
                 </a:solidFill>
-                <a:cs typeface="Arial" pitchFamily="34" charset="0"/>
+                <a:latin typeface="Arial" panose="020B0604020202020204" pitchFamily="34" charset="0"/>
+                <a:cs typeface="Arial" panose="020B0604020202020204" pitchFamily="34" charset="0"/>
               </a:rPr>
               <a:t>temblores  </a:t>
             </a:r>
@@ -6928,6 +7335,8 @@
               <a:solidFill>
                 <a:schemeClr val="tx1"/>
               </a:solidFill>
+              <a:latin typeface="Arial" panose="020B0604020202020204" pitchFamily="34" charset="0"/>
+              <a:cs typeface="Arial" panose="020B0604020202020204" pitchFamily="34" charset="0"/>
             </a:endParaRPr>
           </a:p>
         </p:txBody>
@@ -6976,23 +7385,17 @@
                 <a:solidFill>
                   <a:schemeClr val="tx1"/>
                 </a:solidFill>
-                <a:cs typeface="Arial" pitchFamily="34" charset="0"/>
-              </a:rPr>
-              <a:t>Calculo antigüedad  objetos </a:t>
-            </a:r>
-            <a:r>
-              <a:rPr lang="es-CO" sz="900" dirty="0" smtClean="0">
-                <a:solidFill>
-                  <a:schemeClr val="tx1"/>
-                </a:solidFill>
-                <a:cs typeface="Arial" pitchFamily="34" charset="0"/>
-              </a:rPr>
-              <a:t> </a:t>
+                <a:latin typeface="Arial" panose="020B0604020202020204" pitchFamily="34" charset="0"/>
+                <a:cs typeface="Arial" panose="020B0604020202020204" pitchFamily="34" charset="0"/>
+              </a:rPr>
+              <a:t>Calculo antigüedad  objetos  </a:t>
             </a:r>
             <a:endParaRPr lang="es-ES_tradnl" sz="900" i="1" dirty="0" smtClean="0">
               <a:solidFill>
                 <a:schemeClr val="tx1"/>
               </a:solidFill>
+              <a:latin typeface="Arial" panose="020B0604020202020204" pitchFamily="34" charset="0"/>
+              <a:cs typeface="Arial" panose="020B0604020202020204" pitchFamily="34" charset="0"/>
             </a:endParaRPr>
           </a:p>
         </p:txBody>
@@ -7041,7 +7444,8 @@
                 <a:solidFill>
                   <a:schemeClr val="tx1"/>
                 </a:solidFill>
-                <a:cs typeface="Arial" pitchFamily="34" charset="0"/>
+                <a:latin typeface="Arial" panose="020B0604020202020204" pitchFamily="34" charset="0"/>
+                <a:cs typeface="Arial" panose="020B0604020202020204" pitchFamily="34" charset="0"/>
               </a:rPr>
               <a:t>m</a:t>
             </a:r>
@@ -7050,41 +7454,27 @@
                 <a:solidFill>
                   <a:schemeClr val="tx1"/>
                 </a:solidFill>
-                <a:cs typeface="Arial" pitchFamily="34" charset="0"/>
+                <a:latin typeface="Arial" panose="020B0604020202020204" pitchFamily="34" charset="0"/>
+                <a:cs typeface="Arial" panose="020B0604020202020204" pitchFamily="34" charset="0"/>
               </a:rPr>
               <a:t>edir  la acides </a:t>
             </a:r>
             <a:r>
-              <a:rPr lang="es-CO" sz="900" dirty="0" err="1" smtClean="0">
-                <a:solidFill>
-                  <a:schemeClr val="tx1"/>
-                </a:solidFill>
-                <a:cs typeface="Arial" pitchFamily="34" charset="0"/>
-              </a:rPr>
-              <a:t>Ph</a:t>
-            </a:r>
-            <a:r>
-              <a:rPr lang="es-CO" sz="900" dirty="0" smtClean="0">
-                <a:solidFill>
-                  <a:schemeClr val="tx1"/>
-                </a:solidFill>
-                <a:cs typeface="Arial" pitchFamily="34" charset="0"/>
-              </a:rPr>
-              <a:t> </a:t>
-            </a:r>
-            <a:r>
-              <a:rPr lang="es-CO" sz="900" dirty="0" smtClean="0">
-                <a:solidFill>
-                  <a:schemeClr val="tx1"/>
-                </a:solidFill>
-                <a:cs typeface="Arial" pitchFamily="34" charset="0"/>
-              </a:rPr>
-              <a:t>  </a:t>
+              <a:rPr lang="es-CO" sz="900" dirty="0" smtClean="0">
+                <a:solidFill>
+                  <a:schemeClr val="tx1"/>
+                </a:solidFill>
+                <a:latin typeface="Arial" panose="020B0604020202020204" pitchFamily="34" charset="0"/>
+                <a:cs typeface="Arial" panose="020B0604020202020204" pitchFamily="34" charset="0"/>
+              </a:rPr>
+              <a:t>pH   </a:t>
             </a:r>
             <a:endParaRPr lang="es-ES_tradnl" sz="900" i="1" dirty="0" smtClean="0">
               <a:solidFill>
                 <a:schemeClr val="tx1"/>
               </a:solidFill>
+              <a:latin typeface="Arial" panose="020B0604020202020204" pitchFamily="34" charset="0"/>
+              <a:cs typeface="Arial" panose="020B0604020202020204" pitchFamily="34" charset="0"/>
             </a:endParaRPr>
           </a:p>
         </p:txBody>
@@ -7478,7 +7868,7 @@
   <a:extraClrSchemeLst/>
   <a:extLst>
     <a:ext uri="{05A4C25C-085E-4340-85A3-A5531E510DB2}">
-      <thm15:themeFamily xmlns:thm15="http://schemas.microsoft.com/office/thememl/2012/main" xmlns="" name="Office Theme" id="{62F939B6-93AF-4DB8-9C6B-D6C7DFDC589F}" vid="{4A3C46E8-61CC-4603-A589-7422A47A8E4A}"/>
+      <thm15:themeFamily xmlns:thm15="http://schemas.microsoft.com/office/thememl/2012/main" name="Office Theme" id="{62F939B6-93AF-4DB8-9C6B-D6C7DFDC589F}" vid="{4A3C46E8-61CC-4603-A589-7422A47A8E4A}"/>
     </a:ext>
   </a:extLst>
 </a:theme>

--- a/fuentes/contenidos/grado09/guion07/MapaConceptual_MA_09_07_CO.pptx
+++ b/fuentes/contenidos/grado09/guion07/MapaConceptual_MA_09_07_CO.pptx
@@ -106,18 +106,7 @@
   </p:defaultTextStyle>
   <p:extLst>
     <p:ext uri="{EFAFB233-063F-42B5-8137-9DF3F51BA10A}">
-      <p15:sldGuideLst xmlns:p15="http://schemas.microsoft.com/office/powerpoint/2012/main">
-        <p15:guide id="1" orient="horz" pos="2949">
-          <p15:clr>
-            <a:srgbClr val="A4A3A4"/>
-          </p15:clr>
-        </p15:guide>
-        <p15:guide id="2" pos="4309">
-          <p15:clr>
-            <a:srgbClr val="A4A3A4"/>
-          </p15:clr>
-        </p15:guide>
-      </p15:sldGuideLst>
+      <p15:sldGuideLst xmlns:p15="http://schemas.microsoft.com/office/powerpoint/2012/main" xmlns=""/>
     </p:ext>
   </p:extLst>
 </p:presentation>
@@ -462,7 +451,7 @@
             <a:fld id="{5001C876-01F7-4317-94B9-1AE222133113}" type="datetimeFigureOut">
               <a:rPr lang="es-ES" smtClean="0"/>
               <a:pPr/>
-              <a:t>23/02/2016</a:t>
+              <a:t>04/11/2015</a:t>
             </a:fld>
             <a:endParaRPr lang="es-ES"/>
           </a:p>
@@ -1283,28 +1272,14 @@
                 <a:solidFill>
                   <a:schemeClr val="bg1"/>
                 </a:solidFill>
-                <a:latin typeface="Arial" panose="020B0604020202020204" pitchFamily="34" charset="0"/>
-                <a:cs typeface="Arial" panose="020B0604020202020204" pitchFamily="34" charset="0"/>
-              </a:rPr>
-              <a:t> f: </a:t>
-            </a:r>
-            <a:r>
-              <a:rPr lang="es-ES_tradnl" sz="1050" i="1" dirty="0" smtClean="0">
+              </a:rPr>
+              <a:t>ƒ : ℝ → ℝ </a:t>
+            </a:r>
+            <a:r>
+              <a:rPr lang="es-ES_tradnl" sz="1050" i="1" baseline="30000" dirty="0" smtClean="0">
                 <a:solidFill>
                   <a:schemeClr val="bg1"/>
                 </a:solidFill>
-                <a:latin typeface="Arial" panose="020B0604020202020204" pitchFamily="34" charset="0"/>
-                <a:cs typeface="Arial" panose="020B0604020202020204" pitchFamily="34" charset="0"/>
-              </a:rPr>
-              <a:t>ℝ → ℝ </a:t>
-            </a:r>
-            <a:r>
-              <a:rPr lang="es-ES_tradnl" sz="1050" i="1" baseline="30000" dirty="0" smtClean="0">
-                <a:solidFill>
-                  <a:schemeClr val="bg1"/>
-                </a:solidFill>
-                <a:latin typeface="Arial" panose="020B0604020202020204" pitchFamily="34" charset="0"/>
-                <a:cs typeface="Arial" panose="020B0604020202020204" pitchFamily="34" charset="0"/>
               </a:rPr>
               <a:t>+</a:t>
             </a:r>
@@ -1312,8 +1287,6 @@
               <a:solidFill>
                 <a:schemeClr val="bg1"/>
               </a:solidFill>
-              <a:latin typeface="Arial" panose="020B0604020202020204" pitchFamily="34" charset="0"/>
-              <a:cs typeface="Arial" panose="020B0604020202020204" pitchFamily="34" charset="0"/>
             </a:endParaRPr>
           </a:p>
           <a:p>
@@ -1323,118 +1296,50 @@
                 <a:solidFill>
                   <a:schemeClr val="bg1"/>
                 </a:solidFill>
-                <a:latin typeface="Arial" panose="020B0604020202020204" pitchFamily="34" charset="0"/>
-                <a:cs typeface="Arial" panose="020B0604020202020204" pitchFamily="34" charset="0"/>
-              </a:rPr>
-              <a:t>f</a:t>
-            </a:r>
-            <a:r>
-              <a:rPr lang="es-CO" sz="1050" dirty="0" smtClean="0">
+                <a:cs typeface="Arial" pitchFamily="34" charset="0"/>
+              </a:rPr>
+              <a:t>f(x) = a </a:t>
+            </a:r>
+            <a:r>
+              <a:rPr lang="es-CO" sz="1050" i="1" baseline="30000" dirty="0" smtClean="0">
                 <a:solidFill>
                   <a:schemeClr val="bg1"/>
                 </a:solidFill>
-                <a:latin typeface="Arial" panose="020B0604020202020204" pitchFamily="34" charset="0"/>
-                <a:cs typeface="Arial" panose="020B0604020202020204" pitchFamily="34" charset="0"/>
-              </a:rPr>
-              <a:t>(</a:t>
+                <a:cs typeface="Arial" pitchFamily="34" charset="0"/>
+              </a:rPr>
+              <a:t>x</a:t>
             </a:r>
             <a:r>
               <a:rPr lang="es-CO" sz="1050" i="1" dirty="0" smtClean="0">
                 <a:solidFill>
                   <a:schemeClr val="bg1"/>
                 </a:solidFill>
-                <a:latin typeface="Arial" panose="020B0604020202020204" pitchFamily="34" charset="0"/>
-                <a:cs typeface="Arial" panose="020B0604020202020204" pitchFamily="34" charset="0"/>
-              </a:rPr>
-              <a:t>x</a:t>
-            </a:r>
-            <a:r>
-              <a:rPr lang="es-CO" sz="1050" dirty="0" smtClean="0">
+                <a:cs typeface="Arial" pitchFamily="34" charset="0"/>
+              </a:rPr>
+              <a:t> ,  a∈</a:t>
+            </a:r>
+            <a:r>
+              <a:rPr lang="es-ES_tradnl" sz="1050" i="1" dirty="0" smtClean="0">
                 <a:solidFill>
                   <a:schemeClr val="bg1"/>
                 </a:solidFill>
-                <a:latin typeface="Arial" panose="020B0604020202020204" pitchFamily="34" charset="0"/>
-                <a:cs typeface="Arial" panose="020B0604020202020204" pitchFamily="34" charset="0"/>
-              </a:rPr>
-              <a:t>)</a:t>
+              </a:rPr>
+              <a:t> ℝ </a:t>
+            </a:r>
+            <a:r>
+              <a:rPr lang="es-ES_tradnl" sz="1050" i="1" baseline="30000" dirty="0" smtClean="0">
+                <a:solidFill>
+                  <a:schemeClr val="bg1"/>
+                </a:solidFill>
+              </a:rPr>
+              <a:t>+</a:t>
             </a:r>
             <a:r>
               <a:rPr lang="es-CO" sz="1050" i="1" dirty="0" smtClean="0">
                 <a:solidFill>
                   <a:schemeClr val="bg1"/>
                 </a:solidFill>
-                <a:latin typeface="Arial" panose="020B0604020202020204" pitchFamily="34" charset="0"/>
-                <a:cs typeface="Arial" panose="020B0604020202020204" pitchFamily="34" charset="0"/>
-              </a:rPr>
-              <a:t> = </a:t>
-            </a:r>
-            <a:r>
-              <a:rPr lang="es-CO" sz="1050" i="1" dirty="0" err="1" smtClean="0">
-                <a:solidFill>
-                  <a:schemeClr val="bg1"/>
-                </a:solidFill>
-                <a:latin typeface="Arial" panose="020B0604020202020204" pitchFamily="34" charset="0"/>
-                <a:cs typeface="Arial" panose="020B0604020202020204" pitchFamily="34" charset="0"/>
-              </a:rPr>
-              <a:t>a</a:t>
-            </a:r>
-            <a:r>
-              <a:rPr lang="es-CO" sz="1050" i="1" baseline="30000" dirty="0" err="1" smtClean="0">
-                <a:solidFill>
-                  <a:schemeClr val="bg1"/>
-                </a:solidFill>
-                <a:latin typeface="Arial" panose="020B0604020202020204" pitchFamily="34" charset="0"/>
-                <a:cs typeface="Arial" panose="020B0604020202020204" pitchFamily="34" charset="0"/>
-              </a:rPr>
-              <a:t>x</a:t>
-            </a:r>
-            <a:r>
-              <a:rPr lang="es-CO" sz="1050" i="1" dirty="0" smtClean="0">
-                <a:solidFill>
-                  <a:schemeClr val="bg1"/>
-                </a:solidFill>
-                <a:latin typeface="Arial" panose="020B0604020202020204" pitchFamily="34" charset="0"/>
-                <a:cs typeface="Arial" panose="020B0604020202020204" pitchFamily="34" charset="0"/>
-              </a:rPr>
-              <a:t> </a:t>
-            </a:r>
-            <a:r>
-              <a:rPr lang="es-CO" sz="1050" i="1" dirty="0" smtClean="0">
-                <a:solidFill>
-                  <a:schemeClr val="bg1"/>
-                </a:solidFill>
-                <a:latin typeface="Arial" panose="020B0604020202020204" pitchFamily="34" charset="0"/>
-                <a:cs typeface="Arial" panose="020B0604020202020204" pitchFamily="34" charset="0"/>
-              </a:rPr>
-              <a:t>,  a∈</a:t>
-            </a:r>
-            <a:r>
-              <a:rPr lang="es-ES_tradnl" sz="1050" i="1" dirty="0" smtClean="0">
-                <a:solidFill>
-                  <a:schemeClr val="bg1"/>
-                </a:solidFill>
-                <a:latin typeface="Arial" panose="020B0604020202020204" pitchFamily="34" charset="0"/>
-                <a:cs typeface="Arial" panose="020B0604020202020204" pitchFamily="34" charset="0"/>
-              </a:rPr>
-              <a:t> ℝ </a:t>
-            </a:r>
-            <a:r>
-              <a:rPr lang="es-ES_tradnl" sz="1050" i="1" baseline="30000" dirty="0" smtClean="0">
-                <a:solidFill>
-                  <a:schemeClr val="bg1"/>
-                </a:solidFill>
-                <a:latin typeface="Arial" panose="020B0604020202020204" pitchFamily="34" charset="0"/>
-                <a:cs typeface="Arial" panose="020B0604020202020204" pitchFamily="34" charset="0"/>
-              </a:rPr>
-              <a:t>+</a:t>
-            </a:r>
-            <a:r>
-              <a:rPr lang="es-CO" sz="1050" i="1" dirty="0" smtClean="0">
-                <a:solidFill>
-                  <a:schemeClr val="bg1"/>
-                </a:solidFill>
-                <a:latin typeface="Arial" panose="020B0604020202020204" pitchFamily="34" charset="0"/>
-                <a:cs typeface="Arial" panose="020B0604020202020204" pitchFamily="34" charset="0"/>
+                <a:cs typeface="Arial" pitchFamily="34" charset="0"/>
               </a:rPr>
               <a:t>,  a ≠ 1 </a:t>
             </a:r>
@@ -1442,8 +1347,7 @@
               <a:solidFill>
                 <a:schemeClr val="bg1"/>
               </a:solidFill>
-              <a:latin typeface="Arial" panose="020B0604020202020204" pitchFamily="34" charset="0"/>
-              <a:cs typeface="Arial" panose="020B0604020202020204" pitchFamily="34" charset="0"/>
+              <a:cs typeface="Arial" pitchFamily="34" charset="0"/>
             </a:endParaRPr>
           </a:p>
         </p:txBody>
@@ -1639,8 +1543,7 @@
                 <a:solidFill>
                   <a:schemeClr val="tx1"/>
                 </a:solidFill>
-                <a:latin typeface="Arial" panose="020B0604020202020204" pitchFamily="34" charset="0"/>
-                <a:cs typeface="Arial" panose="020B0604020202020204" pitchFamily="34" charset="0"/>
+                <a:cs typeface="Arial" pitchFamily="34" charset="0"/>
               </a:rPr>
               <a:t>Cuando</a:t>
             </a:r>
@@ -1649,8 +1552,7 @@
                 <a:solidFill>
                   <a:srgbClr val="FF0000"/>
                 </a:solidFill>
-                <a:latin typeface="Arial" panose="020B0604020202020204" pitchFamily="34" charset="0"/>
-                <a:cs typeface="Arial" panose="020B0604020202020204" pitchFamily="34" charset="0"/>
+                <a:cs typeface="Arial" pitchFamily="34" charset="0"/>
               </a:rPr>
               <a:t>   </a:t>
             </a:r>
@@ -1658,8 +1560,7 @@
               <a:solidFill>
                 <a:srgbClr val="FF0000"/>
               </a:solidFill>
-              <a:latin typeface="Arial" panose="020B0604020202020204" pitchFamily="34" charset="0"/>
-              <a:cs typeface="Arial" panose="020B0604020202020204" pitchFamily="34" charset="0"/>
+              <a:cs typeface="Arial" pitchFamily="34" charset="0"/>
             </a:endParaRPr>
           </a:p>
         </p:txBody>
@@ -1788,8 +1689,7 @@
                 <a:solidFill>
                   <a:schemeClr val="tx1"/>
                 </a:solidFill>
-                <a:latin typeface="Arial" panose="020B0604020202020204" pitchFamily="34" charset="0"/>
-                <a:cs typeface="Arial" panose="020B0604020202020204" pitchFamily="34" charset="0"/>
+                <a:cs typeface="Arial" pitchFamily="34" charset="0"/>
               </a:rPr>
               <a:t>de forma algebraica </a:t>
             </a:r>
@@ -1797,8 +1697,7 @@
               <a:solidFill>
                 <a:schemeClr val="tx1"/>
               </a:solidFill>
-              <a:latin typeface="Arial" panose="020B0604020202020204" pitchFamily="34" charset="0"/>
-              <a:cs typeface="Arial" panose="020B0604020202020204" pitchFamily="34" charset="0"/>
+              <a:cs typeface="Arial" pitchFamily="34" charset="0"/>
             </a:endParaRPr>
           </a:p>
         </p:txBody>
@@ -1963,8 +1862,7 @@
                 <a:solidFill>
                   <a:schemeClr val="tx1"/>
                 </a:solidFill>
-                <a:latin typeface="Arial" panose="020B0604020202020204" pitchFamily="34" charset="0"/>
-                <a:cs typeface="Arial" panose="020B0604020202020204" pitchFamily="34" charset="0"/>
+                <a:cs typeface="Arial" pitchFamily="34" charset="0"/>
               </a:rPr>
               <a:t>determina una   </a:t>
             </a:r>
@@ -1972,8 +1870,7 @@
               <a:solidFill>
                 <a:schemeClr val="tx1"/>
               </a:solidFill>
-              <a:latin typeface="Arial" panose="020B0604020202020204" pitchFamily="34" charset="0"/>
-              <a:cs typeface="Arial" panose="020B0604020202020204" pitchFamily="34" charset="0"/>
+              <a:cs typeface="Arial" pitchFamily="34" charset="0"/>
             </a:endParaRPr>
           </a:p>
         </p:txBody>
@@ -2058,48 +1955,24 @@
                 <a:solidFill>
                   <a:schemeClr val="tx1"/>
                 </a:solidFill>
-                <a:latin typeface="Arial" panose="020B0604020202020204" pitchFamily="34" charset="0"/>
-                <a:cs typeface="Arial" panose="020B0604020202020204" pitchFamily="34" charset="0"/>
-              </a:rPr>
-              <a:t>ecuación  exponencial            </a:t>
-            </a:r>
-            <a:r>
-              <a:rPr lang="es-CO" sz="900" dirty="0" smtClean="0">
-                <a:solidFill>
-                  <a:schemeClr val="tx1"/>
-                </a:solidFill>
-                <a:latin typeface="Arial" panose="020B0604020202020204" pitchFamily="34" charset="0"/>
-                <a:cs typeface="Arial" panose="020B0604020202020204" pitchFamily="34" charset="0"/>
-              </a:rPr>
-              <a:t>y =</a:t>
-            </a:r>
-            <a:r>
-              <a:rPr lang="es-ES_tradnl" sz="900" i="1" dirty="0" smtClean="0">
-                <a:solidFill>
-                  <a:schemeClr val="tx1"/>
-                </a:solidFill>
-                <a:latin typeface="Arial" panose="020B0604020202020204" pitchFamily="34" charset="0"/>
-                <a:cs typeface="Arial" panose="020B0604020202020204" pitchFamily="34" charset="0"/>
-              </a:rPr>
-              <a:t> </a:t>
+                <a:cs typeface="Arial" pitchFamily="34" charset="0"/>
+              </a:rPr>
+              <a:t>ecuación  exponencial            y=</a:t>
             </a:r>
             <a:r>
               <a:rPr lang="es-ES_tradnl" sz="900" i="1" dirty="0">
                 <a:solidFill>
                   <a:schemeClr val="tx1"/>
                 </a:solidFill>
-                <a:latin typeface="Arial" panose="020B0604020202020204" pitchFamily="34" charset="0"/>
-                <a:cs typeface="Arial" panose="020B0604020202020204" pitchFamily="34" charset="0"/>
-              </a:rPr>
-              <a:t>a </a:t>
+              </a:rPr>
+              <a:t> a </a:t>
             </a:r>
             <a:r>
               <a:rPr lang="es-CO" sz="900" baseline="30000" dirty="0" smtClean="0">
                 <a:solidFill>
                   <a:schemeClr val="tx1"/>
                 </a:solidFill>
-                <a:latin typeface="Arial" panose="020B0604020202020204" pitchFamily="34" charset="0"/>
-                <a:cs typeface="Arial" panose="020B0604020202020204" pitchFamily="34" charset="0"/>
+                <a:cs typeface="Arial" pitchFamily="34" charset="0"/>
               </a:rPr>
               <a:t>x</a:t>
             </a:r>
@@ -2108,8 +1981,7 @@
                 <a:solidFill>
                   <a:schemeClr val="tx1"/>
                 </a:solidFill>
-                <a:latin typeface="Arial" panose="020B0604020202020204" pitchFamily="34" charset="0"/>
-                <a:cs typeface="Arial" panose="020B0604020202020204" pitchFamily="34" charset="0"/>
+                <a:cs typeface="Arial" pitchFamily="34" charset="0"/>
               </a:rPr>
               <a:t>  </a:t>
             </a:r>
@@ -2117,8 +1989,7 @@
               <a:solidFill>
                 <a:schemeClr val="tx1"/>
               </a:solidFill>
-              <a:latin typeface="Arial" panose="020B0604020202020204" pitchFamily="34" charset="0"/>
-              <a:cs typeface="Arial" panose="020B0604020202020204" pitchFamily="34" charset="0"/>
+              <a:cs typeface="Arial" pitchFamily="34" charset="0"/>
             </a:endParaRPr>
           </a:p>
         </p:txBody>
@@ -2336,27 +2207,15 @@
                 <a:solidFill>
                   <a:schemeClr val="tx1"/>
                 </a:solidFill>
-                <a:latin typeface="Arial" panose="020B0604020202020204" pitchFamily="34" charset="0"/>
-                <a:cs typeface="Arial" panose="020B0604020202020204" pitchFamily="34" charset="0"/>
-              </a:rPr>
-              <a:t>de forma </a:t>
-            </a:r>
-            <a:r>
-              <a:rPr lang="es-CO" sz="900" dirty="0" smtClean="0">
-                <a:solidFill>
-                  <a:schemeClr val="tx1"/>
-                </a:solidFill>
-                <a:latin typeface="Arial" panose="020B0604020202020204" pitchFamily="34" charset="0"/>
-                <a:cs typeface="Arial" panose="020B0604020202020204" pitchFamily="34" charset="0"/>
-              </a:rPr>
-              <a:t>gráfica  </a:t>
+                <a:cs typeface="Arial" pitchFamily="34" charset="0"/>
+              </a:rPr>
+              <a:t>de forma grafica  </a:t>
             </a:r>
             <a:endParaRPr lang="es-CO" sz="900" b="1" dirty="0">
               <a:solidFill>
                 <a:schemeClr val="tx1"/>
               </a:solidFill>
-              <a:latin typeface="Arial" panose="020B0604020202020204" pitchFamily="34" charset="0"/>
-              <a:cs typeface="Arial" panose="020B0604020202020204" pitchFamily="34" charset="0"/>
+              <a:cs typeface="Arial" pitchFamily="34" charset="0"/>
             </a:endParaRPr>
           </a:p>
         </p:txBody>
@@ -2403,8 +2262,7 @@
                 <a:solidFill>
                   <a:schemeClr val="tx1"/>
                 </a:solidFill>
-                <a:latin typeface="Arial" panose="020B0604020202020204" pitchFamily="34" charset="0"/>
-                <a:cs typeface="Arial" panose="020B0604020202020204" pitchFamily="34" charset="0"/>
+                <a:cs typeface="Arial" pitchFamily="34" charset="0"/>
               </a:rPr>
               <a:t>ejemplo    </a:t>
             </a:r>
@@ -2412,8 +2270,7 @@
               <a:solidFill>
                 <a:schemeClr val="tx1"/>
               </a:solidFill>
-              <a:latin typeface="Arial" panose="020B0604020202020204" pitchFamily="34" charset="0"/>
-              <a:cs typeface="Arial" panose="020B0604020202020204" pitchFamily="34" charset="0"/>
+              <a:cs typeface="Arial" pitchFamily="34" charset="0"/>
             </a:endParaRPr>
           </a:p>
         </p:txBody>
@@ -2536,8 +2393,7 @@
                 <a:solidFill>
                   <a:schemeClr val="tx1"/>
                 </a:solidFill>
-                <a:latin typeface="Arial" panose="020B0604020202020204" pitchFamily="34" charset="0"/>
-                <a:cs typeface="Arial" panose="020B0604020202020204" pitchFamily="34" charset="0"/>
+                <a:cs typeface="Arial" pitchFamily="34" charset="0"/>
               </a:rPr>
               <a:t>ejemplo    </a:t>
             </a:r>
@@ -2545,8 +2401,7 @@
               <a:solidFill>
                 <a:schemeClr val="tx1"/>
               </a:solidFill>
-              <a:latin typeface="Arial" panose="020B0604020202020204" pitchFamily="34" charset="0"/>
-              <a:cs typeface="Arial" panose="020B0604020202020204" pitchFamily="34" charset="0"/>
+              <a:cs typeface="Arial" pitchFamily="34" charset="0"/>
             </a:endParaRPr>
           </a:p>
         </p:txBody>
@@ -2593,28 +2448,16 @@
                 <a:solidFill>
                   <a:schemeClr val="tx1"/>
                 </a:solidFill>
-                <a:latin typeface="Arial" panose="020B0604020202020204" pitchFamily="34" charset="0"/>
-                <a:cs typeface="Arial" panose="020B0604020202020204" pitchFamily="34" charset="0"/>
-              </a:rPr>
-              <a:t>y = </a:t>
-            </a:r>
-            <a:r>
-              <a:rPr lang="es-CO" sz="900" dirty="0" smtClean="0">
-                <a:solidFill>
-                  <a:schemeClr val="tx1"/>
-                </a:solidFill>
-                <a:latin typeface="Arial" panose="020B0604020202020204" pitchFamily="34" charset="0"/>
-                <a:cs typeface="Arial" panose="020B0604020202020204" pitchFamily="34" charset="0"/>
-              </a:rPr>
-              <a:t>3</a:t>
+                <a:cs typeface="Arial" pitchFamily="34" charset="0"/>
+              </a:rPr>
+              <a:t>y = 3 </a:t>
             </a:r>
             <a:r>
               <a:rPr lang="es-CO" sz="900" baseline="30000" dirty="0" smtClean="0">
                 <a:solidFill>
                   <a:schemeClr val="tx1"/>
                 </a:solidFill>
-                <a:latin typeface="Arial" panose="020B0604020202020204" pitchFamily="34" charset="0"/>
-                <a:cs typeface="Arial" panose="020B0604020202020204" pitchFamily="34" charset="0"/>
+                <a:cs typeface="Arial" pitchFamily="34" charset="0"/>
               </a:rPr>
               <a:t>x</a:t>
             </a:r>
@@ -2623,8 +2466,7 @@
                 <a:solidFill>
                   <a:schemeClr val="tx1"/>
                 </a:solidFill>
-                <a:latin typeface="Arial" panose="020B0604020202020204" pitchFamily="34" charset="0"/>
-                <a:cs typeface="Arial" panose="020B0604020202020204" pitchFamily="34" charset="0"/>
+                <a:cs typeface="Arial" pitchFamily="34" charset="0"/>
               </a:rPr>
               <a:t>  </a:t>
             </a:r>
@@ -2632,8 +2474,7 @@
               <a:solidFill>
                 <a:schemeClr val="tx1"/>
               </a:solidFill>
-              <a:latin typeface="Arial" panose="020B0604020202020204" pitchFamily="34" charset="0"/>
-              <a:cs typeface="Arial" panose="020B0604020202020204" pitchFamily="34" charset="0"/>
+              <a:cs typeface="Arial" pitchFamily="34" charset="0"/>
             </a:endParaRPr>
           </a:p>
         </p:txBody>
@@ -2813,8 +2654,6 @@
                 <a:solidFill>
                   <a:schemeClr val="bg1"/>
                 </a:solidFill>
-                <a:latin typeface="Arial" panose="020B0604020202020204" pitchFamily="34" charset="0"/>
-                <a:cs typeface="Arial" panose="020B0604020202020204" pitchFamily="34" charset="0"/>
               </a:rPr>
               <a:t>ƒ : ℝ → ℝ </a:t>
             </a:r>
@@ -2823,8 +2662,6 @@
                 <a:solidFill>
                   <a:schemeClr val="bg1"/>
                 </a:solidFill>
-                <a:latin typeface="Arial" panose="020B0604020202020204" pitchFamily="34" charset="0"/>
-                <a:cs typeface="Arial" panose="020B0604020202020204" pitchFamily="34" charset="0"/>
               </a:rPr>
               <a:t>+</a:t>
             </a:r>
@@ -2833,8 +2670,7 @@
                 <a:solidFill>
                   <a:schemeClr val="bg1"/>
                 </a:solidFill>
-                <a:latin typeface="Arial" panose="020B0604020202020204" pitchFamily="34" charset="0"/>
-                <a:cs typeface="Arial" panose="020B0604020202020204" pitchFamily="34" charset="0"/>
+                <a:cs typeface="Arial" pitchFamily="34" charset="0"/>
               </a:rPr>
               <a:t> </a:t>
             </a:r>
@@ -2842,8 +2678,7 @@
               <a:solidFill>
                 <a:schemeClr val="bg1"/>
               </a:solidFill>
-              <a:latin typeface="Arial" panose="020B0604020202020204" pitchFamily="34" charset="0"/>
-              <a:cs typeface="Arial" panose="020B0604020202020204" pitchFamily="34" charset="0"/>
+              <a:cs typeface="Arial" pitchFamily="34" charset="0"/>
             </a:endParaRPr>
           </a:p>
           <a:p>
@@ -2853,8 +2688,6 @@
                 <a:solidFill>
                   <a:schemeClr val="bg1"/>
                 </a:solidFill>
-                <a:latin typeface="Arial" panose="020B0604020202020204" pitchFamily="34" charset="0"/>
-                <a:cs typeface="Arial" panose="020B0604020202020204" pitchFamily="34" charset="0"/>
               </a:rPr>
               <a:t>ƒ(x</a:t>
             </a:r>
@@ -2863,8 +2696,6 @@
                 <a:solidFill>
                   <a:schemeClr val="bg1"/>
                 </a:solidFill>
-                <a:latin typeface="Arial" panose="020B0604020202020204" pitchFamily="34" charset="0"/>
-                <a:cs typeface="Arial" panose="020B0604020202020204" pitchFamily="34" charset="0"/>
               </a:rPr>
               <a:t>)= log </a:t>
             </a:r>
@@ -2873,8 +2704,6 @@
                 <a:solidFill>
                   <a:schemeClr val="bg1"/>
                 </a:solidFill>
-                <a:latin typeface="Arial" panose="020B0604020202020204" pitchFamily="34" charset="0"/>
-                <a:cs typeface="Arial" panose="020B0604020202020204" pitchFamily="34" charset="0"/>
               </a:rPr>
               <a:t>a</a:t>
             </a:r>
@@ -2883,8 +2712,6 @@
                 <a:solidFill>
                   <a:schemeClr val="bg1"/>
                 </a:solidFill>
-                <a:latin typeface="Arial" panose="020B0604020202020204" pitchFamily="34" charset="0"/>
-                <a:cs typeface="Arial" panose="020B0604020202020204" pitchFamily="34" charset="0"/>
               </a:rPr>
               <a:t>a</a:t>
             </a:r>
@@ -2893,8 +2720,6 @@
                 <a:solidFill>
                   <a:schemeClr val="bg1"/>
                 </a:solidFill>
-                <a:latin typeface="Arial" panose="020B0604020202020204" pitchFamily="34" charset="0"/>
-                <a:cs typeface="Arial" panose="020B0604020202020204" pitchFamily="34" charset="0"/>
               </a:rPr>
               <a:t> </a:t>
             </a:r>
@@ -2903,8 +2728,6 @@
                 <a:solidFill>
                   <a:schemeClr val="bg1"/>
                 </a:solidFill>
-                <a:latin typeface="Arial" panose="020B0604020202020204" pitchFamily="34" charset="0"/>
-                <a:cs typeface="Arial" panose="020B0604020202020204" pitchFamily="34" charset="0"/>
               </a:rPr>
               <a:t>x</a:t>
             </a:r>
@@ -2913,8 +2736,6 @@
                 <a:solidFill>
                   <a:schemeClr val="bg1"/>
                 </a:solidFill>
-                <a:latin typeface="Arial" panose="020B0604020202020204" pitchFamily="34" charset="0"/>
-                <a:cs typeface="Arial" panose="020B0604020202020204" pitchFamily="34" charset="0"/>
               </a:rPr>
               <a:t>, </a:t>
             </a:r>
@@ -2923,8 +2744,7 @@
                 <a:solidFill>
                   <a:schemeClr val="bg1"/>
                 </a:solidFill>
-                <a:latin typeface="Arial" panose="020B0604020202020204" pitchFamily="34" charset="0"/>
-                <a:cs typeface="Arial" panose="020B0604020202020204" pitchFamily="34" charset="0"/>
+                <a:cs typeface="Arial" pitchFamily="34" charset="0"/>
               </a:rPr>
               <a:t>a∈</a:t>
             </a:r>
@@ -2933,8 +2753,6 @@
                 <a:solidFill>
                   <a:schemeClr val="bg1"/>
                 </a:solidFill>
-                <a:latin typeface="Arial" panose="020B0604020202020204" pitchFamily="34" charset="0"/>
-                <a:cs typeface="Arial" panose="020B0604020202020204" pitchFamily="34" charset="0"/>
               </a:rPr>
               <a:t> ℝ </a:t>
             </a:r>
@@ -2943,8 +2761,6 @@
                 <a:solidFill>
                   <a:schemeClr val="bg1"/>
                 </a:solidFill>
-                <a:latin typeface="Arial" panose="020B0604020202020204" pitchFamily="34" charset="0"/>
-                <a:cs typeface="Arial" panose="020B0604020202020204" pitchFamily="34" charset="0"/>
               </a:rPr>
               <a:t>+</a:t>
             </a:r>
@@ -2953,8 +2769,6 @@
                 <a:solidFill>
                   <a:schemeClr val="bg1"/>
                 </a:solidFill>
-                <a:latin typeface="Arial" panose="020B0604020202020204" pitchFamily="34" charset="0"/>
-                <a:cs typeface="Arial" panose="020B0604020202020204" pitchFamily="34" charset="0"/>
               </a:rPr>
               <a:t>  , </a:t>
             </a:r>
@@ -2963,8 +2777,6 @@
                 <a:solidFill>
                   <a:schemeClr val="bg1"/>
                 </a:solidFill>
-                <a:latin typeface="Arial" panose="020B0604020202020204" pitchFamily="34" charset="0"/>
-                <a:cs typeface="Arial" panose="020B0604020202020204" pitchFamily="34" charset="0"/>
               </a:rPr>
               <a:t>a </a:t>
             </a:r>
@@ -2973,8 +2785,6 @@
                 <a:solidFill>
                   <a:schemeClr val="bg1"/>
                 </a:solidFill>
-                <a:latin typeface="Arial" panose="020B0604020202020204" pitchFamily="34" charset="0"/>
-                <a:cs typeface="Arial" panose="020B0604020202020204" pitchFamily="34" charset="0"/>
               </a:rPr>
               <a:t>≠ 1</a:t>
             </a:r>
@@ -2982,8 +2792,6 @@
               <a:solidFill>
                 <a:schemeClr val="bg1"/>
               </a:solidFill>
-              <a:latin typeface="Arial" panose="020B0604020202020204" pitchFamily="34" charset="0"/>
-              <a:cs typeface="Arial" panose="020B0604020202020204" pitchFamily="34" charset="0"/>
             </a:endParaRPr>
           </a:p>
         </p:txBody>
@@ -3029,8 +2837,7 @@
                 <a:solidFill>
                   <a:srgbClr val="FF0000"/>
                 </a:solidFill>
-                <a:latin typeface="Arial" panose="020B0604020202020204" pitchFamily="34" charset="0"/>
-                <a:cs typeface="Arial" panose="020B0604020202020204" pitchFamily="34" charset="0"/>
+                <a:cs typeface="Arial" pitchFamily="34" charset="0"/>
               </a:rPr>
               <a:t>    </a:t>
             </a:r>
@@ -3038,22 +2845,19 @@
           <a:p>
             <a:pPr algn="ctr"/>
             <a:r>
-              <a:rPr lang="es-CO" sz="900" dirty="0" smtClean="0">
-                <a:solidFill>
-                  <a:schemeClr val="tx1"/>
-                </a:solidFill>
-                <a:latin typeface="Arial" panose="020B0604020202020204" pitchFamily="34" charset="0"/>
-                <a:cs typeface="Arial" panose="020B0604020202020204" pitchFamily="34" charset="0"/>
+              <a:rPr lang="es-CO" sz="900" smtClean="0">
+                <a:solidFill>
+                  <a:schemeClr val="tx1"/>
+                </a:solidFill>
+                <a:cs typeface="Arial" pitchFamily="34" charset="0"/>
               </a:rPr>
               <a:t>0 &lt; </a:t>
             </a:r>
             <a:r>
-              <a:rPr lang="es-ES_tradnl" sz="900" i="1" dirty="0" smtClean="0">
-                <a:solidFill>
-                  <a:schemeClr val="tx1"/>
-                </a:solidFill>
-                <a:latin typeface="Arial" panose="020B0604020202020204" pitchFamily="34" charset="0"/>
-                <a:cs typeface="Arial" panose="020B0604020202020204" pitchFamily="34" charset="0"/>
+              <a:rPr lang="es-ES_tradnl" sz="900" i="1" smtClean="0">
+                <a:solidFill>
+                  <a:schemeClr val="tx1"/>
+                </a:solidFill>
               </a:rPr>
               <a:t>a </a:t>
             </a:r>
@@ -3062,8 +2866,7 @@
                 <a:solidFill>
                   <a:schemeClr val="tx1"/>
                 </a:solidFill>
-                <a:latin typeface="Arial" panose="020B0604020202020204" pitchFamily="34" charset="0"/>
-                <a:cs typeface="Arial" panose="020B0604020202020204" pitchFamily="34" charset="0"/>
+                <a:cs typeface="Arial" pitchFamily="34" charset="0"/>
               </a:rPr>
               <a:t>&lt; 1 </a:t>
             </a:r>
@@ -3072,30 +2875,9 @@
                 <a:solidFill>
                   <a:schemeClr val="tx1"/>
                 </a:solidFill>
-                <a:latin typeface="Arial" panose="020B0604020202020204" pitchFamily="34" charset="0"/>
-                <a:cs typeface="Arial" panose="020B0604020202020204" pitchFamily="34" charset="0"/>
-              </a:rPr>
-              <a:t>la </a:t>
-            </a:r>
-            <a:r>
-              <a:rPr lang="es-CO" sz="900" dirty="0" smtClean="0">
-                <a:solidFill>
-                  <a:schemeClr val="tx1"/>
-                </a:solidFill>
-                <a:latin typeface="Arial" panose="020B0604020202020204" pitchFamily="34" charset="0"/>
-                <a:cs typeface="Arial" panose="020B0604020202020204" pitchFamily="34" charset="0"/>
-              </a:rPr>
-              <a:t>gráfica </a:t>
-            </a:r>
-            <a:r>
-              <a:rPr lang="es-CO" sz="900" dirty="0">
-                <a:solidFill>
-                  <a:schemeClr val="tx1"/>
-                </a:solidFill>
-                <a:latin typeface="Arial" panose="020B0604020202020204" pitchFamily="34" charset="0"/>
-                <a:cs typeface="Arial" panose="020B0604020202020204" pitchFamily="34" charset="0"/>
-              </a:rPr>
-              <a:t>es decreciente   </a:t>
+                <a:cs typeface="Arial" pitchFamily="34" charset="0"/>
+              </a:rPr>
+              <a:t>la grafica es decreciente   </a:t>
             </a:r>
           </a:p>
           <a:p>
@@ -3105,8 +2887,7 @@
                 <a:solidFill>
                   <a:srgbClr val="FF0000"/>
                 </a:solidFill>
-                <a:latin typeface="Arial" panose="020B0604020202020204" pitchFamily="34" charset="0"/>
-                <a:cs typeface="Arial" panose="020B0604020202020204" pitchFamily="34" charset="0"/>
+                <a:cs typeface="Arial" pitchFamily="34" charset="0"/>
               </a:rPr>
               <a:t> </a:t>
             </a:r>
@@ -3114,8 +2895,7 @@
               <a:solidFill>
                 <a:srgbClr val="FF0000"/>
               </a:solidFill>
-              <a:latin typeface="Arial" panose="020B0604020202020204" pitchFamily="34" charset="0"/>
-              <a:cs typeface="Arial" panose="020B0604020202020204" pitchFamily="34" charset="0"/>
+              <a:cs typeface="Arial" pitchFamily="34" charset="0"/>
             </a:endParaRPr>
           </a:p>
         </p:txBody>
@@ -3196,8 +2976,7 @@
                 <a:solidFill>
                   <a:srgbClr val="FF0000"/>
                 </a:solidFill>
-                <a:latin typeface="Arial" panose="020B0604020202020204" pitchFamily="34" charset="0"/>
-                <a:cs typeface="Arial" panose="020B0604020202020204" pitchFamily="34" charset="0"/>
+                <a:cs typeface="Arial" pitchFamily="34" charset="0"/>
               </a:rPr>
               <a:t> </a:t>
             </a:r>
@@ -3208,8 +2987,7 @@
               <a:solidFill>
                 <a:srgbClr val="FF0000"/>
               </a:solidFill>
-              <a:latin typeface="Arial" panose="020B0604020202020204" pitchFamily="34" charset="0"/>
-              <a:cs typeface="Arial" panose="020B0604020202020204" pitchFamily="34" charset="0"/>
+              <a:cs typeface="Arial" pitchFamily="34" charset="0"/>
             </a:endParaRPr>
           </a:p>
           <a:p>
@@ -3219,8 +2997,6 @@
                 <a:solidFill>
                   <a:schemeClr val="tx1"/>
                 </a:solidFill>
-                <a:latin typeface="Arial" panose="020B0604020202020204" pitchFamily="34" charset="0"/>
-                <a:cs typeface="Arial" panose="020B0604020202020204" pitchFamily="34" charset="0"/>
               </a:rPr>
               <a:t>a</a:t>
             </a:r>
@@ -3229,8 +3005,7 @@
                 <a:solidFill>
                   <a:schemeClr val="tx1"/>
                 </a:solidFill>
-                <a:latin typeface="Arial" panose="020B0604020202020204" pitchFamily="34" charset="0"/>
-                <a:cs typeface="Arial" panose="020B0604020202020204" pitchFamily="34" charset="0"/>
+                <a:cs typeface="Arial" pitchFamily="34" charset="0"/>
               </a:rPr>
               <a:t> &gt; 1 </a:t>
             </a:r>
@@ -3239,30 +3014,9 @@
                 <a:solidFill>
                   <a:schemeClr val="tx1"/>
                 </a:solidFill>
-                <a:latin typeface="Arial" panose="020B0604020202020204" pitchFamily="34" charset="0"/>
-                <a:cs typeface="Arial" panose="020B0604020202020204" pitchFamily="34" charset="0"/>
-              </a:rPr>
-              <a:t>la </a:t>
-            </a:r>
-            <a:r>
-              <a:rPr lang="es-CO" sz="900" dirty="0" smtClean="0">
-                <a:solidFill>
-                  <a:schemeClr val="tx1"/>
-                </a:solidFill>
-                <a:latin typeface="Arial" panose="020B0604020202020204" pitchFamily="34" charset="0"/>
-                <a:cs typeface="Arial" panose="020B0604020202020204" pitchFamily="34" charset="0"/>
-              </a:rPr>
-              <a:t>gráfica </a:t>
-            </a:r>
-            <a:r>
-              <a:rPr lang="es-CO" sz="900" dirty="0">
-                <a:solidFill>
-                  <a:schemeClr val="tx1"/>
-                </a:solidFill>
-                <a:latin typeface="Arial" panose="020B0604020202020204" pitchFamily="34" charset="0"/>
-                <a:cs typeface="Arial" panose="020B0604020202020204" pitchFamily="34" charset="0"/>
-              </a:rPr>
-              <a:t>es creciente </a:t>
+                <a:cs typeface="Arial" pitchFamily="34" charset="0"/>
+              </a:rPr>
+              <a:t>la grafica es creciente </a:t>
             </a:r>
           </a:p>
           <a:p>
@@ -3271,8 +3025,7 @@
               <a:solidFill>
                 <a:srgbClr val="FF0000"/>
               </a:solidFill>
-              <a:latin typeface="Arial" panose="020B0604020202020204" pitchFamily="34" charset="0"/>
-              <a:cs typeface="Arial" panose="020B0604020202020204" pitchFamily="34" charset="0"/>
+              <a:cs typeface="Arial" pitchFamily="34" charset="0"/>
             </a:endParaRPr>
           </a:p>
           <a:p>
@@ -3282,8 +3035,7 @@
                 <a:solidFill>
                   <a:srgbClr val="FF0000"/>
                 </a:solidFill>
-                <a:latin typeface="Arial" panose="020B0604020202020204" pitchFamily="34" charset="0"/>
-                <a:cs typeface="Arial" panose="020B0604020202020204" pitchFamily="34" charset="0"/>
+                <a:cs typeface="Arial" pitchFamily="34" charset="0"/>
               </a:rPr>
               <a:t> </a:t>
             </a:r>
@@ -3291,8 +3043,7 @@
               <a:solidFill>
                 <a:srgbClr val="FF0000"/>
               </a:solidFill>
-              <a:latin typeface="Arial" panose="020B0604020202020204" pitchFamily="34" charset="0"/>
-              <a:cs typeface="Arial" panose="020B0604020202020204" pitchFamily="34" charset="0"/>
+              <a:cs typeface="Arial" pitchFamily="34" charset="0"/>
             </a:endParaRPr>
           </a:p>
         </p:txBody>
@@ -3805,8 +3556,7 @@
               <a:solidFill>
                 <a:schemeClr val="tx1"/>
               </a:solidFill>
-              <a:latin typeface="Arial" panose="020B0604020202020204" pitchFamily="34" charset="0"/>
-              <a:cs typeface="Arial" panose="020B0604020202020204" pitchFamily="34" charset="0"/>
+              <a:cs typeface="Arial" pitchFamily="34" charset="0"/>
             </a:endParaRPr>
           </a:p>
           <a:p>
@@ -3816,8 +3566,7 @@
                 <a:solidFill>
                   <a:schemeClr val="tx1"/>
                 </a:solidFill>
-                <a:latin typeface="Arial" panose="020B0604020202020204" pitchFamily="34" charset="0"/>
-                <a:cs typeface="Arial" panose="020B0604020202020204" pitchFamily="34" charset="0"/>
+                <a:cs typeface="Arial" pitchFamily="34" charset="0"/>
               </a:rPr>
               <a:t>Dominio   </a:t>
             </a:r>
@@ -3826,8 +3575,6 @@
                 <a:solidFill>
                   <a:schemeClr val="tx1"/>
                 </a:solidFill>
-                <a:latin typeface="Arial" panose="020B0604020202020204" pitchFamily="34" charset="0"/>
-                <a:cs typeface="Arial" panose="020B0604020202020204" pitchFamily="34" charset="0"/>
               </a:rPr>
               <a:t>ℝ</a:t>
             </a:r>
@@ -3839,8 +3586,7 @@
                 <a:solidFill>
                   <a:schemeClr val="tx1"/>
                 </a:solidFill>
-                <a:latin typeface="Arial" panose="020B0604020202020204" pitchFamily="34" charset="0"/>
-                <a:cs typeface="Arial" panose="020B0604020202020204" pitchFamily="34" charset="0"/>
+                <a:cs typeface="Arial" pitchFamily="34" charset="0"/>
               </a:rPr>
               <a:t>  Rango   </a:t>
             </a:r>
@@ -3849,8 +3595,6 @@
                 <a:solidFill>
                   <a:schemeClr val="tx1"/>
                 </a:solidFill>
-                <a:latin typeface="Arial" panose="020B0604020202020204" pitchFamily="34" charset="0"/>
-                <a:cs typeface="Arial" panose="020B0604020202020204" pitchFamily="34" charset="0"/>
               </a:rPr>
               <a:t>ℝ</a:t>
             </a:r>
@@ -3859,8 +3603,7 @@
                 <a:solidFill>
                   <a:schemeClr val="tx1"/>
                 </a:solidFill>
-                <a:latin typeface="Arial" panose="020B0604020202020204" pitchFamily="34" charset="0"/>
-                <a:cs typeface="Arial" panose="020B0604020202020204" pitchFamily="34" charset="0"/>
+                <a:cs typeface="Arial" pitchFamily="34" charset="0"/>
               </a:rPr>
               <a:t> </a:t>
             </a:r>
@@ -3869,8 +3612,7 @@
                 <a:solidFill>
                   <a:schemeClr val="tx1"/>
                 </a:solidFill>
-                <a:latin typeface="Arial" panose="020B0604020202020204" pitchFamily="34" charset="0"/>
-                <a:cs typeface="Arial" panose="020B0604020202020204" pitchFamily="34" charset="0"/>
+                <a:cs typeface="Arial" pitchFamily="34" charset="0"/>
               </a:rPr>
               <a:t>+</a:t>
             </a:r>
@@ -3879,8 +3621,7 @@
                 <a:solidFill>
                   <a:schemeClr val="tx1"/>
                 </a:solidFill>
-                <a:latin typeface="Arial" panose="020B0604020202020204" pitchFamily="34" charset="0"/>
-                <a:cs typeface="Arial" panose="020B0604020202020204" pitchFamily="34" charset="0"/>
+                <a:cs typeface="Arial" pitchFamily="34" charset="0"/>
               </a:rPr>
               <a:t>  </a:t>
             </a:r>
@@ -3888,8 +3629,7 @@
               <a:solidFill>
                 <a:schemeClr val="tx1"/>
               </a:solidFill>
-              <a:latin typeface="Arial" panose="020B0604020202020204" pitchFamily="34" charset="0"/>
-              <a:cs typeface="Arial" panose="020B0604020202020204" pitchFamily="34" charset="0"/>
+              <a:cs typeface="Arial" pitchFamily="34" charset="0"/>
             </a:endParaRPr>
           </a:p>
           <a:p>
@@ -3898,8 +3638,7 @@
               <a:solidFill>
                 <a:schemeClr val="tx1"/>
               </a:solidFill>
-              <a:latin typeface="Arial" panose="020B0604020202020204" pitchFamily="34" charset="0"/>
-              <a:cs typeface="Arial" panose="020B0604020202020204" pitchFamily="34" charset="0"/>
+              <a:cs typeface="Arial" pitchFamily="34" charset="0"/>
             </a:endParaRPr>
           </a:p>
         </p:txBody>
@@ -3988,8 +3727,7 @@
                 <a:solidFill>
                   <a:schemeClr val="tx1"/>
                 </a:solidFill>
-                <a:latin typeface="Arial" panose="020B0604020202020204" pitchFamily="34" charset="0"/>
-                <a:cs typeface="Arial" panose="020B0604020202020204" pitchFamily="34" charset="0"/>
+                <a:cs typeface="Arial" pitchFamily="34" charset="0"/>
               </a:rPr>
               <a:t>  </a:t>
             </a:r>
@@ -3997,8 +3735,7 @@
               <a:solidFill>
                 <a:schemeClr val="tx1"/>
               </a:solidFill>
-              <a:latin typeface="Arial" panose="020B0604020202020204" pitchFamily="34" charset="0"/>
-              <a:cs typeface="Arial" panose="020B0604020202020204" pitchFamily="34" charset="0"/>
+              <a:cs typeface="Arial" pitchFamily="34" charset="0"/>
             </a:endParaRPr>
           </a:p>
           <a:p>
@@ -4008,8 +3745,7 @@
                 <a:solidFill>
                   <a:schemeClr val="tx1"/>
                 </a:solidFill>
-                <a:latin typeface="Arial" panose="020B0604020202020204" pitchFamily="34" charset="0"/>
-                <a:cs typeface="Arial" panose="020B0604020202020204" pitchFamily="34" charset="0"/>
+                <a:cs typeface="Arial" pitchFamily="34" charset="0"/>
               </a:rPr>
               <a:t>Continuas  en    </a:t>
             </a:r>
@@ -4021,8 +3757,6 @@
                 <a:solidFill>
                   <a:schemeClr val="tx1"/>
                 </a:solidFill>
-                <a:latin typeface="Arial" panose="020B0604020202020204" pitchFamily="34" charset="0"/>
-                <a:cs typeface="Arial" panose="020B0604020202020204" pitchFamily="34" charset="0"/>
               </a:rPr>
               <a:t>ℝ</a:t>
             </a:r>
@@ -4031,8 +3765,7 @@
                 <a:solidFill>
                   <a:schemeClr val="tx1"/>
                 </a:solidFill>
-                <a:latin typeface="Arial" panose="020B0604020202020204" pitchFamily="34" charset="0"/>
-                <a:cs typeface="Arial" panose="020B0604020202020204" pitchFamily="34" charset="0"/>
+                <a:cs typeface="Arial" pitchFamily="34" charset="0"/>
               </a:rPr>
               <a:t> </a:t>
             </a:r>
@@ -4041,8 +3774,7 @@
                 <a:solidFill>
                   <a:schemeClr val="tx1"/>
                 </a:solidFill>
-                <a:latin typeface="Arial" panose="020B0604020202020204" pitchFamily="34" charset="0"/>
-                <a:cs typeface="Arial" panose="020B0604020202020204" pitchFamily="34" charset="0"/>
+                <a:cs typeface="Arial" pitchFamily="34" charset="0"/>
               </a:rPr>
               <a:t>+</a:t>
             </a:r>
@@ -4051,8 +3783,7 @@
                 <a:solidFill>
                   <a:schemeClr val="tx1"/>
                 </a:solidFill>
-                <a:latin typeface="Arial" panose="020B0604020202020204" pitchFamily="34" charset="0"/>
-                <a:cs typeface="Arial" panose="020B0604020202020204" pitchFamily="34" charset="0"/>
+                <a:cs typeface="Arial" pitchFamily="34" charset="0"/>
               </a:rPr>
               <a:t>  </a:t>
             </a:r>
@@ -4060,8 +3791,7 @@
               <a:solidFill>
                 <a:schemeClr val="tx1"/>
               </a:solidFill>
-              <a:latin typeface="Arial" panose="020B0604020202020204" pitchFamily="34" charset="0"/>
-              <a:cs typeface="Arial" panose="020B0604020202020204" pitchFamily="34" charset="0"/>
+              <a:cs typeface="Arial" pitchFamily="34" charset="0"/>
             </a:endParaRPr>
           </a:p>
           <a:p>
@@ -4070,8 +3800,7 @@
               <a:solidFill>
                 <a:schemeClr val="tx1"/>
               </a:solidFill>
-              <a:latin typeface="Arial" panose="020B0604020202020204" pitchFamily="34" charset="0"/>
-              <a:cs typeface="Arial" panose="020B0604020202020204" pitchFamily="34" charset="0"/>
+              <a:cs typeface="Arial" pitchFamily="34" charset="0"/>
             </a:endParaRPr>
           </a:p>
         </p:txBody>
@@ -4120,8 +3849,7 @@
                 <a:solidFill>
                   <a:schemeClr val="tx1"/>
                 </a:solidFill>
-                <a:latin typeface="Arial" panose="020B0604020202020204" pitchFamily="34" charset="0"/>
-                <a:cs typeface="Arial" panose="020B0604020202020204" pitchFamily="34" charset="0"/>
+                <a:cs typeface="Arial" pitchFamily="34" charset="0"/>
               </a:rPr>
               <a:t>  </a:t>
             </a:r>
@@ -4129,8 +3857,7 @@
               <a:solidFill>
                 <a:schemeClr val="tx1"/>
               </a:solidFill>
-              <a:latin typeface="Arial" panose="020B0604020202020204" pitchFamily="34" charset="0"/>
-              <a:cs typeface="Arial" panose="020B0604020202020204" pitchFamily="34" charset="0"/>
+              <a:cs typeface="Arial" pitchFamily="34" charset="0"/>
             </a:endParaRPr>
           </a:p>
           <a:p>
@@ -4139,8 +3866,7 @@
                 <a:solidFill>
                   <a:schemeClr val="tx1"/>
                 </a:solidFill>
-                <a:latin typeface="Arial" panose="020B0604020202020204" pitchFamily="34" charset="0"/>
-                <a:cs typeface="Arial" panose="020B0604020202020204" pitchFamily="34" charset="0"/>
+                <a:cs typeface="Arial" pitchFamily="34" charset="0"/>
               </a:rPr>
               <a:t>Corta al eje Y en 1 , No corta al eje X</a:t>
             </a:r>
@@ -4151,8 +3877,7 @@
               <a:solidFill>
                 <a:schemeClr val="tx1"/>
               </a:solidFill>
-              <a:latin typeface="Arial" panose="020B0604020202020204" pitchFamily="34" charset="0"/>
-              <a:cs typeface="Arial" panose="020B0604020202020204" pitchFamily="34" charset="0"/>
+              <a:cs typeface="Arial" pitchFamily="34" charset="0"/>
             </a:endParaRPr>
           </a:p>
         </p:txBody>
@@ -4199,8 +3924,7 @@
                 <a:solidFill>
                   <a:schemeClr val="tx1"/>
                 </a:solidFill>
-                <a:latin typeface="Arial" panose="020B0604020202020204" pitchFamily="34" charset="0"/>
-                <a:cs typeface="Arial" panose="020B0604020202020204" pitchFamily="34" charset="0"/>
+                <a:cs typeface="Arial" pitchFamily="34" charset="0"/>
               </a:rPr>
               <a:t>se puede representar  </a:t>
             </a:r>
@@ -4208,8 +3932,7 @@
               <a:solidFill>
                 <a:schemeClr val="tx1"/>
               </a:solidFill>
-              <a:latin typeface="Arial" panose="020B0604020202020204" pitchFamily="34" charset="0"/>
-              <a:cs typeface="Arial" panose="020B0604020202020204" pitchFamily="34" charset="0"/>
+              <a:cs typeface="Arial" pitchFamily="34" charset="0"/>
             </a:endParaRPr>
           </a:p>
         </p:txBody>
@@ -4322,8 +4045,7 @@
                 <a:solidFill>
                   <a:schemeClr val="tx1"/>
                 </a:solidFill>
-                <a:latin typeface="Arial" panose="020B0604020202020204" pitchFamily="34" charset="0"/>
-                <a:cs typeface="Arial" panose="020B0604020202020204" pitchFamily="34" charset="0"/>
+                <a:cs typeface="Arial" pitchFamily="34" charset="0"/>
               </a:rPr>
               <a:t>de forma algebraica </a:t>
             </a:r>
@@ -4331,8 +4053,7 @@
               <a:solidFill>
                 <a:schemeClr val="tx1"/>
               </a:solidFill>
-              <a:latin typeface="Arial" panose="020B0604020202020204" pitchFamily="34" charset="0"/>
-              <a:cs typeface="Arial" panose="020B0604020202020204" pitchFamily="34" charset="0"/>
+              <a:cs typeface="Arial" pitchFamily="34" charset="0"/>
             </a:endParaRPr>
           </a:p>
         </p:txBody>
@@ -4497,8 +4218,7 @@
                 <a:solidFill>
                   <a:schemeClr val="tx1"/>
                 </a:solidFill>
-                <a:latin typeface="Arial" panose="020B0604020202020204" pitchFamily="34" charset="0"/>
-                <a:cs typeface="Arial" panose="020B0604020202020204" pitchFamily="34" charset="0"/>
+                <a:cs typeface="Arial" pitchFamily="34" charset="0"/>
               </a:rPr>
               <a:t>determina una   </a:t>
             </a:r>
@@ -4506,8 +4226,7 @@
               <a:solidFill>
                 <a:schemeClr val="tx1"/>
               </a:solidFill>
-              <a:latin typeface="Arial" panose="020B0604020202020204" pitchFamily="34" charset="0"/>
-              <a:cs typeface="Arial" panose="020B0604020202020204" pitchFamily="34" charset="0"/>
+              <a:cs typeface="Arial" pitchFamily="34" charset="0"/>
             </a:endParaRPr>
           </a:p>
         </p:txBody>
@@ -4594,27 +4313,15 @@
                 <a:solidFill>
                   <a:schemeClr val="tx1"/>
                 </a:solidFill>
-                <a:latin typeface="Arial" panose="020B0604020202020204" pitchFamily="34" charset="0"/>
-                <a:cs typeface="Arial" panose="020B0604020202020204" pitchFamily="34" charset="0"/>
-              </a:rPr>
-              <a:t>de forma </a:t>
-            </a:r>
-            <a:r>
-              <a:rPr lang="es-CO" sz="900" dirty="0" smtClean="0">
-                <a:solidFill>
-                  <a:schemeClr val="tx1"/>
-                </a:solidFill>
-                <a:latin typeface="Arial" panose="020B0604020202020204" pitchFamily="34" charset="0"/>
-                <a:cs typeface="Arial" panose="020B0604020202020204" pitchFamily="34" charset="0"/>
-              </a:rPr>
-              <a:t>gráfica  </a:t>
+                <a:cs typeface="Arial" pitchFamily="34" charset="0"/>
+              </a:rPr>
+              <a:t>de forma grafica  </a:t>
             </a:r>
             <a:endParaRPr lang="es-CO" sz="900" b="1" dirty="0">
               <a:solidFill>
                 <a:schemeClr val="tx1"/>
               </a:solidFill>
-              <a:latin typeface="Arial" panose="020B0604020202020204" pitchFamily="34" charset="0"/>
-              <a:cs typeface="Arial" panose="020B0604020202020204" pitchFamily="34" charset="0"/>
+              <a:cs typeface="Arial" pitchFamily="34" charset="0"/>
             </a:endParaRPr>
           </a:p>
         </p:txBody>
@@ -4661,47 +4368,32 @@
                 <a:solidFill>
                   <a:schemeClr val="tx1"/>
                 </a:solidFill>
-                <a:latin typeface="Arial" panose="020B0604020202020204" pitchFamily="34" charset="0"/>
-                <a:cs typeface="Arial" panose="020B0604020202020204" pitchFamily="34" charset="0"/>
+                <a:cs typeface="Arial" pitchFamily="34" charset="0"/>
               </a:rPr>
               <a:t>ecuación  logarítmica            y = log</a:t>
             </a:r>
             <a:r>
-              <a:rPr lang="es-ES_tradnl" sz="900" i="1" baseline="-25000" dirty="0" smtClean="0">
-                <a:solidFill>
-                  <a:schemeClr val="tx1"/>
-                </a:solidFill>
-                <a:latin typeface="Arial" panose="020B0604020202020204" pitchFamily="34" charset="0"/>
-                <a:cs typeface="Arial" panose="020B0604020202020204" pitchFamily="34" charset="0"/>
-              </a:rPr>
-              <a:t>a </a:t>
-            </a:r>
-            <a:r>
-              <a:rPr lang="es-CO" sz="900" i="1" dirty="0" smtClean="0">
-                <a:solidFill>
-                  <a:schemeClr val="tx1"/>
-                </a:solidFill>
-                <a:latin typeface="Arial" panose="020B0604020202020204" pitchFamily="34" charset="0"/>
-                <a:cs typeface="Arial" panose="020B0604020202020204" pitchFamily="34" charset="0"/>
-              </a:rPr>
-              <a:t>x</a:t>
-            </a:r>
-            <a:r>
-              <a:rPr lang="es-CO" sz="900" dirty="0" smtClean="0">
-                <a:solidFill>
-                  <a:schemeClr val="tx1"/>
-                </a:solidFill>
-                <a:latin typeface="Arial" panose="020B0604020202020204" pitchFamily="34" charset="0"/>
-                <a:cs typeface="Arial" panose="020B0604020202020204" pitchFamily="34" charset="0"/>
-              </a:rPr>
-              <a:t>  </a:t>
+              <a:rPr lang="es-ES_tradnl" sz="900" i="1" baseline="-25000" dirty="0">
+                <a:solidFill>
+                  <a:schemeClr val="tx1"/>
+                </a:solidFill>
+              </a:rPr>
+              <a:t>a</a:t>
+            </a:r>
+            <a:r>
+              <a:rPr lang="es-CO" sz="900" dirty="0" smtClean="0">
+                <a:solidFill>
+                  <a:schemeClr val="tx1"/>
+                </a:solidFill>
+                <a:cs typeface="Arial" pitchFamily="34" charset="0"/>
+              </a:rPr>
+              <a:t>x  </a:t>
             </a:r>
             <a:endParaRPr lang="es-CO" sz="900" dirty="0">
               <a:solidFill>
                 <a:schemeClr val="tx1"/>
               </a:solidFill>
-              <a:latin typeface="Arial" panose="020B0604020202020204" pitchFamily="34" charset="0"/>
-              <a:cs typeface="Arial" panose="020B0604020202020204" pitchFamily="34" charset="0"/>
+              <a:cs typeface="Arial" pitchFamily="34" charset="0"/>
             </a:endParaRPr>
           </a:p>
         </p:txBody>
@@ -4785,8 +4477,7 @@
                 <a:solidFill>
                   <a:schemeClr val="tx1"/>
                 </a:solidFill>
-                <a:latin typeface="Arial" panose="020B0604020202020204" pitchFamily="34" charset="0"/>
-                <a:cs typeface="Arial" panose="020B0604020202020204" pitchFamily="34" charset="0"/>
+                <a:cs typeface="Arial" pitchFamily="34" charset="0"/>
               </a:rPr>
               <a:t>ejemplo    </a:t>
             </a:r>
@@ -4794,8 +4485,7 @@
               <a:solidFill>
                 <a:schemeClr val="tx1"/>
               </a:solidFill>
-              <a:latin typeface="Arial" panose="020B0604020202020204" pitchFamily="34" charset="0"/>
-              <a:cs typeface="Arial" panose="020B0604020202020204" pitchFamily="34" charset="0"/>
+              <a:cs typeface="Arial" pitchFamily="34" charset="0"/>
             </a:endParaRPr>
           </a:p>
         </p:txBody>
@@ -4879,8 +4569,7 @@
                 <a:solidFill>
                   <a:schemeClr val="tx1"/>
                 </a:solidFill>
-                <a:latin typeface="Arial" panose="020B0604020202020204" pitchFamily="34" charset="0"/>
-                <a:cs typeface="Arial" panose="020B0604020202020204" pitchFamily="34" charset="0"/>
+                <a:cs typeface="Arial" pitchFamily="34" charset="0"/>
               </a:rPr>
               <a:t>y =log </a:t>
             </a:r>
@@ -4889,8 +4578,7 @@
                 <a:solidFill>
                   <a:schemeClr val="tx1"/>
                 </a:solidFill>
-                <a:latin typeface="Arial" panose="020B0604020202020204" pitchFamily="34" charset="0"/>
-                <a:cs typeface="Arial" panose="020B0604020202020204" pitchFamily="34" charset="0"/>
+                <a:cs typeface="Arial" pitchFamily="34" charset="0"/>
               </a:rPr>
               <a:t>3</a:t>
             </a:r>
@@ -4899,8 +4587,7 @@
                 <a:solidFill>
                   <a:schemeClr val="tx1"/>
                 </a:solidFill>
-                <a:latin typeface="Arial" panose="020B0604020202020204" pitchFamily="34" charset="0"/>
-                <a:cs typeface="Arial" panose="020B0604020202020204" pitchFamily="34" charset="0"/>
+                <a:cs typeface="Arial" pitchFamily="34" charset="0"/>
               </a:rPr>
               <a:t> x  </a:t>
             </a:r>
@@ -4908,8 +4595,7 @@
               <a:solidFill>
                 <a:schemeClr val="tx1"/>
               </a:solidFill>
-              <a:latin typeface="Arial" panose="020B0604020202020204" pitchFamily="34" charset="0"/>
-              <a:cs typeface="Arial" panose="020B0604020202020204" pitchFamily="34" charset="0"/>
+              <a:cs typeface="Arial" pitchFamily="34" charset="0"/>
             </a:endParaRPr>
           </a:p>
         </p:txBody>
@@ -5031,8 +4717,7 @@
                 <a:solidFill>
                   <a:schemeClr val="tx1"/>
                 </a:solidFill>
-                <a:latin typeface="Arial" panose="020B0604020202020204" pitchFamily="34" charset="0"/>
-                <a:cs typeface="Arial" panose="020B0604020202020204" pitchFamily="34" charset="0"/>
+                <a:cs typeface="Arial" pitchFamily="34" charset="0"/>
               </a:rPr>
               <a:t>ejemplo    </a:t>
             </a:r>
@@ -5040,8 +4725,7 @@
               <a:solidFill>
                 <a:schemeClr val="tx1"/>
               </a:solidFill>
-              <a:latin typeface="Arial" panose="020B0604020202020204" pitchFamily="34" charset="0"/>
-              <a:cs typeface="Arial" panose="020B0604020202020204" pitchFamily="34" charset="0"/>
+              <a:cs typeface="Arial" pitchFamily="34" charset="0"/>
             </a:endParaRPr>
           </a:p>
         </p:txBody>
@@ -5124,8 +4808,7 @@
                 <a:solidFill>
                   <a:srgbClr val="FF0000"/>
                 </a:solidFill>
-                <a:latin typeface="Arial" panose="020B0604020202020204" pitchFamily="34" charset="0"/>
-                <a:cs typeface="Arial" panose="020B0604020202020204" pitchFamily="34" charset="0"/>
+                <a:cs typeface="Arial" pitchFamily="34" charset="0"/>
               </a:rPr>
               <a:t>    </a:t>
             </a:r>
@@ -5137,8 +4820,7 @@
                 <a:solidFill>
                   <a:schemeClr val="tx1"/>
                 </a:solidFill>
-                <a:latin typeface="Arial" panose="020B0604020202020204" pitchFamily="34" charset="0"/>
-                <a:cs typeface="Arial" panose="020B0604020202020204" pitchFamily="34" charset="0"/>
+                <a:cs typeface="Arial" pitchFamily="34" charset="0"/>
               </a:rPr>
               <a:t>0 &lt; </a:t>
             </a:r>
@@ -5147,8 +4829,6 @@
                 <a:solidFill>
                   <a:schemeClr val="tx1"/>
                 </a:solidFill>
-                <a:latin typeface="Arial" panose="020B0604020202020204" pitchFamily="34" charset="0"/>
-                <a:cs typeface="Arial" panose="020B0604020202020204" pitchFamily="34" charset="0"/>
               </a:rPr>
               <a:t>a</a:t>
             </a:r>
@@ -5157,8 +4837,7 @@
                 <a:solidFill>
                   <a:schemeClr val="tx1"/>
                 </a:solidFill>
-                <a:latin typeface="Arial" panose="020B0604020202020204" pitchFamily="34" charset="0"/>
-                <a:cs typeface="Arial" panose="020B0604020202020204" pitchFamily="34" charset="0"/>
+                <a:cs typeface="Arial" pitchFamily="34" charset="0"/>
               </a:rPr>
               <a:t> &lt; 1 </a:t>
             </a:r>
@@ -5167,8 +4846,7 @@
                 <a:solidFill>
                   <a:schemeClr val="tx1"/>
                 </a:solidFill>
-                <a:latin typeface="Arial" panose="020B0604020202020204" pitchFamily="34" charset="0"/>
-                <a:cs typeface="Arial" panose="020B0604020202020204" pitchFamily="34" charset="0"/>
+                <a:cs typeface="Arial" pitchFamily="34" charset="0"/>
               </a:rPr>
               <a:t>la grafica es decreciente   </a:t>
             </a:r>
@@ -5180,8 +4858,7 @@
                 <a:solidFill>
                   <a:srgbClr val="FF0000"/>
                 </a:solidFill>
-                <a:latin typeface="Arial" panose="020B0604020202020204" pitchFamily="34" charset="0"/>
-                <a:cs typeface="Arial" panose="020B0604020202020204" pitchFamily="34" charset="0"/>
+                <a:cs typeface="Arial" pitchFamily="34" charset="0"/>
               </a:rPr>
               <a:t> </a:t>
             </a:r>
@@ -5189,8 +4866,7 @@
               <a:solidFill>
                 <a:srgbClr val="FF0000"/>
               </a:solidFill>
-              <a:latin typeface="Arial" panose="020B0604020202020204" pitchFamily="34" charset="0"/>
-              <a:cs typeface="Arial" panose="020B0604020202020204" pitchFamily="34" charset="0"/>
+              <a:cs typeface="Arial" pitchFamily="34" charset="0"/>
             </a:endParaRPr>
           </a:p>
         </p:txBody>
@@ -5271,8 +4947,7 @@
                 <a:solidFill>
                   <a:srgbClr val="FF0000"/>
                 </a:solidFill>
-                <a:latin typeface="Arial" panose="020B0604020202020204" pitchFamily="34" charset="0"/>
-                <a:cs typeface="Arial" panose="020B0604020202020204" pitchFamily="34" charset="0"/>
+                <a:cs typeface="Arial" pitchFamily="34" charset="0"/>
               </a:rPr>
               <a:t> </a:t>
             </a:r>
@@ -5283,8 +4958,7 @@
               <a:solidFill>
                 <a:srgbClr val="FF0000"/>
               </a:solidFill>
-              <a:latin typeface="Arial" panose="020B0604020202020204" pitchFamily="34" charset="0"/>
-              <a:cs typeface="Arial" panose="020B0604020202020204" pitchFamily="34" charset="0"/>
+              <a:cs typeface="Arial" pitchFamily="34" charset="0"/>
             </a:endParaRPr>
           </a:p>
           <a:p>
@@ -5294,8 +4968,6 @@
                 <a:solidFill>
                   <a:schemeClr val="bg1"/>
                 </a:solidFill>
-                <a:latin typeface="Arial" panose="020B0604020202020204" pitchFamily="34" charset="0"/>
-                <a:cs typeface="Arial" panose="020B0604020202020204" pitchFamily="34" charset="0"/>
               </a:rPr>
               <a:t>a</a:t>
             </a:r>
@@ -5304,8 +4976,6 @@
                 <a:solidFill>
                   <a:schemeClr val="tx1"/>
                 </a:solidFill>
-                <a:latin typeface="Arial" panose="020B0604020202020204" pitchFamily="34" charset="0"/>
-                <a:cs typeface="Arial" panose="020B0604020202020204" pitchFamily="34" charset="0"/>
               </a:rPr>
               <a:t>a</a:t>
             </a:r>
@@ -5314,8 +4984,7 @@
                 <a:solidFill>
                   <a:schemeClr val="tx1"/>
                 </a:solidFill>
-                <a:latin typeface="Arial" panose="020B0604020202020204" pitchFamily="34" charset="0"/>
-                <a:cs typeface="Arial" panose="020B0604020202020204" pitchFamily="34" charset="0"/>
+                <a:cs typeface="Arial" pitchFamily="34" charset="0"/>
               </a:rPr>
               <a:t> &gt; 1 </a:t>
             </a:r>
@@ -5324,8 +4993,7 @@
                 <a:solidFill>
                   <a:schemeClr val="tx1"/>
                 </a:solidFill>
-                <a:latin typeface="Arial" panose="020B0604020202020204" pitchFamily="34" charset="0"/>
-                <a:cs typeface="Arial" panose="020B0604020202020204" pitchFamily="34" charset="0"/>
+                <a:cs typeface="Arial" pitchFamily="34" charset="0"/>
               </a:rPr>
               <a:t>la grafica es creciente </a:t>
             </a:r>
@@ -5336,8 +5004,7 @@
               <a:solidFill>
                 <a:srgbClr val="FF0000"/>
               </a:solidFill>
-              <a:latin typeface="Arial" panose="020B0604020202020204" pitchFamily="34" charset="0"/>
-              <a:cs typeface="Arial" panose="020B0604020202020204" pitchFamily="34" charset="0"/>
+              <a:cs typeface="Arial" pitchFamily="34" charset="0"/>
             </a:endParaRPr>
           </a:p>
           <a:p>
@@ -5347,8 +5014,7 @@
                 <a:solidFill>
                   <a:srgbClr val="FF0000"/>
                 </a:solidFill>
-                <a:latin typeface="Arial" panose="020B0604020202020204" pitchFamily="34" charset="0"/>
-                <a:cs typeface="Arial" panose="020B0604020202020204" pitchFamily="34" charset="0"/>
+                <a:cs typeface="Arial" pitchFamily="34" charset="0"/>
               </a:rPr>
               <a:t> </a:t>
             </a:r>
@@ -5356,8 +5022,7 @@
               <a:solidFill>
                 <a:srgbClr val="FF0000"/>
               </a:solidFill>
-              <a:latin typeface="Arial" panose="020B0604020202020204" pitchFamily="34" charset="0"/>
-              <a:cs typeface="Arial" panose="020B0604020202020204" pitchFamily="34" charset="0"/>
+              <a:cs typeface="Arial" pitchFamily="34" charset="0"/>
             </a:endParaRPr>
           </a:p>
         </p:txBody>
@@ -5650,8 +5315,8 @@
         </p:blipFill>
         <p:spPr bwMode="auto">
           <a:xfrm>
-            <a:off x="10830457" y="7530341"/>
-            <a:ext cx="1021525" cy="1074444"/>
+            <a:off x="10457731" y="7530340"/>
+            <a:ext cx="1394251" cy="1466479"/>
           </a:xfrm>
           <a:prstGeom prst="rect">
             <a:avLst/>
@@ -5888,41 +5553,19 @@
           <a:p>
             <a:pPr algn="ctr"/>
             <a:r>
-              <a:rPr lang="es-CO" sz="900" dirty="0">
-                <a:solidFill>
-                  <a:schemeClr val="tx1"/>
-                </a:solidFill>
-                <a:latin typeface="Arial" panose="020B0604020202020204" pitchFamily="34" charset="0"/>
-                <a:cs typeface="Arial" panose="020B0604020202020204" pitchFamily="34" charset="0"/>
-              </a:rPr>
-              <a:t>s</a:t>
-            </a:r>
-            <a:r>
-              <a:rPr lang="es-CO" sz="900" dirty="0" smtClean="0">
-                <a:solidFill>
-                  <a:schemeClr val="tx1"/>
-                </a:solidFill>
-                <a:latin typeface="Arial" panose="020B0604020202020204" pitchFamily="34" charset="0"/>
-                <a:cs typeface="Arial" panose="020B0604020202020204" pitchFamily="34" charset="0"/>
-              </a:rPr>
-              <a:t>us </a:t>
-            </a:r>
-            <a:r>
-              <a:rPr lang="es-CO" sz="900" dirty="0" smtClean="0">
-                <a:solidFill>
-                  <a:schemeClr val="tx1"/>
-                </a:solidFill>
-                <a:latin typeface="Arial" panose="020B0604020202020204" pitchFamily="34" charset="0"/>
-                <a:cs typeface="Arial" panose="020B0604020202020204" pitchFamily="34" charset="0"/>
-              </a:rPr>
-              <a:t>características  son   </a:t>
+              <a:rPr lang="es-CO" sz="900" dirty="0" smtClean="0">
+                <a:solidFill>
+                  <a:schemeClr val="tx1"/>
+                </a:solidFill>
+                <a:cs typeface="Arial" pitchFamily="34" charset="0"/>
+              </a:rPr>
+              <a:t>Sus características  son   </a:t>
             </a:r>
             <a:endParaRPr lang="es-CO" sz="900" dirty="0">
               <a:solidFill>
                 <a:schemeClr val="tx1"/>
               </a:solidFill>
-              <a:latin typeface="Arial" panose="020B0604020202020204" pitchFamily="34" charset="0"/>
-              <a:cs typeface="Arial" panose="020B0604020202020204" pitchFamily="34" charset="0"/>
+              <a:cs typeface="Arial" pitchFamily="34" charset="0"/>
             </a:endParaRPr>
           </a:p>
         </p:txBody>
@@ -6010,39 +5653,25 @@
               <a:solidFill>
                 <a:schemeClr val="tx1"/>
               </a:solidFill>
-              <a:latin typeface="Arial" panose="020B0604020202020204" pitchFamily="34" charset="0"/>
-              <a:cs typeface="Arial" panose="020B0604020202020204" pitchFamily="34" charset="0"/>
+              <a:cs typeface="Arial" pitchFamily="34" charset="0"/>
             </a:endParaRPr>
           </a:p>
           <a:p>
             <a:pPr algn="ctr"/>
             <a:r>
-              <a:rPr lang="es-CO" sz="900" dirty="0">
-                <a:solidFill>
-                  <a:schemeClr val="tx1"/>
-                </a:solidFill>
-                <a:latin typeface="Arial" panose="020B0604020202020204" pitchFamily="34" charset="0"/>
-                <a:cs typeface="Arial" panose="020B0604020202020204" pitchFamily="34" charset="0"/>
-              </a:rPr>
-              <a:t>D</a:t>
-            </a:r>
-            <a:r>
-              <a:rPr lang="es-CO" sz="900" dirty="0" smtClean="0">
-                <a:solidFill>
-                  <a:schemeClr val="tx1"/>
-                </a:solidFill>
-                <a:latin typeface="Arial" panose="020B0604020202020204" pitchFamily="34" charset="0"/>
-                <a:cs typeface="Arial" panose="020B0604020202020204" pitchFamily="34" charset="0"/>
-              </a:rPr>
-              <a:t>ominio   </a:t>
+              <a:rPr lang="es-CO" sz="900" dirty="0" smtClean="0">
+                <a:solidFill>
+                  <a:schemeClr val="tx1"/>
+                </a:solidFill>
+                <a:cs typeface="Arial" pitchFamily="34" charset="0"/>
+              </a:rPr>
+              <a:t>dominio   </a:t>
             </a:r>
             <a:r>
               <a:rPr lang="es-ES_tradnl" sz="900" i="1" dirty="0" smtClean="0">
                 <a:solidFill>
                   <a:schemeClr val="tx1"/>
                 </a:solidFill>
-                <a:latin typeface="Arial" panose="020B0604020202020204" pitchFamily="34" charset="0"/>
-                <a:cs typeface="Arial" panose="020B0604020202020204" pitchFamily="34" charset="0"/>
               </a:rPr>
               <a:t>ℝ</a:t>
             </a:r>
@@ -6054,8 +5683,7 @@
                 <a:solidFill>
                   <a:schemeClr val="tx1"/>
                 </a:solidFill>
-                <a:latin typeface="Arial" panose="020B0604020202020204" pitchFamily="34" charset="0"/>
-                <a:cs typeface="Arial" panose="020B0604020202020204" pitchFamily="34" charset="0"/>
+                <a:cs typeface="Arial" pitchFamily="34" charset="0"/>
               </a:rPr>
               <a:t>  Rango   </a:t>
             </a:r>
@@ -6064,8 +5692,6 @@
                 <a:solidFill>
                   <a:schemeClr val="tx1"/>
                 </a:solidFill>
-                <a:latin typeface="Arial" panose="020B0604020202020204" pitchFamily="34" charset="0"/>
-                <a:cs typeface="Arial" panose="020B0604020202020204" pitchFamily="34" charset="0"/>
               </a:rPr>
               <a:t>ℝ</a:t>
             </a:r>
@@ -6074,8 +5700,7 @@
                 <a:solidFill>
                   <a:schemeClr val="tx1"/>
                 </a:solidFill>
-                <a:latin typeface="Arial" panose="020B0604020202020204" pitchFamily="34" charset="0"/>
-                <a:cs typeface="Arial" panose="020B0604020202020204" pitchFamily="34" charset="0"/>
+                <a:cs typeface="Arial" pitchFamily="34" charset="0"/>
               </a:rPr>
               <a:t> </a:t>
             </a:r>
@@ -6084,8 +5709,7 @@
                 <a:solidFill>
                   <a:schemeClr val="tx1"/>
                 </a:solidFill>
-                <a:latin typeface="Arial" panose="020B0604020202020204" pitchFamily="34" charset="0"/>
-                <a:cs typeface="Arial" panose="020B0604020202020204" pitchFamily="34" charset="0"/>
+                <a:cs typeface="Arial" pitchFamily="34" charset="0"/>
               </a:rPr>
               <a:t>+</a:t>
             </a:r>
@@ -6094,8 +5718,7 @@
                 <a:solidFill>
                   <a:schemeClr val="tx1"/>
                 </a:solidFill>
-                <a:latin typeface="Arial" panose="020B0604020202020204" pitchFamily="34" charset="0"/>
-                <a:cs typeface="Arial" panose="020B0604020202020204" pitchFamily="34" charset="0"/>
+                <a:cs typeface="Arial" pitchFamily="34" charset="0"/>
               </a:rPr>
               <a:t>  </a:t>
             </a:r>
@@ -6103,8 +5726,7 @@
               <a:solidFill>
                 <a:schemeClr val="tx1"/>
               </a:solidFill>
-              <a:latin typeface="Arial" panose="020B0604020202020204" pitchFamily="34" charset="0"/>
-              <a:cs typeface="Arial" panose="020B0604020202020204" pitchFamily="34" charset="0"/>
+              <a:cs typeface="Arial" pitchFamily="34" charset="0"/>
             </a:endParaRPr>
           </a:p>
           <a:p>
@@ -6113,8 +5735,7 @@
               <a:solidFill>
                 <a:schemeClr val="tx1"/>
               </a:solidFill>
-              <a:latin typeface="Arial" panose="020B0604020202020204" pitchFamily="34" charset="0"/>
-              <a:cs typeface="Arial" panose="020B0604020202020204" pitchFamily="34" charset="0"/>
+              <a:cs typeface="Arial" pitchFamily="34" charset="0"/>
             </a:endParaRPr>
           </a:p>
         </p:txBody>
@@ -6163,8 +5784,7 @@
                 <a:solidFill>
                   <a:schemeClr val="tx1"/>
                 </a:solidFill>
-                <a:latin typeface="Arial" panose="020B0604020202020204" pitchFamily="34" charset="0"/>
-                <a:cs typeface="Arial" panose="020B0604020202020204" pitchFamily="34" charset="0"/>
+                <a:cs typeface="Arial" pitchFamily="34" charset="0"/>
               </a:rPr>
               <a:t>  </a:t>
             </a:r>
@@ -6172,8 +5792,7 @@
               <a:solidFill>
                 <a:schemeClr val="tx1"/>
               </a:solidFill>
-              <a:latin typeface="Arial" panose="020B0604020202020204" pitchFamily="34" charset="0"/>
-              <a:cs typeface="Arial" panose="020B0604020202020204" pitchFamily="34" charset="0"/>
+              <a:cs typeface="Arial" pitchFamily="34" charset="0"/>
             </a:endParaRPr>
           </a:p>
           <a:p>
@@ -6183,8 +5802,7 @@
                 <a:solidFill>
                   <a:schemeClr val="tx1"/>
                 </a:solidFill>
-                <a:latin typeface="Arial" panose="020B0604020202020204" pitchFamily="34" charset="0"/>
-                <a:cs typeface="Arial" panose="020B0604020202020204" pitchFamily="34" charset="0"/>
+                <a:cs typeface="Arial" pitchFamily="34" charset="0"/>
               </a:rPr>
               <a:t>continuas  en    </a:t>
             </a:r>
@@ -6196,8 +5814,6 @@
                 <a:solidFill>
                   <a:schemeClr val="tx1"/>
                 </a:solidFill>
-                <a:latin typeface="Arial" panose="020B0604020202020204" pitchFamily="34" charset="0"/>
-                <a:cs typeface="Arial" panose="020B0604020202020204" pitchFamily="34" charset="0"/>
               </a:rPr>
               <a:t>ℝ</a:t>
             </a:r>
@@ -6206,8 +5822,7 @@
                 <a:solidFill>
                   <a:schemeClr val="tx1"/>
                 </a:solidFill>
-                <a:latin typeface="Arial" panose="020B0604020202020204" pitchFamily="34" charset="0"/>
-                <a:cs typeface="Arial" panose="020B0604020202020204" pitchFamily="34" charset="0"/>
+                <a:cs typeface="Arial" pitchFamily="34" charset="0"/>
               </a:rPr>
               <a:t> </a:t>
             </a:r>
@@ -6216,8 +5831,7 @@
                 <a:solidFill>
                   <a:schemeClr val="tx1"/>
                 </a:solidFill>
-                <a:latin typeface="Arial" panose="020B0604020202020204" pitchFamily="34" charset="0"/>
-                <a:cs typeface="Arial" panose="020B0604020202020204" pitchFamily="34" charset="0"/>
+                <a:cs typeface="Arial" pitchFamily="34" charset="0"/>
               </a:rPr>
               <a:t>+</a:t>
             </a:r>
@@ -6226,8 +5840,7 @@
                 <a:solidFill>
                   <a:schemeClr val="tx1"/>
                 </a:solidFill>
-                <a:latin typeface="Arial" panose="020B0604020202020204" pitchFamily="34" charset="0"/>
-                <a:cs typeface="Arial" panose="020B0604020202020204" pitchFamily="34" charset="0"/>
+                <a:cs typeface="Arial" pitchFamily="34" charset="0"/>
               </a:rPr>
               <a:t>  </a:t>
             </a:r>
@@ -6235,8 +5848,7 @@
               <a:solidFill>
                 <a:schemeClr val="tx1"/>
               </a:solidFill>
-              <a:latin typeface="Arial" panose="020B0604020202020204" pitchFamily="34" charset="0"/>
-              <a:cs typeface="Arial" panose="020B0604020202020204" pitchFamily="34" charset="0"/>
+              <a:cs typeface="Arial" pitchFamily="34" charset="0"/>
             </a:endParaRPr>
           </a:p>
           <a:p>
@@ -6245,8 +5857,7 @@
               <a:solidFill>
                 <a:schemeClr val="tx1"/>
               </a:solidFill>
-              <a:latin typeface="Arial" panose="020B0604020202020204" pitchFamily="34" charset="0"/>
-              <a:cs typeface="Arial" panose="020B0604020202020204" pitchFamily="34" charset="0"/>
+              <a:cs typeface="Arial" pitchFamily="34" charset="0"/>
             </a:endParaRPr>
           </a:p>
         </p:txBody>
@@ -6314,10 +5925,10 @@
                 </a:solidFill>
                 <a:cs typeface="Arial" pitchFamily="34" charset="0"/>
               </a:rPr>
-              <a:t>C</a:t>
-            </a:r>
-            <a:r>
-              <a:rPr lang="es-CO" sz="900" dirty="0" smtClean="0">
+              <a:t>c</a:t>
+            </a:r>
+            <a:r>
+              <a:rPr lang="es-CO" sz="900" smtClean="0">
                 <a:solidFill>
                   <a:schemeClr val="tx1"/>
                 </a:solidFill>
@@ -6717,8 +6328,7 @@
                 <a:solidFill>
                   <a:schemeClr val="tx1"/>
                 </a:solidFill>
-                <a:latin typeface="Arial" panose="020B0604020202020204" pitchFamily="34" charset="0"/>
-                <a:cs typeface="Arial" panose="020B0604020202020204" pitchFamily="34" charset="0"/>
+                <a:cs typeface="Arial" pitchFamily="34" charset="0"/>
               </a:rPr>
               <a:t>crecimiento exponencial </a:t>
             </a:r>
@@ -6726,8 +6336,6 @@
               <a:solidFill>
                 <a:schemeClr val="tx1"/>
               </a:solidFill>
-              <a:latin typeface="Arial" panose="020B0604020202020204" pitchFamily="34" charset="0"/>
-              <a:cs typeface="Arial" panose="020B0604020202020204" pitchFamily="34" charset="0"/>
             </a:endParaRPr>
           </a:p>
         </p:txBody>
@@ -6776,8 +6384,7 @@
                 <a:solidFill>
                   <a:schemeClr val="tx1"/>
                 </a:solidFill>
-                <a:latin typeface="Arial" panose="020B0604020202020204" pitchFamily="34" charset="0"/>
-                <a:cs typeface="Arial" panose="020B0604020202020204" pitchFamily="34" charset="0"/>
+                <a:cs typeface="Arial" pitchFamily="34" charset="0"/>
               </a:rPr>
               <a:t>interés compuesto </a:t>
             </a:r>
@@ -6785,8 +6392,6 @@
               <a:solidFill>
                 <a:schemeClr val="tx1"/>
               </a:solidFill>
-              <a:latin typeface="Arial" panose="020B0604020202020204" pitchFamily="34" charset="0"/>
-              <a:cs typeface="Arial" panose="020B0604020202020204" pitchFamily="34" charset="0"/>
             </a:endParaRPr>
           </a:p>
         </p:txBody>
@@ -6835,8 +6440,7 @@
                 <a:solidFill>
                   <a:schemeClr val="tx1"/>
                 </a:solidFill>
-                <a:latin typeface="Arial" panose="020B0604020202020204" pitchFamily="34" charset="0"/>
-                <a:cs typeface="Arial" panose="020B0604020202020204" pitchFamily="34" charset="0"/>
+                <a:cs typeface="Arial" pitchFamily="34" charset="0"/>
               </a:rPr>
               <a:t>crecimiento  poblacional  </a:t>
             </a:r>
@@ -6844,8 +6448,6 @@
               <a:solidFill>
                 <a:schemeClr val="tx1"/>
               </a:solidFill>
-              <a:latin typeface="Arial" panose="020B0604020202020204" pitchFamily="34" charset="0"/>
-              <a:cs typeface="Arial" panose="020B0604020202020204" pitchFamily="34" charset="0"/>
             </a:endParaRPr>
           </a:p>
         </p:txBody>
@@ -6894,8 +6496,7 @@
                 <a:solidFill>
                   <a:schemeClr val="tx1"/>
                 </a:solidFill>
-                <a:latin typeface="Arial" panose="020B0604020202020204" pitchFamily="34" charset="0"/>
-                <a:cs typeface="Arial" panose="020B0604020202020204" pitchFamily="34" charset="0"/>
+                <a:cs typeface="Arial" pitchFamily="34" charset="0"/>
               </a:rPr>
               <a:t>decrecimiento exponencial </a:t>
             </a:r>
@@ -6903,8 +6504,6 @@
               <a:solidFill>
                 <a:schemeClr val="tx1"/>
               </a:solidFill>
-              <a:latin typeface="Arial" panose="020B0604020202020204" pitchFamily="34" charset="0"/>
-              <a:cs typeface="Arial" panose="020B0604020202020204" pitchFamily="34" charset="0"/>
             </a:endParaRPr>
           </a:p>
         </p:txBody>
@@ -6953,8 +6552,7 @@
                 <a:solidFill>
                   <a:schemeClr val="tx1"/>
                 </a:solidFill>
-                <a:latin typeface="Arial" panose="020B0604020202020204" pitchFamily="34" charset="0"/>
-                <a:cs typeface="Arial" panose="020B0604020202020204" pitchFamily="34" charset="0"/>
+                <a:cs typeface="Arial" pitchFamily="34" charset="0"/>
               </a:rPr>
               <a:t>descomposición radioactiva </a:t>
             </a:r>
@@ -6962,8 +6560,6 @@
               <a:solidFill>
                 <a:schemeClr val="tx1"/>
               </a:solidFill>
-              <a:latin typeface="Arial" panose="020B0604020202020204" pitchFamily="34" charset="0"/>
-              <a:cs typeface="Arial" panose="020B0604020202020204" pitchFamily="34" charset="0"/>
             </a:endParaRPr>
           </a:p>
         </p:txBody>
@@ -7306,8 +6902,7 @@
                 <a:solidFill>
                   <a:schemeClr val="tx1"/>
                 </a:solidFill>
-                <a:latin typeface="Arial" panose="020B0604020202020204" pitchFamily="34" charset="0"/>
-                <a:cs typeface="Arial" panose="020B0604020202020204" pitchFamily="34" charset="0"/>
+                <a:cs typeface="Arial" pitchFamily="34" charset="0"/>
               </a:rPr>
               <a:t>m</a:t>
             </a:r>
@@ -7316,8 +6911,7 @@
                 <a:solidFill>
                   <a:schemeClr val="tx1"/>
                 </a:solidFill>
-                <a:latin typeface="Arial" panose="020B0604020202020204" pitchFamily="34" charset="0"/>
-                <a:cs typeface="Arial" panose="020B0604020202020204" pitchFamily="34" charset="0"/>
+                <a:cs typeface="Arial" pitchFamily="34" charset="0"/>
               </a:rPr>
               <a:t>edición </a:t>
             </a:r>
@@ -7326,8 +6920,7 @@
                 <a:solidFill>
                   <a:schemeClr val="tx1"/>
                 </a:solidFill>
-                <a:latin typeface="Arial" panose="020B0604020202020204" pitchFamily="34" charset="0"/>
-                <a:cs typeface="Arial" panose="020B0604020202020204" pitchFamily="34" charset="0"/>
+                <a:cs typeface="Arial" pitchFamily="34" charset="0"/>
               </a:rPr>
               <a:t>temblores  </a:t>
             </a:r>
@@ -7335,8 +6928,6 @@
               <a:solidFill>
                 <a:schemeClr val="tx1"/>
               </a:solidFill>
-              <a:latin typeface="Arial" panose="020B0604020202020204" pitchFamily="34" charset="0"/>
-              <a:cs typeface="Arial" panose="020B0604020202020204" pitchFamily="34" charset="0"/>
             </a:endParaRPr>
           </a:p>
         </p:txBody>
@@ -7385,17 +6976,23 @@
                 <a:solidFill>
                   <a:schemeClr val="tx1"/>
                 </a:solidFill>
-                <a:latin typeface="Arial" panose="020B0604020202020204" pitchFamily="34" charset="0"/>
-                <a:cs typeface="Arial" panose="020B0604020202020204" pitchFamily="34" charset="0"/>
-              </a:rPr>
-              <a:t>Calculo antigüedad  objetos  </a:t>
+                <a:cs typeface="Arial" pitchFamily="34" charset="0"/>
+              </a:rPr>
+              <a:t>Calculo antigüedad  objetos </a:t>
+            </a:r>
+            <a:r>
+              <a:rPr lang="es-CO" sz="900" dirty="0" smtClean="0">
+                <a:solidFill>
+                  <a:schemeClr val="tx1"/>
+                </a:solidFill>
+                <a:cs typeface="Arial" pitchFamily="34" charset="0"/>
+              </a:rPr>
+              <a:t> </a:t>
             </a:r>
             <a:endParaRPr lang="es-ES_tradnl" sz="900" i="1" dirty="0" smtClean="0">
               <a:solidFill>
                 <a:schemeClr val="tx1"/>
               </a:solidFill>
-              <a:latin typeface="Arial" panose="020B0604020202020204" pitchFamily="34" charset="0"/>
-              <a:cs typeface="Arial" panose="020B0604020202020204" pitchFamily="34" charset="0"/>
             </a:endParaRPr>
           </a:p>
         </p:txBody>
@@ -7444,8 +7041,7 @@
                 <a:solidFill>
                   <a:schemeClr val="tx1"/>
                 </a:solidFill>
-                <a:latin typeface="Arial" panose="020B0604020202020204" pitchFamily="34" charset="0"/>
-                <a:cs typeface="Arial" panose="020B0604020202020204" pitchFamily="34" charset="0"/>
+                <a:cs typeface="Arial" pitchFamily="34" charset="0"/>
               </a:rPr>
               <a:t>m</a:t>
             </a:r>
@@ -7454,27 +7050,41 @@
                 <a:solidFill>
                   <a:schemeClr val="tx1"/>
                 </a:solidFill>
-                <a:latin typeface="Arial" panose="020B0604020202020204" pitchFamily="34" charset="0"/>
-                <a:cs typeface="Arial" panose="020B0604020202020204" pitchFamily="34" charset="0"/>
+                <a:cs typeface="Arial" pitchFamily="34" charset="0"/>
               </a:rPr>
               <a:t>edir  la acides </a:t>
             </a:r>
             <a:r>
-              <a:rPr lang="es-CO" sz="900" dirty="0" smtClean="0">
-                <a:solidFill>
-                  <a:schemeClr val="tx1"/>
-                </a:solidFill>
-                <a:latin typeface="Arial" panose="020B0604020202020204" pitchFamily="34" charset="0"/>
-                <a:cs typeface="Arial" panose="020B0604020202020204" pitchFamily="34" charset="0"/>
-              </a:rPr>
-              <a:t>pH   </a:t>
+              <a:rPr lang="es-CO" sz="900" dirty="0" err="1" smtClean="0">
+                <a:solidFill>
+                  <a:schemeClr val="tx1"/>
+                </a:solidFill>
+                <a:cs typeface="Arial" pitchFamily="34" charset="0"/>
+              </a:rPr>
+              <a:t>Ph</a:t>
+            </a:r>
+            <a:r>
+              <a:rPr lang="es-CO" sz="900" dirty="0" smtClean="0">
+                <a:solidFill>
+                  <a:schemeClr val="tx1"/>
+                </a:solidFill>
+                <a:cs typeface="Arial" pitchFamily="34" charset="0"/>
+              </a:rPr>
+              <a:t> </a:t>
+            </a:r>
+            <a:r>
+              <a:rPr lang="es-CO" sz="900" dirty="0" smtClean="0">
+                <a:solidFill>
+                  <a:schemeClr val="tx1"/>
+                </a:solidFill>
+                <a:cs typeface="Arial" pitchFamily="34" charset="0"/>
+              </a:rPr>
+              <a:t>  </a:t>
             </a:r>
             <a:endParaRPr lang="es-ES_tradnl" sz="900" i="1" dirty="0" smtClean="0">
               <a:solidFill>
                 <a:schemeClr val="tx1"/>
               </a:solidFill>
-              <a:latin typeface="Arial" panose="020B0604020202020204" pitchFamily="34" charset="0"/>
-              <a:cs typeface="Arial" panose="020B0604020202020204" pitchFamily="34" charset="0"/>
             </a:endParaRPr>
           </a:p>
         </p:txBody>
@@ -7868,7 +7478,7 @@
   <a:extraClrSchemeLst/>
   <a:extLst>
     <a:ext uri="{05A4C25C-085E-4340-85A3-A5531E510DB2}">
-      <thm15:themeFamily xmlns:thm15="http://schemas.microsoft.com/office/thememl/2012/main" name="Office Theme" id="{62F939B6-93AF-4DB8-9C6B-D6C7DFDC589F}" vid="{4A3C46E8-61CC-4603-A589-7422A47A8E4A}"/>
+      <thm15:themeFamily xmlns:thm15="http://schemas.microsoft.com/office/thememl/2012/main" xmlns="" name="Office Theme" id="{62F939B6-93AF-4DB8-9C6B-D6C7DFDC589F}" vid="{4A3C46E8-61CC-4603-A589-7422A47A8E4A}"/>
     </a:ext>
   </a:extLst>
 </a:theme>

--- a/fuentes/contenidos/grado09/guion07/MapaConceptual_MA_09_07_CO.pptx
+++ b/fuentes/contenidos/grado09/guion07/MapaConceptual_MA_09_07_CO.pptx
@@ -106,7 +106,18 @@
   </p:defaultTextStyle>
   <p:extLst>
     <p:ext uri="{EFAFB233-063F-42B5-8137-9DF3F51BA10A}">
-      <p15:sldGuideLst xmlns:p15="http://schemas.microsoft.com/office/powerpoint/2012/main" xmlns=""/>
+      <p15:sldGuideLst xmlns:p15="http://schemas.microsoft.com/office/powerpoint/2012/main">
+        <p15:guide id="1" orient="horz" pos="2949">
+          <p15:clr>
+            <a:srgbClr val="A4A3A4"/>
+          </p15:clr>
+        </p15:guide>
+        <p15:guide id="2" pos="4309">
+          <p15:clr>
+            <a:srgbClr val="A4A3A4"/>
+          </p15:clr>
+        </p15:guide>
+      </p15:sldGuideLst>
     </p:ext>
   </p:extLst>
 </p:presentation>
@@ -451,7 +462,7 @@
             <a:fld id="{5001C876-01F7-4317-94B9-1AE222133113}" type="datetimeFigureOut">
               <a:rPr lang="es-ES" smtClean="0"/>
               <a:pPr/>
-              <a:t>04/11/2015</a:t>
+              <a:t>26/02/2016</a:t>
             </a:fld>
             <a:endParaRPr lang="es-ES"/>
           </a:p>
@@ -1272,14 +1283,18 @@
                 <a:solidFill>
                   <a:schemeClr val="bg1"/>
                 </a:solidFill>
-              </a:rPr>
-              <a:t>ƒ : ℝ → ℝ </a:t>
+                <a:latin typeface="Arial" panose="020B0604020202020204" pitchFamily="34" charset="0"/>
+                <a:cs typeface="Arial" panose="020B0604020202020204" pitchFamily="34" charset="0"/>
+              </a:rPr>
+              <a:t> f: ℝ → ℝ </a:t>
             </a:r>
             <a:r>
               <a:rPr lang="es-ES_tradnl" sz="1050" i="1" baseline="30000" dirty="0" smtClean="0">
                 <a:solidFill>
                   <a:schemeClr val="bg1"/>
                 </a:solidFill>
+                <a:latin typeface="Arial" panose="020B0604020202020204" pitchFamily="34" charset="0"/>
+                <a:cs typeface="Arial" panose="020B0604020202020204" pitchFamily="34" charset="0"/>
               </a:rPr>
               <a:t>+</a:t>
             </a:r>
@@ -1287,6 +1302,8 @@
               <a:solidFill>
                 <a:schemeClr val="bg1"/>
               </a:solidFill>
+              <a:latin typeface="Arial" panose="020B0604020202020204" pitchFamily="34" charset="0"/>
+              <a:cs typeface="Arial" panose="020B0604020202020204" pitchFamily="34" charset="0"/>
             </a:endParaRPr>
           </a:p>
           <a:p>
@@ -1296,25 +1313,78 @@
                 <a:solidFill>
                   <a:schemeClr val="bg1"/>
                 </a:solidFill>
-                <a:cs typeface="Arial" pitchFamily="34" charset="0"/>
-              </a:rPr>
-              <a:t>f(x) = a </a:t>
-            </a:r>
-            <a:r>
-              <a:rPr lang="es-CO" sz="1050" i="1" baseline="30000" dirty="0" smtClean="0">
+                <a:latin typeface="Arial" panose="020B0604020202020204" pitchFamily="34" charset="0"/>
+                <a:cs typeface="Arial" panose="020B0604020202020204" pitchFamily="34" charset="0"/>
+              </a:rPr>
+              <a:t>f</a:t>
+            </a:r>
+            <a:r>
+              <a:rPr lang="es-CO" sz="1050" dirty="0" smtClean="0">
                 <a:solidFill>
                   <a:schemeClr val="bg1"/>
                 </a:solidFill>
-                <a:cs typeface="Arial" pitchFamily="34" charset="0"/>
+                <a:latin typeface="Arial" panose="020B0604020202020204" pitchFamily="34" charset="0"/>
+                <a:cs typeface="Arial" panose="020B0604020202020204" pitchFamily="34" charset="0"/>
+              </a:rPr>
+              <a:t>(</a:t>
+            </a:r>
+            <a:r>
+              <a:rPr lang="es-CO" sz="1050" i="1" dirty="0" smtClean="0">
+                <a:solidFill>
+                  <a:schemeClr val="bg1"/>
+                </a:solidFill>
+                <a:latin typeface="Arial" panose="020B0604020202020204" pitchFamily="34" charset="0"/>
+                <a:cs typeface="Arial" panose="020B0604020202020204" pitchFamily="34" charset="0"/>
               </a:rPr>
               <a:t>x</a:t>
             </a:r>
             <a:r>
+              <a:rPr lang="es-CO" sz="1050" dirty="0" smtClean="0">
+                <a:solidFill>
+                  <a:schemeClr val="bg1"/>
+                </a:solidFill>
+                <a:latin typeface="Arial" panose="020B0604020202020204" pitchFamily="34" charset="0"/>
+                <a:cs typeface="Arial" panose="020B0604020202020204" pitchFamily="34" charset="0"/>
+              </a:rPr>
+              <a:t>)</a:t>
+            </a:r>
+            <a:r>
               <a:rPr lang="es-CO" sz="1050" i="1" dirty="0" smtClean="0">
                 <a:solidFill>
                   <a:schemeClr val="bg1"/>
                 </a:solidFill>
-                <a:cs typeface="Arial" pitchFamily="34" charset="0"/>
+                <a:latin typeface="Arial" panose="020B0604020202020204" pitchFamily="34" charset="0"/>
+                <a:cs typeface="Arial" panose="020B0604020202020204" pitchFamily="34" charset="0"/>
+              </a:rPr>
+              <a:t> = </a:t>
+            </a:r>
+            <a:r>
+              <a:rPr lang="es-CO" sz="1050" i="1" dirty="0" err="1" smtClean="0">
+                <a:solidFill>
+                  <a:schemeClr val="bg1"/>
+                </a:solidFill>
+                <a:latin typeface="Arial" panose="020B0604020202020204" pitchFamily="34" charset="0"/>
+                <a:cs typeface="Arial" panose="020B0604020202020204" pitchFamily="34" charset="0"/>
+              </a:rPr>
+              <a:t>a</a:t>
+            </a:r>
+            <a:r>
+              <a:rPr lang="es-CO" sz="1050" i="1" baseline="30000" dirty="0" err="1" smtClean="0">
+                <a:solidFill>
+                  <a:schemeClr val="bg1"/>
+                </a:solidFill>
+                <a:latin typeface="Arial" panose="020B0604020202020204" pitchFamily="34" charset="0"/>
+                <a:cs typeface="Arial" panose="020B0604020202020204" pitchFamily="34" charset="0"/>
+              </a:rPr>
+              <a:t>x</a:t>
+            </a:r>
+            <a:r>
+              <a:rPr lang="es-CO" sz="1050" i="1" dirty="0" smtClean="0">
+                <a:solidFill>
+                  <a:schemeClr val="bg1"/>
+                </a:solidFill>
+                <a:latin typeface="Arial" panose="020B0604020202020204" pitchFamily="34" charset="0"/>
+                <a:cs typeface="Arial" panose="020B0604020202020204" pitchFamily="34" charset="0"/>
               </a:rPr>
               <a:t> ,  a∈</a:t>
             </a:r>
@@ -1323,6 +1393,8 @@
                 <a:solidFill>
                   <a:schemeClr val="bg1"/>
                 </a:solidFill>
+                <a:latin typeface="Arial" panose="020B0604020202020204" pitchFamily="34" charset="0"/>
+                <a:cs typeface="Arial" panose="020B0604020202020204" pitchFamily="34" charset="0"/>
               </a:rPr>
               <a:t> ℝ </a:t>
             </a:r>
@@ -1331,6 +1403,8 @@
                 <a:solidFill>
                   <a:schemeClr val="bg1"/>
                 </a:solidFill>
+                <a:latin typeface="Arial" panose="020B0604020202020204" pitchFamily="34" charset="0"/>
+                <a:cs typeface="Arial" panose="020B0604020202020204" pitchFamily="34" charset="0"/>
               </a:rPr>
               <a:t>+</a:t>
             </a:r>
@@ -1339,7 +1413,8 @@
                 <a:solidFill>
                   <a:schemeClr val="bg1"/>
                 </a:solidFill>
-                <a:cs typeface="Arial" pitchFamily="34" charset="0"/>
+                <a:latin typeface="Arial" panose="020B0604020202020204" pitchFamily="34" charset="0"/>
+                <a:cs typeface="Arial" panose="020B0604020202020204" pitchFamily="34" charset="0"/>
               </a:rPr>
               <a:t>,  a ≠ 1 </a:t>
             </a:r>
@@ -1347,7 +1422,8 @@
               <a:solidFill>
                 <a:schemeClr val="bg1"/>
               </a:solidFill>
-              <a:cs typeface="Arial" pitchFamily="34" charset="0"/>
+              <a:latin typeface="Arial" panose="020B0604020202020204" pitchFamily="34" charset="0"/>
+              <a:cs typeface="Arial" panose="020B0604020202020204" pitchFamily="34" charset="0"/>
             </a:endParaRPr>
           </a:p>
         </p:txBody>
@@ -1433,7 +1509,8 @@
                 <a:solidFill>
                   <a:schemeClr val="tx1"/>
                 </a:solidFill>
-                <a:cs typeface="Arial" pitchFamily="34" charset="0"/>
+                <a:latin typeface="Arial" panose="020B0604020202020204" pitchFamily="34" charset="0"/>
+                <a:cs typeface="Arial" panose="020B0604020202020204" pitchFamily="34" charset="0"/>
               </a:rPr>
               <a:t>se puede representar  </a:t>
             </a:r>
@@ -1441,7 +1518,8 @@
               <a:solidFill>
                 <a:schemeClr val="tx1"/>
               </a:solidFill>
-              <a:cs typeface="Arial" pitchFamily="34" charset="0"/>
+              <a:latin typeface="Arial" panose="020B0604020202020204" pitchFamily="34" charset="0"/>
+              <a:cs typeface="Arial" panose="020B0604020202020204" pitchFamily="34" charset="0"/>
             </a:endParaRPr>
           </a:p>
         </p:txBody>
@@ -1543,7 +1621,8 @@
                 <a:solidFill>
                   <a:schemeClr val="tx1"/>
                 </a:solidFill>
-                <a:cs typeface="Arial" pitchFamily="34" charset="0"/>
+                <a:latin typeface="Arial" panose="020B0604020202020204" pitchFamily="34" charset="0"/>
+                <a:cs typeface="Arial" panose="020B0604020202020204" pitchFamily="34" charset="0"/>
               </a:rPr>
               <a:t>Cuando</a:t>
             </a:r>
@@ -1552,7 +1631,8 @@
                 <a:solidFill>
                   <a:srgbClr val="FF0000"/>
                 </a:solidFill>
-                <a:cs typeface="Arial" pitchFamily="34" charset="0"/>
+                <a:latin typeface="Arial" panose="020B0604020202020204" pitchFamily="34" charset="0"/>
+                <a:cs typeface="Arial" panose="020B0604020202020204" pitchFamily="34" charset="0"/>
               </a:rPr>
               <a:t>   </a:t>
             </a:r>
@@ -1560,7 +1640,8 @@
               <a:solidFill>
                 <a:srgbClr val="FF0000"/>
               </a:solidFill>
-              <a:cs typeface="Arial" pitchFamily="34" charset="0"/>
+              <a:latin typeface="Arial" panose="020B0604020202020204" pitchFamily="34" charset="0"/>
+              <a:cs typeface="Arial" panose="020B0604020202020204" pitchFamily="34" charset="0"/>
             </a:endParaRPr>
           </a:p>
         </p:txBody>
@@ -1689,7 +1770,8 @@
                 <a:solidFill>
                   <a:schemeClr val="tx1"/>
                 </a:solidFill>
-                <a:cs typeface="Arial" pitchFamily="34" charset="0"/>
+                <a:latin typeface="Arial" panose="020B0604020202020204" pitchFamily="34" charset="0"/>
+                <a:cs typeface="Arial" panose="020B0604020202020204" pitchFamily="34" charset="0"/>
               </a:rPr>
               <a:t>de forma algebraica </a:t>
             </a:r>
@@ -1697,7 +1779,8 @@
               <a:solidFill>
                 <a:schemeClr val="tx1"/>
               </a:solidFill>
-              <a:cs typeface="Arial" pitchFamily="34" charset="0"/>
+              <a:latin typeface="Arial" panose="020B0604020202020204" pitchFamily="34" charset="0"/>
+              <a:cs typeface="Arial" panose="020B0604020202020204" pitchFamily="34" charset="0"/>
             </a:endParaRPr>
           </a:p>
         </p:txBody>
@@ -1862,7 +1945,8 @@
                 <a:solidFill>
                   <a:schemeClr val="tx1"/>
                 </a:solidFill>
-                <a:cs typeface="Arial" pitchFamily="34" charset="0"/>
+                <a:latin typeface="Arial" panose="020B0604020202020204" pitchFamily="34" charset="0"/>
+                <a:cs typeface="Arial" panose="020B0604020202020204" pitchFamily="34" charset="0"/>
               </a:rPr>
               <a:t>determina una   </a:t>
             </a:r>
@@ -1870,7 +1954,8 @@
               <a:solidFill>
                 <a:schemeClr val="tx1"/>
               </a:solidFill>
-              <a:cs typeface="Arial" pitchFamily="34" charset="0"/>
+              <a:latin typeface="Arial" panose="020B0604020202020204" pitchFamily="34" charset="0"/>
+              <a:cs typeface="Arial" panose="020B0604020202020204" pitchFamily="34" charset="0"/>
             </a:endParaRPr>
           </a:p>
         </p:txBody>
@@ -1955,24 +2040,38 @@
                 <a:solidFill>
                   <a:schemeClr val="tx1"/>
                 </a:solidFill>
-                <a:cs typeface="Arial" pitchFamily="34" charset="0"/>
-              </a:rPr>
-              <a:t>ecuación  exponencial            y=</a:t>
+                <a:latin typeface="Arial" panose="020B0604020202020204" pitchFamily="34" charset="0"/>
+                <a:cs typeface="Arial" panose="020B0604020202020204" pitchFamily="34" charset="0"/>
+              </a:rPr>
+              <a:t>ecuación  exponencial            y =</a:t>
+            </a:r>
+            <a:r>
+              <a:rPr lang="es-ES_tradnl" sz="900" i="1" dirty="0" smtClean="0">
+                <a:solidFill>
+                  <a:schemeClr val="tx1"/>
+                </a:solidFill>
+                <a:latin typeface="Arial" panose="020B0604020202020204" pitchFamily="34" charset="0"/>
+                <a:cs typeface="Arial" panose="020B0604020202020204" pitchFamily="34" charset="0"/>
+              </a:rPr>
+              <a:t> </a:t>
             </a:r>
             <a:r>
               <a:rPr lang="es-ES_tradnl" sz="900" i="1" dirty="0">
                 <a:solidFill>
                   <a:schemeClr val="tx1"/>
                 </a:solidFill>
-              </a:rPr>
-              <a:t> a </a:t>
+                <a:latin typeface="Arial" panose="020B0604020202020204" pitchFamily="34" charset="0"/>
+                <a:cs typeface="Arial" panose="020B0604020202020204" pitchFamily="34" charset="0"/>
+              </a:rPr>
+              <a:t>a </a:t>
             </a:r>
             <a:r>
               <a:rPr lang="es-CO" sz="900" baseline="30000" dirty="0" smtClean="0">
                 <a:solidFill>
                   <a:schemeClr val="tx1"/>
                 </a:solidFill>
-                <a:cs typeface="Arial" pitchFamily="34" charset="0"/>
+                <a:latin typeface="Arial" panose="020B0604020202020204" pitchFamily="34" charset="0"/>
+                <a:cs typeface="Arial" panose="020B0604020202020204" pitchFamily="34" charset="0"/>
               </a:rPr>
               <a:t>x</a:t>
             </a:r>
@@ -1981,7 +2080,8 @@
                 <a:solidFill>
                   <a:schemeClr val="tx1"/>
                 </a:solidFill>
-                <a:cs typeface="Arial" pitchFamily="34" charset="0"/>
+                <a:latin typeface="Arial" panose="020B0604020202020204" pitchFamily="34" charset="0"/>
+                <a:cs typeface="Arial" panose="020B0604020202020204" pitchFamily="34" charset="0"/>
               </a:rPr>
               <a:t>  </a:t>
             </a:r>
@@ -1989,7 +2089,8 @@
               <a:solidFill>
                 <a:schemeClr val="tx1"/>
               </a:solidFill>
-              <a:cs typeface="Arial" pitchFamily="34" charset="0"/>
+              <a:latin typeface="Arial" panose="020B0604020202020204" pitchFamily="34" charset="0"/>
+              <a:cs typeface="Arial" panose="020B0604020202020204" pitchFamily="34" charset="0"/>
             </a:endParaRPr>
           </a:p>
         </p:txBody>
@@ -2207,15 +2308,17 @@
                 <a:solidFill>
                   <a:schemeClr val="tx1"/>
                 </a:solidFill>
-                <a:cs typeface="Arial" pitchFamily="34" charset="0"/>
-              </a:rPr>
-              <a:t>de forma grafica  </a:t>
+                <a:latin typeface="Arial" panose="020B0604020202020204" pitchFamily="34" charset="0"/>
+                <a:cs typeface="Arial" panose="020B0604020202020204" pitchFamily="34" charset="0"/>
+              </a:rPr>
+              <a:t>de forma gráfica  </a:t>
             </a:r>
             <a:endParaRPr lang="es-CO" sz="900" b="1" dirty="0">
               <a:solidFill>
                 <a:schemeClr val="tx1"/>
               </a:solidFill>
-              <a:cs typeface="Arial" pitchFamily="34" charset="0"/>
+              <a:latin typeface="Arial" panose="020B0604020202020204" pitchFamily="34" charset="0"/>
+              <a:cs typeface="Arial" panose="020B0604020202020204" pitchFamily="34" charset="0"/>
             </a:endParaRPr>
           </a:p>
         </p:txBody>
@@ -2262,7 +2365,8 @@
                 <a:solidFill>
                   <a:schemeClr val="tx1"/>
                 </a:solidFill>
-                <a:cs typeface="Arial" pitchFamily="34" charset="0"/>
+                <a:latin typeface="Arial" panose="020B0604020202020204" pitchFamily="34" charset="0"/>
+                <a:cs typeface="Arial" panose="020B0604020202020204" pitchFamily="34" charset="0"/>
               </a:rPr>
               <a:t>ejemplo    </a:t>
             </a:r>
@@ -2270,7 +2374,8 @@
               <a:solidFill>
                 <a:schemeClr val="tx1"/>
               </a:solidFill>
-              <a:cs typeface="Arial" pitchFamily="34" charset="0"/>
+              <a:latin typeface="Arial" panose="020B0604020202020204" pitchFamily="34" charset="0"/>
+              <a:cs typeface="Arial" panose="020B0604020202020204" pitchFamily="34" charset="0"/>
             </a:endParaRPr>
           </a:p>
         </p:txBody>
@@ -2313,61 +2418,23 @@
           </a:fontRef>
         </p:style>
       </p:cxnSp>
-      <p:cxnSp>
-        <p:nvCxnSpPr>
-          <p:cNvPr id="95" name="94 Conector recto"/>
-          <p:cNvCxnSpPr>
-            <a:stCxn id="159" idx="2"/>
-            <a:endCxn id="98" idx="0"/>
-          </p:cNvCxnSpPr>
-          <p:nvPr/>
-        </p:nvCxnSpPr>
-        <p:spPr>
-          <a:xfrm>
-            <a:off x="11139354" y="6774520"/>
-            <a:ext cx="4256" cy="205917"/>
-          </a:xfrm>
-          <a:prstGeom prst="line">
-            <a:avLst/>
-          </a:prstGeom>
-          <a:ln w="12700">
-            <a:solidFill>
-              <a:schemeClr val="tx1"/>
-            </a:solidFill>
-          </a:ln>
-        </p:spPr>
-        <p:style>
-          <a:lnRef idx="1">
-            <a:schemeClr val="accent1"/>
-          </a:lnRef>
-          <a:fillRef idx="0">
-            <a:schemeClr val="accent1"/>
-          </a:fillRef>
-          <a:effectRef idx="0">
-            <a:schemeClr val="accent1"/>
-          </a:effectRef>
-          <a:fontRef idx="minor">
-            <a:schemeClr val="tx1"/>
-          </a:fontRef>
-        </p:style>
-      </p:cxnSp>
       <p:sp>
         <p:nvSpPr>
-          <p:cNvPr id="98" name="Rectángulo 35"/>
+          <p:cNvPr id="102" name="Rectángulo 33"/>
           <p:cNvSpPr/>
           <p:nvPr/>
         </p:nvSpPr>
         <p:spPr>
           <a:xfrm>
-            <a:off x="10689427" y="6980437"/>
-            <a:ext cx="908365" cy="175800"/>
+            <a:off x="153797" y="7398459"/>
+            <a:ext cx="1535872" cy="715539"/>
           </a:xfrm>
           <a:prstGeom prst="rect">
             <a:avLst/>
           </a:prstGeom>
-          <a:ln>
-            <a:noFill/>
-          </a:ln>
+          <a:solidFill>
+            <a:schemeClr val="bg1"/>
+          </a:solidFill>
         </p:spPr>
         <p:style>
           <a:lnRef idx="2">
@@ -2393,88 +2460,37 @@
                 <a:solidFill>
                   <a:schemeClr val="tx1"/>
                 </a:solidFill>
-                <a:cs typeface="Arial" pitchFamily="34" charset="0"/>
-              </a:rPr>
-              <a:t>ejemplo    </a:t>
+                <a:latin typeface="Arial" panose="020B0604020202020204" pitchFamily="34" charset="0"/>
+                <a:cs typeface="Arial" panose="020B0604020202020204" pitchFamily="34" charset="0"/>
+              </a:rPr>
+              <a:t>y = 3</a:t>
+            </a:r>
+            <a:r>
+              <a:rPr lang="es-CO" sz="900" baseline="30000" dirty="0" smtClean="0">
+                <a:solidFill>
+                  <a:schemeClr val="tx1"/>
+                </a:solidFill>
+                <a:latin typeface="Arial" panose="020B0604020202020204" pitchFamily="34" charset="0"/>
+                <a:cs typeface="Arial" panose="020B0604020202020204" pitchFamily="34" charset="0"/>
+              </a:rPr>
+              <a:t>x</a:t>
+            </a:r>
+            <a:r>
+              <a:rPr lang="es-CO" sz="900" dirty="0" smtClean="0">
+                <a:solidFill>
+                  <a:schemeClr val="tx1"/>
+                </a:solidFill>
+                <a:latin typeface="Arial" panose="020B0604020202020204" pitchFamily="34" charset="0"/>
+                <a:cs typeface="Arial" panose="020B0604020202020204" pitchFamily="34" charset="0"/>
+              </a:rPr>
+              <a:t>  </a:t>
             </a:r>
             <a:endParaRPr lang="es-CO" sz="900" dirty="0">
               <a:solidFill>
                 <a:schemeClr val="tx1"/>
               </a:solidFill>
-              <a:cs typeface="Arial" pitchFamily="34" charset="0"/>
-            </a:endParaRPr>
-          </a:p>
-        </p:txBody>
-      </p:sp>
-      <p:sp>
-        <p:nvSpPr>
-          <p:cNvPr id="102" name="Rectángulo 33"/>
-          <p:cNvSpPr/>
-          <p:nvPr/>
-        </p:nvSpPr>
-        <p:spPr>
-          <a:xfrm>
-            <a:off x="153797" y="7398459"/>
-            <a:ext cx="1535872" cy="715539"/>
-          </a:xfrm>
-          <a:prstGeom prst="rect">
-            <a:avLst/>
-          </a:prstGeom>
-          <a:solidFill>
-            <a:schemeClr val="bg1"/>
-          </a:solidFill>
-        </p:spPr>
-        <p:style>
-          <a:lnRef idx="2">
-            <a:schemeClr val="dk1"/>
-          </a:lnRef>
-          <a:fillRef idx="1">
-            <a:schemeClr val="lt1"/>
-          </a:fillRef>
-          <a:effectRef idx="0">
-            <a:schemeClr val="dk1"/>
-          </a:effectRef>
-          <a:fontRef idx="minor">
-            <a:schemeClr val="dk1"/>
-          </a:fontRef>
-        </p:style>
-        <p:txBody>
-          <a:bodyPr lIns="105683" tIns="52841" rIns="105683" bIns="52841" rtlCol="0" anchor="ctr"/>
-          <a:lstStyle/>
-          <a:p>
-            <a:pPr algn="ctr"/>
-            <a:r>
-              <a:rPr lang="es-CO" sz="900" dirty="0" smtClean="0">
-                <a:solidFill>
-                  <a:schemeClr val="tx1"/>
-                </a:solidFill>
-                <a:cs typeface="Arial" pitchFamily="34" charset="0"/>
-              </a:rPr>
-              <a:t>y = 3 </a:t>
-            </a:r>
-            <a:r>
-              <a:rPr lang="es-CO" sz="900" baseline="30000" dirty="0" smtClean="0">
-                <a:solidFill>
-                  <a:schemeClr val="tx1"/>
-                </a:solidFill>
-                <a:cs typeface="Arial" pitchFamily="34" charset="0"/>
-              </a:rPr>
-              <a:t>x</a:t>
-            </a:r>
-            <a:r>
-              <a:rPr lang="es-CO" sz="900" dirty="0" smtClean="0">
-                <a:solidFill>
-                  <a:schemeClr val="tx1"/>
-                </a:solidFill>
-                <a:cs typeface="Arial" pitchFamily="34" charset="0"/>
-              </a:rPr>
-              <a:t>  </a:t>
-            </a:r>
-            <a:endParaRPr lang="es-CO" sz="900" dirty="0">
-              <a:solidFill>
-                <a:schemeClr val="tx1"/>
-              </a:solidFill>
-              <a:cs typeface="Arial" pitchFamily="34" charset="0"/>
+              <a:latin typeface="Arial" panose="020B0604020202020204" pitchFamily="34" charset="0"/>
+              <a:cs typeface="Arial" panose="020B0604020202020204" pitchFamily="34" charset="0"/>
             </a:endParaRPr>
           </a:p>
         </p:txBody>
@@ -2519,99 +2535,6 @@
       </p:cxnSp>
       <p:sp>
         <p:nvSpPr>
-          <p:cNvPr id="108" name="Rectángulo 33"/>
-          <p:cNvSpPr/>
-          <p:nvPr/>
-        </p:nvSpPr>
-        <p:spPr>
-          <a:xfrm>
-            <a:off x="2258615" y="7261503"/>
-            <a:ext cx="1535872" cy="1339033"/>
-          </a:xfrm>
-          <a:prstGeom prst="rect">
-            <a:avLst/>
-          </a:prstGeom>
-          <a:solidFill>
-            <a:schemeClr val="bg1"/>
-          </a:solidFill>
-        </p:spPr>
-        <p:style>
-          <a:lnRef idx="2">
-            <a:schemeClr val="dk1"/>
-          </a:lnRef>
-          <a:fillRef idx="1">
-            <a:schemeClr val="lt1"/>
-          </a:fillRef>
-          <a:effectRef idx="0">
-            <a:schemeClr val="dk1"/>
-          </a:effectRef>
-          <a:fontRef idx="minor">
-            <a:schemeClr val="dk1"/>
-          </a:fontRef>
-        </p:style>
-        <p:txBody>
-          <a:bodyPr lIns="105683" tIns="52841" rIns="105683" bIns="52841" rtlCol="0" anchor="ctr"/>
-          <a:lstStyle/>
-          <a:p>
-            <a:pPr algn="ctr"/>
-            <a:r>
-              <a:rPr lang="es-CO" sz="1000" dirty="0" smtClean="0">
-                <a:solidFill>
-                  <a:srgbClr val="FF0000"/>
-                </a:solidFill>
-                <a:cs typeface="Arial" pitchFamily="34" charset="0"/>
-              </a:rPr>
-              <a:t>  </a:t>
-            </a:r>
-            <a:endParaRPr lang="es-CO" sz="1000" dirty="0">
-              <a:solidFill>
-                <a:srgbClr val="FF0000"/>
-              </a:solidFill>
-              <a:cs typeface="Arial" pitchFamily="34" charset="0"/>
-            </a:endParaRPr>
-          </a:p>
-        </p:txBody>
-      </p:sp>
-      <p:cxnSp>
-        <p:nvCxnSpPr>
-          <p:cNvPr id="109" name="108 Conector recto"/>
-          <p:cNvCxnSpPr>
-            <a:stCxn id="98" idx="2"/>
-            <a:endCxn id="223" idx="0"/>
-          </p:cNvCxnSpPr>
-          <p:nvPr/>
-        </p:nvCxnSpPr>
-        <p:spPr>
-          <a:xfrm>
-            <a:off x="11143610" y="7156237"/>
-            <a:ext cx="4682" cy="215128"/>
-          </a:xfrm>
-          <a:prstGeom prst="line">
-            <a:avLst/>
-          </a:prstGeom>
-          <a:ln w="12700">
-            <a:solidFill>
-              <a:schemeClr val="tx1"/>
-            </a:solidFill>
-          </a:ln>
-        </p:spPr>
-        <p:style>
-          <a:lnRef idx="1">
-            <a:schemeClr val="accent1"/>
-          </a:lnRef>
-          <a:fillRef idx="0">
-            <a:schemeClr val="accent1"/>
-          </a:fillRef>
-          <a:effectRef idx="0">
-            <a:schemeClr val="accent1"/>
-          </a:effectRef>
-          <a:fontRef idx="minor">
-            <a:schemeClr val="tx1"/>
-          </a:fontRef>
-        </p:style>
-      </p:cxnSp>
-      <p:sp>
-        <p:nvSpPr>
           <p:cNvPr id="114" name="Rectángulo 33"/>
           <p:cNvSpPr/>
           <p:nvPr/>
@@ -2654,6 +2577,8 @@
                 <a:solidFill>
                   <a:schemeClr val="bg1"/>
                 </a:solidFill>
+                <a:latin typeface="Arial" panose="020B0604020202020204" pitchFamily="34" charset="0"/>
+                <a:cs typeface="Arial" panose="020B0604020202020204" pitchFamily="34" charset="0"/>
               </a:rPr>
               <a:t>ƒ : ℝ → ℝ </a:t>
             </a:r>
@@ -2662,6 +2587,8 @@
                 <a:solidFill>
                   <a:schemeClr val="bg1"/>
                 </a:solidFill>
+                <a:latin typeface="Arial" panose="020B0604020202020204" pitchFamily="34" charset="0"/>
+                <a:cs typeface="Arial" panose="020B0604020202020204" pitchFamily="34" charset="0"/>
               </a:rPr>
               <a:t>+</a:t>
             </a:r>
@@ -2670,7 +2597,8 @@
                 <a:solidFill>
                   <a:schemeClr val="bg1"/>
                 </a:solidFill>
-                <a:cs typeface="Arial" pitchFamily="34" charset="0"/>
+                <a:latin typeface="Arial" panose="020B0604020202020204" pitchFamily="34" charset="0"/>
+                <a:cs typeface="Arial" panose="020B0604020202020204" pitchFamily="34" charset="0"/>
               </a:rPr>
               <a:t> </a:t>
             </a:r>
@@ -2678,7 +2606,8 @@
               <a:solidFill>
                 <a:schemeClr val="bg1"/>
               </a:solidFill>
-              <a:cs typeface="Arial" pitchFamily="34" charset="0"/>
+              <a:latin typeface="Arial" panose="020B0604020202020204" pitchFamily="34" charset="0"/>
+              <a:cs typeface="Arial" panose="020B0604020202020204" pitchFamily="34" charset="0"/>
             </a:endParaRPr>
           </a:p>
           <a:p>
@@ -2688,6 +2617,8 @@
                 <a:solidFill>
                   <a:schemeClr val="bg1"/>
                 </a:solidFill>
+                <a:latin typeface="Arial" panose="020B0604020202020204" pitchFamily="34" charset="0"/>
+                <a:cs typeface="Arial" panose="020B0604020202020204" pitchFamily="34" charset="0"/>
               </a:rPr>
               <a:t>ƒ(x</a:t>
             </a:r>
@@ -2696,6 +2627,8 @@
                 <a:solidFill>
                   <a:schemeClr val="bg1"/>
                 </a:solidFill>
+                <a:latin typeface="Arial" panose="020B0604020202020204" pitchFamily="34" charset="0"/>
+                <a:cs typeface="Arial" panose="020B0604020202020204" pitchFamily="34" charset="0"/>
               </a:rPr>
               <a:t>)= log </a:t>
             </a:r>
@@ -2704,6 +2637,8 @@
                 <a:solidFill>
                   <a:schemeClr val="bg1"/>
                 </a:solidFill>
+                <a:latin typeface="Arial" panose="020B0604020202020204" pitchFamily="34" charset="0"/>
+                <a:cs typeface="Arial" panose="020B0604020202020204" pitchFamily="34" charset="0"/>
               </a:rPr>
               <a:t>a</a:t>
             </a:r>
@@ -2712,6 +2647,8 @@
                 <a:solidFill>
                   <a:schemeClr val="bg1"/>
                 </a:solidFill>
+                <a:latin typeface="Arial" panose="020B0604020202020204" pitchFamily="34" charset="0"/>
+                <a:cs typeface="Arial" panose="020B0604020202020204" pitchFamily="34" charset="0"/>
               </a:rPr>
               <a:t>a</a:t>
             </a:r>
@@ -2720,6 +2657,8 @@
                 <a:solidFill>
                   <a:schemeClr val="bg1"/>
                 </a:solidFill>
+                <a:latin typeface="Arial" panose="020B0604020202020204" pitchFamily="34" charset="0"/>
+                <a:cs typeface="Arial" panose="020B0604020202020204" pitchFamily="34" charset="0"/>
               </a:rPr>
               <a:t> </a:t>
             </a:r>
@@ -2728,6 +2667,8 @@
                 <a:solidFill>
                   <a:schemeClr val="bg1"/>
                 </a:solidFill>
+                <a:latin typeface="Arial" panose="020B0604020202020204" pitchFamily="34" charset="0"/>
+                <a:cs typeface="Arial" panose="020B0604020202020204" pitchFamily="34" charset="0"/>
               </a:rPr>
               <a:t>x</a:t>
             </a:r>
@@ -2736,6 +2677,8 @@
                 <a:solidFill>
                   <a:schemeClr val="bg1"/>
                 </a:solidFill>
+                <a:latin typeface="Arial" panose="020B0604020202020204" pitchFamily="34" charset="0"/>
+                <a:cs typeface="Arial" panose="020B0604020202020204" pitchFamily="34" charset="0"/>
               </a:rPr>
               <a:t>, </a:t>
             </a:r>
@@ -2744,7 +2687,8 @@
                 <a:solidFill>
                   <a:schemeClr val="bg1"/>
                 </a:solidFill>
-                <a:cs typeface="Arial" pitchFamily="34" charset="0"/>
+                <a:latin typeface="Arial" panose="020B0604020202020204" pitchFamily="34" charset="0"/>
+                <a:cs typeface="Arial" panose="020B0604020202020204" pitchFamily="34" charset="0"/>
               </a:rPr>
               <a:t>a∈</a:t>
             </a:r>
@@ -2753,6 +2697,8 @@
                 <a:solidFill>
                   <a:schemeClr val="bg1"/>
                 </a:solidFill>
+                <a:latin typeface="Arial" panose="020B0604020202020204" pitchFamily="34" charset="0"/>
+                <a:cs typeface="Arial" panose="020B0604020202020204" pitchFamily="34" charset="0"/>
               </a:rPr>
               <a:t> ℝ </a:t>
             </a:r>
@@ -2761,6 +2707,8 @@
                 <a:solidFill>
                   <a:schemeClr val="bg1"/>
                 </a:solidFill>
+                <a:latin typeface="Arial" panose="020B0604020202020204" pitchFamily="34" charset="0"/>
+                <a:cs typeface="Arial" panose="020B0604020202020204" pitchFamily="34" charset="0"/>
               </a:rPr>
               <a:t>+</a:t>
             </a:r>
@@ -2769,6 +2717,8 @@
                 <a:solidFill>
                   <a:schemeClr val="bg1"/>
                 </a:solidFill>
+                <a:latin typeface="Arial" panose="020B0604020202020204" pitchFamily="34" charset="0"/>
+                <a:cs typeface="Arial" panose="020B0604020202020204" pitchFamily="34" charset="0"/>
               </a:rPr>
               <a:t>  , </a:t>
             </a:r>
@@ -2777,6 +2727,8 @@
                 <a:solidFill>
                   <a:schemeClr val="bg1"/>
                 </a:solidFill>
+                <a:latin typeface="Arial" panose="020B0604020202020204" pitchFamily="34" charset="0"/>
+                <a:cs typeface="Arial" panose="020B0604020202020204" pitchFamily="34" charset="0"/>
               </a:rPr>
               <a:t>a </a:t>
             </a:r>
@@ -2785,6 +2737,8 @@
                 <a:solidFill>
                   <a:schemeClr val="bg1"/>
                 </a:solidFill>
+                <a:latin typeface="Arial" panose="020B0604020202020204" pitchFamily="34" charset="0"/>
+                <a:cs typeface="Arial" panose="020B0604020202020204" pitchFamily="34" charset="0"/>
               </a:rPr>
               <a:t>≠ 1</a:t>
             </a:r>
@@ -2792,6 +2746,8 @@
               <a:solidFill>
                 <a:schemeClr val="bg1"/>
               </a:solidFill>
+              <a:latin typeface="Arial" panose="020B0604020202020204" pitchFamily="34" charset="0"/>
+              <a:cs typeface="Arial" panose="020B0604020202020204" pitchFamily="34" charset="0"/>
             </a:endParaRPr>
           </a:p>
         </p:txBody>
@@ -2837,7 +2793,8 @@
                 <a:solidFill>
                   <a:srgbClr val="FF0000"/>
                 </a:solidFill>
-                <a:cs typeface="Arial" pitchFamily="34" charset="0"/>
+                <a:latin typeface="Arial" panose="020B0604020202020204" pitchFamily="34" charset="0"/>
+                <a:cs typeface="Arial" panose="020B0604020202020204" pitchFamily="34" charset="0"/>
               </a:rPr>
               <a:t>    </a:t>
             </a:r>
@@ -2845,19 +2802,22 @@
           <a:p>
             <a:pPr algn="ctr"/>
             <a:r>
-              <a:rPr lang="es-CO" sz="900" smtClean="0">
-                <a:solidFill>
-                  <a:schemeClr val="tx1"/>
-                </a:solidFill>
-                <a:cs typeface="Arial" pitchFamily="34" charset="0"/>
+              <a:rPr lang="es-CO" sz="900" dirty="0" smtClean="0">
+                <a:solidFill>
+                  <a:schemeClr val="tx1"/>
+                </a:solidFill>
+                <a:latin typeface="Arial" panose="020B0604020202020204" pitchFamily="34" charset="0"/>
+                <a:cs typeface="Arial" panose="020B0604020202020204" pitchFamily="34" charset="0"/>
               </a:rPr>
               <a:t>0 &lt; </a:t>
             </a:r>
             <a:r>
-              <a:rPr lang="es-ES_tradnl" sz="900" i="1" smtClean="0">
-                <a:solidFill>
-                  <a:schemeClr val="tx1"/>
-                </a:solidFill>
+              <a:rPr lang="es-ES_tradnl" sz="900" i="1" dirty="0" smtClean="0">
+                <a:solidFill>
+                  <a:schemeClr val="tx1"/>
+                </a:solidFill>
+                <a:latin typeface="Arial" panose="020B0604020202020204" pitchFamily="34" charset="0"/>
+                <a:cs typeface="Arial" panose="020B0604020202020204" pitchFamily="34" charset="0"/>
               </a:rPr>
               <a:t>a </a:t>
             </a:r>
@@ -2866,7 +2826,8 @@
                 <a:solidFill>
                   <a:schemeClr val="tx1"/>
                 </a:solidFill>
-                <a:cs typeface="Arial" pitchFamily="34" charset="0"/>
+                <a:latin typeface="Arial" panose="020B0604020202020204" pitchFamily="34" charset="0"/>
+                <a:cs typeface="Arial" panose="020B0604020202020204" pitchFamily="34" charset="0"/>
               </a:rPr>
               <a:t>&lt; 1 </a:t>
             </a:r>
@@ -2875,9 +2836,30 @@
                 <a:solidFill>
                   <a:schemeClr val="tx1"/>
                 </a:solidFill>
-                <a:cs typeface="Arial" pitchFamily="34" charset="0"/>
-              </a:rPr>
-              <a:t>la grafica es decreciente   </a:t>
+                <a:latin typeface="Arial" panose="020B0604020202020204" pitchFamily="34" charset="0"/>
+                <a:cs typeface="Arial" panose="020B0604020202020204" pitchFamily="34" charset="0"/>
+              </a:rPr>
+              <a:t>la </a:t>
+            </a:r>
+            <a:r>
+              <a:rPr lang="es-CO" sz="900" dirty="0" smtClean="0">
+                <a:solidFill>
+                  <a:schemeClr val="tx1"/>
+                </a:solidFill>
+                <a:latin typeface="Arial" panose="020B0604020202020204" pitchFamily="34" charset="0"/>
+                <a:cs typeface="Arial" panose="020B0604020202020204" pitchFamily="34" charset="0"/>
+              </a:rPr>
+              <a:t>gráfica </a:t>
+            </a:r>
+            <a:r>
+              <a:rPr lang="es-CO" sz="900" dirty="0">
+                <a:solidFill>
+                  <a:schemeClr val="tx1"/>
+                </a:solidFill>
+                <a:latin typeface="Arial" panose="020B0604020202020204" pitchFamily="34" charset="0"/>
+                <a:cs typeface="Arial" panose="020B0604020202020204" pitchFamily="34" charset="0"/>
+              </a:rPr>
+              <a:t>es decreciente   </a:t>
             </a:r>
           </a:p>
           <a:p>
@@ -2887,7 +2869,8 @@
                 <a:solidFill>
                   <a:srgbClr val="FF0000"/>
                 </a:solidFill>
-                <a:cs typeface="Arial" pitchFamily="34" charset="0"/>
+                <a:latin typeface="Arial" panose="020B0604020202020204" pitchFamily="34" charset="0"/>
+                <a:cs typeface="Arial" panose="020B0604020202020204" pitchFamily="34" charset="0"/>
               </a:rPr>
               <a:t> </a:t>
             </a:r>
@@ -2895,155 +2878,8 @@
               <a:solidFill>
                 <a:srgbClr val="FF0000"/>
               </a:solidFill>
-              <a:cs typeface="Arial" pitchFamily="34" charset="0"/>
-            </a:endParaRPr>
-          </a:p>
-        </p:txBody>
-      </p:sp>
-      <p:cxnSp>
-        <p:nvCxnSpPr>
-          <p:cNvPr id="212" name="211 Conector recto"/>
-          <p:cNvCxnSpPr/>
-          <p:nvPr/>
-        </p:nvCxnSpPr>
-        <p:spPr>
-          <a:xfrm>
-            <a:off x="10495245" y="6452652"/>
-            <a:ext cx="2207" cy="135635"/>
-          </a:xfrm>
-          <a:prstGeom prst="line">
-            <a:avLst/>
-          </a:prstGeom>
-          <a:ln w="12700">
-            <a:solidFill>
-              <a:schemeClr val="tx1"/>
-            </a:solidFill>
-          </a:ln>
-        </p:spPr>
-        <p:style>
-          <a:lnRef idx="1">
-            <a:schemeClr val="accent1"/>
-          </a:lnRef>
-          <a:fillRef idx="0">
-            <a:schemeClr val="accent1"/>
-          </a:fillRef>
-          <a:effectRef idx="0">
-            <a:schemeClr val="accent1"/>
-          </a:effectRef>
-          <a:fontRef idx="minor">
-            <a:schemeClr val="tx1"/>
-          </a:fontRef>
-        </p:style>
-      </p:cxnSp>
-      <p:sp>
-        <p:nvSpPr>
-          <p:cNvPr id="159" name="Rectángulo 33"/>
-          <p:cNvSpPr/>
-          <p:nvPr/>
-        </p:nvSpPr>
-        <p:spPr>
-          <a:xfrm>
-            <a:off x="10517286" y="6403624"/>
-            <a:ext cx="1244135" cy="370896"/>
-          </a:xfrm>
-          <a:prstGeom prst="rect">
-            <a:avLst/>
-          </a:prstGeom>
-          <a:solidFill>
-            <a:schemeClr val="bg1"/>
-          </a:solidFill>
-        </p:spPr>
-        <p:style>
-          <a:lnRef idx="2">
-            <a:schemeClr val="dk1"/>
-          </a:lnRef>
-          <a:fillRef idx="1">
-            <a:schemeClr val="lt1"/>
-          </a:fillRef>
-          <a:effectRef idx="0">
-            <a:schemeClr val="dk1"/>
-          </a:effectRef>
-          <a:fontRef idx="minor">
-            <a:schemeClr val="dk1"/>
-          </a:fontRef>
-        </p:style>
-        <p:txBody>
-          <a:bodyPr lIns="105683" tIns="52841" rIns="105683" bIns="52841" rtlCol="0" anchor="ctr"/>
-          <a:lstStyle/>
-          <a:p>
-            <a:r>
-              <a:rPr lang="es-CO" sz="900" dirty="0" smtClean="0">
-                <a:solidFill>
-                  <a:srgbClr val="FF0000"/>
-                </a:solidFill>
-                <a:cs typeface="Arial" pitchFamily="34" charset="0"/>
-              </a:rPr>
-              <a:t> </a:t>
-            </a:r>
-          </a:p>
-          <a:p>
-            <a:pPr algn="ctr"/>
-            <a:endParaRPr lang="es-CO" sz="900" dirty="0" smtClean="0">
-              <a:solidFill>
-                <a:srgbClr val="FF0000"/>
-              </a:solidFill>
-              <a:cs typeface="Arial" pitchFamily="34" charset="0"/>
-            </a:endParaRPr>
-          </a:p>
-          <a:p>
-            <a:pPr algn="ctr"/>
-            <a:r>
-              <a:rPr lang="es-ES_tradnl" sz="900" i="1" dirty="0">
-                <a:solidFill>
-                  <a:schemeClr val="tx1"/>
-                </a:solidFill>
-              </a:rPr>
-              <a:t>a</a:t>
-            </a:r>
-            <a:r>
-              <a:rPr lang="es-CO" sz="900" dirty="0" smtClean="0">
-                <a:solidFill>
-                  <a:schemeClr val="tx1"/>
-                </a:solidFill>
-                <a:cs typeface="Arial" pitchFamily="34" charset="0"/>
-              </a:rPr>
-              <a:t> &gt; 1 </a:t>
-            </a:r>
-            <a:r>
-              <a:rPr lang="es-CO" sz="900" dirty="0">
-                <a:solidFill>
-                  <a:schemeClr val="tx1"/>
-                </a:solidFill>
-                <a:cs typeface="Arial" pitchFamily="34" charset="0"/>
-              </a:rPr>
-              <a:t>la grafica es creciente </a:t>
-            </a:r>
-          </a:p>
-          <a:p>
-            <a:pPr algn="ctr"/>
-            <a:endParaRPr lang="es-CO" sz="900" dirty="0" smtClean="0">
-              <a:solidFill>
-                <a:srgbClr val="FF0000"/>
-              </a:solidFill>
-              <a:cs typeface="Arial" pitchFamily="34" charset="0"/>
-            </a:endParaRPr>
-          </a:p>
-          <a:p>
-            <a:pPr algn="ctr"/>
-            <a:r>
-              <a:rPr lang="es-CO" sz="900" dirty="0" smtClean="0">
-                <a:solidFill>
-                  <a:srgbClr val="FF0000"/>
-                </a:solidFill>
-                <a:cs typeface="Arial" pitchFamily="34" charset="0"/>
-              </a:rPr>
-              <a:t> </a:t>
-            </a:r>
-            <a:endParaRPr lang="es-CO" sz="900" dirty="0">
-              <a:solidFill>
-                <a:srgbClr val="FF0000"/>
-              </a:solidFill>
-              <a:cs typeface="Arial" pitchFamily="34" charset="0"/>
+              <a:latin typeface="Arial" panose="020B0604020202020204" pitchFamily="34" charset="0"/>
+              <a:cs typeface="Arial" panose="020B0604020202020204" pitchFamily="34" charset="0"/>
             </a:endParaRPr>
           </a:p>
         </p:txBody>
@@ -3092,7 +2928,6 @@
           <p:cNvPr id="174" name="173 Conector angular"/>
           <p:cNvCxnSpPr>
             <a:stCxn id="168" idx="2"/>
-            <a:endCxn id="159" idx="0"/>
           </p:cNvCxnSpPr>
           <p:nvPr/>
         </p:nvCxnSpPr>
@@ -3129,14 +2964,14 @@
       </p:cxnSp>
       <p:sp>
         <p:nvSpPr>
-          <p:cNvPr id="178" name="Rectángulo 35"/>
+          <p:cNvPr id="154" name="Rectángulo 35"/>
           <p:cNvSpPr/>
           <p:nvPr/>
         </p:nvSpPr>
         <p:spPr>
           <a:xfrm>
-            <a:off x="12346777" y="6980437"/>
-            <a:ext cx="908365" cy="175800"/>
+            <a:off x="3984468" y="3905976"/>
+            <a:ext cx="1191057" cy="384264"/>
           </a:xfrm>
           <a:prstGeom prst="rect">
             <a:avLst/>
@@ -3169,267 +3004,17 @@
                 <a:solidFill>
                   <a:schemeClr val="tx1"/>
                 </a:solidFill>
-                <a:cs typeface="Arial" pitchFamily="34" charset="0"/>
-              </a:rPr>
-              <a:t>ejemplo    </a:t>
+                <a:latin typeface="Arial" panose="020B0604020202020204" pitchFamily="34" charset="0"/>
+                <a:cs typeface="Arial" panose="020B0604020202020204" pitchFamily="34" charset="0"/>
+              </a:rPr>
+              <a:t>Sus características son   </a:t>
             </a:r>
             <a:endParaRPr lang="es-CO" sz="900" dirty="0">
               <a:solidFill>
                 <a:schemeClr val="tx1"/>
               </a:solidFill>
-              <a:cs typeface="Arial" pitchFamily="34" charset="0"/>
-            </a:endParaRPr>
-          </a:p>
-        </p:txBody>
-      </p:sp>
-      <p:sp>
-        <p:nvSpPr>
-          <p:cNvPr id="180" name="Rectángulo 33"/>
-          <p:cNvSpPr/>
-          <p:nvPr/>
-        </p:nvSpPr>
-        <p:spPr>
-          <a:xfrm>
-            <a:off x="3941366" y="7261503"/>
-            <a:ext cx="1535872" cy="1339033"/>
-          </a:xfrm>
-          <a:prstGeom prst="rect">
-            <a:avLst/>
-          </a:prstGeom>
-          <a:solidFill>
-            <a:schemeClr val="bg1"/>
-          </a:solidFill>
-        </p:spPr>
-        <p:style>
-          <a:lnRef idx="2">
-            <a:schemeClr val="dk1"/>
-          </a:lnRef>
-          <a:fillRef idx="1">
-            <a:schemeClr val="lt1"/>
-          </a:fillRef>
-          <a:effectRef idx="0">
-            <a:schemeClr val="dk1"/>
-          </a:effectRef>
-          <a:fontRef idx="minor">
-            <a:schemeClr val="dk1"/>
-          </a:fontRef>
-        </p:style>
-        <p:txBody>
-          <a:bodyPr lIns="105683" tIns="52841" rIns="105683" bIns="52841" rtlCol="0" anchor="ctr"/>
-          <a:lstStyle/>
-          <a:p>
-            <a:pPr algn="ctr"/>
-            <a:r>
-              <a:rPr lang="es-CO" sz="1000" dirty="0" smtClean="0">
-                <a:solidFill>
-                  <a:srgbClr val="FF0000"/>
-                </a:solidFill>
-                <a:cs typeface="Arial" pitchFamily="34" charset="0"/>
-              </a:rPr>
-              <a:t>  </a:t>
-            </a:r>
-            <a:endParaRPr lang="es-CO" sz="1000" dirty="0">
-              <a:solidFill>
-                <a:srgbClr val="FF0000"/>
-              </a:solidFill>
-              <a:cs typeface="Arial" pitchFamily="34" charset="0"/>
-            </a:endParaRPr>
-          </a:p>
-        </p:txBody>
-      </p:sp>
-      <p:cxnSp>
-        <p:nvCxnSpPr>
-          <p:cNvPr id="182" name="181 Conector recto"/>
-          <p:cNvCxnSpPr>
-            <a:stCxn id="178" idx="2"/>
-            <a:endCxn id="224" idx="0"/>
-          </p:cNvCxnSpPr>
-          <p:nvPr/>
-        </p:nvCxnSpPr>
-        <p:spPr>
-          <a:xfrm>
-            <a:off x="12800960" y="7156237"/>
-            <a:ext cx="14207" cy="234178"/>
-          </a:xfrm>
-          <a:prstGeom prst="line">
-            <a:avLst/>
-          </a:prstGeom>
-          <a:ln w="12700">
-            <a:solidFill>
-              <a:schemeClr val="tx1"/>
-            </a:solidFill>
-          </a:ln>
-        </p:spPr>
-        <p:style>
-          <a:lnRef idx="1">
-            <a:schemeClr val="accent1"/>
-          </a:lnRef>
-          <a:fillRef idx="0">
-            <a:schemeClr val="accent1"/>
-          </a:fillRef>
-          <a:effectRef idx="0">
-            <a:schemeClr val="accent1"/>
-          </a:effectRef>
-          <a:fontRef idx="minor">
-            <a:schemeClr val="tx1"/>
-          </a:fontRef>
-        </p:style>
-      </p:cxnSp>
-      <p:cxnSp>
-        <p:nvCxnSpPr>
-          <p:cNvPr id="184" name="183 Conector recto"/>
-          <p:cNvCxnSpPr>
-            <a:stCxn id="164" idx="2"/>
-            <a:endCxn id="178" idx="0"/>
-          </p:cNvCxnSpPr>
-          <p:nvPr/>
-        </p:nvCxnSpPr>
-        <p:spPr>
-          <a:xfrm flipH="1">
-            <a:off x="12800960" y="6766256"/>
-            <a:ext cx="69" cy="214181"/>
-          </a:xfrm>
-          <a:prstGeom prst="line">
-            <a:avLst/>
-          </a:prstGeom>
-          <a:ln w="12700">
-            <a:solidFill>
-              <a:schemeClr val="tx1"/>
-            </a:solidFill>
-          </a:ln>
-        </p:spPr>
-        <p:style>
-          <a:lnRef idx="1">
-            <a:schemeClr val="accent1"/>
-          </a:lnRef>
-          <a:fillRef idx="0">
-            <a:schemeClr val="accent1"/>
-          </a:fillRef>
-          <a:effectRef idx="0">
-            <a:schemeClr val="accent1"/>
-          </a:effectRef>
-          <a:fontRef idx="minor">
-            <a:schemeClr val="tx1"/>
-          </a:fontRef>
-        </p:style>
-      </p:cxnSp>
-      <p:pic>
-        <p:nvPicPr>
-          <p:cNvPr id="185" name="184 Imagen" descr="J:\ecuaciones guion 7\imagenes\1.jpg"/>
-          <p:cNvPicPr/>
-          <p:nvPr/>
-        </p:nvPicPr>
-        <p:blipFill>
-          <a:blip r:embed="rId2" cstate="print">
-            <a:extLst>
-              <a:ext uri="{28A0092B-C50C-407E-A947-70E740481C1C}">
-                <a14:useLocalDpi xmlns:a14="http://schemas.microsoft.com/office/drawing/2010/main" val="0"/>
-              </a:ext>
-            </a:extLst>
-          </a:blip>
-          <a:srcRect/>
-          <a:stretch>
-            <a:fillRect/>
-          </a:stretch>
-        </p:blipFill>
-        <p:spPr bwMode="auto">
-          <a:xfrm>
-            <a:off x="2360673" y="7382017"/>
-            <a:ext cx="1391140" cy="1167487"/>
-          </a:xfrm>
-          <a:prstGeom prst="rect">
-            <a:avLst/>
-          </a:prstGeom>
-          <a:noFill/>
-          <a:ln>
-            <a:noFill/>
-          </a:ln>
-        </p:spPr>
-      </p:pic>
-      <p:pic>
-        <p:nvPicPr>
-          <p:cNvPr id="186" name="185 Imagen" descr="J:\ecuaciones guion 7\imagenes\2.jpg"/>
-          <p:cNvPicPr/>
-          <p:nvPr/>
-        </p:nvPicPr>
-        <p:blipFill>
-          <a:blip r:embed="rId3" cstate="print">
-            <a:extLst>
-              <a:ext uri="{28A0092B-C50C-407E-A947-70E740481C1C}">
-                <a14:useLocalDpi xmlns:a14="http://schemas.microsoft.com/office/drawing/2010/main" val="0"/>
-              </a:ext>
-            </a:extLst>
-          </a:blip>
-          <a:srcRect/>
-          <a:stretch>
-            <a:fillRect/>
-          </a:stretch>
-        </p:blipFill>
-        <p:spPr bwMode="auto">
-          <a:xfrm>
-            <a:off x="4037242" y="7410571"/>
-            <a:ext cx="1334613" cy="1120590"/>
-          </a:xfrm>
-          <a:prstGeom prst="rect">
-            <a:avLst/>
-          </a:prstGeom>
-          <a:noFill/>
-          <a:ln>
-            <a:noFill/>
-          </a:ln>
-        </p:spPr>
-      </p:pic>
-      <p:sp>
-        <p:nvSpPr>
-          <p:cNvPr id="154" name="Rectángulo 35"/>
-          <p:cNvSpPr/>
-          <p:nvPr/>
-        </p:nvSpPr>
-        <p:spPr>
-          <a:xfrm>
-            <a:off x="3984468" y="3905976"/>
-            <a:ext cx="1191057" cy="384264"/>
-          </a:xfrm>
-          <a:prstGeom prst="rect">
-            <a:avLst/>
-          </a:prstGeom>
-          <a:ln>
-            <a:noFill/>
-          </a:ln>
-        </p:spPr>
-        <p:style>
-          <a:lnRef idx="2">
-            <a:schemeClr val="dk1"/>
-          </a:lnRef>
-          <a:fillRef idx="1">
-            <a:schemeClr val="lt1"/>
-          </a:fillRef>
-          <a:effectRef idx="0">
-            <a:schemeClr val="dk1"/>
-          </a:effectRef>
-          <a:fontRef idx="minor">
-            <a:schemeClr val="dk1"/>
-          </a:fontRef>
-        </p:style>
-        <p:txBody>
-          <a:bodyPr lIns="105683" tIns="52841" rIns="105683" bIns="52841" rtlCol="0" anchor="ctr"/>
-          <a:lstStyle/>
-          <a:p>
-            <a:pPr algn="ctr"/>
-            <a:r>
-              <a:rPr lang="es-CO" sz="900" dirty="0" smtClean="0">
-                <a:solidFill>
-                  <a:schemeClr val="tx1"/>
-                </a:solidFill>
-                <a:cs typeface="Arial" pitchFamily="34" charset="0"/>
-              </a:rPr>
-              <a:t>Sus características son   </a:t>
-            </a:r>
-            <a:endParaRPr lang="es-CO" sz="900" dirty="0">
-              <a:solidFill>
-                <a:schemeClr val="tx1"/>
-              </a:solidFill>
-              <a:cs typeface="Arial" pitchFamily="34" charset="0"/>
+              <a:latin typeface="Arial" panose="020B0604020202020204" pitchFamily="34" charset="0"/>
+              <a:cs typeface="Arial" panose="020B0604020202020204" pitchFamily="34" charset="0"/>
             </a:endParaRPr>
           </a:p>
         </p:txBody>
@@ -3556,7 +3141,8 @@
               <a:solidFill>
                 <a:schemeClr val="tx1"/>
               </a:solidFill>
-              <a:cs typeface="Arial" pitchFamily="34" charset="0"/>
+              <a:latin typeface="Arial" panose="020B0604020202020204" pitchFamily="34" charset="0"/>
+              <a:cs typeface="Arial" panose="020B0604020202020204" pitchFamily="34" charset="0"/>
             </a:endParaRPr>
           </a:p>
           <a:p>
@@ -3566,7 +3152,8 @@
                 <a:solidFill>
                   <a:schemeClr val="tx1"/>
                 </a:solidFill>
-                <a:cs typeface="Arial" pitchFamily="34" charset="0"/>
+                <a:latin typeface="Arial" panose="020B0604020202020204" pitchFamily="34" charset="0"/>
+                <a:cs typeface="Arial" panose="020B0604020202020204" pitchFamily="34" charset="0"/>
               </a:rPr>
               <a:t>Dominio   </a:t>
             </a:r>
@@ -3575,6 +3162,8 @@
                 <a:solidFill>
                   <a:schemeClr val="tx1"/>
                 </a:solidFill>
+                <a:latin typeface="Arial" panose="020B0604020202020204" pitchFamily="34" charset="0"/>
+                <a:cs typeface="Arial" panose="020B0604020202020204" pitchFamily="34" charset="0"/>
               </a:rPr>
               <a:t>ℝ</a:t>
             </a:r>
@@ -3586,7 +3175,8 @@
                 <a:solidFill>
                   <a:schemeClr val="tx1"/>
                 </a:solidFill>
-                <a:cs typeface="Arial" pitchFamily="34" charset="0"/>
+                <a:latin typeface="Arial" panose="020B0604020202020204" pitchFamily="34" charset="0"/>
+                <a:cs typeface="Arial" panose="020B0604020202020204" pitchFamily="34" charset="0"/>
               </a:rPr>
               <a:t>  Rango   </a:t>
             </a:r>
@@ -3595,6 +3185,8 @@
                 <a:solidFill>
                   <a:schemeClr val="tx1"/>
                 </a:solidFill>
+                <a:latin typeface="Arial" panose="020B0604020202020204" pitchFamily="34" charset="0"/>
+                <a:cs typeface="Arial" panose="020B0604020202020204" pitchFamily="34" charset="0"/>
               </a:rPr>
               <a:t>ℝ</a:t>
             </a:r>
@@ -3603,7 +3195,8 @@
                 <a:solidFill>
                   <a:schemeClr val="tx1"/>
                 </a:solidFill>
-                <a:cs typeface="Arial" pitchFamily="34" charset="0"/>
+                <a:latin typeface="Arial" panose="020B0604020202020204" pitchFamily="34" charset="0"/>
+                <a:cs typeface="Arial" panose="020B0604020202020204" pitchFamily="34" charset="0"/>
               </a:rPr>
               <a:t> </a:t>
             </a:r>
@@ -3612,7 +3205,8 @@
                 <a:solidFill>
                   <a:schemeClr val="tx1"/>
                 </a:solidFill>
-                <a:cs typeface="Arial" pitchFamily="34" charset="0"/>
+                <a:latin typeface="Arial" panose="020B0604020202020204" pitchFamily="34" charset="0"/>
+                <a:cs typeface="Arial" panose="020B0604020202020204" pitchFamily="34" charset="0"/>
               </a:rPr>
               <a:t>+</a:t>
             </a:r>
@@ -3621,7 +3215,8 @@
                 <a:solidFill>
                   <a:schemeClr val="tx1"/>
                 </a:solidFill>
-                <a:cs typeface="Arial" pitchFamily="34" charset="0"/>
+                <a:latin typeface="Arial" panose="020B0604020202020204" pitchFamily="34" charset="0"/>
+                <a:cs typeface="Arial" panose="020B0604020202020204" pitchFamily="34" charset="0"/>
               </a:rPr>
               <a:t>  </a:t>
             </a:r>
@@ -3629,7 +3224,8 @@
               <a:solidFill>
                 <a:schemeClr val="tx1"/>
               </a:solidFill>
-              <a:cs typeface="Arial" pitchFamily="34" charset="0"/>
+              <a:latin typeface="Arial" panose="020B0604020202020204" pitchFamily="34" charset="0"/>
+              <a:cs typeface="Arial" panose="020B0604020202020204" pitchFamily="34" charset="0"/>
             </a:endParaRPr>
           </a:p>
           <a:p>
@@ -3638,7 +3234,8 @@
               <a:solidFill>
                 <a:schemeClr val="tx1"/>
               </a:solidFill>
-              <a:cs typeface="Arial" pitchFamily="34" charset="0"/>
+              <a:latin typeface="Arial" panose="020B0604020202020204" pitchFamily="34" charset="0"/>
+              <a:cs typeface="Arial" panose="020B0604020202020204" pitchFamily="34" charset="0"/>
             </a:endParaRPr>
           </a:p>
         </p:txBody>
@@ -3727,7 +3324,8 @@
                 <a:solidFill>
                   <a:schemeClr val="tx1"/>
                 </a:solidFill>
-                <a:cs typeface="Arial" pitchFamily="34" charset="0"/>
+                <a:latin typeface="Arial" panose="020B0604020202020204" pitchFamily="34" charset="0"/>
+                <a:cs typeface="Arial" panose="020B0604020202020204" pitchFamily="34" charset="0"/>
               </a:rPr>
               <a:t>  </a:t>
             </a:r>
@@ -3735,7 +3333,8 @@
               <a:solidFill>
                 <a:schemeClr val="tx1"/>
               </a:solidFill>
-              <a:cs typeface="Arial" pitchFamily="34" charset="0"/>
+              <a:latin typeface="Arial" panose="020B0604020202020204" pitchFamily="34" charset="0"/>
+              <a:cs typeface="Arial" panose="020B0604020202020204" pitchFamily="34" charset="0"/>
             </a:endParaRPr>
           </a:p>
           <a:p>
@@ -3745,7 +3344,8 @@
                 <a:solidFill>
                   <a:schemeClr val="tx1"/>
                 </a:solidFill>
-                <a:cs typeface="Arial" pitchFamily="34" charset="0"/>
+                <a:latin typeface="Arial" panose="020B0604020202020204" pitchFamily="34" charset="0"/>
+                <a:cs typeface="Arial" panose="020B0604020202020204" pitchFamily="34" charset="0"/>
               </a:rPr>
               <a:t>Continuas  en    </a:t>
             </a:r>
@@ -3757,6 +3357,8 @@
                 <a:solidFill>
                   <a:schemeClr val="tx1"/>
                 </a:solidFill>
+                <a:latin typeface="Arial" panose="020B0604020202020204" pitchFamily="34" charset="0"/>
+                <a:cs typeface="Arial" panose="020B0604020202020204" pitchFamily="34" charset="0"/>
               </a:rPr>
               <a:t>ℝ</a:t>
             </a:r>
@@ -3765,7 +3367,8 @@
                 <a:solidFill>
                   <a:schemeClr val="tx1"/>
                 </a:solidFill>
-                <a:cs typeface="Arial" pitchFamily="34" charset="0"/>
+                <a:latin typeface="Arial" panose="020B0604020202020204" pitchFamily="34" charset="0"/>
+                <a:cs typeface="Arial" panose="020B0604020202020204" pitchFamily="34" charset="0"/>
               </a:rPr>
               <a:t> </a:t>
             </a:r>
@@ -3774,7 +3377,8 @@
                 <a:solidFill>
                   <a:schemeClr val="tx1"/>
                 </a:solidFill>
-                <a:cs typeface="Arial" pitchFamily="34" charset="0"/>
+                <a:latin typeface="Arial" panose="020B0604020202020204" pitchFamily="34" charset="0"/>
+                <a:cs typeface="Arial" panose="020B0604020202020204" pitchFamily="34" charset="0"/>
               </a:rPr>
               <a:t>+</a:t>
             </a:r>
@@ -3783,7 +3387,8 @@
                 <a:solidFill>
                   <a:schemeClr val="tx1"/>
                 </a:solidFill>
-                <a:cs typeface="Arial" pitchFamily="34" charset="0"/>
+                <a:latin typeface="Arial" panose="020B0604020202020204" pitchFamily="34" charset="0"/>
+                <a:cs typeface="Arial" panose="020B0604020202020204" pitchFamily="34" charset="0"/>
               </a:rPr>
               <a:t>  </a:t>
             </a:r>
@@ -3791,7 +3396,8 @@
               <a:solidFill>
                 <a:schemeClr val="tx1"/>
               </a:solidFill>
-              <a:cs typeface="Arial" pitchFamily="34" charset="0"/>
+              <a:latin typeface="Arial" panose="020B0604020202020204" pitchFamily="34" charset="0"/>
+              <a:cs typeface="Arial" panose="020B0604020202020204" pitchFamily="34" charset="0"/>
             </a:endParaRPr>
           </a:p>
           <a:p>
@@ -3800,7 +3406,8 @@
               <a:solidFill>
                 <a:schemeClr val="tx1"/>
               </a:solidFill>
-              <a:cs typeface="Arial" pitchFamily="34" charset="0"/>
+              <a:latin typeface="Arial" panose="020B0604020202020204" pitchFamily="34" charset="0"/>
+              <a:cs typeface="Arial" panose="020B0604020202020204" pitchFamily="34" charset="0"/>
             </a:endParaRPr>
           </a:p>
         </p:txBody>
@@ -3849,7 +3456,8 @@
                 <a:solidFill>
                   <a:schemeClr val="tx1"/>
                 </a:solidFill>
-                <a:cs typeface="Arial" pitchFamily="34" charset="0"/>
+                <a:latin typeface="Arial" panose="020B0604020202020204" pitchFamily="34" charset="0"/>
+                <a:cs typeface="Arial" panose="020B0604020202020204" pitchFamily="34" charset="0"/>
               </a:rPr>
               <a:t>  </a:t>
             </a:r>
@@ -3857,7 +3465,8 @@
               <a:solidFill>
                 <a:schemeClr val="tx1"/>
               </a:solidFill>
-              <a:cs typeface="Arial" pitchFamily="34" charset="0"/>
+              <a:latin typeface="Arial" panose="020B0604020202020204" pitchFamily="34" charset="0"/>
+              <a:cs typeface="Arial" panose="020B0604020202020204" pitchFamily="34" charset="0"/>
             </a:endParaRPr>
           </a:p>
           <a:p>
@@ -3866,7 +3475,8 @@
                 <a:solidFill>
                   <a:schemeClr val="tx1"/>
                 </a:solidFill>
-                <a:cs typeface="Arial" pitchFamily="34" charset="0"/>
+                <a:latin typeface="Arial" panose="020B0604020202020204" pitchFamily="34" charset="0"/>
+                <a:cs typeface="Arial" panose="020B0604020202020204" pitchFamily="34" charset="0"/>
               </a:rPr>
               <a:t>Corta al eje Y en 1 , No corta al eje X</a:t>
             </a:r>
@@ -3877,7 +3487,8 @@
               <a:solidFill>
                 <a:schemeClr val="tx1"/>
               </a:solidFill>
-              <a:cs typeface="Arial" pitchFamily="34" charset="0"/>
+              <a:latin typeface="Arial" panose="020B0604020202020204" pitchFamily="34" charset="0"/>
+              <a:cs typeface="Arial" panose="020B0604020202020204" pitchFamily="34" charset="0"/>
             </a:endParaRPr>
           </a:p>
         </p:txBody>
@@ -3924,7 +3535,8 @@
                 <a:solidFill>
                   <a:schemeClr val="tx1"/>
                 </a:solidFill>
-                <a:cs typeface="Arial" pitchFamily="34" charset="0"/>
+                <a:latin typeface="Arial" panose="020B0604020202020204" pitchFamily="34" charset="0"/>
+                <a:cs typeface="Arial" panose="020B0604020202020204" pitchFamily="34" charset="0"/>
               </a:rPr>
               <a:t>se puede representar  </a:t>
             </a:r>
@@ -3932,7 +3544,8 @@
               <a:solidFill>
                 <a:schemeClr val="tx1"/>
               </a:solidFill>
-              <a:cs typeface="Arial" pitchFamily="34" charset="0"/>
+              <a:latin typeface="Arial" panose="020B0604020202020204" pitchFamily="34" charset="0"/>
+              <a:cs typeface="Arial" panose="020B0604020202020204" pitchFamily="34" charset="0"/>
             </a:endParaRPr>
           </a:p>
         </p:txBody>
@@ -3979,7 +3592,8 @@
                 <a:solidFill>
                   <a:schemeClr val="tx1"/>
                 </a:solidFill>
-                <a:cs typeface="Arial" pitchFamily="34" charset="0"/>
+                <a:latin typeface="Arial" panose="020B0604020202020204" pitchFamily="34" charset="0"/>
+                <a:cs typeface="Arial" panose="020B0604020202020204" pitchFamily="34" charset="0"/>
               </a:rPr>
               <a:t>Cuando</a:t>
             </a:r>
@@ -3988,7 +3602,8 @@
                 <a:solidFill>
                   <a:srgbClr val="FF0000"/>
                 </a:solidFill>
-                <a:cs typeface="Arial" pitchFamily="34" charset="0"/>
+                <a:latin typeface="Arial" panose="020B0604020202020204" pitchFamily="34" charset="0"/>
+                <a:cs typeface="Arial" panose="020B0604020202020204" pitchFamily="34" charset="0"/>
               </a:rPr>
               <a:t>   </a:t>
             </a:r>
@@ -3996,7 +3611,8 @@
               <a:solidFill>
                 <a:srgbClr val="FF0000"/>
               </a:solidFill>
-              <a:cs typeface="Arial" pitchFamily="34" charset="0"/>
+              <a:latin typeface="Arial" panose="020B0604020202020204" pitchFamily="34" charset="0"/>
+              <a:cs typeface="Arial" panose="020B0604020202020204" pitchFamily="34" charset="0"/>
             </a:endParaRPr>
           </a:p>
         </p:txBody>
@@ -4045,7 +3661,8 @@
                 <a:solidFill>
                   <a:schemeClr val="tx1"/>
                 </a:solidFill>
-                <a:cs typeface="Arial" pitchFamily="34" charset="0"/>
+                <a:latin typeface="Arial" panose="020B0604020202020204" pitchFamily="34" charset="0"/>
+                <a:cs typeface="Arial" panose="020B0604020202020204" pitchFamily="34" charset="0"/>
               </a:rPr>
               <a:t>de forma algebraica </a:t>
             </a:r>
@@ -4053,7 +3670,8 @@
               <a:solidFill>
                 <a:schemeClr val="tx1"/>
               </a:solidFill>
-              <a:cs typeface="Arial" pitchFamily="34" charset="0"/>
+              <a:latin typeface="Arial" panose="020B0604020202020204" pitchFamily="34" charset="0"/>
+              <a:cs typeface="Arial" panose="020B0604020202020204" pitchFamily="34" charset="0"/>
             </a:endParaRPr>
           </a:p>
         </p:txBody>
@@ -4218,7 +3836,8 @@
                 <a:solidFill>
                   <a:schemeClr val="tx1"/>
                 </a:solidFill>
-                <a:cs typeface="Arial" pitchFamily="34" charset="0"/>
+                <a:latin typeface="Arial" panose="020B0604020202020204" pitchFamily="34" charset="0"/>
+                <a:cs typeface="Arial" panose="020B0604020202020204" pitchFamily="34" charset="0"/>
               </a:rPr>
               <a:t>determina una   </a:t>
             </a:r>
@@ -4226,7 +3845,8 @@
               <a:solidFill>
                 <a:schemeClr val="tx1"/>
               </a:solidFill>
-              <a:cs typeface="Arial" pitchFamily="34" charset="0"/>
+              <a:latin typeface="Arial" panose="020B0604020202020204" pitchFamily="34" charset="0"/>
+              <a:cs typeface="Arial" panose="020B0604020202020204" pitchFamily="34" charset="0"/>
             </a:endParaRPr>
           </a:p>
         </p:txBody>
@@ -4313,15 +3933,17 @@
                 <a:solidFill>
                   <a:schemeClr val="tx1"/>
                 </a:solidFill>
-                <a:cs typeface="Arial" pitchFamily="34" charset="0"/>
-              </a:rPr>
-              <a:t>de forma grafica  </a:t>
+                <a:latin typeface="Arial" panose="020B0604020202020204" pitchFamily="34" charset="0"/>
+                <a:cs typeface="Arial" panose="020B0604020202020204" pitchFamily="34" charset="0"/>
+              </a:rPr>
+              <a:t>de forma gráfica  </a:t>
             </a:r>
             <a:endParaRPr lang="es-CO" sz="900" b="1" dirty="0">
               <a:solidFill>
                 <a:schemeClr val="tx1"/>
               </a:solidFill>
-              <a:cs typeface="Arial" pitchFamily="34" charset="0"/>
+              <a:latin typeface="Arial" panose="020B0604020202020204" pitchFamily="34" charset="0"/>
+              <a:cs typeface="Arial" panose="020B0604020202020204" pitchFamily="34" charset="0"/>
             </a:endParaRPr>
           </a:p>
         </p:txBody>
@@ -4334,7 +3956,7 @@
         </p:nvSpPr>
         <p:spPr>
           <a:xfrm>
-            <a:off x="8661774" y="6112147"/>
+            <a:off x="8661774" y="6054997"/>
             <a:ext cx="1535872" cy="715539"/>
           </a:xfrm>
           <a:prstGeom prst="rect">
@@ -4368,32 +3990,47 @@
                 <a:solidFill>
                   <a:schemeClr val="tx1"/>
                 </a:solidFill>
-                <a:cs typeface="Arial" pitchFamily="34" charset="0"/>
+                <a:latin typeface="Arial" panose="020B0604020202020204" pitchFamily="34" charset="0"/>
+                <a:cs typeface="Arial" panose="020B0604020202020204" pitchFamily="34" charset="0"/>
               </a:rPr>
               <a:t>ecuación  logarítmica            y = log</a:t>
             </a:r>
             <a:r>
-              <a:rPr lang="es-ES_tradnl" sz="900" i="1" baseline="-25000" dirty="0">
-                <a:solidFill>
-                  <a:schemeClr val="tx1"/>
-                </a:solidFill>
-              </a:rPr>
-              <a:t>a</a:t>
-            </a:r>
-            <a:r>
-              <a:rPr lang="es-CO" sz="900" dirty="0" smtClean="0">
-                <a:solidFill>
-                  <a:schemeClr val="tx1"/>
-                </a:solidFill>
-                <a:cs typeface="Arial" pitchFamily="34" charset="0"/>
-              </a:rPr>
-              <a:t>x  </a:t>
+              <a:rPr lang="es-ES_tradnl" sz="900" i="1" baseline="-25000" dirty="0" smtClean="0">
+                <a:solidFill>
+                  <a:schemeClr val="tx1"/>
+                </a:solidFill>
+                <a:latin typeface="Arial" panose="020B0604020202020204" pitchFamily="34" charset="0"/>
+                <a:cs typeface="Arial" panose="020B0604020202020204" pitchFamily="34" charset="0"/>
+              </a:rPr>
+              <a:t>a </a:t>
+            </a:r>
+            <a:r>
+              <a:rPr lang="es-CO" sz="900" i="1" dirty="0" smtClean="0">
+                <a:solidFill>
+                  <a:schemeClr val="tx1"/>
+                </a:solidFill>
+                <a:latin typeface="Arial" panose="020B0604020202020204" pitchFamily="34" charset="0"/>
+                <a:cs typeface="Arial" panose="020B0604020202020204" pitchFamily="34" charset="0"/>
+              </a:rPr>
+              <a:t>x</a:t>
+            </a:r>
+            <a:r>
+              <a:rPr lang="es-CO" sz="900" dirty="0" smtClean="0">
+                <a:solidFill>
+                  <a:schemeClr val="tx1"/>
+                </a:solidFill>
+                <a:latin typeface="Arial" panose="020B0604020202020204" pitchFamily="34" charset="0"/>
+                <a:cs typeface="Arial" panose="020B0604020202020204" pitchFamily="34" charset="0"/>
+              </a:rPr>
+              <a:t>  </a:t>
             </a:r>
             <a:endParaRPr lang="es-CO" sz="900" dirty="0">
               <a:solidFill>
                 <a:schemeClr val="tx1"/>
               </a:solidFill>
-              <a:cs typeface="Arial" pitchFamily="34" charset="0"/>
+              <a:latin typeface="Arial" panose="020B0604020202020204" pitchFamily="34" charset="0"/>
+              <a:cs typeface="Arial" panose="020B0604020202020204" pitchFamily="34" charset="0"/>
             </a:endParaRPr>
           </a:p>
         </p:txBody>
@@ -4477,7 +4114,8 @@
                 <a:solidFill>
                   <a:schemeClr val="tx1"/>
                 </a:solidFill>
-                <a:cs typeface="Arial" pitchFamily="34" charset="0"/>
+                <a:latin typeface="Arial" panose="020B0604020202020204" pitchFamily="34" charset="0"/>
+                <a:cs typeface="Arial" panose="020B0604020202020204" pitchFamily="34" charset="0"/>
               </a:rPr>
               <a:t>ejemplo    </a:t>
             </a:r>
@@ -4485,7 +4123,8 @@
               <a:solidFill>
                 <a:schemeClr val="tx1"/>
               </a:solidFill>
-              <a:cs typeface="Arial" pitchFamily="34" charset="0"/>
+              <a:latin typeface="Arial" panose="020B0604020202020204" pitchFamily="34" charset="0"/>
+              <a:cs typeface="Arial" panose="020B0604020202020204" pitchFamily="34" charset="0"/>
             </a:endParaRPr>
           </a:p>
         </p:txBody>
@@ -4535,7 +4174,7 @@
         </p:nvSpPr>
         <p:spPr>
           <a:xfrm>
-            <a:off x="8709647" y="7499614"/>
+            <a:off x="8696947" y="7334514"/>
             <a:ext cx="1535872" cy="715539"/>
           </a:xfrm>
           <a:prstGeom prst="rect">
@@ -4569,7 +4208,8 @@
                 <a:solidFill>
                   <a:schemeClr val="tx1"/>
                 </a:solidFill>
-                <a:cs typeface="Arial" pitchFamily="34" charset="0"/>
+                <a:latin typeface="Arial" panose="020B0604020202020204" pitchFamily="34" charset="0"/>
+                <a:cs typeface="Arial" panose="020B0604020202020204" pitchFamily="34" charset="0"/>
               </a:rPr>
               <a:t>y =log </a:t>
             </a:r>
@@ -4578,7 +4218,8 @@
                 <a:solidFill>
                   <a:schemeClr val="tx1"/>
                 </a:solidFill>
-                <a:cs typeface="Arial" pitchFamily="34" charset="0"/>
+                <a:latin typeface="Arial" panose="020B0604020202020204" pitchFamily="34" charset="0"/>
+                <a:cs typeface="Arial" panose="020B0604020202020204" pitchFamily="34" charset="0"/>
               </a:rPr>
               <a:t>3</a:t>
             </a:r>
@@ -4587,7 +4228,8 @@
                 <a:solidFill>
                   <a:schemeClr val="tx1"/>
                 </a:solidFill>
-                <a:cs typeface="Arial" pitchFamily="34" charset="0"/>
+                <a:latin typeface="Arial" panose="020B0604020202020204" pitchFamily="34" charset="0"/>
+                <a:cs typeface="Arial" panose="020B0604020202020204" pitchFamily="34" charset="0"/>
               </a:rPr>
               <a:t> x  </a:t>
             </a:r>
@@ -4595,7 +4237,8 @@
               <a:solidFill>
                 <a:schemeClr val="tx1"/>
               </a:solidFill>
-              <a:cs typeface="Arial" pitchFamily="34" charset="0"/>
+              <a:latin typeface="Arial" panose="020B0604020202020204" pitchFamily="34" charset="0"/>
+              <a:cs typeface="Arial" panose="020B0604020202020204" pitchFamily="34" charset="0"/>
             </a:endParaRPr>
           </a:p>
         </p:txBody>
@@ -4637,136 +4280,6 @@
           </a:fontRef>
         </p:style>
       </p:cxnSp>
-      <p:cxnSp>
-        <p:nvCxnSpPr>
-          <p:cNvPr id="207" name="206 Conector recto"/>
-          <p:cNvCxnSpPr>
-            <a:stCxn id="216" idx="2"/>
-            <a:endCxn id="211" idx="0"/>
-          </p:cNvCxnSpPr>
-          <p:nvPr/>
-        </p:nvCxnSpPr>
-        <p:spPr>
-          <a:xfrm>
-            <a:off x="3051952" y="6637212"/>
-            <a:ext cx="4256" cy="205917"/>
-          </a:xfrm>
-          <a:prstGeom prst="line">
-            <a:avLst/>
-          </a:prstGeom>
-          <a:ln w="12700">
-            <a:solidFill>
-              <a:schemeClr val="tx1"/>
-            </a:solidFill>
-          </a:ln>
-        </p:spPr>
-        <p:style>
-          <a:lnRef idx="1">
-            <a:schemeClr val="accent1"/>
-          </a:lnRef>
-          <a:fillRef idx="0">
-            <a:schemeClr val="accent1"/>
-          </a:fillRef>
-          <a:effectRef idx="0">
-            <a:schemeClr val="accent1"/>
-          </a:effectRef>
-          <a:fontRef idx="minor">
-            <a:schemeClr val="tx1"/>
-          </a:fontRef>
-        </p:style>
-      </p:cxnSp>
-      <p:sp>
-        <p:nvSpPr>
-          <p:cNvPr id="211" name="Rectángulo 35"/>
-          <p:cNvSpPr/>
-          <p:nvPr/>
-        </p:nvSpPr>
-        <p:spPr>
-          <a:xfrm>
-            <a:off x="2602025" y="6843129"/>
-            <a:ext cx="908365" cy="175800"/>
-          </a:xfrm>
-          <a:prstGeom prst="rect">
-            <a:avLst/>
-          </a:prstGeom>
-          <a:ln>
-            <a:noFill/>
-          </a:ln>
-        </p:spPr>
-        <p:style>
-          <a:lnRef idx="2">
-            <a:schemeClr val="dk1"/>
-          </a:lnRef>
-          <a:fillRef idx="1">
-            <a:schemeClr val="lt1"/>
-          </a:fillRef>
-          <a:effectRef idx="0">
-            <a:schemeClr val="dk1"/>
-          </a:effectRef>
-          <a:fontRef idx="minor">
-            <a:schemeClr val="dk1"/>
-          </a:fontRef>
-        </p:style>
-        <p:txBody>
-          <a:bodyPr lIns="105683" tIns="52841" rIns="105683" bIns="52841" rtlCol="0" anchor="ctr"/>
-          <a:lstStyle/>
-          <a:p>
-            <a:pPr algn="ctr"/>
-            <a:r>
-              <a:rPr lang="es-CO" sz="900" dirty="0" smtClean="0">
-                <a:solidFill>
-                  <a:schemeClr val="tx1"/>
-                </a:solidFill>
-                <a:cs typeface="Arial" pitchFamily="34" charset="0"/>
-              </a:rPr>
-              <a:t>ejemplo    </a:t>
-            </a:r>
-            <a:endParaRPr lang="es-CO" sz="900" dirty="0">
-              <a:solidFill>
-                <a:schemeClr val="tx1"/>
-              </a:solidFill>
-              <a:cs typeface="Arial" pitchFamily="34" charset="0"/>
-            </a:endParaRPr>
-          </a:p>
-        </p:txBody>
-      </p:sp>
-      <p:cxnSp>
-        <p:nvCxnSpPr>
-          <p:cNvPr id="213" name="212 Conector recto"/>
-          <p:cNvCxnSpPr>
-            <a:stCxn id="211" idx="2"/>
-          </p:cNvCxnSpPr>
-          <p:nvPr/>
-        </p:nvCxnSpPr>
-        <p:spPr>
-          <a:xfrm>
-            <a:off x="3056208" y="7018929"/>
-            <a:ext cx="8505" cy="251738"/>
-          </a:xfrm>
-          <a:prstGeom prst="line">
-            <a:avLst/>
-          </a:prstGeom>
-          <a:ln w="12700">
-            <a:solidFill>
-              <a:schemeClr val="tx1"/>
-            </a:solidFill>
-          </a:ln>
-        </p:spPr>
-        <p:style>
-          <a:lnRef idx="1">
-            <a:schemeClr val="accent1"/>
-          </a:lnRef>
-          <a:fillRef idx="0">
-            <a:schemeClr val="accent1"/>
-          </a:fillRef>
-          <a:effectRef idx="0">
-            <a:schemeClr val="accent1"/>
-          </a:effectRef>
-          <a:fontRef idx="minor">
-            <a:schemeClr val="tx1"/>
-          </a:fontRef>
-        </p:style>
-      </p:cxnSp>
       <p:sp>
         <p:nvSpPr>
           <p:cNvPr id="214" name="Rectángulo 33"/>
@@ -4808,7 +4321,8 @@
                 <a:solidFill>
                   <a:srgbClr val="FF0000"/>
                 </a:solidFill>
-                <a:cs typeface="Arial" pitchFamily="34" charset="0"/>
+                <a:latin typeface="Arial" panose="020B0604020202020204" pitchFamily="34" charset="0"/>
+                <a:cs typeface="Arial" panose="020B0604020202020204" pitchFamily="34" charset="0"/>
               </a:rPr>
               <a:t>    </a:t>
             </a:r>
@@ -4820,7 +4334,8 @@
                 <a:solidFill>
                   <a:schemeClr val="tx1"/>
                 </a:solidFill>
-                <a:cs typeface="Arial" pitchFamily="34" charset="0"/>
+                <a:latin typeface="Arial" panose="020B0604020202020204" pitchFamily="34" charset="0"/>
+                <a:cs typeface="Arial" panose="020B0604020202020204" pitchFamily="34" charset="0"/>
               </a:rPr>
               <a:t>0 &lt; </a:t>
             </a:r>
@@ -4829,6 +4344,8 @@
                 <a:solidFill>
                   <a:schemeClr val="tx1"/>
                 </a:solidFill>
+                <a:latin typeface="Arial" panose="020B0604020202020204" pitchFamily="34" charset="0"/>
+                <a:cs typeface="Arial" panose="020B0604020202020204" pitchFamily="34" charset="0"/>
               </a:rPr>
               <a:t>a</a:t>
             </a:r>
@@ -4837,7 +4354,8 @@
                 <a:solidFill>
                   <a:schemeClr val="tx1"/>
                 </a:solidFill>
-                <a:cs typeface="Arial" pitchFamily="34" charset="0"/>
+                <a:latin typeface="Arial" panose="020B0604020202020204" pitchFamily="34" charset="0"/>
+                <a:cs typeface="Arial" panose="020B0604020202020204" pitchFamily="34" charset="0"/>
               </a:rPr>
               <a:t> &lt; 1 </a:t>
             </a:r>
@@ -4846,9 +4364,30 @@
                 <a:solidFill>
                   <a:schemeClr val="tx1"/>
                 </a:solidFill>
-                <a:cs typeface="Arial" pitchFamily="34" charset="0"/>
-              </a:rPr>
-              <a:t>la grafica es decreciente   </a:t>
+                <a:latin typeface="Arial" panose="020B0604020202020204" pitchFamily="34" charset="0"/>
+                <a:cs typeface="Arial" panose="020B0604020202020204" pitchFamily="34" charset="0"/>
+              </a:rPr>
+              <a:t>la </a:t>
+            </a:r>
+            <a:r>
+              <a:rPr lang="es-CO" sz="900" dirty="0" smtClean="0">
+                <a:solidFill>
+                  <a:schemeClr val="tx1"/>
+                </a:solidFill>
+                <a:latin typeface="Arial" panose="020B0604020202020204" pitchFamily="34" charset="0"/>
+                <a:cs typeface="Arial" panose="020B0604020202020204" pitchFamily="34" charset="0"/>
+              </a:rPr>
+              <a:t>gráfica </a:t>
+            </a:r>
+            <a:r>
+              <a:rPr lang="es-CO" sz="900" dirty="0">
+                <a:solidFill>
+                  <a:schemeClr val="tx1"/>
+                </a:solidFill>
+                <a:latin typeface="Arial" panose="020B0604020202020204" pitchFamily="34" charset="0"/>
+                <a:cs typeface="Arial" panose="020B0604020202020204" pitchFamily="34" charset="0"/>
+              </a:rPr>
+              <a:t>es decreciente   </a:t>
             </a:r>
           </a:p>
           <a:p>
@@ -4858,7 +4397,8 @@
                 <a:solidFill>
                   <a:srgbClr val="FF0000"/>
                 </a:solidFill>
-                <a:cs typeface="Arial" pitchFamily="34" charset="0"/>
+                <a:latin typeface="Arial" panose="020B0604020202020204" pitchFamily="34" charset="0"/>
+                <a:cs typeface="Arial" panose="020B0604020202020204" pitchFamily="34" charset="0"/>
               </a:rPr>
               <a:t> </a:t>
             </a:r>
@@ -4866,163 +4406,8 @@
               <a:solidFill>
                 <a:srgbClr val="FF0000"/>
               </a:solidFill>
-              <a:cs typeface="Arial" pitchFamily="34" charset="0"/>
-            </a:endParaRPr>
-          </a:p>
-        </p:txBody>
-      </p:sp>
-      <p:cxnSp>
-        <p:nvCxnSpPr>
-          <p:cNvPr id="215" name="214 Conector recto"/>
-          <p:cNvCxnSpPr/>
-          <p:nvPr/>
-        </p:nvCxnSpPr>
-        <p:spPr>
-          <a:xfrm>
-            <a:off x="2407843" y="6315344"/>
-            <a:ext cx="2207" cy="135635"/>
-          </a:xfrm>
-          <a:prstGeom prst="line">
-            <a:avLst/>
-          </a:prstGeom>
-          <a:ln w="12700">
-            <a:solidFill>
-              <a:schemeClr val="tx1"/>
-            </a:solidFill>
-          </a:ln>
-        </p:spPr>
-        <p:style>
-          <a:lnRef idx="1">
-            <a:schemeClr val="accent1"/>
-          </a:lnRef>
-          <a:fillRef idx="0">
-            <a:schemeClr val="accent1"/>
-          </a:fillRef>
-          <a:effectRef idx="0">
-            <a:schemeClr val="accent1"/>
-          </a:effectRef>
-          <a:fontRef idx="minor">
-            <a:schemeClr val="tx1"/>
-          </a:fontRef>
-        </p:style>
-      </p:cxnSp>
-      <p:sp>
-        <p:nvSpPr>
-          <p:cNvPr id="216" name="Rectángulo 33"/>
-          <p:cNvSpPr/>
-          <p:nvPr/>
-        </p:nvSpPr>
-        <p:spPr>
-          <a:xfrm>
-            <a:off x="2429884" y="6266316"/>
-            <a:ext cx="1244135" cy="370896"/>
-          </a:xfrm>
-          <a:prstGeom prst="rect">
-            <a:avLst/>
-          </a:prstGeom>
-          <a:solidFill>
-            <a:schemeClr val="bg1"/>
-          </a:solidFill>
-        </p:spPr>
-        <p:style>
-          <a:lnRef idx="2">
-            <a:schemeClr val="dk1"/>
-          </a:lnRef>
-          <a:fillRef idx="1">
-            <a:schemeClr val="lt1"/>
-          </a:fillRef>
-          <a:effectRef idx="0">
-            <a:schemeClr val="dk1"/>
-          </a:effectRef>
-          <a:fontRef idx="minor">
-            <a:schemeClr val="dk1"/>
-          </a:fontRef>
-        </p:style>
-        <p:txBody>
-          <a:bodyPr lIns="105683" tIns="52841" rIns="105683" bIns="52841" rtlCol="0" anchor="ctr"/>
-          <a:lstStyle/>
-          <a:p>
-            <a:r>
-              <a:rPr lang="es-CO" sz="900" dirty="0" smtClean="0">
-                <a:solidFill>
-                  <a:srgbClr val="FF0000"/>
-                </a:solidFill>
-                <a:cs typeface="Arial" pitchFamily="34" charset="0"/>
-              </a:rPr>
-              <a:t> </a:t>
-            </a:r>
-          </a:p>
-          <a:p>
-            <a:pPr algn="ctr"/>
-            <a:endParaRPr lang="es-CO" sz="900" dirty="0" smtClean="0">
-              <a:solidFill>
-                <a:srgbClr val="FF0000"/>
-              </a:solidFill>
-              <a:cs typeface="Arial" pitchFamily="34" charset="0"/>
-            </a:endParaRPr>
-          </a:p>
-          <a:p>
-            <a:pPr algn="ctr"/>
-            <a:r>
-              <a:rPr lang="es-ES_tradnl" sz="900" i="1" dirty="0" err="1" smtClean="0">
-                <a:solidFill>
-                  <a:schemeClr val="bg1"/>
-                </a:solidFill>
-              </a:rPr>
-              <a:t>a</a:t>
-            </a:r>
-            <a:r>
-              <a:rPr lang="es-ES_tradnl" sz="900" i="1" dirty="0" err="1" smtClean="0">
-                <a:solidFill>
-                  <a:schemeClr val="tx1"/>
-                </a:solidFill>
-              </a:rPr>
-              <a:t>a</a:t>
-            </a:r>
-            <a:r>
-              <a:rPr lang="es-CO" sz="900" dirty="0" smtClean="0">
-                <a:solidFill>
-                  <a:schemeClr val="tx1"/>
-                </a:solidFill>
-                <a:cs typeface="Arial" pitchFamily="34" charset="0"/>
-              </a:rPr>
-              <a:t> &gt; 1 </a:t>
-            </a:r>
-            <a:r>
-              <a:rPr lang="es-CO" sz="900" dirty="0">
-                <a:solidFill>
-                  <a:schemeClr val="tx1"/>
-                </a:solidFill>
-                <a:cs typeface="Arial" pitchFamily="34" charset="0"/>
-              </a:rPr>
-              <a:t>la grafica es creciente </a:t>
-            </a:r>
-          </a:p>
-          <a:p>
-            <a:pPr algn="ctr"/>
-            <a:endParaRPr lang="es-CO" sz="900" dirty="0" smtClean="0">
-              <a:solidFill>
-                <a:srgbClr val="FF0000"/>
-              </a:solidFill>
-              <a:cs typeface="Arial" pitchFamily="34" charset="0"/>
-            </a:endParaRPr>
-          </a:p>
-          <a:p>
-            <a:pPr algn="ctr"/>
-            <a:r>
-              <a:rPr lang="es-CO" sz="900" dirty="0" smtClean="0">
-                <a:solidFill>
-                  <a:srgbClr val="FF0000"/>
-                </a:solidFill>
-                <a:cs typeface="Arial" pitchFamily="34" charset="0"/>
-              </a:rPr>
-              <a:t> </a:t>
-            </a:r>
-            <a:endParaRPr lang="es-CO" sz="900" dirty="0">
-              <a:solidFill>
-                <a:srgbClr val="FF0000"/>
-              </a:solidFill>
-              <a:cs typeface="Arial" pitchFamily="34" charset="0"/>
+              <a:latin typeface="Arial" panose="020B0604020202020204" pitchFamily="34" charset="0"/>
+              <a:cs typeface="Arial" panose="020B0604020202020204" pitchFamily="34" charset="0"/>
             </a:endParaRPr>
           </a:p>
         </p:txBody>
@@ -5070,10 +4455,7 @@
       <p:cxnSp>
         <p:nvCxnSpPr>
           <p:cNvPr id="218" name="217 Conector angular"/>
-          <p:cNvCxnSpPr>
-            <a:stCxn id="396" idx="2"/>
-            <a:endCxn id="216" idx="0"/>
-          </p:cNvCxnSpPr>
+          <p:cNvCxnSpPr/>
           <p:nvPr/>
         </p:nvCxnSpPr>
         <p:spPr>
@@ -5083,7 +4465,7 @@
           </a:xfrm>
           <a:prstGeom prst="bentConnector3">
             <a:avLst>
-              <a:gd name="adj1" fmla="val 50000"/>
+              <a:gd name="adj1" fmla="val 51348"/>
             </a:avLst>
           </a:prstGeom>
           <a:ln w="12700">
@@ -5107,374 +4489,6 @@
           </a:fontRef>
         </p:style>
       </p:cxnSp>
-      <p:sp>
-        <p:nvSpPr>
-          <p:cNvPr id="219" name="Rectángulo 35"/>
-          <p:cNvSpPr/>
-          <p:nvPr/>
-        </p:nvSpPr>
-        <p:spPr>
-          <a:xfrm>
-            <a:off x="4259375" y="6843129"/>
-            <a:ext cx="908365" cy="175800"/>
-          </a:xfrm>
-          <a:prstGeom prst="rect">
-            <a:avLst/>
-          </a:prstGeom>
-          <a:ln>
-            <a:noFill/>
-          </a:ln>
-        </p:spPr>
-        <p:style>
-          <a:lnRef idx="2">
-            <a:schemeClr val="dk1"/>
-          </a:lnRef>
-          <a:fillRef idx="1">
-            <a:schemeClr val="lt1"/>
-          </a:fillRef>
-          <a:effectRef idx="0">
-            <a:schemeClr val="dk1"/>
-          </a:effectRef>
-          <a:fontRef idx="minor">
-            <a:schemeClr val="dk1"/>
-          </a:fontRef>
-        </p:style>
-        <p:txBody>
-          <a:bodyPr lIns="105683" tIns="52841" rIns="105683" bIns="52841" rtlCol="0" anchor="ctr"/>
-          <a:lstStyle/>
-          <a:p>
-            <a:pPr algn="ctr"/>
-            <a:r>
-              <a:rPr lang="es-CO" sz="900" dirty="0" smtClean="0">
-                <a:solidFill>
-                  <a:schemeClr val="tx1"/>
-                </a:solidFill>
-                <a:cs typeface="Arial" pitchFamily="34" charset="0"/>
-              </a:rPr>
-              <a:t>ejemplo    </a:t>
-            </a:r>
-            <a:endParaRPr lang="es-CO" sz="900" dirty="0">
-              <a:solidFill>
-                <a:schemeClr val="tx1"/>
-              </a:solidFill>
-              <a:cs typeface="Arial" pitchFamily="34" charset="0"/>
-            </a:endParaRPr>
-          </a:p>
-        </p:txBody>
-      </p:sp>
-      <p:cxnSp>
-        <p:nvCxnSpPr>
-          <p:cNvPr id="220" name="219 Conector recto"/>
-          <p:cNvCxnSpPr>
-            <a:stCxn id="219" idx="2"/>
-          </p:cNvCxnSpPr>
-          <p:nvPr/>
-        </p:nvCxnSpPr>
-        <p:spPr>
-          <a:xfrm>
-            <a:off x="4713558" y="7018929"/>
-            <a:ext cx="8505" cy="251738"/>
-          </a:xfrm>
-          <a:prstGeom prst="line">
-            <a:avLst/>
-          </a:prstGeom>
-          <a:ln w="12700">
-            <a:solidFill>
-              <a:schemeClr val="tx1"/>
-            </a:solidFill>
-          </a:ln>
-        </p:spPr>
-        <p:style>
-          <a:lnRef idx="1">
-            <a:schemeClr val="accent1"/>
-          </a:lnRef>
-          <a:fillRef idx="0">
-            <a:schemeClr val="accent1"/>
-          </a:fillRef>
-          <a:effectRef idx="0">
-            <a:schemeClr val="accent1"/>
-          </a:effectRef>
-          <a:fontRef idx="minor">
-            <a:schemeClr val="tx1"/>
-          </a:fontRef>
-        </p:style>
-      </p:cxnSp>
-      <p:cxnSp>
-        <p:nvCxnSpPr>
-          <p:cNvPr id="222" name="221 Conector recto"/>
-          <p:cNvCxnSpPr>
-            <a:stCxn id="214" idx="2"/>
-            <a:endCxn id="219" idx="0"/>
-          </p:cNvCxnSpPr>
-          <p:nvPr/>
-        </p:nvCxnSpPr>
-        <p:spPr>
-          <a:xfrm flipH="1">
-            <a:off x="4713558" y="6639834"/>
-            <a:ext cx="69" cy="203295"/>
-          </a:xfrm>
-          <a:prstGeom prst="line">
-            <a:avLst/>
-          </a:prstGeom>
-          <a:ln w="12700">
-            <a:solidFill>
-              <a:schemeClr val="tx1"/>
-            </a:solidFill>
-          </a:ln>
-        </p:spPr>
-        <p:style>
-          <a:lnRef idx="1">
-            <a:schemeClr val="accent1"/>
-          </a:lnRef>
-          <a:fillRef idx="0">
-            <a:schemeClr val="accent1"/>
-          </a:fillRef>
-          <a:effectRef idx="0">
-            <a:schemeClr val="accent1"/>
-          </a:effectRef>
-          <a:fontRef idx="minor">
-            <a:schemeClr val="tx1"/>
-          </a:fontRef>
-        </p:style>
-      </p:cxnSp>
-      <p:sp>
-        <p:nvSpPr>
-          <p:cNvPr id="223" name="Rectángulo 33"/>
-          <p:cNvSpPr/>
-          <p:nvPr/>
-        </p:nvSpPr>
-        <p:spPr>
-          <a:xfrm>
-            <a:off x="10380356" y="7371365"/>
-            <a:ext cx="1535872" cy="1711408"/>
-          </a:xfrm>
-          <a:prstGeom prst="rect">
-            <a:avLst/>
-          </a:prstGeom>
-          <a:solidFill>
-            <a:schemeClr val="bg1"/>
-          </a:solidFill>
-        </p:spPr>
-        <p:style>
-          <a:lnRef idx="2">
-            <a:schemeClr val="dk1"/>
-          </a:lnRef>
-          <a:fillRef idx="1">
-            <a:schemeClr val="lt1"/>
-          </a:fillRef>
-          <a:effectRef idx="0">
-            <a:schemeClr val="dk1"/>
-          </a:effectRef>
-          <a:fontRef idx="minor">
-            <a:schemeClr val="dk1"/>
-          </a:fontRef>
-        </p:style>
-        <p:txBody>
-          <a:bodyPr lIns="105683" tIns="52841" rIns="105683" bIns="52841" rtlCol="0" anchor="ctr"/>
-          <a:lstStyle/>
-          <a:p>
-            <a:pPr algn="ctr"/>
-            <a:r>
-              <a:rPr lang="es-CO" sz="1000" dirty="0" smtClean="0">
-                <a:solidFill>
-                  <a:srgbClr val="FF0000"/>
-                </a:solidFill>
-                <a:cs typeface="Arial" pitchFamily="34" charset="0"/>
-              </a:rPr>
-              <a:t>  </a:t>
-            </a:r>
-            <a:endParaRPr lang="es-CO" sz="1000" dirty="0">
-              <a:solidFill>
-                <a:srgbClr val="FF0000"/>
-              </a:solidFill>
-              <a:cs typeface="Arial" pitchFamily="34" charset="0"/>
-            </a:endParaRPr>
-          </a:p>
-        </p:txBody>
-      </p:sp>
-      <p:pic>
-        <p:nvPicPr>
-          <p:cNvPr id="1026" name="Picture 2"/>
-          <p:cNvPicPr>
-            <a:picLocks noChangeAspect="1" noChangeArrowheads="1"/>
-          </p:cNvPicPr>
-          <p:nvPr/>
-        </p:nvPicPr>
-        <p:blipFill>
-          <a:blip r:embed="rId4" cstate="print">
-            <a:extLst>
-              <a:ext uri="{28A0092B-C50C-407E-A947-70E740481C1C}">
-                <a14:useLocalDpi xmlns:a14="http://schemas.microsoft.com/office/drawing/2010/main" val="0"/>
-              </a:ext>
-            </a:extLst>
-          </a:blip>
-          <a:srcRect/>
-          <a:stretch>
-            <a:fillRect/>
-          </a:stretch>
-        </p:blipFill>
-        <p:spPr bwMode="auto">
-          <a:xfrm>
-            <a:off x="10457731" y="7530340"/>
-            <a:ext cx="1394251" cy="1466479"/>
-          </a:xfrm>
-          <a:prstGeom prst="rect">
-            <a:avLst/>
-          </a:prstGeom>
-          <a:noFill/>
-          <a:ln>
-            <a:noFill/>
-          </a:ln>
-          <a:effectLst/>
-          <a:extLst>
-            <a:ext uri="{909E8E84-426E-40DD-AFC4-6F175D3DCCD1}">
-              <a14:hiddenFill xmlns:a14="http://schemas.microsoft.com/office/drawing/2010/main">
-                <a:solidFill>
-                  <a:schemeClr val="accent1"/>
-                </a:solidFill>
-              </a14:hiddenFill>
-            </a:ext>
-            <a:ext uri="{91240B29-F687-4F45-9708-019B960494DF}">
-              <a14:hiddenLine xmlns:a14="http://schemas.microsoft.com/office/drawing/2010/main" w="9525">
-                <a:solidFill>
-                  <a:schemeClr val="tx1"/>
-                </a:solidFill>
-                <a:miter lim="800000"/>
-                <a:headEnd/>
-                <a:tailEnd/>
-              </a14:hiddenLine>
-            </a:ext>
-            <a:ext uri="{AF507438-7753-43E0-B8FC-AC1667EBCBE1}">
-              <a14:hiddenEffects xmlns:a14="http://schemas.microsoft.com/office/drawing/2010/main">
-                <a:effectLst>
-                  <a:outerShdw dist="35921" dir="2700000" algn="ctr" rotWithShape="0">
-                    <a:schemeClr val="bg2"/>
-                  </a:outerShdw>
-                </a:effectLst>
-              </a14:hiddenEffects>
-            </a:ext>
-          </a:extLst>
-        </p:spPr>
-      </p:pic>
-      <p:sp>
-        <p:nvSpPr>
-          <p:cNvPr id="224" name="Rectángulo 33"/>
-          <p:cNvSpPr/>
-          <p:nvPr/>
-        </p:nvSpPr>
-        <p:spPr>
-          <a:xfrm>
-            <a:off x="12047231" y="7390415"/>
-            <a:ext cx="1535872" cy="1711408"/>
-          </a:xfrm>
-          <a:prstGeom prst="rect">
-            <a:avLst/>
-          </a:prstGeom>
-          <a:solidFill>
-            <a:schemeClr val="bg1"/>
-          </a:solidFill>
-        </p:spPr>
-        <p:style>
-          <a:lnRef idx="2">
-            <a:schemeClr val="dk1"/>
-          </a:lnRef>
-          <a:fillRef idx="1">
-            <a:schemeClr val="lt1"/>
-          </a:fillRef>
-          <a:effectRef idx="0">
-            <a:schemeClr val="dk1"/>
-          </a:effectRef>
-          <a:fontRef idx="minor">
-            <a:schemeClr val="dk1"/>
-          </a:fontRef>
-        </p:style>
-        <p:txBody>
-          <a:bodyPr lIns="105683" tIns="52841" rIns="105683" bIns="52841" rtlCol="0" anchor="ctr"/>
-          <a:lstStyle/>
-          <a:p>
-            <a:pPr algn="ctr"/>
-            <a:r>
-              <a:rPr lang="es-CO" sz="1000" dirty="0" smtClean="0">
-                <a:solidFill>
-                  <a:srgbClr val="FF0000"/>
-                </a:solidFill>
-                <a:cs typeface="Arial" pitchFamily="34" charset="0"/>
-              </a:rPr>
-              <a:t>  </a:t>
-            </a:r>
-            <a:endParaRPr lang="es-CO" sz="1000" dirty="0">
-              <a:solidFill>
-                <a:srgbClr val="FF0000"/>
-              </a:solidFill>
-              <a:cs typeface="Arial" pitchFamily="34" charset="0"/>
-            </a:endParaRPr>
-          </a:p>
-        </p:txBody>
-      </p:sp>
-      <p:pic>
-        <p:nvPicPr>
-          <p:cNvPr id="1027" name="Picture 3"/>
-          <p:cNvPicPr>
-            <a:picLocks noChangeAspect="1" noChangeArrowheads="1"/>
-          </p:cNvPicPr>
-          <p:nvPr/>
-        </p:nvPicPr>
-        <p:blipFill>
-          <a:blip r:embed="rId5" cstate="print">
-            <a:extLst>
-              <a:ext uri="{28A0092B-C50C-407E-A947-70E740481C1C}">
-                <a14:useLocalDpi xmlns:a14="http://schemas.microsoft.com/office/drawing/2010/main" val="0"/>
-              </a:ext>
-            </a:extLst>
-          </a:blip>
-          <a:srcRect/>
-          <a:stretch>
-            <a:fillRect/>
-          </a:stretch>
-        </p:blipFill>
-        <p:spPr bwMode="auto">
-          <a:xfrm>
-            <a:off x="12213900" y="7462105"/>
-            <a:ext cx="1256821" cy="1573303"/>
-          </a:xfrm>
-          <a:prstGeom prst="rect">
-            <a:avLst/>
-          </a:prstGeom>
-          <a:noFill/>
-          <a:ln>
-            <a:noFill/>
-          </a:ln>
-          <a:effectLst/>
-          <a:extLst>
-            <a:ext uri="{909E8E84-426E-40DD-AFC4-6F175D3DCCD1}">
-              <a14:hiddenFill xmlns:a14="http://schemas.microsoft.com/office/drawing/2010/main">
-                <a:solidFill>
-                  <a:schemeClr val="accent1"/>
-                </a:solidFill>
-              </a14:hiddenFill>
-            </a:ext>
-            <a:ext uri="{91240B29-F687-4F45-9708-019B960494DF}">
-              <a14:hiddenLine xmlns:a14="http://schemas.microsoft.com/office/drawing/2010/main" w="9525">
-                <a:solidFill>
-                  <a:schemeClr val="tx1"/>
-                </a:solidFill>
-                <a:miter lim="800000"/>
-                <a:headEnd/>
-                <a:tailEnd/>
-              </a14:hiddenLine>
-            </a:ext>
-            <a:ext uri="{AF507438-7753-43E0-B8FC-AC1667EBCBE1}">
-              <a14:hiddenEffects xmlns:a14="http://schemas.microsoft.com/office/drawing/2010/main">
-                <a:effectLst>
-                  <a:outerShdw dist="35921" dir="2700000" algn="ctr" rotWithShape="0">
-                    <a:schemeClr val="bg2"/>
-                  </a:outerShdw>
-                </a:effectLst>
-              </a14:hiddenEffects>
-            </a:ext>
-          </a:extLst>
-        </p:spPr>
-      </p:pic>
       <p:cxnSp>
         <p:nvCxnSpPr>
           <p:cNvPr id="97" name="160 Conector angular"/>
@@ -5553,19 +4567,31 @@
           <a:p>
             <a:pPr algn="ctr"/>
             <a:r>
-              <a:rPr lang="es-CO" sz="900" dirty="0" smtClean="0">
-                <a:solidFill>
-                  <a:schemeClr val="tx1"/>
-                </a:solidFill>
-                <a:cs typeface="Arial" pitchFamily="34" charset="0"/>
-              </a:rPr>
-              <a:t>Sus características  son   </a:t>
+              <a:rPr lang="es-CO" sz="900" dirty="0">
+                <a:solidFill>
+                  <a:schemeClr val="tx1"/>
+                </a:solidFill>
+                <a:latin typeface="Arial" panose="020B0604020202020204" pitchFamily="34" charset="0"/>
+                <a:cs typeface="Arial" panose="020B0604020202020204" pitchFamily="34" charset="0"/>
+              </a:rPr>
+              <a:t>s</a:t>
+            </a:r>
+            <a:r>
+              <a:rPr lang="es-CO" sz="900" dirty="0" smtClean="0">
+                <a:solidFill>
+                  <a:schemeClr val="tx1"/>
+                </a:solidFill>
+                <a:latin typeface="Arial" panose="020B0604020202020204" pitchFamily="34" charset="0"/>
+                <a:cs typeface="Arial" panose="020B0604020202020204" pitchFamily="34" charset="0"/>
+              </a:rPr>
+              <a:t>us características  son   </a:t>
             </a:r>
             <a:endParaRPr lang="es-CO" sz="900" dirty="0">
               <a:solidFill>
                 <a:schemeClr val="tx1"/>
               </a:solidFill>
-              <a:cs typeface="Arial" pitchFamily="34" charset="0"/>
+              <a:latin typeface="Arial" panose="020B0604020202020204" pitchFamily="34" charset="0"/>
+              <a:cs typeface="Arial" panose="020B0604020202020204" pitchFamily="34" charset="0"/>
             </a:endParaRPr>
           </a:p>
         </p:txBody>
@@ -5653,25 +4679,39 @@
               <a:solidFill>
                 <a:schemeClr val="tx1"/>
               </a:solidFill>
-              <a:cs typeface="Arial" pitchFamily="34" charset="0"/>
+              <a:latin typeface="Arial" panose="020B0604020202020204" pitchFamily="34" charset="0"/>
+              <a:cs typeface="Arial" panose="020B0604020202020204" pitchFamily="34" charset="0"/>
             </a:endParaRPr>
           </a:p>
           <a:p>
             <a:pPr algn="ctr"/>
             <a:r>
-              <a:rPr lang="es-CO" sz="900" dirty="0" smtClean="0">
-                <a:solidFill>
-                  <a:schemeClr val="tx1"/>
-                </a:solidFill>
-                <a:cs typeface="Arial" pitchFamily="34" charset="0"/>
-              </a:rPr>
-              <a:t>dominio   </a:t>
+              <a:rPr lang="es-CO" sz="900" dirty="0">
+                <a:solidFill>
+                  <a:schemeClr val="tx1"/>
+                </a:solidFill>
+                <a:latin typeface="Arial" panose="020B0604020202020204" pitchFamily="34" charset="0"/>
+                <a:cs typeface="Arial" panose="020B0604020202020204" pitchFamily="34" charset="0"/>
+              </a:rPr>
+              <a:t>D</a:t>
+            </a:r>
+            <a:r>
+              <a:rPr lang="es-CO" sz="900" dirty="0" smtClean="0">
+                <a:solidFill>
+                  <a:schemeClr val="tx1"/>
+                </a:solidFill>
+                <a:latin typeface="Arial" panose="020B0604020202020204" pitchFamily="34" charset="0"/>
+                <a:cs typeface="Arial" panose="020B0604020202020204" pitchFamily="34" charset="0"/>
+              </a:rPr>
+              <a:t>ominio   </a:t>
             </a:r>
             <a:r>
               <a:rPr lang="es-ES_tradnl" sz="900" i="1" dirty="0" smtClean="0">
                 <a:solidFill>
                   <a:schemeClr val="tx1"/>
                 </a:solidFill>
+                <a:latin typeface="Arial" panose="020B0604020202020204" pitchFamily="34" charset="0"/>
+                <a:cs typeface="Arial" panose="020B0604020202020204" pitchFamily="34" charset="0"/>
               </a:rPr>
               <a:t>ℝ</a:t>
             </a:r>
@@ -5683,7 +4723,8 @@
                 <a:solidFill>
                   <a:schemeClr val="tx1"/>
                 </a:solidFill>
-                <a:cs typeface="Arial" pitchFamily="34" charset="0"/>
+                <a:latin typeface="Arial" panose="020B0604020202020204" pitchFamily="34" charset="0"/>
+                <a:cs typeface="Arial" panose="020B0604020202020204" pitchFamily="34" charset="0"/>
               </a:rPr>
               <a:t>  Rango   </a:t>
             </a:r>
@@ -5692,6 +4733,8 @@
                 <a:solidFill>
                   <a:schemeClr val="tx1"/>
                 </a:solidFill>
+                <a:latin typeface="Arial" panose="020B0604020202020204" pitchFamily="34" charset="0"/>
+                <a:cs typeface="Arial" panose="020B0604020202020204" pitchFamily="34" charset="0"/>
               </a:rPr>
               <a:t>ℝ</a:t>
             </a:r>
@@ -5700,7 +4743,8 @@
                 <a:solidFill>
                   <a:schemeClr val="tx1"/>
                 </a:solidFill>
-                <a:cs typeface="Arial" pitchFamily="34" charset="0"/>
+                <a:latin typeface="Arial" panose="020B0604020202020204" pitchFamily="34" charset="0"/>
+                <a:cs typeface="Arial" panose="020B0604020202020204" pitchFamily="34" charset="0"/>
               </a:rPr>
               <a:t> </a:t>
             </a:r>
@@ -5709,7 +4753,8 @@
                 <a:solidFill>
                   <a:schemeClr val="tx1"/>
                 </a:solidFill>
-                <a:cs typeface="Arial" pitchFamily="34" charset="0"/>
+                <a:latin typeface="Arial" panose="020B0604020202020204" pitchFamily="34" charset="0"/>
+                <a:cs typeface="Arial" panose="020B0604020202020204" pitchFamily="34" charset="0"/>
               </a:rPr>
               <a:t>+</a:t>
             </a:r>
@@ -5718,7 +4763,8 @@
                 <a:solidFill>
                   <a:schemeClr val="tx1"/>
                 </a:solidFill>
-                <a:cs typeface="Arial" pitchFamily="34" charset="0"/>
+                <a:latin typeface="Arial" panose="020B0604020202020204" pitchFamily="34" charset="0"/>
+                <a:cs typeface="Arial" panose="020B0604020202020204" pitchFamily="34" charset="0"/>
               </a:rPr>
               <a:t>  </a:t>
             </a:r>
@@ -5726,7 +4772,8 @@
               <a:solidFill>
                 <a:schemeClr val="tx1"/>
               </a:solidFill>
-              <a:cs typeface="Arial" pitchFamily="34" charset="0"/>
+              <a:latin typeface="Arial" panose="020B0604020202020204" pitchFamily="34" charset="0"/>
+              <a:cs typeface="Arial" panose="020B0604020202020204" pitchFamily="34" charset="0"/>
             </a:endParaRPr>
           </a:p>
           <a:p>
@@ -5735,7 +4782,8 @@
               <a:solidFill>
                 <a:schemeClr val="tx1"/>
               </a:solidFill>
-              <a:cs typeface="Arial" pitchFamily="34" charset="0"/>
+              <a:latin typeface="Arial" panose="020B0604020202020204" pitchFamily="34" charset="0"/>
+              <a:cs typeface="Arial" panose="020B0604020202020204" pitchFamily="34" charset="0"/>
             </a:endParaRPr>
           </a:p>
         </p:txBody>
@@ -5784,7 +4832,8 @@
                 <a:solidFill>
                   <a:schemeClr val="tx1"/>
                 </a:solidFill>
-                <a:cs typeface="Arial" pitchFamily="34" charset="0"/>
+                <a:latin typeface="Arial" panose="020B0604020202020204" pitchFamily="34" charset="0"/>
+                <a:cs typeface="Arial" panose="020B0604020202020204" pitchFamily="34" charset="0"/>
               </a:rPr>
               <a:t>  </a:t>
             </a:r>
@@ -5792,7 +4841,8 @@
               <a:solidFill>
                 <a:schemeClr val="tx1"/>
               </a:solidFill>
-              <a:cs typeface="Arial" pitchFamily="34" charset="0"/>
+              <a:latin typeface="Arial" panose="020B0604020202020204" pitchFamily="34" charset="0"/>
+              <a:cs typeface="Arial" panose="020B0604020202020204" pitchFamily="34" charset="0"/>
             </a:endParaRPr>
           </a:p>
           <a:p>
@@ -5802,7 +4852,8 @@
                 <a:solidFill>
                   <a:schemeClr val="tx1"/>
                 </a:solidFill>
-                <a:cs typeface="Arial" pitchFamily="34" charset="0"/>
+                <a:latin typeface="Arial" panose="020B0604020202020204" pitchFamily="34" charset="0"/>
+                <a:cs typeface="Arial" panose="020B0604020202020204" pitchFamily="34" charset="0"/>
               </a:rPr>
               <a:t>continuas  en    </a:t>
             </a:r>
@@ -5814,6 +4865,8 @@
                 <a:solidFill>
                   <a:schemeClr val="tx1"/>
                 </a:solidFill>
+                <a:latin typeface="Arial" panose="020B0604020202020204" pitchFamily="34" charset="0"/>
+                <a:cs typeface="Arial" panose="020B0604020202020204" pitchFamily="34" charset="0"/>
               </a:rPr>
               <a:t>ℝ</a:t>
             </a:r>
@@ -5822,7 +4875,8 @@
                 <a:solidFill>
                   <a:schemeClr val="tx1"/>
                 </a:solidFill>
-                <a:cs typeface="Arial" pitchFamily="34" charset="0"/>
+                <a:latin typeface="Arial" panose="020B0604020202020204" pitchFamily="34" charset="0"/>
+                <a:cs typeface="Arial" panose="020B0604020202020204" pitchFamily="34" charset="0"/>
               </a:rPr>
               <a:t> </a:t>
             </a:r>
@@ -5831,7 +4885,8 @@
                 <a:solidFill>
                   <a:schemeClr val="tx1"/>
                 </a:solidFill>
-                <a:cs typeface="Arial" pitchFamily="34" charset="0"/>
+                <a:latin typeface="Arial" panose="020B0604020202020204" pitchFamily="34" charset="0"/>
+                <a:cs typeface="Arial" panose="020B0604020202020204" pitchFamily="34" charset="0"/>
               </a:rPr>
               <a:t>+</a:t>
             </a:r>
@@ -5840,7 +4895,8 @@
                 <a:solidFill>
                   <a:schemeClr val="tx1"/>
                 </a:solidFill>
-                <a:cs typeface="Arial" pitchFamily="34" charset="0"/>
+                <a:latin typeface="Arial" panose="020B0604020202020204" pitchFamily="34" charset="0"/>
+                <a:cs typeface="Arial" panose="020B0604020202020204" pitchFamily="34" charset="0"/>
               </a:rPr>
               <a:t>  </a:t>
             </a:r>
@@ -5848,7 +4904,8 @@
               <a:solidFill>
                 <a:schemeClr val="tx1"/>
               </a:solidFill>
-              <a:cs typeface="Arial" pitchFamily="34" charset="0"/>
+              <a:latin typeface="Arial" panose="020B0604020202020204" pitchFamily="34" charset="0"/>
+              <a:cs typeface="Arial" panose="020B0604020202020204" pitchFamily="34" charset="0"/>
             </a:endParaRPr>
           </a:p>
           <a:p>
@@ -5857,7 +4914,8 @@
               <a:solidFill>
                 <a:schemeClr val="tx1"/>
               </a:solidFill>
-              <a:cs typeface="Arial" pitchFamily="34" charset="0"/>
+              <a:latin typeface="Arial" panose="020B0604020202020204" pitchFamily="34" charset="0"/>
+              <a:cs typeface="Arial" panose="020B0604020202020204" pitchFamily="34" charset="0"/>
             </a:endParaRPr>
           </a:p>
         </p:txBody>
@@ -5906,7 +4964,8 @@
                 <a:solidFill>
                   <a:schemeClr val="tx1"/>
                 </a:solidFill>
-                <a:cs typeface="Arial" pitchFamily="34" charset="0"/>
+                <a:latin typeface="Arial" panose="020B0604020202020204" pitchFamily="34" charset="0"/>
+                <a:cs typeface="Arial" panose="020B0604020202020204" pitchFamily="34" charset="0"/>
               </a:rPr>
               <a:t>  </a:t>
             </a:r>
@@ -5914,7 +4973,8 @@
               <a:solidFill>
                 <a:schemeClr val="tx1"/>
               </a:solidFill>
-              <a:cs typeface="Arial" pitchFamily="34" charset="0"/>
+              <a:latin typeface="Arial" panose="020B0604020202020204" pitchFamily="34" charset="0"/>
+              <a:cs typeface="Arial" panose="020B0604020202020204" pitchFamily="34" charset="0"/>
             </a:endParaRPr>
           </a:p>
           <a:p>
@@ -5923,27 +4983,40 @@
                 <a:solidFill>
                   <a:schemeClr val="tx1"/>
                 </a:solidFill>
-                <a:cs typeface="Arial" pitchFamily="34" charset="0"/>
-              </a:rPr>
-              <a:t>c</a:t>
-            </a:r>
-            <a:r>
-              <a:rPr lang="es-CO" sz="900" smtClean="0">
-                <a:solidFill>
-                  <a:schemeClr val="tx1"/>
-                </a:solidFill>
-                <a:cs typeface="Arial" pitchFamily="34" charset="0"/>
-              </a:rPr>
-              <a:t>orta </a:t>
-            </a:r>
-            <a:r>
-              <a:rPr lang="es-CO" sz="900" dirty="0" smtClean="0">
-                <a:solidFill>
-                  <a:schemeClr val="tx1"/>
-                </a:solidFill>
-                <a:cs typeface="Arial" pitchFamily="34" charset="0"/>
-              </a:rPr>
-              <a:t>al eje X en 1 , No corta al eje  Y</a:t>
+                <a:latin typeface="Arial" panose="020B0604020202020204" pitchFamily="34" charset="0"/>
+                <a:cs typeface="Arial" panose="020B0604020202020204" pitchFamily="34" charset="0"/>
+              </a:rPr>
+              <a:t>C</a:t>
+            </a:r>
+            <a:r>
+              <a:rPr lang="es-CO" sz="900" dirty="0" smtClean="0">
+                <a:solidFill>
+                  <a:schemeClr val="tx1"/>
+                </a:solidFill>
+                <a:latin typeface="Arial" panose="020B0604020202020204" pitchFamily="34" charset="0"/>
+                <a:cs typeface="Arial" panose="020B0604020202020204" pitchFamily="34" charset="0"/>
+              </a:rPr>
+              <a:t>orta al eje X en </a:t>
+            </a:r>
+            <a:r>
+              <a:rPr lang="es-CO" sz="900" dirty="0" smtClean="0">
+                <a:solidFill>
+                  <a:schemeClr val="tx1"/>
+                </a:solidFill>
+                <a:latin typeface="Arial" panose="020B0604020202020204" pitchFamily="34" charset="0"/>
+                <a:cs typeface="Arial" panose="020B0604020202020204" pitchFamily="34" charset="0"/>
+              </a:rPr>
+              <a:t>1, </a:t>
+            </a:r>
+            <a:r>
+              <a:rPr lang="es-CO" sz="900" dirty="0" smtClean="0">
+                <a:solidFill>
+                  <a:schemeClr val="tx1"/>
+                </a:solidFill>
+                <a:latin typeface="Arial" panose="020B0604020202020204" pitchFamily="34" charset="0"/>
+                <a:cs typeface="Arial" panose="020B0604020202020204" pitchFamily="34" charset="0"/>
+              </a:rPr>
+              <a:t>No corta al eje  Y</a:t>
             </a:r>
           </a:p>
           <a:p>
@@ -5952,7 +5025,8 @@
               <a:solidFill>
                 <a:schemeClr val="tx1"/>
               </a:solidFill>
-              <a:cs typeface="Arial" pitchFamily="34" charset="0"/>
+              <a:latin typeface="Arial" panose="020B0604020202020204" pitchFamily="34" charset="0"/>
+              <a:cs typeface="Arial" panose="020B0604020202020204" pitchFamily="34" charset="0"/>
             </a:endParaRPr>
           </a:p>
         </p:txBody>
@@ -6222,7 +5296,8 @@
                 <a:solidFill>
                   <a:schemeClr val="tx1"/>
                 </a:solidFill>
-                <a:cs typeface="Arial" pitchFamily="34" charset="0"/>
+                <a:latin typeface="Arial" panose="020B0604020202020204" pitchFamily="34" charset="0"/>
+                <a:cs typeface="Arial" panose="020B0604020202020204" pitchFamily="34" charset="0"/>
               </a:rPr>
               <a:t>s</a:t>
             </a:r>
@@ -6231,7 +5306,8 @@
                 <a:solidFill>
                   <a:schemeClr val="tx1"/>
                 </a:solidFill>
-                <a:cs typeface="Arial" pitchFamily="34" charset="0"/>
+                <a:latin typeface="Arial" panose="020B0604020202020204" pitchFamily="34" charset="0"/>
+                <a:cs typeface="Arial" panose="020B0604020202020204" pitchFamily="34" charset="0"/>
               </a:rPr>
               <a:t>us aplicaciones se dan en      </a:t>
             </a:r>
@@ -6239,7 +5315,8 @@
               <a:solidFill>
                 <a:schemeClr val="tx1"/>
               </a:solidFill>
-              <a:cs typeface="Arial" pitchFamily="34" charset="0"/>
+              <a:latin typeface="Arial" panose="020B0604020202020204" pitchFamily="34" charset="0"/>
+              <a:cs typeface="Arial" panose="020B0604020202020204" pitchFamily="34" charset="0"/>
             </a:endParaRPr>
           </a:p>
         </p:txBody>
@@ -6328,7 +5405,8 @@
                 <a:solidFill>
                   <a:schemeClr val="tx1"/>
                 </a:solidFill>
-                <a:cs typeface="Arial" pitchFamily="34" charset="0"/>
+                <a:latin typeface="Arial" panose="020B0604020202020204" pitchFamily="34" charset="0"/>
+                <a:cs typeface="Arial" panose="020B0604020202020204" pitchFamily="34" charset="0"/>
               </a:rPr>
               <a:t>crecimiento exponencial </a:t>
             </a:r>
@@ -6336,6 +5414,8 @@
               <a:solidFill>
                 <a:schemeClr val="tx1"/>
               </a:solidFill>
+              <a:latin typeface="Arial" panose="020B0604020202020204" pitchFamily="34" charset="0"/>
+              <a:cs typeface="Arial" panose="020B0604020202020204" pitchFamily="34" charset="0"/>
             </a:endParaRPr>
           </a:p>
         </p:txBody>
@@ -6384,7 +5464,8 @@
                 <a:solidFill>
                   <a:schemeClr val="tx1"/>
                 </a:solidFill>
-                <a:cs typeface="Arial" pitchFamily="34" charset="0"/>
+                <a:latin typeface="Arial" panose="020B0604020202020204" pitchFamily="34" charset="0"/>
+                <a:cs typeface="Arial" panose="020B0604020202020204" pitchFamily="34" charset="0"/>
               </a:rPr>
               <a:t>interés compuesto </a:t>
             </a:r>
@@ -6392,6 +5473,8 @@
               <a:solidFill>
                 <a:schemeClr val="tx1"/>
               </a:solidFill>
+              <a:latin typeface="Arial" panose="020B0604020202020204" pitchFamily="34" charset="0"/>
+              <a:cs typeface="Arial" panose="020B0604020202020204" pitchFamily="34" charset="0"/>
             </a:endParaRPr>
           </a:p>
         </p:txBody>
@@ -6440,7 +5523,8 @@
                 <a:solidFill>
                   <a:schemeClr val="tx1"/>
                 </a:solidFill>
-                <a:cs typeface="Arial" pitchFamily="34" charset="0"/>
+                <a:latin typeface="Arial" panose="020B0604020202020204" pitchFamily="34" charset="0"/>
+                <a:cs typeface="Arial" panose="020B0604020202020204" pitchFamily="34" charset="0"/>
               </a:rPr>
               <a:t>crecimiento  poblacional  </a:t>
             </a:r>
@@ -6448,6 +5532,8 @@
               <a:solidFill>
                 <a:schemeClr val="tx1"/>
               </a:solidFill>
+              <a:latin typeface="Arial" panose="020B0604020202020204" pitchFamily="34" charset="0"/>
+              <a:cs typeface="Arial" panose="020B0604020202020204" pitchFamily="34" charset="0"/>
             </a:endParaRPr>
           </a:p>
         </p:txBody>
@@ -6496,7 +5582,8 @@
                 <a:solidFill>
                   <a:schemeClr val="tx1"/>
                 </a:solidFill>
-                <a:cs typeface="Arial" pitchFamily="34" charset="0"/>
+                <a:latin typeface="Arial" panose="020B0604020202020204" pitchFamily="34" charset="0"/>
+                <a:cs typeface="Arial" panose="020B0604020202020204" pitchFamily="34" charset="0"/>
               </a:rPr>
               <a:t>decrecimiento exponencial </a:t>
             </a:r>
@@ -6504,6 +5591,8 @@
               <a:solidFill>
                 <a:schemeClr val="tx1"/>
               </a:solidFill>
+              <a:latin typeface="Arial" panose="020B0604020202020204" pitchFamily="34" charset="0"/>
+              <a:cs typeface="Arial" panose="020B0604020202020204" pitchFamily="34" charset="0"/>
             </a:endParaRPr>
           </a:p>
         </p:txBody>
@@ -6516,8 +5605,8 @@
         </p:nvSpPr>
         <p:spPr>
           <a:xfrm>
-            <a:off x="5575877" y="6935186"/>
-            <a:ext cx="1029345" cy="449386"/>
+            <a:off x="5556827" y="6935186"/>
+            <a:ext cx="1057097" cy="449386"/>
           </a:xfrm>
           <a:prstGeom prst="rect">
             <a:avLst/>
@@ -6552,7 +5641,8 @@
                 <a:solidFill>
                   <a:schemeClr val="tx1"/>
                 </a:solidFill>
-                <a:cs typeface="Arial" pitchFamily="34" charset="0"/>
+                <a:latin typeface="Arial" panose="020B0604020202020204" pitchFamily="34" charset="0"/>
+                <a:cs typeface="Arial" panose="020B0604020202020204" pitchFamily="34" charset="0"/>
               </a:rPr>
               <a:t>descomposición radioactiva </a:t>
             </a:r>
@@ -6560,6 +5650,8 @@
               <a:solidFill>
                 <a:schemeClr val="tx1"/>
               </a:solidFill>
+              <a:latin typeface="Arial" panose="020B0604020202020204" pitchFamily="34" charset="0"/>
+              <a:cs typeface="Arial" panose="020B0604020202020204" pitchFamily="34" charset="0"/>
             </a:endParaRPr>
           </a:p>
         </p:txBody>
@@ -6728,7 +5820,7 @@
         <p:spPr>
           <a:xfrm>
             <a:off x="6083767" y="6709673"/>
-            <a:ext cx="6783" cy="225513"/>
+            <a:ext cx="1609" cy="225513"/>
           </a:xfrm>
           <a:prstGeom prst="line">
             <a:avLst/>
@@ -6796,7 +5888,8 @@
                 <a:solidFill>
                   <a:schemeClr val="tx1"/>
                 </a:solidFill>
-                <a:cs typeface="Arial" pitchFamily="34" charset="0"/>
+                <a:latin typeface="Arial" panose="020B0604020202020204" pitchFamily="34" charset="0"/>
+                <a:cs typeface="Arial" panose="020B0604020202020204" pitchFamily="34" charset="0"/>
               </a:rPr>
               <a:t>s</a:t>
             </a:r>
@@ -6805,7 +5898,8 @@
                 <a:solidFill>
                   <a:schemeClr val="tx1"/>
                 </a:solidFill>
-                <a:cs typeface="Arial" pitchFamily="34" charset="0"/>
+                <a:latin typeface="Arial" panose="020B0604020202020204" pitchFamily="34" charset="0"/>
+                <a:cs typeface="Arial" panose="020B0604020202020204" pitchFamily="34" charset="0"/>
               </a:rPr>
               <a:t>us aplicaciones se dan en      </a:t>
             </a:r>
@@ -6813,7 +5907,8 @@
               <a:solidFill>
                 <a:schemeClr val="tx1"/>
               </a:solidFill>
-              <a:cs typeface="Arial" pitchFamily="34" charset="0"/>
+              <a:latin typeface="Arial" panose="020B0604020202020204" pitchFamily="34" charset="0"/>
+              <a:cs typeface="Arial" panose="020B0604020202020204" pitchFamily="34" charset="0"/>
             </a:endParaRPr>
           </a:p>
         </p:txBody>
@@ -6898,29 +5993,22 @@
           <a:p>
             <a:pPr algn="ctr"/>
             <a:r>
-              <a:rPr lang="es-CO" sz="900">
-                <a:solidFill>
-                  <a:schemeClr val="tx1"/>
-                </a:solidFill>
-                <a:cs typeface="Arial" pitchFamily="34" charset="0"/>
-              </a:rPr>
-              <a:t>m</a:t>
-            </a:r>
-            <a:r>
-              <a:rPr lang="es-CO" sz="900" smtClean="0">
-                <a:solidFill>
-                  <a:schemeClr val="tx1"/>
-                </a:solidFill>
-                <a:cs typeface="Arial" pitchFamily="34" charset="0"/>
-              </a:rPr>
-              <a:t>edición </a:t>
-            </a:r>
-            <a:r>
-              <a:rPr lang="es-CO" sz="900" dirty="0" smtClean="0">
-                <a:solidFill>
-                  <a:schemeClr val="tx1"/>
-                </a:solidFill>
-                <a:cs typeface="Arial" pitchFamily="34" charset="0"/>
+              <a:rPr lang="es-CO" sz="900" dirty="0" smtClean="0">
+                <a:solidFill>
+                  <a:schemeClr val="tx1"/>
+                </a:solidFill>
+                <a:latin typeface="Arial" panose="020B0604020202020204" pitchFamily="34" charset="0"/>
+                <a:cs typeface="Arial" panose="020B0604020202020204" pitchFamily="34" charset="0"/>
+              </a:rPr>
+              <a:t>Medición de  </a:t>
+            </a:r>
+            <a:r>
+              <a:rPr lang="es-CO" sz="900" dirty="0" smtClean="0">
+                <a:solidFill>
+                  <a:schemeClr val="tx1"/>
+                </a:solidFill>
+                <a:latin typeface="Arial" panose="020B0604020202020204" pitchFamily="34" charset="0"/>
+                <a:cs typeface="Arial" panose="020B0604020202020204" pitchFamily="34" charset="0"/>
               </a:rPr>
               <a:t>temblores  </a:t>
             </a:r>
@@ -6928,6 +6016,8 @@
               <a:solidFill>
                 <a:schemeClr val="tx1"/>
               </a:solidFill>
+              <a:latin typeface="Arial" panose="020B0604020202020204" pitchFamily="34" charset="0"/>
+              <a:cs typeface="Arial" panose="020B0604020202020204" pitchFamily="34" charset="0"/>
             </a:endParaRPr>
           </a:p>
         </p:txBody>
@@ -6976,23 +6066,17 @@
                 <a:solidFill>
                   <a:schemeClr val="tx1"/>
                 </a:solidFill>
-                <a:cs typeface="Arial" pitchFamily="34" charset="0"/>
-              </a:rPr>
-              <a:t>Calculo antigüedad  objetos </a:t>
-            </a:r>
-            <a:r>
-              <a:rPr lang="es-CO" sz="900" dirty="0" smtClean="0">
-                <a:solidFill>
-                  <a:schemeClr val="tx1"/>
-                </a:solidFill>
-                <a:cs typeface="Arial" pitchFamily="34" charset="0"/>
-              </a:rPr>
-              <a:t> </a:t>
+                <a:latin typeface="Arial" panose="020B0604020202020204" pitchFamily="34" charset="0"/>
+                <a:cs typeface="Arial" panose="020B0604020202020204" pitchFamily="34" charset="0"/>
+              </a:rPr>
+              <a:t>Calculo antigüedad  objetos  </a:t>
             </a:r>
             <a:endParaRPr lang="es-ES_tradnl" sz="900" i="1" dirty="0" smtClean="0">
               <a:solidFill>
                 <a:schemeClr val="tx1"/>
               </a:solidFill>
+              <a:latin typeface="Arial" panose="020B0604020202020204" pitchFamily="34" charset="0"/>
+              <a:cs typeface="Arial" panose="020B0604020202020204" pitchFamily="34" charset="0"/>
             </a:endParaRPr>
           </a:p>
         </p:txBody>
@@ -7041,7 +6125,8 @@
                 <a:solidFill>
                   <a:schemeClr val="tx1"/>
                 </a:solidFill>
-                <a:cs typeface="Arial" pitchFamily="34" charset="0"/>
+                <a:latin typeface="Arial" panose="020B0604020202020204" pitchFamily="34" charset="0"/>
+                <a:cs typeface="Arial" panose="020B0604020202020204" pitchFamily="34" charset="0"/>
               </a:rPr>
               <a:t>m</a:t>
             </a:r>
@@ -7050,41 +6135,37 @@
                 <a:solidFill>
                   <a:schemeClr val="tx1"/>
                 </a:solidFill>
-                <a:cs typeface="Arial" pitchFamily="34" charset="0"/>
-              </a:rPr>
-              <a:t>edir  la acides </a:t>
-            </a:r>
-            <a:r>
-              <a:rPr lang="es-CO" sz="900" dirty="0" err="1" smtClean="0">
-                <a:solidFill>
-                  <a:schemeClr val="tx1"/>
-                </a:solidFill>
-                <a:cs typeface="Arial" pitchFamily="34" charset="0"/>
-              </a:rPr>
-              <a:t>Ph</a:t>
-            </a:r>
-            <a:r>
-              <a:rPr lang="es-CO" sz="900" dirty="0" smtClean="0">
-                <a:solidFill>
-                  <a:schemeClr val="tx1"/>
-                </a:solidFill>
-                <a:cs typeface="Arial" pitchFamily="34" charset="0"/>
-              </a:rPr>
-              <a:t> </a:t>
-            </a:r>
-            <a:r>
-              <a:rPr lang="es-CO" sz="900" dirty="0" smtClean="0">
-                <a:solidFill>
-                  <a:schemeClr val="tx1"/>
-                </a:solidFill>
-                <a:cs typeface="Arial" pitchFamily="34" charset="0"/>
-              </a:rPr>
-              <a:t>  </a:t>
+                <a:latin typeface="Arial" panose="020B0604020202020204" pitchFamily="34" charset="0"/>
+                <a:cs typeface="Arial" panose="020B0604020202020204" pitchFamily="34" charset="0"/>
+              </a:rPr>
+              <a:t>edir  la </a:t>
+            </a:r>
+            <a:r>
+              <a:rPr lang="es-CO" sz="900" dirty="0" smtClean="0">
+                <a:solidFill>
+                  <a:schemeClr val="tx1"/>
+                </a:solidFill>
+                <a:latin typeface="Arial" panose="020B0604020202020204" pitchFamily="34" charset="0"/>
+                <a:cs typeface="Arial" panose="020B0604020202020204" pitchFamily="34" charset="0"/>
+              </a:rPr>
+              <a:t>acidez </a:t>
+            </a:r>
+            <a:r>
+              <a:rPr lang="es-CO" sz="900" dirty="0" smtClean="0">
+                <a:solidFill>
+                  <a:schemeClr val="tx1"/>
+                </a:solidFill>
+                <a:latin typeface="Arial" panose="020B0604020202020204" pitchFamily="34" charset="0"/>
+                <a:cs typeface="Arial" panose="020B0604020202020204" pitchFamily="34" charset="0"/>
+              </a:rPr>
+              <a:t>pH   </a:t>
             </a:r>
             <a:endParaRPr lang="es-ES_tradnl" sz="900" i="1" dirty="0" smtClean="0">
               <a:solidFill>
                 <a:schemeClr val="tx1"/>
               </a:solidFill>
+              <a:latin typeface="Arial" panose="020B0604020202020204" pitchFamily="34" charset="0"/>
+              <a:cs typeface="Arial" panose="020B0604020202020204" pitchFamily="34" charset="0"/>
             </a:endParaRPr>
           </a:p>
         </p:txBody>
@@ -7203,6 +6284,532 @@
           </a:fontRef>
         </p:style>
       </p:cxnSp>
+      <p:sp>
+        <p:nvSpPr>
+          <p:cNvPr id="124" name="Rectángulo 123"/>
+          <p:cNvSpPr/>
+          <p:nvPr/>
+        </p:nvSpPr>
+        <p:spPr>
+          <a:xfrm>
+            <a:off x="2429803" y="6266316"/>
+            <a:ext cx="1244135" cy="370896"/>
+          </a:xfrm>
+          <a:prstGeom prst="rect">
+            <a:avLst/>
+          </a:prstGeom>
+          <a:solidFill>
+            <a:schemeClr val="bg1"/>
+          </a:solidFill>
+        </p:spPr>
+        <p:style>
+          <a:lnRef idx="2">
+            <a:schemeClr val="dk1"/>
+          </a:lnRef>
+          <a:fillRef idx="1">
+            <a:schemeClr val="lt1"/>
+          </a:fillRef>
+          <a:effectRef idx="0">
+            <a:schemeClr val="dk1"/>
+          </a:effectRef>
+          <a:fontRef idx="minor">
+            <a:schemeClr val="dk1"/>
+          </a:fontRef>
+        </p:style>
+        <p:txBody>
+          <a:bodyPr lIns="105683" tIns="52841" rIns="105683" bIns="52841" rtlCol="0" anchor="ctr"/>
+          <a:lstStyle>
+            <a:defPPr>
+              <a:defRPr lang="es-ES"/>
+            </a:defPPr>
+            <a:lvl1pPr marL="0" algn="l" defTabSz="1056822" rtl="0" eaLnBrk="1" latinLnBrk="0" hangingPunct="1">
+              <a:defRPr sz="2100" kern="1200">
+                <a:solidFill>
+                  <a:schemeClr val="dk1"/>
+                </a:solidFill>
+                <a:latin typeface="+mn-lt"/>
+                <a:ea typeface="+mn-ea"/>
+                <a:cs typeface="+mn-cs"/>
+              </a:defRPr>
+            </a:lvl1pPr>
+            <a:lvl2pPr marL="528411" algn="l" defTabSz="1056822" rtl="0" eaLnBrk="1" latinLnBrk="0" hangingPunct="1">
+              <a:defRPr sz="2100" kern="1200">
+                <a:solidFill>
+                  <a:schemeClr val="dk1"/>
+                </a:solidFill>
+                <a:latin typeface="+mn-lt"/>
+                <a:ea typeface="+mn-ea"/>
+                <a:cs typeface="+mn-cs"/>
+              </a:defRPr>
+            </a:lvl2pPr>
+            <a:lvl3pPr marL="1056822" algn="l" defTabSz="1056822" rtl="0" eaLnBrk="1" latinLnBrk="0" hangingPunct="1">
+              <a:defRPr sz="2100" kern="1200">
+                <a:solidFill>
+                  <a:schemeClr val="dk1"/>
+                </a:solidFill>
+                <a:latin typeface="+mn-lt"/>
+                <a:ea typeface="+mn-ea"/>
+                <a:cs typeface="+mn-cs"/>
+              </a:defRPr>
+            </a:lvl3pPr>
+            <a:lvl4pPr marL="1585233" algn="l" defTabSz="1056822" rtl="0" eaLnBrk="1" latinLnBrk="0" hangingPunct="1">
+              <a:defRPr sz="2100" kern="1200">
+                <a:solidFill>
+                  <a:schemeClr val="dk1"/>
+                </a:solidFill>
+                <a:latin typeface="+mn-lt"/>
+                <a:ea typeface="+mn-ea"/>
+                <a:cs typeface="+mn-cs"/>
+              </a:defRPr>
+            </a:lvl4pPr>
+            <a:lvl5pPr marL="2113645" algn="l" defTabSz="1056822" rtl="0" eaLnBrk="1" latinLnBrk="0" hangingPunct="1">
+              <a:defRPr sz="2100" kern="1200">
+                <a:solidFill>
+                  <a:schemeClr val="dk1"/>
+                </a:solidFill>
+                <a:latin typeface="+mn-lt"/>
+                <a:ea typeface="+mn-ea"/>
+                <a:cs typeface="+mn-cs"/>
+              </a:defRPr>
+            </a:lvl5pPr>
+            <a:lvl6pPr marL="2642056" algn="l" defTabSz="1056822" rtl="0" eaLnBrk="1" latinLnBrk="0" hangingPunct="1">
+              <a:defRPr sz="2100" kern="1200">
+                <a:solidFill>
+                  <a:schemeClr val="dk1"/>
+                </a:solidFill>
+                <a:latin typeface="+mn-lt"/>
+                <a:ea typeface="+mn-ea"/>
+                <a:cs typeface="+mn-cs"/>
+              </a:defRPr>
+            </a:lvl6pPr>
+            <a:lvl7pPr marL="3170466" algn="l" defTabSz="1056822" rtl="0" eaLnBrk="1" latinLnBrk="0" hangingPunct="1">
+              <a:defRPr sz="2100" kern="1200">
+                <a:solidFill>
+                  <a:schemeClr val="dk1"/>
+                </a:solidFill>
+                <a:latin typeface="+mn-lt"/>
+                <a:ea typeface="+mn-ea"/>
+                <a:cs typeface="+mn-cs"/>
+              </a:defRPr>
+            </a:lvl7pPr>
+            <a:lvl8pPr marL="3698878" algn="l" defTabSz="1056822" rtl="0" eaLnBrk="1" latinLnBrk="0" hangingPunct="1">
+              <a:defRPr sz="2100" kern="1200">
+                <a:solidFill>
+                  <a:schemeClr val="dk1"/>
+                </a:solidFill>
+                <a:latin typeface="+mn-lt"/>
+                <a:ea typeface="+mn-ea"/>
+                <a:cs typeface="+mn-cs"/>
+              </a:defRPr>
+            </a:lvl8pPr>
+            <a:lvl9pPr marL="4227289" algn="l" defTabSz="1056822" rtl="0" eaLnBrk="1" latinLnBrk="0" hangingPunct="1">
+              <a:defRPr sz="2100" kern="1200">
+                <a:solidFill>
+                  <a:schemeClr val="dk1"/>
+                </a:solidFill>
+                <a:latin typeface="+mn-lt"/>
+                <a:ea typeface="+mn-ea"/>
+                <a:cs typeface="+mn-cs"/>
+              </a:defRPr>
+            </a:lvl9pPr>
+          </a:lstStyle>
+          <a:p>
+            <a:r>
+              <a:rPr lang="es-CO" sz="900" dirty="0" smtClean="0">
+                <a:solidFill>
+                  <a:srgbClr val="FF0000"/>
+                </a:solidFill>
+                <a:latin typeface="Arial" panose="020B0604020202020204" pitchFamily="34" charset="0"/>
+                <a:cs typeface="Arial" panose="020B0604020202020204" pitchFamily="34" charset="0"/>
+              </a:rPr>
+              <a:t>    </a:t>
+            </a:r>
+          </a:p>
+          <a:p>
+            <a:pPr algn="ctr"/>
+            <a:r>
+              <a:rPr lang="es-ES_tradnl" sz="900" i="1" dirty="0" smtClean="0">
+                <a:solidFill>
+                  <a:schemeClr val="tx1"/>
+                </a:solidFill>
+                <a:latin typeface="Arial" panose="020B0604020202020204" pitchFamily="34" charset="0"/>
+                <a:cs typeface="Arial" panose="020B0604020202020204" pitchFamily="34" charset="0"/>
+              </a:rPr>
+              <a:t>a</a:t>
+            </a:r>
+            <a:r>
+              <a:rPr lang="es-CO" sz="900" dirty="0" smtClean="0">
+                <a:solidFill>
+                  <a:schemeClr val="tx1"/>
+                </a:solidFill>
+                <a:latin typeface="Arial" panose="020B0604020202020204" pitchFamily="34" charset="0"/>
+                <a:cs typeface="Arial" panose="020B0604020202020204" pitchFamily="34" charset="0"/>
+              </a:rPr>
+              <a:t> </a:t>
+            </a:r>
+            <a:r>
+              <a:rPr lang="es-CO" sz="900" dirty="0" smtClean="0">
+                <a:solidFill>
+                  <a:schemeClr val="tx1"/>
+                </a:solidFill>
+                <a:latin typeface="Arial" panose="020B0604020202020204" pitchFamily="34" charset="0"/>
+                <a:cs typeface="Arial" panose="020B0604020202020204" pitchFamily="34" charset="0"/>
+              </a:rPr>
+              <a:t>&gt;</a:t>
+            </a:r>
+            <a:r>
+              <a:rPr lang="es-CO" sz="900" dirty="0" smtClean="0">
+                <a:solidFill>
+                  <a:schemeClr val="tx1"/>
+                </a:solidFill>
+                <a:latin typeface="Arial" panose="020B0604020202020204" pitchFamily="34" charset="0"/>
+                <a:cs typeface="Arial" panose="020B0604020202020204" pitchFamily="34" charset="0"/>
+              </a:rPr>
+              <a:t> </a:t>
+            </a:r>
+            <a:r>
+              <a:rPr lang="es-CO" sz="900" dirty="0" smtClean="0">
+                <a:solidFill>
+                  <a:schemeClr val="tx1"/>
+                </a:solidFill>
+                <a:latin typeface="Arial" panose="020B0604020202020204" pitchFamily="34" charset="0"/>
+                <a:cs typeface="Arial" panose="020B0604020202020204" pitchFamily="34" charset="0"/>
+              </a:rPr>
+              <a:t>1 </a:t>
+            </a:r>
+            <a:r>
+              <a:rPr lang="es-CO" sz="900" dirty="0">
+                <a:solidFill>
+                  <a:schemeClr val="tx1"/>
+                </a:solidFill>
+                <a:latin typeface="Arial" panose="020B0604020202020204" pitchFamily="34" charset="0"/>
+                <a:cs typeface="Arial" panose="020B0604020202020204" pitchFamily="34" charset="0"/>
+              </a:rPr>
+              <a:t>la </a:t>
+            </a:r>
+            <a:r>
+              <a:rPr lang="es-CO" sz="900" dirty="0" smtClean="0">
+                <a:solidFill>
+                  <a:schemeClr val="tx1"/>
+                </a:solidFill>
+                <a:latin typeface="Arial" panose="020B0604020202020204" pitchFamily="34" charset="0"/>
+                <a:cs typeface="Arial" panose="020B0604020202020204" pitchFamily="34" charset="0"/>
+              </a:rPr>
+              <a:t>gráfica </a:t>
+            </a:r>
+            <a:r>
+              <a:rPr lang="es-CO" sz="900" dirty="0">
+                <a:solidFill>
+                  <a:schemeClr val="tx1"/>
+                </a:solidFill>
+                <a:latin typeface="Arial" panose="020B0604020202020204" pitchFamily="34" charset="0"/>
+                <a:cs typeface="Arial" panose="020B0604020202020204" pitchFamily="34" charset="0"/>
+              </a:rPr>
+              <a:t>es </a:t>
+            </a:r>
+            <a:r>
+              <a:rPr lang="es-CO" sz="900" dirty="0" smtClean="0">
+                <a:solidFill>
+                  <a:schemeClr val="tx1"/>
+                </a:solidFill>
+                <a:latin typeface="Arial" panose="020B0604020202020204" pitchFamily="34" charset="0"/>
+                <a:cs typeface="Arial" panose="020B0604020202020204" pitchFamily="34" charset="0"/>
+              </a:rPr>
+              <a:t>creciente   </a:t>
+            </a:r>
+            <a:endParaRPr lang="es-CO" sz="900" dirty="0">
+              <a:solidFill>
+                <a:schemeClr val="tx1"/>
+              </a:solidFill>
+              <a:latin typeface="Arial" panose="020B0604020202020204" pitchFamily="34" charset="0"/>
+              <a:cs typeface="Arial" panose="020B0604020202020204" pitchFamily="34" charset="0"/>
+            </a:endParaRPr>
+          </a:p>
+          <a:p>
+            <a:pPr algn="ctr"/>
+            <a:r>
+              <a:rPr lang="es-CO" sz="900" dirty="0" smtClean="0">
+                <a:solidFill>
+                  <a:srgbClr val="FF0000"/>
+                </a:solidFill>
+                <a:latin typeface="Arial" panose="020B0604020202020204" pitchFamily="34" charset="0"/>
+                <a:cs typeface="Arial" panose="020B0604020202020204" pitchFamily="34" charset="0"/>
+              </a:rPr>
+              <a:t> </a:t>
+            </a:r>
+            <a:endParaRPr lang="es-CO" sz="900" dirty="0">
+              <a:solidFill>
+                <a:srgbClr val="FF0000"/>
+              </a:solidFill>
+              <a:latin typeface="Arial" panose="020B0604020202020204" pitchFamily="34" charset="0"/>
+              <a:cs typeface="Arial" panose="020B0604020202020204" pitchFamily="34" charset="0"/>
+            </a:endParaRPr>
+          </a:p>
+        </p:txBody>
+      </p:sp>
+      <p:sp>
+        <p:nvSpPr>
+          <p:cNvPr id="131" name="Rectángulo 130"/>
+          <p:cNvSpPr/>
+          <p:nvPr/>
+        </p:nvSpPr>
+        <p:spPr>
+          <a:xfrm>
+            <a:off x="10500319" y="6412766"/>
+            <a:ext cx="1244135" cy="370896"/>
+          </a:xfrm>
+          <a:prstGeom prst="rect">
+            <a:avLst/>
+          </a:prstGeom>
+          <a:solidFill>
+            <a:schemeClr val="bg1"/>
+          </a:solidFill>
+        </p:spPr>
+        <p:style>
+          <a:lnRef idx="2">
+            <a:schemeClr val="dk1"/>
+          </a:lnRef>
+          <a:fillRef idx="1">
+            <a:schemeClr val="lt1"/>
+          </a:fillRef>
+          <a:effectRef idx="0">
+            <a:schemeClr val="dk1"/>
+          </a:effectRef>
+          <a:fontRef idx="minor">
+            <a:schemeClr val="dk1"/>
+          </a:fontRef>
+        </p:style>
+        <p:txBody>
+          <a:bodyPr lIns="105683" tIns="52841" rIns="105683" bIns="52841" rtlCol="0" anchor="ctr"/>
+          <a:lstStyle>
+            <a:defPPr>
+              <a:defRPr lang="es-ES"/>
+            </a:defPPr>
+            <a:lvl1pPr marL="0" algn="l" defTabSz="1056822" rtl="0" eaLnBrk="1" latinLnBrk="0" hangingPunct="1">
+              <a:defRPr sz="2100" kern="1200">
+                <a:solidFill>
+                  <a:schemeClr val="dk1"/>
+                </a:solidFill>
+                <a:latin typeface="+mn-lt"/>
+                <a:ea typeface="+mn-ea"/>
+                <a:cs typeface="+mn-cs"/>
+              </a:defRPr>
+            </a:lvl1pPr>
+            <a:lvl2pPr marL="528411" algn="l" defTabSz="1056822" rtl="0" eaLnBrk="1" latinLnBrk="0" hangingPunct="1">
+              <a:defRPr sz="2100" kern="1200">
+                <a:solidFill>
+                  <a:schemeClr val="dk1"/>
+                </a:solidFill>
+                <a:latin typeface="+mn-lt"/>
+                <a:ea typeface="+mn-ea"/>
+                <a:cs typeface="+mn-cs"/>
+              </a:defRPr>
+            </a:lvl2pPr>
+            <a:lvl3pPr marL="1056822" algn="l" defTabSz="1056822" rtl="0" eaLnBrk="1" latinLnBrk="0" hangingPunct="1">
+              <a:defRPr sz="2100" kern="1200">
+                <a:solidFill>
+                  <a:schemeClr val="dk1"/>
+                </a:solidFill>
+                <a:latin typeface="+mn-lt"/>
+                <a:ea typeface="+mn-ea"/>
+                <a:cs typeface="+mn-cs"/>
+              </a:defRPr>
+            </a:lvl3pPr>
+            <a:lvl4pPr marL="1585233" algn="l" defTabSz="1056822" rtl="0" eaLnBrk="1" latinLnBrk="0" hangingPunct="1">
+              <a:defRPr sz="2100" kern="1200">
+                <a:solidFill>
+                  <a:schemeClr val="dk1"/>
+                </a:solidFill>
+                <a:latin typeface="+mn-lt"/>
+                <a:ea typeface="+mn-ea"/>
+                <a:cs typeface="+mn-cs"/>
+              </a:defRPr>
+            </a:lvl4pPr>
+            <a:lvl5pPr marL="2113645" algn="l" defTabSz="1056822" rtl="0" eaLnBrk="1" latinLnBrk="0" hangingPunct="1">
+              <a:defRPr sz="2100" kern="1200">
+                <a:solidFill>
+                  <a:schemeClr val="dk1"/>
+                </a:solidFill>
+                <a:latin typeface="+mn-lt"/>
+                <a:ea typeface="+mn-ea"/>
+                <a:cs typeface="+mn-cs"/>
+              </a:defRPr>
+            </a:lvl5pPr>
+            <a:lvl6pPr marL="2642056" algn="l" defTabSz="1056822" rtl="0" eaLnBrk="1" latinLnBrk="0" hangingPunct="1">
+              <a:defRPr sz="2100" kern="1200">
+                <a:solidFill>
+                  <a:schemeClr val="dk1"/>
+                </a:solidFill>
+                <a:latin typeface="+mn-lt"/>
+                <a:ea typeface="+mn-ea"/>
+                <a:cs typeface="+mn-cs"/>
+              </a:defRPr>
+            </a:lvl6pPr>
+            <a:lvl7pPr marL="3170466" algn="l" defTabSz="1056822" rtl="0" eaLnBrk="1" latinLnBrk="0" hangingPunct="1">
+              <a:defRPr sz="2100" kern="1200">
+                <a:solidFill>
+                  <a:schemeClr val="dk1"/>
+                </a:solidFill>
+                <a:latin typeface="+mn-lt"/>
+                <a:ea typeface="+mn-ea"/>
+                <a:cs typeface="+mn-cs"/>
+              </a:defRPr>
+            </a:lvl7pPr>
+            <a:lvl8pPr marL="3698878" algn="l" defTabSz="1056822" rtl="0" eaLnBrk="1" latinLnBrk="0" hangingPunct="1">
+              <a:defRPr sz="2100" kern="1200">
+                <a:solidFill>
+                  <a:schemeClr val="dk1"/>
+                </a:solidFill>
+                <a:latin typeface="+mn-lt"/>
+                <a:ea typeface="+mn-ea"/>
+                <a:cs typeface="+mn-cs"/>
+              </a:defRPr>
+            </a:lvl8pPr>
+            <a:lvl9pPr marL="4227289" algn="l" defTabSz="1056822" rtl="0" eaLnBrk="1" latinLnBrk="0" hangingPunct="1">
+              <a:defRPr sz="2100" kern="1200">
+                <a:solidFill>
+                  <a:schemeClr val="dk1"/>
+                </a:solidFill>
+                <a:latin typeface="+mn-lt"/>
+                <a:ea typeface="+mn-ea"/>
+                <a:cs typeface="+mn-cs"/>
+              </a:defRPr>
+            </a:lvl9pPr>
+          </a:lstStyle>
+          <a:p>
+            <a:r>
+              <a:rPr lang="es-CO" sz="900" dirty="0" smtClean="0">
+                <a:solidFill>
+                  <a:srgbClr val="FF0000"/>
+                </a:solidFill>
+                <a:latin typeface="Arial" panose="020B0604020202020204" pitchFamily="34" charset="0"/>
+                <a:cs typeface="Arial" panose="020B0604020202020204" pitchFamily="34" charset="0"/>
+              </a:rPr>
+              <a:t>    </a:t>
+            </a:r>
+          </a:p>
+          <a:p>
+            <a:pPr algn="ctr"/>
+            <a:r>
+              <a:rPr lang="es-ES_tradnl" sz="900" i="1" dirty="0" smtClean="0">
+                <a:solidFill>
+                  <a:schemeClr val="tx1"/>
+                </a:solidFill>
+                <a:latin typeface="Arial" panose="020B0604020202020204" pitchFamily="34" charset="0"/>
+                <a:cs typeface="Arial" panose="020B0604020202020204" pitchFamily="34" charset="0"/>
+              </a:rPr>
+              <a:t>a</a:t>
+            </a:r>
+            <a:r>
+              <a:rPr lang="es-CO" sz="900" dirty="0" smtClean="0">
+                <a:solidFill>
+                  <a:schemeClr val="tx1"/>
+                </a:solidFill>
+                <a:latin typeface="Arial" panose="020B0604020202020204" pitchFamily="34" charset="0"/>
+                <a:cs typeface="Arial" panose="020B0604020202020204" pitchFamily="34" charset="0"/>
+              </a:rPr>
+              <a:t> </a:t>
+            </a:r>
+            <a:r>
+              <a:rPr lang="es-CO" sz="900" dirty="0" smtClean="0">
+                <a:solidFill>
+                  <a:schemeClr val="tx1"/>
+                </a:solidFill>
+                <a:latin typeface="Arial" panose="020B0604020202020204" pitchFamily="34" charset="0"/>
+                <a:cs typeface="Arial" panose="020B0604020202020204" pitchFamily="34" charset="0"/>
+              </a:rPr>
+              <a:t>&gt;</a:t>
+            </a:r>
+            <a:r>
+              <a:rPr lang="es-CO" sz="900" dirty="0" smtClean="0">
+                <a:solidFill>
+                  <a:schemeClr val="tx1"/>
+                </a:solidFill>
+                <a:latin typeface="Arial" panose="020B0604020202020204" pitchFamily="34" charset="0"/>
+                <a:cs typeface="Arial" panose="020B0604020202020204" pitchFamily="34" charset="0"/>
+              </a:rPr>
+              <a:t> </a:t>
+            </a:r>
+            <a:r>
+              <a:rPr lang="es-CO" sz="900" dirty="0" smtClean="0">
+                <a:solidFill>
+                  <a:schemeClr val="tx1"/>
+                </a:solidFill>
+                <a:latin typeface="Arial" panose="020B0604020202020204" pitchFamily="34" charset="0"/>
+                <a:cs typeface="Arial" panose="020B0604020202020204" pitchFamily="34" charset="0"/>
+              </a:rPr>
+              <a:t>1 </a:t>
+            </a:r>
+            <a:r>
+              <a:rPr lang="es-CO" sz="900" dirty="0">
+                <a:solidFill>
+                  <a:schemeClr val="tx1"/>
+                </a:solidFill>
+                <a:latin typeface="Arial" panose="020B0604020202020204" pitchFamily="34" charset="0"/>
+                <a:cs typeface="Arial" panose="020B0604020202020204" pitchFamily="34" charset="0"/>
+              </a:rPr>
+              <a:t>la </a:t>
+            </a:r>
+            <a:r>
+              <a:rPr lang="es-CO" sz="900" dirty="0" smtClean="0">
+                <a:solidFill>
+                  <a:schemeClr val="tx1"/>
+                </a:solidFill>
+                <a:latin typeface="Arial" panose="020B0604020202020204" pitchFamily="34" charset="0"/>
+                <a:cs typeface="Arial" panose="020B0604020202020204" pitchFamily="34" charset="0"/>
+              </a:rPr>
+              <a:t>gráfica </a:t>
+            </a:r>
+            <a:r>
+              <a:rPr lang="es-CO" sz="900" dirty="0">
+                <a:solidFill>
+                  <a:schemeClr val="tx1"/>
+                </a:solidFill>
+                <a:latin typeface="Arial" panose="020B0604020202020204" pitchFamily="34" charset="0"/>
+                <a:cs typeface="Arial" panose="020B0604020202020204" pitchFamily="34" charset="0"/>
+              </a:rPr>
+              <a:t>es </a:t>
+            </a:r>
+            <a:r>
+              <a:rPr lang="es-CO" sz="900" dirty="0" smtClean="0">
+                <a:solidFill>
+                  <a:schemeClr val="tx1"/>
+                </a:solidFill>
+                <a:latin typeface="Arial" panose="020B0604020202020204" pitchFamily="34" charset="0"/>
+                <a:cs typeface="Arial" panose="020B0604020202020204" pitchFamily="34" charset="0"/>
+              </a:rPr>
+              <a:t>creciente   </a:t>
+            </a:r>
+            <a:endParaRPr lang="es-CO" sz="900" dirty="0">
+              <a:solidFill>
+                <a:schemeClr val="tx1"/>
+              </a:solidFill>
+              <a:latin typeface="Arial" panose="020B0604020202020204" pitchFamily="34" charset="0"/>
+              <a:cs typeface="Arial" panose="020B0604020202020204" pitchFamily="34" charset="0"/>
+            </a:endParaRPr>
+          </a:p>
+          <a:p>
+            <a:pPr algn="ctr"/>
+            <a:r>
+              <a:rPr lang="es-CO" sz="900" dirty="0" smtClean="0">
+                <a:solidFill>
+                  <a:srgbClr val="FF0000"/>
+                </a:solidFill>
+                <a:latin typeface="Arial" panose="020B0604020202020204" pitchFamily="34" charset="0"/>
+                <a:cs typeface="Arial" panose="020B0604020202020204" pitchFamily="34" charset="0"/>
+              </a:rPr>
+              <a:t> </a:t>
+            </a:r>
+            <a:endParaRPr lang="es-CO" sz="900" dirty="0">
+              <a:solidFill>
+                <a:srgbClr val="FF0000"/>
+              </a:solidFill>
+              <a:latin typeface="Arial" panose="020B0604020202020204" pitchFamily="34" charset="0"/>
+              <a:cs typeface="Arial" panose="020B0604020202020204" pitchFamily="34" charset="0"/>
+            </a:endParaRPr>
+          </a:p>
+        </p:txBody>
+      </p:sp>
     </p:spTree>
     <p:extLst>
       <p:ext uri="{BB962C8B-B14F-4D97-AF65-F5344CB8AC3E}">
@@ -7478,7 +7085,7 @@
   <a:extraClrSchemeLst/>
   <a:extLst>
     <a:ext uri="{05A4C25C-085E-4340-85A3-A5531E510DB2}">
-      <thm15:themeFamily xmlns:thm15="http://schemas.microsoft.com/office/thememl/2012/main" xmlns="" name="Office Theme" id="{62F939B6-93AF-4DB8-9C6B-D6C7DFDC589F}" vid="{4A3C46E8-61CC-4603-A589-7422A47A8E4A}"/>
+      <thm15:themeFamily xmlns:thm15="http://schemas.microsoft.com/office/thememl/2012/main" name="Office Theme" id="{62F939B6-93AF-4DB8-9C6B-D6C7DFDC589F}" vid="{4A3C46E8-61CC-4603-A589-7422A47A8E4A}"/>
     </a:ext>
   </a:extLst>
 </a:theme>

--- a/fuentes/contenidos/grado09/guion07/MapaConceptual_MA_09_07_CO.pptx
+++ b/fuentes/contenidos/grado09/guion07/MapaConceptual_MA_09_07_CO.pptx
@@ -4,6 +4,9 @@
   <p:sldMasterIdLst>
     <p:sldMasterId id="2147483660" r:id="rId1"/>
   </p:sldMasterIdLst>
+  <p:notesMasterIdLst>
+    <p:notesMasterId r:id="rId3"/>
+  </p:notesMasterIdLst>
   <p:sldIdLst>
     <p:sldId id="256" r:id="rId2"/>
   </p:sldIdLst>
@@ -121,6 +124,440 @@
     </p:ext>
   </p:extLst>
 </p:presentation>
+</file>
+
+<file path=ppt/notesMasters/notesMaster1.xml><?xml version="1.0" encoding="utf-8"?>
+<p:notesMaster xmlns:a="http://schemas.openxmlformats.org/drawingml/2006/main" xmlns:r="http://schemas.openxmlformats.org/officeDocument/2006/relationships" xmlns:p="http://schemas.openxmlformats.org/presentationml/2006/main">
+  <p:cSld>
+    <p:bg>
+      <p:bgRef idx="1001">
+        <a:schemeClr val="bg1"/>
+      </p:bgRef>
+    </p:bg>
+    <p:spTree>
+      <p:nvGrpSpPr>
+        <p:cNvPr id="1" name=""/>
+        <p:cNvGrpSpPr/>
+        <p:nvPr/>
+      </p:nvGrpSpPr>
+      <p:grpSpPr>
+        <a:xfrm>
+          <a:off x="0" y="0"/>
+          <a:ext cx="0" cy="0"/>
+          <a:chOff x="0" y="0"/>
+          <a:chExt cx="0" cy="0"/>
+        </a:xfrm>
+      </p:grpSpPr>
+      <p:sp>
+        <p:nvSpPr>
+          <p:cNvPr id="2" name="Marcador de encabezado 1"/>
+          <p:cNvSpPr>
+            <a:spLocks noGrp="1"/>
+          </p:cNvSpPr>
+          <p:nvPr>
+            <p:ph type="hdr" sz="quarter"/>
+          </p:nvPr>
+        </p:nvSpPr>
+        <p:spPr>
+          <a:xfrm>
+            <a:off x="0" y="0"/>
+            <a:ext cx="2944813" cy="496888"/>
+          </a:xfrm>
+          <a:prstGeom prst="rect">
+            <a:avLst/>
+          </a:prstGeom>
+        </p:spPr>
+        <p:txBody>
+          <a:bodyPr vert="horz" lIns="91440" tIns="45720" rIns="91440" bIns="45720" rtlCol="0"/>
+          <a:lstStyle>
+            <a:lvl1pPr algn="l">
+              <a:defRPr sz="1200"/>
+            </a:lvl1pPr>
+          </a:lstStyle>
+          <a:p>
+            <a:endParaRPr lang="es-CO"/>
+          </a:p>
+        </p:txBody>
+      </p:sp>
+      <p:sp>
+        <p:nvSpPr>
+          <p:cNvPr id="3" name="Marcador de fecha 2"/>
+          <p:cNvSpPr>
+            <a:spLocks noGrp="1"/>
+          </p:cNvSpPr>
+          <p:nvPr>
+            <p:ph type="dt" idx="1"/>
+          </p:nvPr>
+        </p:nvSpPr>
+        <p:spPr>
+          <a:xfrm>
+            <a:off x="3848100" y="0"/>
+            <a:ext cx="2944813" cy="496888"/>
+          </a:xfrm>
+          <a:prstGeom prst="rect">
+            <a:avLst/>
+          </a:prstGeom>
+        </p:spPr>
+        <p:txBody>
+          <a:bodyPr vert="horz" lIns="91440" tIns="45720" rIns="91440" bIns="45720" rtlCol="0"/>
+          <a:lstStyle>
+            <a:lvl1pPr algn="r">
+              <a:defRPr sz="1200"/>
+            </a:lvl1pPr>
+          </a:lstStyle>
+          <a:p>
+            <a:fld id="{D794E39E-C930-453F-9AFB-3A30FEE2AAC4}" type="datetimeFigureOut">
+              <a:rPr lang="es-CO" smtClean="0"/>
+              <a:t>23/03/2016</a:t>
+            </a:fld>
+            <a:endParaRPr lang="es-CO"/>
+          </a:p>
+        </p:txBody>
+      </p:sp>
+      <p:sp>
+        <p:nvSpPr>
+          <p:cNvPr id="4" name="Marcador de imagen de diapositiva 3"/>
+          <p:cNvSpPr>
+            <a:spLocks noGrp="1" noRot="1" noChangeAspect="1"/>
+          </p:cNvSpPr>
+          <p:nvPr>
+            <p:ph type="sldImg" idx="2"/>
+          </p:nvPr>
+        </p:nvSpPr>
+        <p:spPr>
+          <a:xfrm>
+            <a:off x="950913" y="1239838"/>
+            <a:ext cx="4892675" cy="3348037"/>
+          </a:xfrm>
+          <a:prstGeom prst="rect">
+            <a:avLst/>
+          </a:prstGeom>
+          <a:noFill/>
+          <a:ln w="12700">
+            <a:solidFill>
+              <a:prstClr val="black"/>
+            </a:solidFill>
+          </a:ln>
+        </p:spPr>
+        <p:txBody>
+          <a:bodyPr vert="horz" lIns="91440" tIns="45720" rIns="91440" bIns="45720" rtlCol="0" anchor="ctr"/>
+          <a:lstStyle/>
+          <a:p>
+            <a:endParaRPr lang="es-CO"/>
+          </a:p>
+        </p:txBody>
+      </p:sp>
+      <p:sp>
+        <p:nvSpPr>
+          <p:cNvPr id="5" name="Marcador de notas 4"/>
+          <p:cNvSpPr>
+            <a:spLocks noGrp="1"/>
+          </p:cNvSpPr>
+          <p:nvPr>
+            <p:ph type="body" sz="quarter" idx="3"/>
+          </p:nvPr>
+        </p:nvSpPr>
+        <p:spPr>
+          <a:xfrm>
+            <a:off x="679450" y="4773613"/>
+            <a:ext cx="5435600" cy="3905250"/>
+          </a:xfrm>
+          <a:prstGeom prst="rect">
+            <a:avLst/>
+          </a:prstGeom>
+        </p:spPr>
+        <p:txBody>
+          <a:bodyPr vert="horz" lIns="91440" tIns="45720" rIns="91440" bIns="45720" rtlCol="0"/>
+          <a:lstStyle/>
+          <a:p>
+            <a:pPr lvl="0"/>
+            <a:r>
+              <a:rPr lang="es-ES" smtClean="0"/>
+              <a:t>Haga clic para modificar el estilo de texto del patrón</a:t>
+            </a:r>
+          </a:p>
+          <a:p>
+            <a:pPr lvl="1"/>
+            <a:r>
+              <a:rPr lang="es-ES" smtClean="0"/>
+              <a:t>Segundo nivel</a:t>
+            </a:r>
+          </a:p>
+          <a:p>
+            <a:pPr lvl="2"/>
+            <a:r>
+              <a:rPr lang="es-ES" smtClean="0"/>
+              <a:t>Tercer nivel</a:t>
+            </a:r>
+          </a:p>
+          <a:p>
+            <a:pPr lvl="3"/>
+            <a:r>
+              <a:rPr lang="es-ES" smtClean="0"/>
+              <a:t>Cuarto nivel</a:t>
+            </a:r>
+          </a:p>
+          <a:p>
+            <a:pPr lvl="4"/>
+            <a:r>
+              <a:rPr lang="es-ES" smtClean="0"/>
+              <a:t>Quinto nivel</a:t>
+            </a:r>
+            <a:endParaRPr lang="es-CO"/>
+          </a:p>
+        </p:txBody>
+      </p:sp>
+      <p:sp>
+        <p:nvSpPr>
+          <p:cNvPr id="6" name="Marcador de pie de página 5"/>
+          <p:cNvSpPr>
+            <a:spLocks noGrp="1"/>
+          </p:cNvSpPr>
+          <p:nvPr>
+            <p:ph type="ftr" sz="quarter" idx="4"/>
+          </p:nvPr>
+        </p:nvSpPr>
+        <p:spPr>
+          <a:xfrm>
+            <a:off x="0" y="9421813"/>
+            <a:ext cx="2944813" cy="496887"/>
+          </a:xfrm>
+          <a:prstGeom prst="rect">
+            <a:avLst/>
+          </a:prstGeom>
+        </p:spPr>
+        <p:txBody>
+          <a:bodyPr vert="horz" lIns="91440" tIns="45720" rIns="91440" bIns="45720" rtlCol="0" anchor="b"/>
+          <a:lstStyle>
+            <a:lvl1pPr algn="l">
+              <a:defRPr sz="1200"/>
+            </a:lvl1pPr>
+          </a:lstStyle>
+          <a:p>
+            <a:endParaRPr lang="es-CO"/>
+          </a:p>
+        </p:txBody>
+      </p:sp>
+      <p:sp>
+        <p:nvSpPr>
+          <p:cNvPr id="7" name="Marcador de número de diapositiva 6"/>
+          <p:cNvSpPr>
+            <a:spLocks noGrp="1"/>
+          </p:cNvSpPr>
+          <p:nvPr>
+            <p:ph type="sldNum" sz="quarter" idx="5"/>
+          </p:nvPr>
+        </p:nvSpPr>
+        <p:spPr>
+          <a:xfrm>
+            <a:off x="3848100" y="9421813"/>
+            <a:ext cx="2944813" cy="496887"/>
+          </a:xfrm>
+          <a:prstGeom prst="rect">
+            <a:avLst/>
+          </a:prstGeom>
+        </p:spPr>
+        <p:txBody>
+          <a:bodyPr vert="horz" lIns="91440" tIns="45720" rIns="91440" bIns="45720" rtlCol="0" anchor="b"/>
+          <a:lstStyle>
+            <a:lvl1pPr algn="r">
+              <a:defRPr sz="1200"/>
+            </a:lvl1pPr>
+          </a:lstStyle>
+          <a:p>
+            <a:fld id="{4E751CB9-5DA1-45DF-92C9-EE57AA566400}" type="slidenum">
+              <a:rPr lang="es-CO" smtClean="0"/>
+              <a:t>‹Nº›</a:t>
+            </a:fld>
+            <a:endParaRPr lang="es-CO"/>
+          </a:p>
+        </p:txBody>
+      </p:sp>
+    </p:spTree>
+    <p:extLst>
+      <p:ext uri="{BB962C8B-B14F-4D97-AF65-F5344CB8AC3E}">
+        <p14:creationId xmlns:p14="http://schemas.microsoft.com/office/powerpoint/2010/main" val="3581407991"/>
+      </p:ext>
+    </p:extLst>
+  </p:cSld>
+  <p:clrMap bg1="lt1" tx1="dk1" bg2="lt2" tx2="dk2" accent1="accent1" accent2="accent2" accent3="accent3" accent4="accent4" accent5="accent5" accent6="accent6" hlink="hlink" folHlink="folHlink"/>
+  <p:notesStyle>
+    <a:lvl1pPr marL="0" algn="l" defTabSz="914400" rtl="0" eaLnBrk="1" latinLnBrk="0" hangingPunct="1">
+      <a:defRPr sz="1200" kern="1200">
+        <a:solidFill>
+          <a:schemeClr val="tx1"/>
+        </a:solidFill>
+        <a:latin typeface="+mn-lt"/>
+        <a:ea typeface="+mn-ea"/>
+        <a:cs typeface="+mn-cs"/>
+      </a:defRPr>
+    </a:lvl1pPr>
+    <a:lvl2pPr marL="457200" algn="l" defTabSz="914400" rtl="0" eaLnBrk="1" latinLnBrk="0" hangingPunct="1">
+      <a:defRPr sz="1200" kern="1200">
+        <a:solidFill>
+          <a:schemeClr val="tx1"/>
+        </a:solidFill>
+        <a:latin typeface="+mn-lt"/>
+        <a:ea typeface="+mn-ea"/>
+        <a:cs typeface="+mn-cs"/>
+      </a:defRPr>
+    </a:lvl2pPr>
+    <a:lvl3pPr marL="914400" algn="l" defTabSz="914400" rtl="0" eaLnBrk="1" latinLnBrk="0" hangingPunct="1">
+      <a:defRPr sz="1200" kern="1200">
+        <a:solidFill>
+          <a:schemeClr val="tx1"/>
+        </a:solidFill>
+        <a:latin typeface="+mn-lt"/>
+        <a:ea typeface="+mn-ea"/>
+        <a:cs typeface="+mn-cs"/>
+      </a:defRPr>
+    </a:lvl3pPr>
+    <a:lvl4pPr marL="1371600" algn="l" defTabSz="914400" rtl="0" eaLnBrk="1" latinLnBrk="0" hangingPunct="1">
+      <a:defRPr sz="1200" kern="1200">
+        <a:solidFill>
+          <a:schemeClr val="tx1"/>
+        </a:solidFill>
+        <a:latin typeface="+mn-lt"/>
+        <a:ea typeface="+mn-ea"/>
+        <a:cs typeface="+mn-cs"/>
+      </a:defRPr>
+    </a:lvl4pPr>
+    <a:lvl5pPr marL="1828800" algn="l" defTabSz="914400" rtl="0" eaLnBrk="1" latinLnBrk="0" hangingPunct="1">
+      <a:defRPr sz="1200" kern="1200">
+        <a:solidFill>
+          <a:schemeClr val="tx1"/>
+        </a:solidFill>
+        <a:latin typeface="+mn-lt"/>
+        <a:ea typeface="+mn-ea"/>
+        <a:cs typeface="+mn-cs"/>
+      </a:defRPr>
+    </a:lvl5pPr>
+    <a:lvl6pPr marL="2286000" algn="l" defTabSz="914400" rtl="0" eaLnBrk="1" latinLnBrk="0" hangingPunct="1">
+      <a:defRPr sz="1200" kern="1200">
+        <a:solidFill>
+          <a:schemeClr val="tx1"/>
+        </a:solidFill>
+        <a:latin typeface="+mn-lt"/>
+        <a:ea typeface="+mn-ea"/>
+        <a:cs typeface="+mn-cs"/>
+      </a:defRPr>
+    </a:lvl6pPr>
+    <a:lvl7pPr marL="2743200" algn="l" defTabSz="914400" rtl="0" eaLnBrk="1" latinLnBrk="0" hangingPunct="1">
+      <a:defRPr sz="1200" kern="1200">
+        <a:solidFill>
+          <a:schemeClr val="tx1"/>
+        </a:solidFill>
+        <a:latin typeface="+mn-lt"/>
+        <a:ea typeface="+mn-ea"/>
+        <a:cs typeface="+mn-cs"/>
+      </a:defRPr>
+    </a:lvl7pPr>
+    <a:lvl8pPr marL="3200400" algn="l" defTabSz="914400" rtl="0" eaLnBrk="1" latinLnBrk="0" hangingPunct="1">
+      <a:defRPr sz="1200" kern="1200">
+        <a:solidFill>
+          <a:schemeClr val="tx1"/>
+        </a:solidFill>
+        <a:latin typeface="+mn-lt"/>
+        <a:ea typeface="+mn-ea"/>
+        <a:cs typeface="+mn-cs"/>
+      </a:defRPr>
+    </a:lvl8pPr>
+    <a:lvl9pPr marL="3657600" algn="l" defTabSz="914400" rtl="0" eaLnBrk="1" latinLnBrk="0" hangingPunct="1">
+      <a:defRPr sz="1200" kern="1200">
+        <a:solidFill>
+          <a:schemeClr val="tx1"/>
+        </a:solidFill>
+        <a:latin typeface="+mn-lt"/>
+        <a:ea typeface="+mn-ea"/>
+        <a:cs typeface="+mn-cs"/>
+      </a:defRPr>
+    </a:lvl9pPr>
+  </p:notesStyle>
+</p:notesMaster>
+</file>
+
+<file path=ppt/notesSlides/notesSlide1.xml><?xml version="1.0" encoding="utf-8"?>
+<p:notes xmlns:a="http://schemas.openxmlformats.org/drawingml/2006/main" xmlns:r="http://schemas.openxmlformats.org/officeDocument/2006/relationships" xmlns:p="http://schemas.openxmlformats.org/presentationml/2006/main">
+  <p:cSld>
+    <p:spTree>
+      <p:nvGrpSpPr>
+        <p:cNvPr id="1" name=""/>
+        <p:cNvGrpSpPr/>
+        <p:nvPr/>
+      </p:nvGrpSpPr>
+      <p:grpSpPr>
+        <a:xfrm>
+          <a:off x="0" y="0"/>
+          <a:ext cx="0" cy="0"/>
+          <a:chOff x="0" y="0"/>
+          <a:chExt cx="0" cy="0"/>
+        </a:xfrm>
+      </p:grpSpPr>
+      <p:sp>
+        <p:nvSpPr>
+          <p:cNvPr id="2" name="Marcador de imagen de diapositiva 1"/>
+          <p:cNvSpPr>
+            <a:spLocks noGrp="1" noRot="1" noChangeAspect="1"/>
+          </p:cNvSpPr>
+          <p:nvPr>
+            <p:ph type="sldImg"/>
+          </p:nvPr>
+        </p:nvSpPr>
+        <p:spPr/>
+      </p:sp>
+      <p:sp>
+        <p:nvSpPr>
+          <p:cNvPr id="3" name="Marcador de notas 2"/>
+          <p:cNvSpPr>
+            <a:spLocks noGrp="1"/>
+          </p:cNvSpPr>
+          <p:nvPr>
+            <p:ph type="body" idx="1"/>
+          </p:nvPr>
+        </p:nvSpPr>
+        <p:spPr/>
+        <p:txBody>
+          <a:bodyPr/>
+          <a:lstStyle/>
+          <a:p>
+            <a:endParaRPr lang="es-CO" dirty="0"/>
+          </a:p>
+        </p:txBody>
+      </p:sp>
+      <p:sp>
+        <p:nvSpPr>
+          <p:cNvPr id="4" name="Marcador de número de diapositiva 3"/>
+          <p:cNvSpPr>
+            <a:spLocks noGrp="1"/>
+          </p:cNvSpPr>
+          <p:nvPr>
+            <p:ph type="sldNum" sz="quarter" idx="10"/>
+          </p:nvPr>
+        </p:nvSpPr>
+        <p:spPr/>
+        <p:txBody>
+          <a:bodyPr/>
+          <a:lstStyle/>
+          <a:p>
+            <a:fld id="{4E751CB9-5DA1-45DF-92C9-EE57AA566400}" type="slidenum">
+              <a:rPr lang="es-CO" smtClean="0"/>
+              <a:t>1</a:t>
+            </a:fld>
+            <a:endParaRPr lang="es-CO"/>
+          </a:p>
+        </p:txBody>
+      </p:sp>
+    </p:spTree>
+    <p:extLst>
+      <p:ext uri="{BB962C8B-B14F-4D97-AF65-F5344CB8AC3E}">
+        <p14:creationId xmlns:p14="http://schemas.microsoft.com/office/powerpoint/2010/main" val="2678758005"/>
+      </p:ext>
+    </p:extLst>
+  </p:cSld>
+  <p:clrMapOvr>
+    <a:masterClrMapping/>
+  </p:clrMapOvr>
+</p:notes>
 </file>
 
 <file path=ppt/slideLayouts/slideLayout1.xml><?xml version="1.0" encoding="utf-8"?>
@@ -462,7 +899,7 @@
             <a:fld id="{5001C876-01F7-4317-94B9-1AE222133113}" type="datetimeFigureOut">
               <a:rPr lang="es-ES" smtClean="0"/>
               <a:pPr/>
-              <a:t>26/02/2016</a:t>
+              <a:t>23/03/2016</a:t>
             </a:fld>
             <a:endParaRPr lang="es-ES"/>
           </a:p>
@@ -1247,8 +1684,8 @@
         </p:nvSpPr>
         <p:spPr>
           <a:xfrm>
-            <a:off x="2614586" y="2625692"/>
-            <a:ext cx="1678709" cy="1044706"/>
+            <a:off x="2511826" y="2714843"/>
+            <a:ext cx="1882622" cy="1044706"/>
           </a:xfrm>
           <a:prstGeom prst="rect">
             <a:avLst/>
@@ -1286,137 +1723,17 @@
                 <a:latin typeface="Arial" panose="020B0604020202020204" pitchFamily="34" charset="0"/>
                 <a:cs typeface="Arial" panose="020B0604020202020204" pitchFamily="34" charset="0"/>
               </a:rPr>
-              <a:t> f: ℝ → ℝ </a:t>
-            </a:r>
-            <a:r>
-              <a:rPr lang="es-ES_tradnl" sz="1050" i="1" baseline="30000" dirty="0" smtClean="0">
+              <a:t>&lt;&lt; </a:t>
+            </a:r>
+            <a:r>
+              <a:rPr lang="es-ES_tradnl" sz="1050" i="1" dirty="0" smtClean="0">
                 <a:solidFill>
                   <a:schemeClr val="bg1"/>
                 </a:solidFill>
                 <a:latin typeface="Arial" panose="020B0604020202020204" pitchFamily="34" charset="0"/>
                 <a:cs typeface="Arial" panose="020B0604020202020204" pitchFamily="34" charset="0"/>
               </a:rPr>
-              <a:t>+</a:t>
-            </a:r>
-            <a:endParaRPr lang="es-ES_tradnl" sz="1050" i="1" dirty="0" smtClean="0">
-              <a:solidFill>
-                <a:schemeClr val="bg1"/>
-              </a:solidFill>
-              <a:latin typeface="Arial" panose="020B0604020202020204" pitchFamily="34" charset="0"/>
-              <a:cs typeface="Arial" panose="020B0604020202020204" pitchFamily="34" charset="0"/>
-            </a:endParaRPr>
-          </a:p>
-          <a:p>
-            <a:pPr algn="ctr"/>
-            <a:r>
-              <a:rPr lang="es-CO" sz="1050" i="1" dirty="0" smtClean="0">
-                <a:solidFill>
-                  <a:schemeClr val="bg1"/>
-                </a:solidFill>
-                <a:latin typeface="Arial" panose="020B0604020202020204" pitchFamily="34" charset="0"/>
-                <a:cs typeface="Arial" panose="020B0604020202020204" pitchFamily="34" charset="0"/>
-              </a:rPr>
-              <a:t>f</a:t>
-            </a:r>
-            <a:r>
-              <a:rPr lang="es-CO" sz="1050" dirty="0" smtClean="0">
-                <a:solidFill>
-                  <a:schemeClr val="bg1"/>
-                </a:solidFill>
-                <a:latin typeface="Arial" panose="020B0604020202020204" pitchFamily="34" charset="0"/>
-                <a:cs typeface="Arial" panose="020B0604020202020204" pitchFamily="34" charset="0"/>
-              </a:rPr>
-              <a:t>(</a:t>
-            </a:r>
-            <a:r>
-              <a:rPr lang="es-CO" sz="1050" i="1" dirty="0" smtClean="0">
-                <a:solidFill>
-                  <a:schemeClr val="bg1"/>
-                </a:solidFill>
-                <a:latin typeface="Arial" panose="020B0604020202020204" pitchFamily="34" charset="0"/>
-                <a:cs typeface="Arial" panose="020B0604020202020204" pitchFamily="34" charset="0"/>
-              </a:rPr>
-              <a:t>x</a:t>
-            </a:r>
-            <a:r>
-              <a:rPr lang="es-CO" sz="1050" dirty="0" smtClean="0">
-                <a:solidFill>
-                  <a:schemeClr val="bg1"/>
-                </a:solidFill>
-                <a:latin typeface="Arial" panose="020B0604020202020204" pitchFamily="34" charset="0"/>
-                <a:cs typeface="Arial" panose="020B0604020202020204" pitchFamily="34" charset="0"/>
-              </a:rPr>
-              <a:t>)</a:t>
-            </a:r>
-            <a:r>
-              <a:rPr lang="es-CO" sz="1050" i="1" dirty="0" smtClean="0">
-                <a:solidFill>
-                  <a:schemeClr val="bg1"/>
-                </a:solidFill>
-                <a:latin typeface="Arial" panose="020B0604020202020204" pitchFamily="34" charset="0"/>
-                <a:cs typeface="Arial" panose="020B0604020202020204" pitchFamily="34" charset="0"/>
-              </a:rPr>
-              <a:t> = </a:t>
-            </a:r>
-            <a:r>
-              <a:rPr lang="es-CO" sz="1050" i="1" dirty="0" err="1" smtClean="0">
-                <a:solidFill>
-                  <a:schemeClr val="bg1"/>
-                </a:solidFill>
-                <a:latin typeface="Arial" panose="020B0604020202020204" pitchFamily="34" charset="0"/>
-                <a:cs typeface="Arial" panose="020B0604020202020204" pitchFamily="34" charset="0"/>
-              </a:rPr>
-              <a:t>a</a:t>
-            </a:r>
-            <a:r>
-              <a:rPr lang="es-CO" sz="1050" i="1" baseline="30000" dirty="0" err="1" smtClean="0">
-                <a:solidFill>
-                  <a:schemeClr val="bg1"/>
-                </a:solidFill>
-                <a:latin typeface="Arial" panose="020B0604020202020204" pitchFamily="34" charset="0"/>
-                <a:cs typeface="Arial" panose="020B0604020202020204" pitchFamily="34" charset="0"/>
-              </a:rPr>
-              <a:t>x</a:t>
-            </a:r>
-            <a:r>
-              <a:rPr lang="es-CO" sz="1050" i="1" dirty="0" smtClean="0">
-                <a:solidFill>
-                  <a:schemeClr val="bg1"/>
-                </a:solidFill>
-                <a:latin typeface="Arial" panose="020B0604020202020204" pitchFamily="34" charset="0"/>
-                <a:cs typeface="Arial" panose="020B0604020202020204" pitchFamily="34" charset="0"/>
-              </a:rPr>
-              <a:t> ,  a∈</a:t>
-            </a:r>
-            <a:r>
-              <a:rPr lang="es-ES_tradnl" sz="1050" i="1" dirty="0" smtClean="0">
-                <a:solidFill>
-                  <a:schemeClr val="bg1"/>
-                </a:solidFill>
-                <a:latin typeface="Arial" panose="020B0604020202020204" pitchFamily="34" charset="0"/>
-                <a:cs typeface="Arial" panose="020B0604020202020204" pitchFamily="34" charset="0"/>
-              </a:rPr>
-              <a:t> ℝ </a:t>
-            </a:r>
-            <a:r>
-              <a:rPr lang="es-ES_tradnl" sz="1050" i="1" baseline="30000" dirty="0" smtClean="0">
-                <a:solidFill>
-                  <a:schemeClr val="bg1"/>
-                </a:solidFill>
-                <a:latin typeface="Arial" panose="020B0604020202020204" pitchFamily="34" charset="0"/>
-                <a:cs typeface="Arial" panose="020B0604020202020204" pitchFamily="34" charset="0"/>
-              </a:rPr>
-              <a:t>+</a:t>
-            </a:r>
-            <a:r>
-              <a:rPr lang="es-CO" sz="1050" i="1" dirty="0" smtClean="0">
-                <a:solidFill>
-                  <a:schemeClr val="bg1"/>
-                </a:solidFill>
-                <a:latin typeface="Arial" panose="020B0604020202020204" pitchFamily="34" charset="0"/>
-                <a:cs typeface="Arial" panose="020B0604020202020204" pitchFamily="34" charset="0"/>
-              </a:rPr>
-              <a:t>,  a ≠ 1 </a:t>
+              <a:t>MA_09_07_PNG01&gt;&gt;</a:t>
             </a:r>
             <a:endParaRPr lang="es-CO" sz="1050" i="1" dirty="0">
               <a:solidFill>
@@ -1440,7 +1757,7 @@
         <p:spPr>
           <a:xfrm>
             <a:off x="3453137" y="2515462"/>
-            <a:ext cx="804" cy="110230"/>
+            <a:ext cx="0" cy="199381"/>
           </a:xfrm>
           <a:prstGeom prst="straightConnector1">
             <a:avLst/>
@@ -1587,7 +1904,7 @@
         </p:nvSpPr>
         <p:spPr>
           <a:xfrm>
-            <a:off x="2892213" y="5673922"/>
+            <a:off x="1743037" y="5606189"/>
             <a:ext cx="1095738" cy="278305"/>
           </a:xfrm>
           <a:prstGeom prst="rect">
@@ -1624,7 +1941,7 @@
                 <a:latin typeface="Arial" panose="020B0604020202020204" pitchFamily="34" charset="0"/>
                 <a:cs typeface="Arial" panose="020B0604020202020204" pitchFamily="34" charset="0"/>
               </a:rPr>
-              <a:t>Cuando</a:t>
+              <a:t>cuando</a:t>
             </a:r>
             <a:r>
               <a:rPr lang="es-CO" sz="900" dirty="0" smtClean="0">
@@ -1827,22 +2144,20 @@
       </p:cxnSp>
       <p:cxnSp>
         <p:nvCxnSpPr>
-          <p:cNvPr id="602" name="601 Conector angular"/>
+          <p:cNvPr id="6" name="5 Conector recto"/>
           <p:cNvCxnSpPr>
-            <a:stCxn id="363" idx="2"/>
-            <a:endCxn id="72" idx="0"/>
+            <a:stCxn id="72" idx="2"/>
+            <a:endCxn id="396" idx="0"/>
           </p:cNvCxnSpPr>
           <p:nvPr/>
         </p:nvCxnSpPr>
         <p:spPr>
-          <a:xfrm rot="16200000" flipH="1">
-            <a:off x="2534278" y="3637643"/>
-            <a:ext cx="226676" cy="1581465"/>
-          </a:xfrm>
-          <a:prstGeom prst="bentConnector3">
-            <a:avLst>
-              <a:gd name="adj1" fmla="val 50000"/>
-            </a:avLst>
+          <a:xfrm flipH="1">
+            <a:off x="2290906" y="5182141"/>
+            <a:ext cx="14610" cy="424048"/>
+          </a:xfrm>
+          <a:prstGeom prst="line">
+            <a:avLst/>
           </a:prstGeom>
           <a:ln w="12700">
             <a:solidFill>
@@ -1865,44 +2180,6 @@
           </a:fontRef>
         </p:style>
       </p:cxnSp>
-      <p:cxnSp>
-        <p:nvCxnSpPr>
-          <p:cNvPr id="6" name="5 Conector recto"/>
-          <p:cNvCxnSpPr>
-            <a:stCxn id="72" idx="2"/>
-            <a:endCxn id="396" idx="0"/>
-          </p:cNvCxnSpPr>
-          <p:nvPr/>
-        </p:nvCxnSpPr>
-        <p:spPr>
-          <a:xfrm>
-            <a:off x="3438349" y="5144203"/>
-            <a:ext cx="1733" cy="529719"/>
-          </a:xfrm>
-          <a:prstGeom prst="line">
-            <a:avLst/>
-          </a:prstGeom>
-          <a:ln w="12700">
-            <a:solidFill>
-              <a:schemeClr val="tx1"/>
-            </a:solidFill>
-          </a:ln>
-        </p:spPr>
-        <p:style>
-          <a:lnRef idx="1">
-            <a:schemeClr val="accent1"/>
-          </a:lnRef>
-          <a:fillRef idx="0">
-            <a:schemeClr val="accent1"/>
-          </a:fillRef>
-          <a:effectRef idx="0">
-            <a:schemeClr val="accent1"/>
-          </a:effectRef>
-          <a:fontRef idx="minor">
-            <a:schemeClr val="tx1"/>
-          </a:fontRef>
-        </p:style>
-      </p:cxnSp>
       <p:sp>
         <p:nvSpPr>
           <p:cNvPr id="113" name="Rectángulo 35"/>
@@ -1911,7 +2188,7 @@
         </p:nvSpPr>
         <p:spPr>
           <a:xfrm>
-            <a:off x="370657" y="5701509"/>
+            <a:off x="369533" y="5538795"/>
             <a:ext cx="1095738" cy="221963"/>
           </a:xfrm>
           <a:prstGeom prst="rect">
@@ -1965,14 +2242,13 @@
           <p:cNvPr id="17" name="16 Conector recto"/>
           <p:cNvCxnSpPr>
             <a:stCxn id="596" idx="2"/>
-            <a:endCxn id="113" idx="0"/>
           </p:cNvCxnSpPr>
           <p:nvPr/>
         </p:nvCxnSpPr>
         <p:spPr>
           <a:xfrm flipH="1">
-            <a:off x="918526" y="5145948"/>
-            <a:ext cx="150" cy="555561"/>
+            <a:off x="917402" y="5145948"/>
+            <a:ext cx="1274" cy="345558"/>
           </a:xfrm>
           <a:prstGeom prst="line">
             <a:avLst/>
@@ -2043,48 +2319,60 @@
                 <a:latin typeface="Arial" panose="020B0604020202020204" pitchFamily="34" charset="0"/>
                 <a:cs typeface="Arial" panose="020B0604020202020204" pitchFamily="34" charset="0"/>
               </a:rPr>
-              <a:t>ecuación  exponencial            y =</a:t>
+              <a:t>ecuación </a:t>
+            </a:r>
+            <a:r>
+              <a:rPr lang="es-CO" sz="900" dirty="0" smtClean="0">
+                <a:solidFill>
+                  <a:schemeClr val="tx1"/>
+                </a:solidFill>
+                <a:latin typeface="Arial" panose="020B0604020202020204" pitchFamily="34" charset="0"/>
+                <a:cs typeface="Arial" panose="020B0604020202020204" pitchFamily="34" charset="0"/>
+              </a:rPr>
+              <a:t>exponencial</a:t>
+            </a:r>
+          </a:p>
+          <a:p>
+            <a:pPr algn="ctr"/>
+            <a:r>
+              <a:rPr lang="es-ES_tradnl" sz="900" i="1" dirty="0">
+                <a:solidFill>
+                  <a:schemeClr val="tx1">
+                    <a:lumMod val="75000"/>
+                    <a:lumOff val="25000"/>
+                  </a:schemeClr>
+                </a:solidFill>
+                <a:latin typeface="Arial" panose="020B0604020202020204" pitchFamily="34" charset="0"/>
+                <a:cs typeface="Arial" panose="020B0604020202020204" pitchFamily="34" charset="0"/>
+              </a:rPr>
+              <a:t>&lt;&lt; </a:t>
             </a:r>
             <a:r>
               <a:rPr lang="es-ES_tradnl" sz="900" i="1" dirty="0" smtClean="0">
                 <a:solidFill>
-                  <a:schemeClr val="tx1"/>
-                </a:solidFill>
-                <a:latin typeface="Arial" panose="020B0604020202020204" pitchFamily="34" charset="0"/>
-                <a:cs typeface="Arial" panose="020B0604020202020204" pitchFamily="34" charset="0"/>
-              </a:rPr>
-              <a:t> </a:t>
-            </a:r>
-            <a:r>
-              <a:rPr lang="es-ES_tradnl" sz="900" i="1" dirty="0">
-                <a:solidFill>
-                  <a:schemeClr val="tx1"/>
-                </a:solidFill>
-                <a:latin typeface="Arial" panose="020B0604020202020204" pitchFamily="34" charset="0"/>
-                <a:cs typeface="Arial" panose="020B0604020202020204" pitchFamily="34" charset="0"/>
-              </a:rPr>
-              <a:t>a </a:t>
-            </a:r>
-            <a:r>
-              <a:rPr lang="es-CO" sz="900" baseline="30000" dirty="0" smtClean="0">
-                <a:solidFill>
-                  <a:schemeClr val="tx1"/>
-                </a:solidFill>
-                <a:latin typeface="Arial" panose="020B0604020202020204" pitchFamily="34" charset="0"/>
-                <a:cs typeface="Arial" panose="020B0604020202020204" pitchFamily="34" charset="0"/>
-              </a:rPr>
-              <a:t>x</a:t>
-            </a:r>
-            <a:r>
-              <a:rPr lang="es-CO" sz="900" dirty="0" smtClean="0">
-                <a:solidFill>
-                  <a:schemeClr val="tx1"/>
-                </a:solidFill>
-                <a:latin typeface="Arial" panose="020B0604020202020204" pitchFamily="34" charset="0"/>
-                <a:cs typeface="Arial" panose="020B0604020202020204" pitchFamily="34" charset="0"/>
-              </a:rPr>
-              <a:t>  </a:t>
-            </a:r>
+                  <a:schemeClr val="tx1">
+                    <a:lumMod val="75000"/>
+                    <a:lumOff val="25000"/>
+                  </a:schemeClr>
+                </a:solidFill>
+                <a:latin typeface="Arial" panose="020B0604020202020204" pitchFamily="34" charset="0"/>
+                <a:cs typeface="Arial" panose="020B0604020202020204" pitchFamily="34" charset="0"/>
+              </a:rPr>
+              <a:t>MA_09_07_PNG03&gt;&gt;</a:t>
+            </a:r>
+            <a:endParaRPr lang="es-CO" sz="900" i="1" dirty="0">
+              <a:solidFill>
+                <a:schemeClr val="tx1">
+                  <a:lumMod val="75000"/>
+                  <a:lumOff val="25000"/>
+                </a:schemeClr>
+              </a:solidFill>
+              <a:latin typeface="Arial" panose="020B0604020202020204" pitchFamily="34" charset="0"/>
+              <a:cs typeface="Arial" panose="020B0604020202020204" pitchFamily="34" charset="0"/>
+            </a:endParaRPr>
+          </a:p>
+          <a:p>
+            <a:pPr algn="ctr"/>
             <a:endParaRPr lang="es-CO" sz="900" dirty="0">
               <a:solidFill>
                 <a:schemeClr val="tx1"/>
@@ -2105,9 +2393,9 @@
           <p:nvPr/>
         </p:nvCxnSpPr>
         <p:spPr>
-          <a:xfrm flipH="1">
-            <a:off x="917402" y="5923472"/>
-            <a:ext cx="1124" cy="170523"/>
+          <a:xfrm>
+            <a:off x="917402" y="5760758"/>
+            <a:ext cx="0" cy="333237"/>
           </a:xfrm>
           <a:prstGeom prst="line">
             <a:avLst/>
@@ -2272,7 +2560,7 @@
         </p:nvSpPr>
         <p:spPr>
           <a:xfrm>
-            <a:off x="2839456" y="4541714"/>
+            <a:off x="1706623" y="4579652"/>
             <a:ext cx="1197786" cy="602489"/>
           </a:xfrm>
           <a:prstGeom prst="rect">
@@ -2325,216 +2613,6 @@
       </p:sp>
       <p:sp>
         <p:nvSpPr>
-          <p:cNvPr id="91" name="Rectángulo 35"/>
-          <p:cNvSpPr/>
-          <p:nvPr/>
-        </p:nvSpPr>
-        <p:spPr>
-          <a:xfrm>
-            <a:off x="464959" y="6976661"/>
-            <a:ext cx="908365" cy="175800"/>
-          </a:xfrm>
-          <a:prstGeom prst="rect">
-            <a:avLst/>
-          </a:prstGeom>
-          <a:ln>
-            <a:noFill/>
-          </a:ln>
-        </p:spPr>
-        <p:style>
-          <a:lnRef idx="2">
-            <a:schemeClr val="dk1"/>
-          </a:lnRef>
-          <a:fillRef idx="1">
-            <a:schemeClr val="lt1"/>
-          </a:fillRef>
-          <a:effectRef idx="0">
-            <a:schemeClr val="dk1"/>
-          </a:effectRef>
-          <a:fontRef idx="minor">
-            <a:schemeClr val="dk1"/>
-          </a:fontRef>
-        </p:style>
-        <p:txBody>
-          <a:bodyPr lIns="105683" tIns="52841" rIns="105683" bIns="52841" rtlCol="0" anchor="ctr"/>
-          <a:lstStyle/>
-          <a:p>
-            <a:pPr algn="ctr"/>
-            <a:r>
-              <a:rPr lang="es-CO" sz="900" dirty="0" smtClean="0">
-                <a:solidFill>
-                  <a:schemeClr val="tx1"/>
-                </a:solidFill>
-                <a:latin typeface="Arial" panose="020B0604020202020204" pitchFamily="34" charset="0"/>
-                <a:cs typeface="Arial" panose="020B0604020202020204" pitchFamily="34" charset="0"/>
-              </a:rPr>
-              <a:t>ejemplo    </a:t>
-            </a:r>
-            <a:endParaRPr lang="es-CO" sz="900" dirty="0">
-              <a:solidFill>
-                <a:schemeClr val="tx1"/>
-              </a:solidFill>
-              <a:latin typeface="Arial" panose="020B0604020202020204" pitchFamily="34" charset="0"/>
-              <a:cs typeface="Arial" panose="020B0604020202020204" pitchFamily="34" charset="0"/>
-            </a:endParaRPr>
-          </a:p>
-        </p:txBody>
-      </p:sp>
-      <p:cxnSp>
-        <p:nvCxnSpPr>
-          <p:cNvPr id="92" name="91 Conector recto"/>
-          <p:cNvCxnSpPr>
-            <a:stCxn id="117" idx="2"/>
-            <a:endCxn id="91" idx="0"/>
-          </p:cNvCxnSpPr>
-          <p:nvPr/>
-        </p:nvCxnSpPr>
-        <p:spPr>
-          <a:xfrm>
-            <a:off x="917402" y="6809534"/>
-            <a:ext cx="1740" cy="167127"/>
-          </a:xfrm>
-          <a:prstGeom prst="line">
-            <a:avLst/>
-          </a:prstGeom>
-          <a:ln w="12700">
-            <a:solidFill>
-              <a:schemeClr val="tx1"/>
-            </a:solidFill>
-          </a:ln>
-        </p:spPr>
-        <p:style>
-          <a:lnRef idx="1">
-            <a:schemeClr val="accent1"/>
-          </a:lnRef>
-          <a:fillRef idx="0">
-            <a:schemeClr val="accent1"/>
-          </a:fillRef>
-          <a:effectRef idx="0">
-            <a:schemeClr val="accent1"/>
-          </a:effectRef>
-          <a:fontRef idx="minor">
-            <a:schemeClr val="tx1"/>
-          </a:fontRef>
-        </p:style>
-      </p:cxnSp>
-      <p:sp>
-        <p:nvSpPr>
-          <p:cNvPr id="102" name="Rectángulo 33"/>
-          <p:cNvSpPr/>
-          <p:nvPr/>
-        </p:nvSpPr>
-        <p:spPr>
-          <a:xfrm>
-            <a:off x="153797" y="7398459"/>
-            <a:ext cx="1535872" cy="715539"/>
-          </a:xfrm>
-          <a:prstGeom prst="rect">
-            <a:avLst/>
-          </a:prstGeom>
-          <a:solidFill>
-            <a:schemeClr val="bg1"/>
-          </a:solidFill>
-        </p:spPr>
-        <p:style>
-          <a:lnRef idx="2">
-            <a:schemeClr val="dk1"/>
-          </a:lnRef>
-          <a:fillRef idx="1">
-            <a:schemeClr val="lt1"/>
-          </a:fillRef>
-          <a:effectRef idx="0">
-            <a:schemeClr val="dk1"/>
-          </a:effectRef>
-          <a:fontRef idx="minor">
-            <a:schemeClr val="dk1"/>
-          </a:fontRef>
-        </p:style>
-        <p:txBody>
-          <a:bodyPr lIns="105683" tIns="52841" rIns="105683" bIns="52841" rtlCol="0" anchor="ctr"/>
-          <a:lstStyle/>
-          <a:p>
-            <a:pPr algn="ctr"/>
-            <a:r>
-              <a:rPr lang="es-CO" sz="900" dirty="0" smtClean="0">
-                <a:solidFill>
-                  <a:schemeClr val="tx1"/>
-                </a:solidFill>
-                <a:latin typeface="Arial" panose="020B0604020202020204" pitchFamily="34" charset="0"/>
-                <a:cs typeface="Arial" panose="020B0604020202020204" pitchFamily="34" charset="0"/>
-              </a:rPr>
-              <a:t>y = 3</a:t>
-            </a:r>
-            <a:r>
-              <a:rPr lang="es-CO" sz="900" baseline="30000" dirty="0" smtClean="0">
-                <a:solidFill>
-                  <a:schemeClr val="tx1"/>
-                </a:solidFill>
-                <a:latin typeface="Arial" panose="020B0604020202020204" pitchFamily="34" charset="0"/>
-                <a:cs typeface="Arial" panose="020B0604020202020204" pitchFamily="34" charset="0"/>
-              </a:rPr>
-              <a:t>x</a:t>
-            </a:r>
-            <a:r>
-              <a:rPr lang="es-CO" sz="900" dirty="0" smtClean="0">
-                <a:solidFill>
-                  <a:schemeClr val="tx1"/>
-                </a:solidFill>
-                <a:latin typeface="Arial" panose="020B0604020202020204" pitchFamily="34" charset="0"/>
-                <a:cs typeface="Arial" panose="020B0604020202020204" pitchFamily="34" charset="0"/>
-              </a:rPr>
-              <a:t>  </a:t>
-            </a:r>
-            <a:endParaRPr lang="es-CO" sz="900" dirty="0">
-              <a:solidFill>
-                <a:schemeClr val="tx1"/>
-              </a:solidFill>
-              <a:latin typeface="Arial" panose="020B0604020202020204" pitchFamily="34" charset="0"/>
-              <a:cs typeface="Arial" panose="020B0604020202020204" pitchFamily="34" charset="0"/>
-            </a:endParaRPr>
-          </a:p>
-        </p:txBody>
-      </p:sp>
-      <p:cxnSp>
-        <p:nvCxnSpPr>
-          <p:cNvPr id="104" name="103 Conector recto"/>
-          <p:cNvCxnSpPr>
-            <a:stCxn id="91" idx="2"/>
-            <a:endCxn id="102" idx="0"/>
-          </p:cNvCxnSpPr>
-          <p:nvPr/>
-        </p:nvCxnSpPr>
-        <p:spPr>
-          <a:xfrm>
-            <a:off x="919142" y="7152461"/>
-            <a:ext cx="2591" cy="245998"/>
-          </a:xfrm>
-          <a:prstGeom prst="line">
-            <a:avLst/>
-          </a:prstGeom>
-          <a:ln w="12700">
-            <a:solidFill>
-              <a:schemeClr val="tx1"/>
-            </a:solidFill>
-          </a:ln>
-        </p:spPr>
-        <p:style>
-          <a:lnRef idx="1">
-            <a:schemeClr val="accent1"/>
-          </a:lnRef>
-          <a:fillRef idx="0">
-            <a:schemeClr val="accent1"/>
-          </a:fillRef>
-          <a:effectRef idx="0">
-            <a:schemeClr val="accent1"/>
-          </a:effectRef>
-          <a:fontRef idx="minor">
-            <a:schemeClr val="tx1"/>
-          </a:fontRef>
-        </p:style>
-      </p:cxnSp>
-      <p:sp>
-        <p:nvSpPr>
           <p:cNvPr id="114" name="Rectángulo 33"/>
           <p:cNvSpPr/>
           <p:nvPr/>
@@ -2580,27 +2658,17 @@
                 <a:latin typeface="Arial" panose="020B0604020202020204" pitchFamily="34" charset="0"/>
                 <a:cs typeface="Arial" panose="020B0604020202020204" pitchFamily="34" charset="0"/>
               </a:rPr>
-              <a:t>ƒ : ℝ → ℝ </a:t>
-            </a:r>
-            <a:r>
-              <a:rPr lang="es-ES_tradnl" sz="1050" i="1" baseline="30000" dirty="0" smtClean="0">
+              <a:t>&lt;&lt; </a:t>
+            </a:r>
+            <a:r>
+              <a:rPr lang="es-ES_tradnl" sz="1050" i="1" dirty="0" smtClean="0">
                 <a:solidFill>
                   <a:schemeClr val="bg1"/>
                 </a:solidFill>
                 <a:latin typeface="Arial" panose="020B0604020202020204" pitchFamily="34" charset="0"/>
                 <a:cs typeface="Arial" panose="020B0604020202020204" pitchFamily="34" charset="0"/>
               </a:rPr>
-              <a:t>+</a:t>
-            </a:r>
-            <a:r>
-              <a:rPr lang="es-CO" sz="1050" i="1" dirty="0" smtClean="0">
-                <a:solidFill>
-                  <a:schemeClr val="bg1"/>
-                </a:solidFill>
-                <a:latin typeface="Arial" panose="020B0604020202020204" pitchFamily="34" charset="0"/>
-                <a:cs typeface="Arial" panose="020B0604020202020204" pitchFamily="34" charset="0"/>
-              </a:rPr>
-              <a:t> </a:t>
+              <a:t>MA_09_07_PNG02&gt;&gt;</a:t>
             </a:r>
             <a:endParaRPr lang="es-CO" sz="1050" i="1" dirty="0">
               <a:solidFill>
@@ -2610,146 +2678,6 @@
               <a:cs typeface="Arial" panose="020B0604020202020204" pitchFamily="34" charset="0"/>
             </a:endParaRPr>
           </a:p>
-          <a:p>
-            <a:pPr algn="ctr"/>
-            <a:r>
-              <a:rPr lang="es-ES_tradnl" sz="1050" i="1" dirty="0">
-                <a:solidFill>
-                  <a:schemeClr val="bg1"/>
-                </a:solidFill>
-                <a:latin typeface="Arial" panose="020B0604020202020204" pitchFamily="34" charset="0"/>
-                <a:cs typeface="Arial" panose="020B0604020202020204" pitchFamily="34" charset="0"/>
-              </a:rPr>
-              <a:t>ƒ(x</a:t>
-            </a:r>
-            <a:r>
-              <a:rPr lang="es-ES_tradnl" sz="1050" i="1" dirty="0" smtClean="0">
-                <a:solidFill>
-                  <a:schemeClr val="bg1"/>
-                </a:solidFill>
-                <a:latin typeface="Arial" panose="020B0604020202020204" pitchFamily="34" charset="0"/>
-                <a:cs typeface="Arial" panose="020B0604020202020204" pitchFamily="34" charset="0"/>
-              </a:rPr>
-              <a:t>)= log </a:t>
-            </a:r>
-            <a:r>
-              <a:rPr lang="es-ES_tradnl" sz="1050" i="1" dirty="0" err="1" smtClean="0">
-                <a:solidFill>
-                  <a:schemeClr val="bg1"/>
-                </a:solidFill>
-                <a:latin typeface="Arial" panose="020B0604020202020204" pitchFamily="34" charset="0"/>
-                <a:cs typeface="Arial" panose="020B0604020202020204" pitchFamily="34" charset="0"/>
-              </a:rPr>
-              <a:t>a</a:t>
-            </a:r>
-            <a:r>
-              <a:rPr lang="es-ES_tradnl" sz="1050" i="1" baseline="-25000" dirty="0" err="1" smtClean="0">
-                <a:solidFill>
-                  <a:schemeClr val="bg1"/>
-                </a:solidFill>
-                <a:latin typeface="Arial" panose="020B0604020202020204" pitchFamily="34" charset="0"/>
-                <a:cs typeface="Arial" panose="020B0604020202020204" pitchFamily="34" charset="0"/>
-              </a:rPr>
-              <a:t>a</a:t>
-            </a:r>
-            <a:r>
-              <a:rPr lang="es-ES_tradnl" sz="1050" i="1" baseline="-25000" dirty="0" smtClean="0">
-                <a:solidFill>
-                  <a:schemeClr val="bg1"/>
-                </a:solidFill>
-                <a:latin typeface="Arial" panose="020B0604020202020204" pitchFamily="34" charset="0"/>
-                <a:cs typeface="Arial" panose="020B0604020202020204" pitchFamily="34" charset="0"/>
-              </a:rPr>
-              <a:t> </a:t>
-            </a:r>
-            <a:r>
-              <a:rPr lang="es-ES_tradnl" sz="1050" i="1" dirty="0" smtClean="0">
-                <a:solidFill>
-                  <a:schemeClr val="bg1"/>
-                </a:solidFill>
-                <a:latin typeface="Arial" panose="020B0604020202020204" pitchFamily="34" charset="0"/>
-                <a:cs typeface="Arial" panose="020B0604020202020204" pitchFamily="34" charset="0"/>
-              </a:rPr>
-              <a:t>x</a:t>
-            </a:r>
-            <a:r>
-              <a:rPr lang="es-ES_tradnl" sz="1050" dirty="0">
-                <a:solidFill>
-                  <a:schemeClr val="bg1"/>
-                </a:solidFill>
-                <a:latin typeface="Arial" panose="020B0604020202020204" pitchFamily="34" charset="0"/>
-                <a:cs typeface="Arial" panose="020B0604020202020204" pitchFamily="34" charset="0"/>
-              </a:rPr>
-              <a:t>, </a:t>
-            </a:r>
-            <a:r>
-              <a:rPr lang="es-CO" sz="1050" i="1" dirty="0">
-                <a:solidFill>
-                  <a:schemeClr val="bg1"/>
-                </a:solidFill>
-                <a:latin typeface="Arial" panose="020B0604020202020204" pitchFamily="34" charset="0"/>
-                <a:cs typeface="Arial" panose="020B0604020202020204" pitchFamily="34" charset="0"/>
-              </a:rPr>
-              <a:t>a∈</a:t>
-            </a:r>
-            <a:r>
-              <a:rPr lang="es-ES_tradnl" sz="1050" i="1" dirty="0">
-                <a:solidFill>
-                  <a:schemeClr val="bg1"/>
-                </a:solidFill>
-                <a:latin typeface="Arial" panose="020B0604020202020204" pitchFamily="34" charset="0"/>
-                <a:cs typeface="Arial" panose="020B0604020202020204" pitchFamily="34" charset="0"/>
-              </a:rPr>
-              <a:t> ℝ </a:t>
-            </a:r>
-            <a:r>
-              <a:rPr lang="es-ES_tradnl" sz="1050" i="1" baseline="30000" dirty="0">
-                <a:solidFill>
-                  <a:schemeClr val="bg1"/>
-                </a:solidFill>
-                <a:latin typeface="Arial" panose="020B0604020202020204" pitchFamily="34" charset="0"/>
-                <a:cs typeface="Arial" panose="020B0604020202020204" pitchFamily="34" charset="0"/>
-              </a:rPr>
-              <a:t>+</a:t>
-            </a:r>
-            <a:r>
-              <a:rPr lang="es-ES_tradnl" sz="1050" dirty="0" smtClean="0">
-                <a:solidFill>
-                  <a:schemeClr val="bg1"/>
-                </a:solidFill>
-                <a:latin typeface="Arial" panose="020B0604020202020204" pitchFamily="34" charset="0"/>
-                <a:cs typeface="Arial" panose="020B0604020202020204" pitchFamily="34" charset="0"/>
-              </a:rPr>
-              <a:t>  , </a:t>
-            </a:r>
-            <a:r>
-              <a:rPr lang="es-ES_tradnl" sz="1050" i="1" dirty="0" smtClean="0">
-                <a:solidFill>
-                  <a:schemeClr val="bg1"/>
-                </a:solidFill>
-                <a:latin typeface="Arial" panose="020B0604020202020204" pitchFamily="34" charset="0"/>
-                <a:cs typeface="Arial" panose="020B0604020202020204" pitchFamily="34" charset="0"/>
-              </a:rPr>
-              <a:t>a </a:t>
-            </a:r>
-            <a:r>
-              <a:rPr lang="es-ES_tradnl" sz="1050" i="1" dirty="0">
-                <a:solidFill>
-                  <a:schemeClr val="bg1"/>
-                </a:solidFill>
-                <a:latin typeface="Arial" panose="020B0604020202020204" pitchFamily="34" charset="0"/>
-                <a:cs typeface="Arial" panose="020B0604020202020204" pitchFamily="34" charset="0"/>
-              </a:rPr>
-              <a:t>≠ 1</a:t>
-            </a:r>
-            <a:endParaRPr lang="es-ES_tradnl" sz="1050" i="1" dirty="0" smtClean="0">
-              <a:solidFill>
-                <a:schemeClr val="bg1"/>
-              </a:solidFill>
-              <a:latin typeface="Arial" panose="020B0604020202020204" pitchFamily="34" charset="0"/>
-              <a:cs typeface="Arial" panose="020B0604020202020204" pitchFamily="34" charset="0"/>
-            </a:endParaRPr>
-          </a:p>
         </p:txBody>
       </p:sp>
       <p:sp>
@@ -2760,7 +2688,7 @@
         </p:nvSpPr>
         <p:spPr>
           <a:xfrm>
-            <a:off x="12178961" y="6395360"/>
+            <a:off x="10842557" y="7023381"/>
             <a:ext cx="1244135" cy="370896"/>
           </a:xfrm>
           <a:prstGeom prst="rect">
@@ -2886,16 +2814,17 @@
       </p:sp>
       <p:cxnSp>
         <p:nvCxnSpPr>
-          <p:cNvPr id="162" name="161 Conector angular"/>
+          <p:cNvPr id="176" name="160 Conector angular"/>
           <p:cNvCxnSpPr>
-            <a:endCxn id="164" idx="0"/>
+            <a:stCxn id="330" idx="2"/>
+            <a:endCxn id="363" idx="0"/>
           </p:cNvCxnSpPr>
           <p:nvPr/>
         </p:nvCxnSpPr>
         <p:spPr>
-          <a:xfrm rot="16200000" flipH="1">
-            <a:off x="11917779" y="5512110"/>
-            <a:ext cx="343796" cy="1422703"/>
+          <a:xfrm rot="5400000">
+            <a:off x="2581798" y="3034636"/>
+            <a:ext cx="146427" cy="1596253"/>
           </a:xfrm>
           <a:prstGeom prst="bentConnector3">
             <a:avLst>
@@ -2923,191 +2852,16 @@
           </a:fontRef>
         </p:style>
       </p:cxnSp>
-      <p:cxnSp>
-        <p:nvCxnSpPr>
-          <p:cNvPr id="174" name="173 Conector angular"/>
-          <p:cNvCxnSpPr>
-            <a:stCxn id="168" idx="2"/>
-          </p:cNvCxnSpPr>
-          <p:nvPr/>
-        </p:nvCxnSpPr>
-        <p:spPr>
-          <a:xfrm rot="5400000">
-            <a:off x="10984836" y="6010134"/>
-            <a:ext cx="548008" cy="238972"/>
-          </a:xfrm>
-          <a:prstGeom prst="bentConnector3">
-            <a:avLst>
-              <a:gd name="adj1" fmla="val 67878"/>
-            </a:avLst>
-          </a:prstGeom>
-          <a:ln w="12700">
-            <a:solidFill>
-              <a:schemeClr val="tx1"/>
-            </a:solidFill>
-          </a:ln>
-        </p:spPr>
-        <p:style>
-          <a:lnRef idx="1">
-            <a:schemeClr val="accent1"/>
-          </a:lnRef>
-          <a:fillRef idx="0">
-            <a:schemeClr val="accent1"/>
-          </a:fillRef>
-          <a:effectRef idx="0">
-            <a:schemeClr val="accent1"/>
-          </a:effectRef>
-          <a:fontRef idx="minor">
-            <a:schemeClr val="tx1"/>
-          </a:fontRef>
-        </p:style>
-      </p:cxnSp>
       <p:sp>
         <p:nvSpPr>
-          <p:cNvPr id="154" name="Rectángulo 35"/>
+          <p:cNvPr id="209" name="Rectángulo 33"/>
           <p:cNvSpPr/>
           <p:nvPr/>
         </p:nvSpPr>
         <p:spPr>
           <a:xfrm>
-            <a:off x="3984468" y="3905976"/>
-            <a:ext cx="1191057" cy="384264"/>
-          </a:xfrm>
-          <a:prstGeom prst="rect">
-            <a:avLst/>
-          </a:prstGeom>
-          <a:ln>
-            <a:noFill/>
-          </a:ln>
-        </p:spPr>
-        <p:style>
-          <a:lnRef idx="2">
-            <a:schemeClr val="dk1"/>
-          </a:lnRef>
-          <a:fillRef idx="1">
-            <a:schemeClr val="lt1"/>
-          </a:fillRef>
-          <a:effectRef idx="0">
-            <a:schemeClr val="dk1"/>
-          </a:effectRef>
-          <a:fontRef idx="minor">
-            <a:schemeClr val="dk1"/>
-          </a:fontRef>
-        </p:style>
-        <p:txBody>
-          <a:bodyPr lIns="105683" tIns="52841" rIns="105683" bIns="52841" rtlCol="0" anchor="ctr"/>
-          <a:lstStyle/>
-          <a:p>
-            <a:pPr algn="ctr"/>
-            <a:r>
-              <a:rPr lang="es-CO" sz="900" dirty="0" smtClean="0">
-                <a:solidFill>
-                  <a:schemeClr val="tx1"/>
-                </a:solidFill>
-                <a:latin typeface="Arial" panose="020B0604020202020204" pitchFamily="34" charset="0"/>
-                <a:cs typeface="Arial" panose="020B0604020202020204" pitchFamily="34" charset="0"/>
-              </a:rPr>
-              <a:t>Sus características son   </a:t>
-            </a:r>
-            <a:endParaRPr lang="es-CO" sz="900" dirty="0">
-              <a:solidFill>
-                <a:schemeClr val="tx1"/>
-              </a:solidFill>
-              <a:latin typeface="Arial" panose="020B0604020202020204" pitchFamily="34" charset="0"/>
-              <a:cs typeface="Arial" panose="020B0604020202020204" pitchFamily="34" charset="0"/>
-            </a:endParaRPr>
-          </a:p>
-        </p:txBody>
-      </p:sp>
-      <p:cxnSp>
-        <p:nvCxnSpPr>
-          <p:cNvPr id="161" name="160 Conector angular"/>
-          <p:cNvCxnSpPr>
-            <a:endCxn id="154" idx="0"/>
-          </p:cNvCxnSpPr>
-          <p:nvPr/>
-        </p:nvCxnSpPr>
-        <p:spPr>
-          <a:xfrm rot="16200000" flipH="1">
-            <a:off x="4170124" y="3496103"/>
-            <a:ext cx="235578" cy="584168"/>
-          </a:xfrm>
-          <a:prstGeom prst="bentConnector3">
-            <a:avLst>
-              <a:gd name="adj1" fmla="val 50000"/>
-            </a:avLst>
-          </a:prstGeom>
-          <a:ln w="12700">
-            <a:solidFill>
-              <a:schemeClr val="tx1"/>
-            </a:solidFill>
-          </a:ln>
-        </p:spPr>
-        <p:style>
-          <a:lnRef idx="1">
-            <a:schemeClr val="accent1"/>
-          </a:lnRef>
-          <a:fillRef idx="0">
-            <a:schemeClr val="accent1"/>
-          </a:fillRef>
-          <a:effectRef idx="0">
-            <a:schemeClr val="accent1"/>
-          </a:effectRef>
-          <a:fontRef idx="minor">
-            <a:schemeClr val="tx1"/>
-          </a:fontRef>
-        </p:style>
-      </p:cxnSp>
-      <p:cxnSp>
-        <p:nvCxnSpPr>
-          <p:cNvPr id="176" name="160 Conector angular"/>
-          <p:cNvCxnSpPr>
-            <a:stCxn id="330" idx="2"/>
-            <a:endCxn id="363" idx="0"/>
-          </p:cNvCxnSpPr>
-          <p:nvPr/>
-        </p:nvCxnSpPr>
-        <p:spPr>
-          <a:xfrm rot="5400000">
-            <a:off x="2537624" y="2989659"/>
-            <a:ext cx="235578" cy="1597057"/>
-          </a:xfrm>
-          <a:prstGeom prst="bentConnector3">
-            <a:avLst>
-              <a:gd name="adj1" fmla="val 50000"/>
-            </a:avLst>
-          </a:prstGeom>
-          <a:ln w="12700">
-            <a:solidFill>
-              <a:schemeClr val="tx1"/>
-            </a:solidFill>
-          </a:ln>
-        </p:spPr>
-        <p:style>
-          <a:lnRef idx="1">
-            <a:schemeClr val="accent1"/>
-          </a:lnRef>
-          <a:fillRef idx="0">
-            <a:schemeClr val="accent1"/>
-          </a:fillRef>
-          <a:effectRef idx="0">
-            <a:schemeClr val="accent1"/>
-          </a:effectRef>
-          <a:fontRef idx="minor">
-            <a:schemeClr val="tx1"/>
-          </a:fontRef>
-        </p:style>
-      </p:cxnSp>
-      <p:sp>
-        <p:nvSpPr>
-          <p:cNvPr id="188" name="Rectángulo 33"/>
-          <p:cNvSpPr/>
-          <p:nvPr/>
-        </p:nvSpPr>
-        <p:spPr>
-          <a:xfrm>
-            <a:off x="4106281" y="4398840"/>
-            <a:ext cx="950457" cy="449386"/>
+            <a:off x="2773279" y="5390978"/>
+            <a:ext cx="950457" cy="582441"/>
           </a:xfrm>
           <a:prstGeom prst="rect">
             <a:avLst/>
@@ -3137,90 +2891,17 @@
           <a:lstStyle/>
           <a:p>
             <a:pPr algn="ctr"/>
+            <a:r>
+              <a:rPr lang="es-CO" sz="900" dirty="0" smtClean="0">
+                <a:solidFill>
+                  <a:schemeClr val="tx1"/>
+                </a:solidFill>
+                <a:latin typeface="Arial" panose="020B0604020202020204" pitchFamily="34" charset="0"/>
+                <a:cs typeface="Arial" panose="020B0604020202020204" pitchFamily="34" charset="0"/>
+              </a:rPr>
+              <a:t>Dominio: Números reales</a:t>
+            </a:r>
             <a:endParaRPr lang="es-CO" sz="900" dirty="0" smtClean="0">
-              <a:solidFill>
-                <a:schemeClr val="tx1"/>
-              </a:solidFill>
-              <a:latin typeface="Arial" panose="020B0604020202020204" pitchFamily="34" charset="0"/>
-              <a:cs typeface="Arial" panose="020B0604020202020204" pitchFamily="34" charset="0"/>
-            </a:endParaRPr>
-          </a:p>
-          <a:p>
-            <a:pPr algn="ctr"/>
-            <a:r>
-              <a:rPr lang="es-CO" sz="900" dirty="0" smtClean="0">
-                <a:solidFill>
-                  <a:schemeClr val="tx1"/>
-                </a:solidFill>
-                <a:latin typeface="Arial" panose="020B0604020202020204" pitchFamily="34" charset="0"/>
-                <a:cs typeface="Arial" panose="020B0604020202020204" pitchFamily="34" charset="0"/>
-              </a:rPr>
-              <a:t>Dominio   </a:t>
-            </a:r>
-            <a:r>
-              <a:rPr lang="es-ES_tradnl" sz="900" i="1" dirty="0" smtClean="0">
-                <a:solidFill>
-                  <a:schemeClr val="tx1"/>
-                </a:solidFill>
-                <a:latin typeface="Arial" panose="020B0604020202020204" pitchFamily="34" charset="0"/>
-                <a:cs typeface="Arial" panose="020B0604020202020204" pitchFamily="34" charset="0"/>
-              </a:rPr>
-              <a:t>ℝ</a:t>
-            </a:r>
-          </a:p>
-          <a:p>
-            <a:pPr algn="ctr"/>
-            <a:r>
-              <a:rPr lang="es-CO" sz="900" dirty="0" smtClean="0">
-                <a:solidFill>
-                  <a:schemeClr val="tx1"/>
-                </a:solidFill>
-                <a:latin typeface="Arial" panose="020B0604020202020204" pitchFamily="34" charset="0"/>
-                <a:cs typeface="Arial" panose="020B0604020202020204" pitchFamily="34" charset="0"/>
-              </a:rPr>
-              <a:t>  Rango   </a:t>
-            </a:r>
-            <a:r>
-              <a:rPr lang="es-ES_tradnl" sz="900" i="1" dirty="0" smtClean="0">
-                <a:solidFill>
-                  <a:schemeClr val="tx1"/>
-                </a:solidFill>
-                <a:latin typeface="Arial" panose="020B0604020202020204" pitchFamily="34" charset="0"/>
-                <a:cs typeface="Arial" panose="020B0604020202020204" pitchFamily="34" charset="0"/>
-              </a:rPr>
-              <a:t>ℝ</a:t>
-            </a:r>
-            <a:r>
-              <a:rPr lang="es-CO" sz="900" dirty="0" smtClean="0">
-                <a:solidFill>
-                  <a:schemeClr val="tx1"/>
-                </a:solidFill>
-                <a:latin typeface="Arial" panose="020B0604020202020204" pitchFamily="34" charset="0"/>
-                <a:cs typeface="Arial" panose="020B0604020202020204" pitchFamily="34" charset="0"/>
-              </a:rPr>
-              <a:t> </a:t>
-            </a:r>
-            <a:r>
-              <a:rPr lang="es-CO" sz="900" baseline="30000" dirty="0" smtClean="0">
-                <a:solidFill>
-                  <a:schemeClr val="tx1"/>
-                </a:solidFill>
-                <a:latin typeface="Arial" panose="020B0604020202020204" pitchFamily="34" charset="0"/>
-                <a:cs typeface="Arial" panose="020B0604020202020204" pitchFamily="34" charset="0"/>
-              </a:rPr>
-              <a:t>+</a:t>
-            </a:r>
-            <a:r>
-              <a:rPr lang="es-CO" sz="900" dirty="0" smtClean="0">
-                <a:solidFill>
-                  <a:schemeClr val="tx1"/>
-                </a:solidFill>
-                <a:latin typeface="Arial" panose="020B0604020202020204" pitchFamily="34" charset="0"/>
-                <a:cs typeface="Arial" panose="020B0604020202020204" pitchFamily="34" charset="0"/>
-              </a:rPr>
-              <a:t>  </a:t>
-            </a:r>
-            <a:endParaRPr lang="es-CO" sz="900" b="1" dirty="0" smtClean="0">
               <a:solidFill>
                 <a:schemeClr val="tx1"/>
               </a:solidFill>
@@ -3240,259 +2921,6 @@
           </a:p>
         </p:txBody>
       </p:sp>
-      <p:cxnSp>
-        <p:nvCxnSpPr>
-          <p:cNvPr id="191" name="190 Conector angular"/>
-          <p:cNvCxnSpPr>
-            <a:stCxn id="154" idx="2"/>
-            <a:endCxn id="188" idx="0"/>
-          </p:cNvCxnSpPr>
-          <p:nvPr/>
-        </p:nvCxnSpPr>
-        <p:spPr>
-          <a:xfrm rot="16200000" flipH="1">
-            <a:off x="4526453" y="4343783"/>
-            <a:ext cx="108600" cy="1513"/>
-          </a:xfrm>
-          <a:prstGeom prst="bentConnector3">
-            <a:avLst>
-              <a:gd name="adj1" fmla="val 50000"/>
-            </a:avLst>
-          </a:prstGeom>
-          <a:ln w="12700">
-            <a:solidFill>
-              <a:schemeClr val="tx1"/>
-            </a:solidFill>
-          </a:ln>
-        </p:spPr>
-        <p:style>
-          <a:lnRef idx="1">
-            <a:schemeClr val="accent1"/>
-          </a:lnRef>
-          <a:fillRef idx="0">
-            <a:schemeClr val="accent1"/>
-          </a:fillRef>
-          <a:effectRef idx="0">
-            <a:schemeClr val="accent1"/>
-          </a:effectRef>
-          <a:fontRef idx="minor">
-            <a:schemeClr val="tx1"/>
-          </a:fontRef>
-        </p:style>
-      </p:cxnSp>
-      <p:sp>
-        <p:nvSpPr>
-          <p:cNvPr id="208" name="Rectángulo 33"/>
-          <p:cNvSpPr/>
-          <p:nvPr/>
-        </p:nvSpPr>
-        <p:spPr>
-          <a:xfrm>
-            <a:off x="4106281" y="4989390"/>
-            <a:ext cx="950457" cy="449386"/>
-          </a:xfrm>
-          <a:prstGeom prst="rect">
-            <a:avLst/>
-          </a:prstGeom>
-          <a:solidFill>
-            <a:schemeClr val="bg2">
-              <a:lumMod val="90000"/>
-            </a:schemeClr>
-          </a:solidFill>
-        </p:spPr>
-        <p:style>
-          <a:lnRef idx="2">
-            <a:schemeClr val="dk1"/>
-          </a:lnRef>
-          <a:fillRef idx="1">
-            <a:schemeClr val="lt1"/>
-          </a:fillRef>
-          <a:effectRef idx="0">
-            <a:schemeClr val="dk1"/>
-          </a:effectRef>
-          <a:fontRef idx="minor">
-            <a:schemeClr val="dk1"/>
-          </a:fontRef>
-        </p:style>
-        <p:txBody>
-          <a:bodyPr lIns="105683" tIns="52841" rIns="105683" bIns="52841" rtlCol="0" anchor="ctr"/>
-          <a:lstStyle/>
-          <a:p>
-            <a:pPr algn="ctr"/>
-            <a:r>
-              <a:rPr lang="es-CO" sz="900" dirty="0" smtClean="0">
-                <a:solidFill>
-                  <a:schemeClr val="tx1"/>
-                </a:solidFill>
-                <a:latin typeface="Arial" panose="020B0604020202020204" pitchFamily="34" charset="0"/>
-                <a:cs typeface="Arial" panose="020B0604020202020204" pitchFamily="34" charset="0"/>
-              </a:rPr>
-              <a:t>  </a:t>
-            </a:r>
-            <a:endParaRPr lang="es-CO" sz="900" b="1" dirty="0" smtClean="0">
-              <a:solidFill>
-                <a:schemeClr val="tx1"/>
-              </a:solidFill>
-              <a:latin typeface="Arial" panose="020B0604020202020204" pitchFamily="34" charset="0"/>
-              <a:cs typeface="Arial" panose="020B0604020202020204" pitchFamily="34" charset="0"/>
-            </a:endParaRPr>
-          </a:p>
-          <a:p>
-            <a:pPr algn="ctr"/>
-            <a:r>
-              <a:rPr lang="es-CO" sz="900" dirty="0" smtClean="0">
-                <a:solidFill>
-                  <a:schemeClr val="tx1"/>
-                </a:solidFill>
-                <a:latin typeface="Arial" panose="020B0604020202020204" pitchFamily="34" charset="0"/>
-                <a:cs typeface="Arial" panose="020B0604020202020204" pitchFamily="34" charset="0"/>
-              </a:rPr>
-              <a:t>Continuas  en    </a:t>
-            </a:r>
-          </a:p>
-          <a:p>
-            <a:pPr algn="ctr"/>
-            <a:r>
-              <a:rPr lang="es-ES_tradnl" sz="900" i="1" dirty="0" smtClean="0">
-                <a:solidFill>
-                  <a:schemeClr val="tx1"/>
-                </a:solidFill>
-                <a:latin typeface="Arial" panose="020B0604020202020204" pitchFamily="34" charset="0"/>
-                <a:cs typeface="Arial" panose="020B0604020202020204" pitchFamily="34" charset="0"/>
-              </a:rPr>
-              <a:t>ℝ</a:t>
-            </a:r>
-            <a:r>
-              <a:rPr lang="es-CO" sz="900" dirty="0" smtClean="0">
-                <a:solidFill>
-                  <a:schemeClr val="tx1"/>
-                </a:solidFill>
-                <a:latin typeface="Arial" panose="020B0604020202020204" pitchFamily="34" charset="0"/>
-                <a:cs typeface="Arial" panose="020B0604020202020204" pitchFamily="34" charset="0"/>
-              </a:rPr>
-              <a:t> </a:t>
-            </a:r>
-            <a:r>
-              <a:rPr lang="es-CO" sz="900" baseline="30000" dirty="0" smtClean="0">
-                <a:solidFill>
-                  <a:schemeClr val="tx1"/>
-                </a:solidFill>
-                <a:latin typeface="Arial" panose="020B0604020202020204" pitchFamily="34" charset="0"/>
-                <a:cs typeface="Arial" panose="020B0604020202020204" pitchFamily="34" charset="0"/>
-              </a:rPr>
-              <a:t>+</a:t>
-            </a:r>
-            <a:r>
-              <a:rPr lang="es-CO" sz="900" dirty="0" smtClean="0">
-                <a:solidFill>
-                  <a:schemeClr val="tx1"/>
-                </a:solidFill>
-                <a:latin typeface="Arial" panose="020B0604020202020204" pitchFamily="34" charset="0"/>
-                <a:cs typeface="Arial" panose="020B0604020202020204" pitchFamily="34" charset="0"/>
-              </a:rPr>
-              <a:t>  </a:t>
-            </a:r>
-            <a:endParaRPr lang="es-CO" sz="900" b="1" dirty="0" smtClean="0">
-              <a:solidFill>
-                <a:schemeClr val="tx1"/>
-              </a:solidFill>
-              <a:latin typeface="Arial" panose="020B0604020202020204" pitchFamily="34" charset="0"/>
-              <a:cs typeface="Arial" panose="020B0604020202020204" pitchFamily="34" charset="0"/>
-            </a:endParaRPr>
-          </a:p>
-          <a:p>
-            <a:pPr algn="ctr"/>
-            <a:endParaRPr lang="es-CO" sz="900" b="1" dirty="0">
-              <a:solidFill>
-                <a:schemeClr val="tx1"/>
-              </a:solidFill>
-              <a:latin typeface="Arial" panose="020B0604020202020204" pitchFamily="34" charset="0"/>
-              <a:cs typeface="Arial" panose="020B0604020202020204" pitchFamily="34" charset="0"/>
-            </a:endParaRPr>
-          </a:p>
-        </p:txBody>
-      </p:sp>
-      <p:sp>
-        <p:nvSpPr>
-          <p:cNvPr id="209" name="Rectángulo 33"/>
-          <p:cNvSpPr/>
-          <p:nvPr/>
-        </p:nvSpPr>
-        <p:spPr>
-          <a:xfrm>
-            <a:off x="4106281" y="5579940"/>
-            <a:ext cx="950457" cy="449386"/>
-          </a:xfrm>
-          <a:prstGeom prst="rect">
-            <a:avLst/>
-          </a:prstGeom>
-          <a:solidFill>
-            <a:schemeClr val="bg2">
-              <a:lumMod val="90000"/>
-            </a:schemeClr>
-          </a:solidFill>
-        </p:spPr>
-        <p:style>
-          <a:lnRef idx="2">
-            <a:schemeClr val="dk1"/>
-          </a:lnRef>
-          <a:fillRef idx="1">
-            <a:schemeClr val="lt1"/>
-          </a:fillRef>
-          <a:effectRef idx="0">
-            <a:schemeClr val="dk1"/>
-          </a:effectRef>
-          <a:fontRef idx="minor">
-            <a:schemeClr val="dk1"/>
-          </a:fontRef>
-        </p:style>
-        <p:txBody>
-          <a:bodyPr lIns="105683" tIns="52841" rIns="105683" bIns="52841" rtlCol="0" anchor="ctr"/>
-          <a:lstStyle/>
-          <a:p>
-            <a:pPr algn="ctr"/>
-            <a:r>
-              <a:rPr lang="es-CO" sz="900" dirty="0" smtClean="0">
-                <a:solidFill>
-                  <a:schemeClr val="tx1"/>
-                </a:solidFill>
-                <a:latin typeface="Arial" panose="020B0604020202020204" pitchFamily="34" charset="0"/>
-                <a:cs typeface="Arial" panose="020B0604020202020204" pitchFamily="34" charset="0"/>
-              </a:rPr>
-              <a:t>  </a:t>
-            </a:r>
-            <a:endParaRPr lang="es-CO" sz="900" b="1" dirty="0" smtClean="0">
-              <a:solidFill>
-                <a:schemeClr val="tx1"/>
-              </a:solidFill>
-              <a:latin typeface="Arial" panose="020B0604020202020204" pitchFamily="34" charset="0"/>
-              <a:cs typeface="Arial" panose="020B0604020202020204" pitchFamily="34" charset="0"/>
-            </a:endParaRPr>
-          </a:p>
-          <a:p>
-            <a:r>
-              <a:rPr lang="es-CO" sz="900" dirty="0" smtClean="0">
-                <a:solidFill>
-                  <a:schemeClr val="tx1"/>
-                </a:solidFill>
-                <a:latin typeface="Arial" panose="020B0604020202020204" pitchFamily="34" charset="0"/>
-                <a:cs typeface="Arial" panose="020B0604020202020204" pitchFamily="34" charset="0"/>
-              </a:rPr>
-              <a:t>Corta al eje Y en 1 , No corta al eje X</a:t>
-            </a:r>
-          </a:p>
-          <a:p>
-            <a:pPr algn="ctr"/>
-            <a:endParaRPr lang="es-CO" sz="900" b="1" dirty="0">
-              <a:solidFill>
-                <a:schemeClr val="tx1"/>
-              </a:solidFill>
-              <a:latin typeface="Arial" panose="020B0604020202020204" pitchFamily="34" charset="0"/>
-              <a:cs typeface="Arial" panose="020B0604020202020204" pitchFamily="34" charset="0"/>
-            </a:endParaRPr>
-          </a:p>
-        </p:txBody>
-      </p:sp>
       <p:sp>
         <p:nvSpPr>
           <p:cNvPr id="166" name="Rectángulo 35"/>
@@ -3501,7 +2929,7 @@
         </p:nvSpPr>
         <p:spPr>
           <a:xfrm>
-            <a:off x="9103643" y="3933305"/>
+            <a:off x="9448052" y="3946530"/>
             <a:ext cx="1191057" cy="409062"/>
           </a:xfrm>
           <a:prstGeom prst="rect">
@@ -3558,7 +2986,7 @@
         </p:nvSpPr>
         <p:spPr>
           <a:xfrm>
-            <a:off x="10830457" y="5577311"/>
+            <a:off x="10303879" y="6063473"/>
             <a:ext cx="1095738" cy="278305"/>
           </a:xfrm>
           <a:prstGeom prst="rect">
@@ -3625,7 +3053,7 @@
         </p:nvSpPr>
         <p:spPr>
           <a:xfrm>
-            <a:off x="8831389" y="4743472"/>
+            <a:off x="8676449" y="4743472"/>
             <a:ext cx="1197786" cy="602489"/>
           </a:xfrm>
           <a:prstGeom prst="rect">
@@ -3687,8 +3115,8 @@
         </p:nvCxnSpPr>
         <p:spPr>
           <a:xfrm rot="5400000">
-            <a:off x="9364175" y="4408474"/>
-            <a:ext cx="401105" cy="268890"/>
+            <a:off x="9465522" y="4165413"/>
+            <a:ext cx="387880" cy="768239"/>
           </a:xfrm>
           <a:prstGeom prst="bentConnector3">
             <a:avLst>
@@ -3727,8 +3155,8 @@
         </p:nvCxnSpPr>
         <p:spPr>
           <a:xfrm rot="16200000" flipH="1">
-            <a:off x="10340768" y="3700770"/>
-            <a:ext cx="394228" cy="1677421"/>
+            <a:off x="10249123" y="4150049"/>
+            <a:ext cx="387375" cy="798459"/>
           </a:xfrm>
           <a:prstGeom prst="bentConnector3">
             <a:avLst>
@@ -3756,44 +3184,6 @@
           </a:fontRef>
         </p:style>
       </p:cxnSp>
-      <p:cxnSp>
-        <p:nvCxnSpPr>
-          <p:cNvPr id="173" name="172 Conector recto"/>
-          <p:cNvCxnSpPr>
-            <a:stCxn id="179" idx="2"/>
-            <a:endCxn id="168" idx="0"/>
-          </p:cNvCxnSpPr>
-          <p:nvPr/>
-        </p:nvCxnSpPr>
-        <p:spPr>
-          <a:xfrm>
-            <a:off x="11376593" y="5339084"/>
-            <a:ext cx="1733" cy="238227"/>
-          </a:xfrm>
-          <a:prstGeom prst="line">
-            <a:avLst/>
-          </a:prstGeom>
-          <a:ln w="12700">
-            <a:solidFill>
-              <a:schemeClr val="tx1"/>
-            </a:solidFill>
-          </a:ln>
-        </p:spPr>
-        <p:style>
-          <a:lnRef idx="1">
-            <a:schemeClr val="accent1"/>
-          </a:lnRef>
-          <a:fillRef idx="0">
-            <a:schemeClr val="accent1"/>
-          </a:fillRef>
-          <a:effectRef idx="0">
-            <a:schemeClr val="accent1"/>
-          </a:effectRef>
-          <a:fontRef idx="minor">
-            <a:schemeClr val="tx1"/>
-          </a:fontRef>
-        </p:style>
-      </p:cxnSp>
       <p:sp>
         <p:nvSpPr>
           <p:cNvPr id="175" name="Rectángulo 35"/>
@@ -3802,7 +3192,7 @@
         </p:nvSpPr>
         <p:spPr>
           <a:xfrm>
-            <a:off x="8888889" y="5614423"/>
+            <a:off x="8733949" y="5614423"/>
             <a:ext cx="1095738" cy="221963"/>
           </a:xfrm>
           <a:prstGeom prst="rect">
@@ -3862,7 +3252,7 @@
         </p:nvCxnSpPr>
         <p:spPr>
           <a:xfrm>
-            <a:off x="9430282" y="5345961"/>
+            <a:off x="9275342" y="5345961"/>
             <a:ext cx="6476" cy="268462"/>
           </a:xfrm>
           <a:prstGeom prst="line">
@@ -3897,7 +3287,7 @@
         </p:nvSpPr>
         <p:spPr>
           <a:xfrm>
-            <a:off x="10777700" y="4736595"/>
+            <a:off x="10243147" y="4742967"/>
             <a:ext cx="1197786" cy="602489"/>
           </a:xfrm>
           <a:prstGeom prst="rect">
@@ -3956,7 +3346,7 @@
         </p:nvSpPr>
         <p:spPr>
           <a:xfrm>
-            <a:off x="8661774" y="6054997"/>
+            <a:off x="8518010" y="6054997"/>
             <a:ext cx="1535872" cy="715539"/>
           </a:xfrm>
           <a:prstGeom prst="rect">
@@ -3993,37 +3383,76 @@
                 <a:latin typeface="Arial" panose="020B0604020202020204" pitchFamily="34" charset="0"/>
                 <a:cs typeface="Arial" panose="020B0604020202020204" pitchFamily="34" charset="0"/>
               </a:rPr>
-              <a:t>ecuación  logarítmica            y = log</a:t>
-            </a:r>
-            <a:r>
-              <a:rPr lang="es-ES_tradnl" sz="900" i="1" baseline="-25000" dirty="0" smtClean="0">
+              <a:t>ecuación </a:t>
+            </a:r>
+            <a:r>
+              <a:rPr lang="es-CO" sz="900" dirty="0" smtClean="0">
                 <a:solidFill>
                   <a:schemeClr val="tx1"/>
                 </a:solidFill>
                 <a:latin typeface="Arial" panose="020B0604020202020204" pitchFamily="34" charset="0"/>
                 <a:cs typeface="Arial" panose="020B0604020202020204" pitchFamily="34" charset="0"/>
               </a:rPr>
-              <a:t>a </a:t>
-            </a:r>
-            <a:r>
-              <a:rPr lang="es-CO" sz="900" i="1" dirty="0" smtClean="0">
+              <a:t>logarítmica    </a:t>
+            </a:r>
+            <a:endParaRPr lang="es-CO" sz="900" dirty="0" smtClean="0">
+              <a:solidFill>
+                <a:schemeClr val="tx1"/>
+              </a:solidFill>
+              <a:latin typeface="Arial" panose="020B0604020202020204" pitchFamily="34" charset="0"/>
+              <a:cs typeface="Arial" panose="020B0604020202020204" pitchFamily="34" charset="0"/>
+            </a:endParaRPr>
+          </a:p>
+          <a:p>
+            <a:pPr algn="ctr"/>
+            <a:r>
+              <a:rPr lang="es-ES_tradnl" sz="900" i="1" dirty="0">
+                <a:solidFill>
+                  <a:schemeClr val="tx1">
+                    <a:lumMod val="75000"/>
+                    <a:lumOff val="25000"/>
+                  </a:schemeClr>
+                </a:solidFill>
+                <a:latin typeface="Arial" panose="020B0604020202020204" pitchFamily="34" charset="0"/>
+                <a:cs typeface="Arial" panose="020B0604020202020204" pitchFamily="34" charset="0"/>
+              </a:rPr>
+              <a:t>&lt;&lt; </a:t>
+            </a:r>
+            <a:r>
+              <a:rPr lang="es-ES_tradnl" sz="900" i="1" dirty="0" smtClean="0">
+                <a:solidFill>
+                  <a:schemeClr val="tx1">
+                    <a:lumMod val="75000"/>
+                    <a:lumOff val="25000"/>
+                  </a:schemeClr>
+                </a:solidFill>
+                <a:latin typeface="Arial" panose="020B0604020202020204" pitchFamily="34" charset="0"/>
+                <a:cs typeface="Arial" panose="020B0604020202020204" pitchFamily="34" charset="0"/>
+              </a:rPr>
+              <a:t>MA_09_07_PNG04&gt;&gt;</a:t>
+            </a:r>
+            <a:endParaRPr lang="es-CO" sz="900" i="1" dirty="0">
+              <a:solidFill>
+                <a:schemeClr val="tx1">
+                  <a:lumMod val="75000"/>
+                  <a:lumOff val="25000"/>
+                </a:schemeClr>
+              </a:solidFill>
+              <a:latin typeface="Arial" panose="020B0604020202020204" pitchFamily="34" charset="0"/>
+              <a:cs typeface="Arial" panose="020B0604020202020204" pitchFamily="34" charset="0"/>
+            </a:endParaRPr>
+          </a:p>
+          <a:p>
+            <a:pPr algn="ctr"/>
+            <a:r>
+              <a:rPr lang="es-CO" sz="900" dirty="0" smtClean="0">
                 <a:solidFill>
                   <a:schemeClr val="tx1"/>
                 </a:solidFill>
                 <a:latin typeface="Arial" panose="020B0604020202020204" pitchFamily="34" charset="0"/>
                 <a:cs typeface="Arial" panose="020B0604020202020204" pitchFamily="34" charset="0"/>
               </a:rPr>
-              <a:t>x</a:t>
-            </a:r>
-            <a:r>
-              <a:rPr lang="es-CO" sz="900" dirty="0" smtClean="0">
-                <a:solidFill>
-                  <a:schemeClr val="tx1"/>
-                </a:solidFill>
-                <a:latin typeface="Arial" panose="020B0604020202020204" pitchFamily="34" charset="0"/>
-                <a:cs typeface="Arial" panose="020B0604020202020204" pitchFamily="34" charset="0"/>
-              </a:rPr>
-              <a:t>  </a:t>
+              <a:t> </a:t>
             </a:r>
             <a:endParaRPr lang="es-CO" sz="900" dirty="0">
               <a:solidFill>
@@ -4045,7 +3474,7 @@
         </p:nvCxnSpPr>
         <p:spPr>
           <a:xfrm>
-            <a:off x="9436758" y="5836386"/>
+            <a:off x="9281818" y="5836386"/>
             <a:ext cx="4945" cy="199561"/>
           </a:xfrm>
           <a:prstGeom prst="line">
@@ -4074,221 +3503,13 @@
       </p:cxnSp>
       <p:sp>
         <p:nvSpPr>
-          <p:cNvPr id="187" name="Rectángulo 35"/>
-          <p:cNvSpPr/>
-          <p:nvPr/>
-        </p:nvSpPr>
-        <p:spPr>
-          <a:xfrm>
-            <a:off x="8989260" y="6899563"/>
-            <a:ext cx="908365" cy="175800"/>
-          </a:xfrm>
-          <a:prstGeom prst="rect">
-            <a:avLst/>
-          </a:prstGeom>
-          <a:ln>
-            <a:noFill/>
-          </a:ln>
-        </p:spPr>
-        <p:style>
-          <a:lnRef idx="2">
-            <a:schemeClr val="dk1"/>
-          </a:lnRef>
-          <a:fillRef idx="1">
-            <a:schemeClr val="lt1"/>
-          </a:fillRef>
-          <a:effectRef idx="0">
-            <a:schemeClr val="dk1"/>
-          </a:effectRef>
-          <a:fontRef idx="minor">
-            <a:schemeClr val="dk1"/>
-          </a:fontRef>
-        </p:style>
-        <p:txBody>
-          <a:bodyPr lIns="105683" tIns="52841" rIns="105683" bIns="52841" rtlCol="0" anchor="ctr"/>
-          <a:lstStyle/>
-          <a:p>
-            <a:pPr algn="ctr"/>
-            <a:r>
-              <a:rPr lang="es-CO" sz="900" dirty="0" smtClean="0">
-                <a:solidFill>
-                  <a:schemeClr val="tx1"/>
-                </a:solidFill>
-                <a:latin typeface="Arial" panose="020B0604020202020204" pitchFamily="34" charset="0"/>
-                <a:cs typeface="Arial" panose="020B0604020202020204" pitchFamily="34" charset="0"/>
-              </a:rPr>
-              <a:t>ejemplo    </a:t>
-            </a:r>
-            <a:endParaRPr lang="es-CO" sz="900" dirty="0">
-              <a:solidFill>
-                <a:schemeClr val="tx1"/>
-              </a:solidFill>
-              <a:latin typeface="Arial" panose="020B0604020202020204" pitchFamily="34" charset="0"/>
-              <a:cs typeface="Arial" panose="020B0604020202020204" pitchFamily="34" charset="0"/>
-            </a:endParaRPr>
-          </a:p>
-        </p:txBody>
-      </p:sp>
-      <p:cxnSp>
-        <p:nvCxnSpPr>
-          <p:cNvPr id="189" name="188 Conector recto"/>
-          <p:cNvCxnSpPr>
-            <a:endCxn id="187" idx="0"/>
-          </p:cNvCxnSpPr>
-          <p:nvPr/>
-        </p:nvCxnSpPr>
-        <p:spPr>
-          <a:xfrm>
-            <a:off x="9441703" y="6751486"/>
-            <a:ext cx="1740" cy="148077"/>
-          </a:xfrm>
-          <a:prstGeom prst="line">
-            <a:avLst/>
-          </a:prstGeom>
-          <a:ln w="12700">
-            <a:solidFill>
-              <a:schemeClr val="tx1"/>
-            </a:solidFill>
-          </a:ln>
-        </p:spPr>
-        <p:style>
-          <a:lnRef idx="1">
-            <a:schemeClr val="accent1"/>
-          </a:lnRef>
-          <a:fillRef idx="0">
-            <a:schemeClr val="accent1"/>
-          </a:fillRef>
-          <a:effectRef idx="0">
-            <a:schemeClr val="accent1"/>
-          </a:effectRef>
-          <a:fontRef idx="minor">
-            <a:schemeClr val="tx1"/>
-          </a:fontRef>
-        </p:style>
-      </p:cxnSp>
-      <p:sp>
-        <p:nvSpPr>
-          <p:cNvPr id="190" name="Rectángulo 33"/>
-          <p:cNvSpPr/>
-          <p:nvPr/>
-        </p:nvSpPr>
-        <p:spPr>
-          <a:xfrm>
-            <a:off x="8696947" y="7334514"/>
-            <a:ext cx="1535872" cy="715539"/>
-          </a:xfrm>
-          <a:prstGeom prst="rect">
-            <a:avLst/>
-          </a:prstGeom>
-          <a:solidFill>
-            <a:schemeClr val="bg1"/>
-          </a:solidFill>
-        </p:spPr>
-        <p:style>
-          <a:lnRef idx="2">
-            <a:schemeClr val="dk1"/>
-          </a:lnRef>
-          <a:fillRef idx="1">
-            <a:schemeClr val="lt1"/>
-          </a:fillRef>
-          <a:effectRef idx="0">
-            <a:schemeClr val="dk1"/>
-          </a:effectRef>
-          <a:fontRef idx="minor">
-            <a:schemeClr val="dk1"/>
-          </a:fontRef>
-        </p:style>
-        <p:txBody>
-          <a:bodyPr lIns="105683" tIns="52841" rIns="105683" bIns="52841" rtlCol="0" anchor="ctr"/>
-          <a:lstStyle/>
-          <a:p>
-            <a:pPr algn="ctr"/>
-            <a:r>
-              <a:rPr lang="es-CO" sz="900" dirty="0" smtClean="0">
-                <a:solidFill>
-                  <a:schemeClr val="tx1"/>
-                </a:solidFill>
-                <a:latin typeface="Arial" panose="020B0604020202020204" pitchFamily="34" charset="0"/>
-                <a:cs typeface="Arial" panose="020B0604020202020204" pitchFamily="34" charset="0"/>
-              </a:rPr>
-              <a:t>y =log </a:t>
-            </a:r>
-            <a:r>
-              <a:rPr lang="es-CO" sz="900" baseline="-25000" dirty="0" smtClean="0">
-                <a:solidFill>
-                  <a:schemeClr val="tx1"/>
-                </a:solidFill>
-                <a:latin typeface="Arial" panose="020B0604020202020204" pitchFamily="34" charset="0"/>
-                <a:cs typeface="Arial" panose="020B0604020202020204" pitchFamily="34" charset="0"/>
-              </a:rPr>
-              <a:t>3</a:t>
-            </a:r>
-            <a:r>
-              <a:rPr lang="es-CO" sz="900" dirty="0" smtClean="0">
-                <a:solidFill>
-                  <a:schemeClr val="tx1"/>
-                </a:solidFill>
-                <a:latin typeface="Arial" panose="020B0604020202020204" pitchFamily="34" charset="0"/>
-                <a:cs typeface="Arial" panose="020B0604020202020204" pitchFamily="34" charset="0"/>
-              </a:rPr>
-              <a:t> x  </a:t>
-            </a:r>
-            <a:endParaRPr lang="es-CO" sz="900" dirty="0">
-              <a:solidFill>
-                <a:schemeClr val="tx1"/>
-              </a:solidFill>
-              <a:latin typeface="Arial" panose="020B0604020202020204" pitchFamily="34" charset="0"/>
-              <a:cs typeface="Arial" panose="020B0604020202020204" pitchFamily="34" charset="0"/>
-            </a:endParaRPr>
-          </a:p>
-        </p:txBody>
-      </p:sp>
-      <p:cxnSp>
-        <p:nvCxnSpPr>
-          <p:cNvPr id="192" name="191 Conector recto"/>
-          <p:cNvCxnSpPr>
-            <a:stCxn id="187" idx="2"/>
-          </p:cNvCxnSpPr>
-          <p:nvPr/>
-        </p:nvCxnSpPr>
-        <p:spPr>
-          <a:xfrm>
-            <a:off x="9443443" y="7075363"/>
-            <a:ext cx="2591" cy="293623"/>
-          </a:xfrm>
-          <a:prstGeom prst="line">
-            <a:avLst/>
-          </a:prstGeom>
-          <a:ln w="12700">
-            <a:solidFill>
-              <a:schemeClr val="tx1"/>
-            </a:solidFill>
-          </a:ln>
-        </p:spPr>
-        <p:style>
-          <a:lnRef idx="1">
-            <a:schemeClr val="accent1"/>
-          </a:lnRef>
-          <a:fillRef idx="0">
-            <a:schemeClr val="accent1"/>
-          </a:fillRef>
-          <a:effectRef idx="0">
-            <a:schemeClr val="accent1"/>
-          </a:effectRef>
-          <a:fontRef idx="minor">
-            <a:schemeClr val="tx1"/>
-          </a:fontRef>
-        </p:style>
-      </p:cxnSp>
-      <p:sp>
-        <p:nvSpPr>
           <p:cNvPr id="214" name="Rectángulo 33"/>
           <p:cNvSpPr/>
           <p:nvPr/>
         </p:nvSpPr>
         <p:spPr>
           <a:xfrm>
-            <a:off x="4091559" y="6268938"/>
+            <a:off x="2626437" y="7407711"/>
             <a:ext cx="1244135" cy="370896"/>
           </a:xfrm>
           <a:prstGeom prst="rect">
@@ -4414,83 +3635,6 @@
       </p:sp>
       <p:cxnSp>
         <p:nvCxnSpPr>
-          <p:cNvPr id="217" name="216 Conector angular"/>
-          <p:cNvCxnSpPr>
-            <a:stCxn id="396" idx="2"/>
-            <a:endCxn id="214" idx="0"/>
-          </p:cNvCxnSpPr>
-          <p:nvPr/>
-        </p:nvCxnSpPr>
-        <p:spPr>
-          <a:xfrm rot="16200000" flipH="1">
-            <a:off x="3918499" y="5473809"/>
-            <a:ext cx="316711" cy="1273545"/>
-          </a:xfrm>
-          <a:prstGeom prst="bentConnector3">
-            <a:avLst>
-              <a:gd name="adj1" fmla="val 50000"/>
-            </a:avLst>
-          </a:prstGeom>
-          <a:ln w="12700">
-            <a:solidFill>
-              <a:schemeClr val="tx1"/>
-            </a:solidFill>
-          </a:ln>
-        </p:spPr>
-        <p:style>
-          <a:lnRef idx="1">
-            <a:schemeClr val="accent1"/>
-          </a:lnRef>
-          <a:fillRef idx="0">
-            <a:schemeClr val="accent1"/>
-          </a:fillRef>
-          <a:effectRef idx="0">
-            <a:schemeClr val="accent1"/>
-          </a:effectRef>
-          <a:fontRef idx="minor">
-            <a:schemeClr val="tx1"/>
-          </a:fontRef>
-        </p:style>
-      </p:cxnSp>
-      <p:cxnSp>
-        <p:nvCxnSpPr>
-          <p:cNvPr id="218" name="217 Conector angular"/>
-          <p:cNvCxnSpPr/>
-          <p:nvPr/>
-        </p:nvCxnSpPr>
-        <p:spPr>
-          <a:xfrm rot="5400000">
-            <a:off x="3088973" y="5915206"/>
-            <a:ext cx="314089" cy="388130"/>
-          </a:xfrm>
-          <a:prstGeom prst="bentConnector3">
-            <a:avLst>
-              <a:gd name="adj1" fmla="val 51348"/>
-            </a:avLst>
-          </a:prstGeom>
-          <a:ln w="12700">
-            <a:solidFill>
-              <a:schemeClr val="tx1"/>
-            </a:solidFill>
-          </a:ln>
-        </p:spPr>
-        <p:style>
-          <a:lnRef idx="1">
-            <a:schemeClr val="accent1"/>
-          </a:lnRef>
-          <a:fillRef idx="0">
-            <a:schemeClr val="accent1"/>
-          </a:fillRef>
-          <a:effectRef idx="0">
-            <a:schemeClr val="accent1"/>
-          </a:effectRef>
-          <a:fontRef idx="minor">
-            <a:schemeClr val="tx1"/>
-          </a:fontRef>
-        </p:style>
-      </p:cxnSp>
-      <p:cxnSp>
-        <p:nvCxnSpPr>
           <p:cNvPr id="97" name="160 Conector angular"/>
           <p:cNvCxnSpPr>
             <a:stCxn id="114" idx="2"/>
@@ -4499,9 +3643,9 @@
           <p:nvPr/>
         </p:nvCxnSpPr>
         <p:spPr>
-          <a:xfrm rot="5400000">
-            <a:off x="9689756" y="3658849"/>
-            <a:ext cx="283872" cy="265040"/>
+          <a:xfrm rot="16200000" flipH="1">
+            <a:off x="9855348" y="3758296"/>
+            <a:ext cx="297097" cy="79369"/>
           </a:xfrm>
           <a:prstGeom prst="bentConnector3">
             <a:avLst>
@@ -4638,631 +3782,13 @@
       </p:cxnSp>
       <p:sp>
         <p:nvSpPr>
-          <p:cNvPr id="110" name="Rectángulo 33"/>
-          <p:cNvSpPr/>
-          <p:nvPr/>
-        </p:nvSpPr>
-        <p:spPr>
-          <a:xfrm>
-            <a:off x="12213498" y="4427701"/>
-            <a:ext cx="950457" cy="449386"/>
-          </a:xfrm>
-          <a:prstGeom prst="rect">
-            <a:avLst/>
-          </a:prstGeom>
-          <a:solidFill>
-            <a:schemeClr val="bg2">
-              <a:lumMod val="90000"/>
-            </a:schemeClr>
-          </a:solidFill>
-        </p:spPr>
-        <p:style>
-          <a:lnRef idx="2">
-            <a:schemeClr val="dk1"/>
-          </a:lnRef>
-          <a:fillRef idx="1">
-            <a:schemeClr val="lt1"/>
-          </a:fillRef>
-          <a:effectRef idx="0">
-            <a:schemeClr val="dk1"/>
-          </a:effectRef>
-          <a:fontRef idx="minor">
-            <a:schemeClr val="dk1"/>
-          </a:fontRef>
-        </p:style>
-        <p:txBody>
-          <a:bodyPr lIns="105683" tIns="52841" rIns="105683" bIns="52841" rtlCol="0" anchor="ctr"/>
-          <a:lstStyle/>
-          <a:p>
-            <a:pPr algn="ctr"/>
-            <a:endParaRPr lang="es-CO" sz="900" dirty="0" smtClean="0">
-              <a:solidFill>
-                <a:schemeClr val="tx1"/>
-              </a:solidFill>
-              <a:latin typeface="Arial" panose="020B0604020202020204" pitchFamily="34" charset="0"/>
-              <a:cs typeface="Arial" panose="020B0604020202020204" pitchFamily="34" charset="0"/>
-            </a:endParaRPr>
-          </a:p>
-          <a:p>
-            <a:pPr algn="ctr"/>
-            <a:r>
-              <a:rPr lang="es-CO" sz="900" dirty="0">
-                <a:solidFill>
-                  <a:schemeClr val="tx1"/>
-                </a:solidFill>
-                <a:latin typeface="Arial" panose="020B0604020202020204" pitchFamily="34" charset="0"/>
-                <a:cs typeface="Arial" panose="020B0604020202020204" pitchFamily="34" charset="0"/>
-              </a:rPr>
-              <a:t>D</a:t>
-            </a:r>
-            <a:r>
-              <a:rPr lang="es-CO" sz="900" dirty="0" smtClean="0">
-                <a:solidFill>
-                  <a:schemeClr val="tx1"/>
-                </a:solidFill>
-                <a:latin typeface="Arial" panose="020B0604020202020204" pitchFamily="34" charset="0"/>
-                <a:cs typeface="Arial" panose="020B0604020202020204" pitchFamily="34" charset="0"/>
-              </a:rPr>
-              <a:t>ominio   </a:t>
-            </a:r>
-            <a:r>
-              <a:rPr lang="es-ES_tradnl" sz="900" i="1" dirty="0" smtClean="0">
-                <a:solidFill>
-                  <a:schemeClr val="tx1"/>
-                </a:solidFill>
-                <a:latin typeface="Arial" panose="020B0604020202020204" pitchFamily="34" charset="0"/>
-                <a:cs typeface="Arial" panose="020B0604020202020204" pitchFamily="34" charset="0"/>
-              </a:rPr>
-              <a:t>ℝ</a:t>
-            </a:r>
-          </a:p>
-          <a:p>
-            <a:pPr algn="ctr"/>
-            <a:r>
-              <a:rPr lang="es-CO" sz="900" dirty="0" smtClean="0">
-                <a:solidFill>
-                  <a:schemeClr val="tx1"/>
-                </a:solidFill>
-                <a:latin typeface="Arial" panose="020B0604020202020204" pitchFamily="34" charset="0"/>
-                <a:cs typeface="Arial" panose="020B0604020202020204" pitchFamily="34" charset="0"/>
-              </a:rPr>
-              <a:t>  Rango   </a:t>
-            </a:r>
-            <a:r>
-              <a:rPr lang="es-ES_tradnl" sz="900" i="1" dirty="0" smtClean="0">
-                <a:solidFill>
-                  <a:schemeClr val="tx1"/>
-                </a:solidFill>
-                <a:latin typeface="Arial" panose="020B0604020202020204" pitchFamily="34" charset="0"/>
-                <a:cs typeface="Arial" panose="020B0604020202020204" pitchFamily="34" charset="0"/>
-              </a:rPr>
-              <a:t>ℝ</a:t>
-            </a:r>
-            <a:r>
-              <a:rPr lang="es-CO" sz="900" dirty="0" smtClean="0">
-                <a:solidFill>
-                  <a:schemeClr val="tx1"/>
-                </a:solidFill>
-                <a:latin typeface="Arial" panose="020B0604020202020204" pitchFamily="34" charset="0"/>
-                <a:cs typeface="Arial" panose="020B0604020202020204" pitchFamily="34" charset="0"/>
-              </a:rPr>
-              <a:t> </a:t>
-            </a:r>
-            <a:r>
-              <a:rPr lang="es-CO" sz="900" baseline="30000" dirty="0" smtClean="0">
-                <a:solidFill>
-                  <a:schemeClr val="tx1"/>
-                </a:solidFill>
-                <a:latin typeface="Arial" panose="020B0604020202020204" pitchFamily="34" charset="0"/>
-                <a:cs typeface="Arial" panose="020B0604020202020204" pitchFamily="34" charset="0"/>
-              </a:rPr>
-              <a:t>+</a:t>
-            </a:r>
-            <a:r>
-              <a:rPr lang="es-CO" sz="900" dirty="0" smtClean="0">
-                <a:solidFill>
-                  <a:schemeClr val="tx1"/>
-                </a:solidFill>
-                <a:latin typeface="Arial" panose="020B0604020202020204" pitchFamily="34" charset="0"/>
-                <a:cs typeface="Arial" panose="020B0604020202020204" pitchFamily="34" charset="0"/>
-              </a:rPr>
-              <a:t>  </a:t>
-            </a:r>
-            <a:endParaRPr lang="es-CO" sz="900" b="1" dirty="0" smtClean="0">
-              <a:solidFill>
-                <a:schemeClr val="tx1"/>
-              </a:solidFill>
-              <a:latin typeface="Arial" panose="020B0604020202020204" pitchFamily="34" charset="0"/>
-              <a:cs typeface="Arial" panose="020B0604020202020204" pitchFamily="34" charset="0"/>
-            </a:endParaRPr>
-          </a:p>
-          <a:p>
-            <a:pPr algn="ctr"/>
-            <a:endParaRPr lang="es-CO" sz="900" b="1" dirty="0">
-              <a:solidFill>
-                <a:schemeClr val="tx1"/>
-              </a:solidFill>
-              <a:latin typeface="Arial" panose="020B0604020202020204" pitchFamily="34" charset="0"/>
-              <a:cs typeface="Arial" panose="020B0604020202020204" pitchFamily="34" charset="0"/>
-            </a:endParaRPr>
-          </a:p>
-        </p:txBody>
-      </p:sp>
-      <p:sp>
-        <p:nvSpPr>
-          <p:cNvPr id="111" name="Rectángulo 33"/>
-          <p:cNvSpPr/>
-          <p:nvPr/>
-        </p:nvSpPr>
-        <p:spPr>
-          <a:xfrm>
-            <a:off x="12215222" y="5011089"/>
-            <a:ext cx="950457" cy="449386"/>
-          </a:xfrm>
-          <a:prstGeom prst="rect">
-            <a:avLst/>
-          </a:prstGeom>
-          <a:solidFill>
-            <a:schemeClr val="bg2">
-              <a:lumMod val="90000"/>
-            </a:schemeClr>
-          </a:solidFill>
-        </p:spPr>
-        <p:style>
-          <a:lnRef idx="2">
-            <a:schemeClr val="dk1"/>
-          </a:lnRef>
-          <a:fillRef idx="1">
-            <a:schemeClr val="lt1"/>
-          </a:fillRef>
-          <a:effectRef idx="0">
-            <a:schemeClr val="dk1"/>
-          </a:effectRef>
-          <a:fontRef idx="minor">
-            <a:schemeClr val="dk1"/>
-          </a:fontRef>
-        </p:style>
-        <p:txBody>
-          <a:bodyPr lIns="105683" tIns="52841" rIns="105683" bIns="52841" rtlCol="0" anchor="ctr"/>
-          <a:lstStyle/>
-          <a:p>
-            <a:pPr algn="ctr"/>
-            <a:r>
-              <a:rPr lang="es-CO" sz="900" dirty="0" smtClean="0">
-                <a:solidFill>
-                  <a:schemeClr val="tx1"/>
-                </a:solidFill>
-                <a:latin typeface="Arial" panose="020B0604020202020204" pitchFamily="34" charset="0"/>
-                <a:cs typeface="Arial" panose="020B0604020202020204" pitchFamily="34" charset="0"/>
-              </a:rPr>
-              <a:t>  </a:t>
-            </a:r>
-            <a:endParaRPr lang="es-CO" sz="900" b="1" dirty="0" smtClean="0">
-              <a:solidFill>
-                <a:schemeClr val="tx1"/>
-              </a:solidFill>
-              <a:latin typeface="Arial" panose="020B0604020202020204" pitchFamily="34" charset="0"/>
-              <a:cs typeface="Arial" panose="020B0604020202020204" pitchFamily="34" charset="0"/>
-            </a:endParaRPr>
-          </a:p>
-          <a:p>
-            <a:pPr algn="ctr"/>
-            <a:r>
-              <a:rPr lang="es-CO" sz="900" dirty="0" smtClean="0">
-                <a:solidFill>
-                  <a:schemeClr val="tx1"/>
-                </a:solidFill>
-                <a:latin typeface="Arial" panose="020B0604020202020204" pitchFamily="34" charset="0"/>
-                <a:cs typeface="Arial" panose="020B0604020202020204" pitchFamily="34" charset="0"/>
-              </a:rPr>
-              <a:t>continuas  en    </a:t>
-            </a:r>
-          </a:p>
-          <a:p>
-            <a:pPr algn="ctr"/>
-            <a:r>
-              <a:rPr lang="es-ES_tradnl" sz="900" i="1" dirty="0" smtClean="0">
-                <a:solidFill>
-                  <a:schemeClr val="tx1"/>
-                </a:solidFill>
-                <a:latin typeface="Arial" panose="020B0604020202020204" pitchFamily="34" charset="0"/>
-                <a:cs typeface="Arial" panose="020B0604020202020204" pitchFamily="34" charset="0"/>
-              </a:rPr>
-              <a:t>ℝ</a:t>
-            </a:r>
-            <a:r>
-              <a:rPr lang="es-CO" sz="900" dirty="0" smtClean="0">
-                <a:solidFill>
-                  <a:schemeClr val="tx1"/>
-                </a:solidFill>
-                <a:latin typeface="Arial" panose="020B0604020202020204" pitchFamily="34" charset="0"/>
-                <a:cs typeface="Arial" panose="020B0604020202020204" pitchFamily="34" charset="0"/>
-              </a:rPr>
-              <a:t> </a:t>
-            </a:r>
-            <a:r>
-              <a:rPr lang="es-CO" sz="900" baseline="30000" dirty="0" smtClean="0">
-                <a:solidFill>
-                  <a:schemeClr val="tx1"/>
-                </a:solidFill>
-                <a:latin typeface="Arial" panose="020B0604020202020204" pitchFamily="34" charset="0"/>
-                <a:cs typeface="Arial" panose="020B0604020202020204" pitchFamily="34" charset="0"/>
-              </a:rPr>
-              <a:t>+</a:t>
-            </a:r>
-            <a:r>
-              <a:rPr lang="es-CO" sz="900" dirty="0" smtClean="0">
-                <a:solidFill>
-                  <a:schemeClr val="tx1"/>
-                </a:solidFill>
-                <a:latin typeface="Arial" panose="020B0604020202020204" pitchFamily="34" charset="0"/>
-                <a:cs typeface="Arial" panose="020B0604020202020204" pitchFamily="34" charset="0"/>
-              </a:rPr>
-              <a:t>  </a:t>
-            </a:r>
-            <a:endParaRPr lang="es-CO" sz="900" b="1" dirty="0" smtClean="0">
-              <a:solidFill>
-                <a:schemeClr val="tx1"/>
-              </a:solidFill>
-              <a:latin typeface="Arial" panose="020B0604020202020204" pitchFamily="34" charset="0"/>
-              <a:cs typeface="Arial" panose="020B0604020202020204" pitchFamily="34" charset="0"/>
-            </a:endParaRPr>
-          </a:p>
-          <a:p>
-            <a:pPr algn="ctr"/>
-            <a:endParaRPr lang="es-CO" sz="900" b="1" dirty="0">
-              <a:solidFill>
-                <a:schemeClr val="tx1"/>
-              </a:solidFill>
-              <a:latin typeface="Arial" panose="020B0604020202020204" pitchFamily="34" charset="0"/>
-              <a:cs typeface="Arial" panose="020B0604020202020204" pitchFamily="34" charset="0"/>
-            </a:endParaRPr>
-          </a:p>
-        </p:txBody>
-      </p:sp>
-      <p:sp>
-        <p:nvSpPr>
-          <p:cNvPr id="112" name="Rectángulo 33"/>
-          <p:cNvSpPr/>
-          <p:nvPr/>
-        </p:nvSpPr>
-        <p:spPr>
-          <a:xfrm>
-            <a:off x="12215222" y="5677767"/>
-            <a:ext cx="950457" cy="449386"/>
-          </a:xfrm>
-          <a:prstGeom prst="rect">
-            <a:avLst/>
-          </a:prstGeom>
-          <a:solidFill>
-            <a:schemeClr val="bg2">
-              <a:lumMod val="90000"/>
-            </a:schemeClr>
-          </a:solidFill>
-        </p:spPr>
-        <p:style>
-          <a:lnRef idx="2">
-            <a:schemeClr val="dk1"/>
-          </a:lnRef>
-          <a:fillRef idx="1">
-            <a:schemeClr val="lt1"/>
-          </a:fillRef>
-          <a:effectRef idx="0">
-            <a:schemeClr val="dk1"/>
-          </a:effectRef>
-          <a:fontRef idx="minor">
-            <a:schemeClr val="dk1"/>
-          </a:fontRef>
-        </p:style>
-        <p:txBody>
-          <a:bodyPr lIns="105683" tIns="52841" rIns="105683" bIns="52841" rtlCol="0" anchor="ctr"/>
-          <a:lstStyle/>
-          <a:p>
-            <a:pPr algn="ctr"/>
-            <a:r>
-              <a:rPr lang="es-CO" sz="900" dirty="0" smtClean="0">
-                <a:solidFill>
-                  <a:schemeClr val="tx1"/>
-                </a:solidFill>
-                <a:latin typeface="Arial" panose="020B0604020202020204" pitchFamily="34" charset="0"/>
-                <a:cs typeface="Arial" panose="020B0604020202020204" pitchFamily="34" charset="0"/>
-              </a:rPr>
-              <a:t>  </a:t>
-            </a:r>
-            <a:endParaRPr lang="es-CO" sz="900" b="1" dirty="0" smtClean="0">
-              <a:solidFill>
-                <a:schemeClr val="tx1"/>
-              </a:solidFill>
-              <a:latin typeface="Arial" panose="020B0604020202020204" pitchFamily="34" charset="0"/>
-              <a:cs typeface="Arial" panose="020B0604020202020204" pitchFamily="34" charset="0"/>
-            </a:endParaRPr>
-          </a:p>
-          <a:p>
-            <a:r>
-              <a:rPr lang="es-CO" sz="900" dirty="0">
-                <a:solidFill>
-                  <a:schemeClr val="tx1"/>
-                </a:solidFill>
-                <a:latin typeface="Arial" panose="020B0604020202020204" pitchFamily="34" charset="0"/>
-                <a:cs typeface="Arial" panose="020B0604020202020204" pitchFamily="34" charset="0"/>
-              </a:rPr>
-              <a:t>C</a:t>
-            </a:r>
-            <a:r>
-              <a:rPr lang="es-CO" sz="900" dirty="0" smtClean="0">
-                <a:solidFill>
-                  <a:schemeClr val="tx1"/>
-                </a:solidFill>
-                <a:latin typeface="Arial" panose="020B0604020202020204" pitchFamily="34" charset="0"/>
-                <a:cs typeface="Arial" panose="020B0604020202020204" pitchFamily="34" charset="0"/>
-              </a:rPr>
-              <a:t>orta al eje X en </a:t>
-            </a:r>
-            <a:r>
-              <a:rPr lang="es-CO" sz="900" dirty="0" smtClean="0">
-                <a:solidFill>
-                  <a:schemeClr val="tx1"/>
-                </a:solidFill>
-                <a:latin typeface="Arial" panose="020B0604020202020204" pitchFamily="34" charset="0"/>
-                <a:cs typeface="Arial" panose="020B0604020202020204" pitchFamily="34" charset="0"/>
-              </a:rPr>
-              <a:t>1, </a:t>
-            </a:r>
-            <a:r>
-              <a:rPr lang="es-CO" sz="900" dirty="0" smtClean="0">
-                <a:solidFill>
-                  <a:schemeClr val="tx1"/>
-                </a:solidFill>
-                <a:latin typeface="Arial" panose="020B0604020202020204" pitchFamily="34" charset="0"/>
-                <a:cs typeface="Arial" panose="020B0604020202020204" pitchFamily="34" charset="0"/>
-              </a:rPr>
-              <a:t>No corta al eje  Y</a:t>
-            </a:r>
-          </a:p>
-          <a:p>
-            <a:pPr algn="ctr"/>
-            <a:endParaRPr lang="es-CO" sz="900" b="1" dirty="0">
-              <a:solidFill>
-                <a:schemeClr val="tx1"/>
-              </a:solidFill>
-              <a:latin typeface="Arial" panose="020B0604020202020204" pitchFamily="34" charset="0"/>
-              <a:cs typeface="Arial" panose="020B0604020202020204" pitchFamily="34" charset="0"/>
-            </a:endParaRPr>
-          </a:p>
-        </p:txBody>
-      </p:sp>
-      <p:cxnSp>
-        <p:nvCxnSpPr>
-          <p:cNvPr id="26" name="25 Conector recto"/>
-          <p:cNvCxnSpPr>
-            <a:stCxn id="188" idx="2"/>
-            <a:endCxn id="208" idx="0"/>
-          </p:cNvCxnSpPr>
-          <p:nvPr/>
-        </p:nvCxnSpPr>
-        <p:spPr>
-          <a:xfrm>
-            <a:off x="4581510" y="4848226"/>
-            <a:ext cx="0" cy="141164"/>
-          </a:xfrm>
-          <a:prstGeom prst="line">
-            <a:avLst/>
-          </a:prstGeom>
-          <a:ln w="12700">
-            <a:solidFill>
-              <a:schemeClr val="tx1"/>
-            </a:solidFill>
-          </a:ln>
-        </p:spPr>
-        <p:style>
-          <a:lnRef idx="1">
-            <a:schemeClr val="accent1"/>
-          </a:lnRef>
-          <a:fillRef idx="0">
-            <a:schemeClr val="accent1"/>
-          </a:fillRef>
-          <a:effectRef idx="0">
-            <a:schemeClr val="accent1"/>
-          </a:effectRef>
-          <a:fontRef idx="minor">
-            <a:schemeClr val="tx1"/>
-          </a:fontRef>
-        </p:style>
-      </p:cxnSp>
-      <p:cxnSp>
-        <p:nvCxnSpPr>
-          <p:cNvPr id="100" name="99 Conector recto"/>
-          <p:cNvCxnSpPr>
-            <a:stCxn id="208" idx="2"/>
-            <a:endCxn id="209" idx="0"/>
-          </p:cNvCxnSpPr>
-          <p:nvPr/>
-        </p:nvCxnSpPr>
-        <p:spPr>
-          <a:xfrm>
-            <a:off x="4581510" y="5438776"/>
-            <a:ext cx="0" cy="141164"/>
-          </a:xfrm>
-          <a:prstGeom prst="line">
-            <a:avLst/>
-          </a:prstGeom>
-          <a:ln w="12700">
-            <a:solidFill>
-              <a:schemeClr val="tx1"/>
-            </a:solidFill>
-          </a:ln>
-        </p:spPr>
-        <p:style>
-          <a:lnRef idx="1">
-            <a:schemeClr val="accent1"/>
-          </a:lnRef>
-          <a:fillRef idx="0">
-            <a:schemeClr val="accent1"/>
-          </a:fillRef>
-          <a:effectRef idx="0">
-            <a:schemeClr val="accent1"/>
-          </a:effectRef>
-          <a:fontRef idx="minor">
-            <a:schemeClr val="tx1"/>
-          </a:fontRef>
-        </p:style>
-      </p:cxnSp>
-      <p:cxnSp>
-        <p:nvCxnSpPr>
-          <p:cNvPr id="101" name="100 Conector recto"/>
-          <p:cNvCxnSpPr>
-            <a:stCxn id="110" idx="0"/>
-            <a:endCxn id="106" idx="2"/>
-          </p:cNvCxnSpPr>
-          <p:nvPr/>
-        </p:nvCxnSpPr>
-        <p:spPr>
-          <a:xfrm flipV="1">
-            <a:off x="12688727" y="4346450"/>
-            <a:ext cx="1291" cy="81251"/>
-          </a:xfrm>
-          <a:prstGeom prst="line">
-            <a:avLst/>
-          </a:prstGeom>
-          <a:ln w="12700">
-            <a:solidFill>
-              <a:schemeClr val="tx1"/>
-            </a:solidFill>
-          </a:ln>
-        </p:spPr>
-        <p:style>
-          <a:lnRef idx="1">
-            <a:schemeClr val="accent1"/>
-          </a:lnRef>
-          <a:fillRef idx="0">
-            <a:schemeClr val="accent1"/>
-          </a:fillRef>
-          <a:effectRef idx="0">
-            <a:schemeClr val="accent1"/>
-          </a:effectRef>
-          <a:fontRef idx="minor">
-            <a:schemeClr val="tx1"/>
-          </a:fontRef>
-        </p:style>
-      </p:cxnSp>
-      <p:cxnSp>
-        <p:nvCxnSpPr>
-          <p:cNvPr id="105" name="104 Conector recto"/>
-          <p:cNvCxnSpPr>
-            <a:stCxn id="110" idx="2"/>
-            <a:endCxn id="111" idx="0"/>
-          </p:cNvCxnSpPr>
-          <p:nvPr/>
-        </p:nvCxnSpPr>
-        <p:spPr>
-          <a:xfrm>
-            <a:off x="12688727" y="4877087"/>
-            <a:ext cx="1724" cy="134002"/>
-          </a:xfrm>
-          <a:prstGeom prst="line">
-            <a:avLst/>
-          </a:prstGeom>
-          <a:ln w="12700">
-            <a:solidFill>
-              <a:schemeClr val="tx1"/>
-            </a:solidFill>
-          </a:ln>
-        </p:spPr>
-        <p:style>
-          <a:lnRef idx="1">
-            <a:schemeClr val="accent1"/>
-          </a:lnRef>
-          <a:fillRef idx="0">
-            <a:schemeClr val="accent1"/>
-          </a:fillRef>
-          <a:effectRef idx="0">
-            <a:schemeClr val="accent1"/>
-          </a:effectRef>
-          <a:fontRef idx="minor">
-            <a:schemeClr val="tx1"/>
-          </a:fontRef>
-        </p:style>
-      </p:cxnSp>
-      <p:cxnSp>
-        <p:nvCxnSpPr>
-          <p:cNvPr id="18" name="17 Conector recto"/>
-          <p:cNvCxnSpPr>
-            <a:stCxn id="111" idx="2"/>
-            <a:endCxn id="112" idx="0"/>
-          </p:cNvCxnSpPr>
-          <p:nvPr/>
-        </p:nvCxnSpPr>
-        <p:spPr>
-          <a:xfrm>
-            <a:off x="12690451" y="5460475"/>
-            <a:ext cx="0" cy="217292"/>
-          </a:xfrm>
-          <a:prstGeom prst="line">
-            <a:avLst/>
-          </a:prstGeom>
-        </p:spPr>
-        <p:style>
-          <a:lnRef idx="1">
-            <a:schemeClr val="accent1"/>
-          </a:lnRef>
-          <a:fillRef idx="0">
-            <a:schemeClr val="accent1"/>
-          </a:fillRef>
-          <a:effectRef idx="0">
-            <a:schemeClr val="accent1"/>
-          </a:effectRef>
-          <a:fontRef idx="minor">
-            <a:schemeClr val="tx1"/>
-          </a:fontRef>
-        </p:style>
-      </p:cxnSp>
-      <p:cxnSp>
-        <p:nvCxnSpPr>
-          <p:cNvPr id="22" name="21 Conector recto"/>
-          <p:cNvCxnSpPr>
-            <a:stCxn id="111" idx="2"/>
-            <a:endCxn id="112" idx="0"/>
-          </p:cNvCxnSpPr>
-          <p:nvPr/>
-        </p:nvCxnSpPr>
-        <p:spPr>
-          <a:xfrm>
-            <a:off x="12690451" y="5460475"/>
-            <a:ext cx="0" cy="217292"/>
-          </a:xfrm>
-          <a:prstGeom prst="line">
-            <a:avLst/>
-          </a:prstGeom>
-          <a:ln w="12700">
-            <a:solidFill>
-              <a:schemeClr val="tx1"/>
-            </a:solidFill>
-          </a:ln>
-        </p:spPr>
-        <p:style>
-          <a:lnRef idx="1">
-            <a:schemeClr val="accent1"/>
-          </a:lnRef>
-          <a:fillRef idx="0">
-            <a:schemeClr val="accent1"/>
-          </a:fillRef>
-          <a:effectRef idx="0">
-            <a:schemeClr val="accent1"/>
-          </a:effectRef>
-          <a:fontRef idx="minor">
-            <a:schemeClr val="tx1"/>
-          </a:fontRef>
-        </p:style>
-      </p:cxnSp>
-      <p:sp>
-        <p:nvSpPr>
           <p:cNvPr id="115" name="Rectángulo 35"/>
           <p:cNvSpPr/>
           <p:nvPr/>
         </p:nvSpPr>
         <p:spPr>
           <a:xfrm>
-            <a:off x="5537236" y="3908895"/>
+            <a:off x="6231889" y="3922032"/>
             <a:ext cx="1095738" cy="272078"/>
           </a:xfrm>
           <a:prstGeom prst="rect">
@@ -5332,8 +3858,8 @@
         </p:nvCxnSpPr>
         <p:spPr>
           <a:xfrm rot="16200000" flipH="1">
-            <a:off x="4650275" y="2474064"/>
-            <a:ext cx="238497" cy="2631164"/>
+            <a:off x="5035206" y="2177479"/>
+            <a:ext cx="162483" cy="3326621"/>
           </a:xfrm>
           <a:prstGeom prst="bentConnector3">
             <a:avLst>
@@ -5369,7 +3895,7 @@
         </p:nvSpPr>
         <p:spPr>
           <a:xfrm>
-            <a:off x="5608545" y="4387950"/>
+            <a:off x="6313816" y="4355454"/>
             <a:ext cx="950457" cy="449386"/>
           </a:xfrm>
           <a:prstGeom prst="rect">
@@ -5428,7 +3954,7 @@
         </p:nvSpPr>
         <p:spPr>
           <a:xfrm>
-            <a:off x="5608542" y="5008428"/>
+            <a:off x="6304582" y="4941592"/>
             <a:ext cx="950457" cy="449386"/>
           </a:xfrm>
           <a:prstGeom prst="rect">
@@ -5487,7 +4013,7 @@
         </p:nvSpPr>
         <p:spPr>
           <a:xfrm>
-            <a:off x="5608544" y="5628917"/>
+            <a:off x="6315027" y="5508332"/>
             <a:ext cx="950457" cy="449386"/>
           </a:xfrm>
           <a:prstGeom prst="rect">
@@ -5546,7 +4072,7 @@
         </p:nvSpPr>
         <p:spPr>
           <a:xfrm>
-            <a:off x="5608538" y="6260287"/>
+            <a:off x="6315020" y="6106483"/>
             <a:ext cx="950457" cy="449386"/>
           </a:xfrm>
           <a:prstGeom prst="rect">
@@ -5605,7 +4131,7 @@
         </p:nvSpPr>
         <p:spPr>
           <a:xfrm>
-            <a:off x="5556827" y="6935186"/>
+            <a:off x="6305302" y="6645275"/>
             <a:ext cx="1057097" cy="449386"/>
           </a:xfrm>
           <a:prstGeom prst="rect">
@@ -5666,9 +4192,9 @@
           <p:nvPr/>
         </p:nvCxnSpPr>
         <p:spPr>
-          <a:xfrm flipH="1">
-            <a:off x="6083774" y="4180973"/>
-            <a:ext cx="1331" cy="206977"/>
+          <a:xfrm>
+            <a:off x="6779758" y="4194110"/>
+            <a:ext cx="9287" cy="161344"/>
           </a:xfrm>
           <a:prstGeom prst="line">
             <a:avLst/>
@@ -5705,8 +4231,8 @@
         </p:nvCxnSpPr>
         <p:spPr>
           <a:xfrm flipH="1">
-            <a:off x="6083771" y="4837336"/>
-            <a:ext cx="3" cy="171092"/>
+            <a:off x="6779811" y="4804840"/>
+            <a:ext cx="9234" cy="136752"/>
           </a:xfrm>
           <a:prstGeom prst="line">
             <a:avLst/>
@@ -5743,8 +4269,8 @@
         </p:nvCxnSpPr>
         <p:spPr>
           <a:xfrm>
-            <a:off x="6083771" y="5457814"/>
-            <a:ext cx="2" cy="171103"/>
+            <a:off x="6779811" y="5390978"/>
+            <a:ext cx="10445" cy="117354"/>
           </a:xfrm>
           <a:prstGeom prst="line">
             <a:avLst/>
@@ -5781,8 +4307,8 @@
         </p:nvCxnSpPr>
         <p:spPr>
           <a:xfrm flipH="1">
-            <a:off x="6083767" y="6078303"/>
-            <a:ext cx="6" cy="181984"/>
+            <a:off x="6790249" y="5957718"/>
+            <a:ext cx="7" cy="148765"/>
           </a:xfrm>
           <a:prstGeom prst="line">
             <a:avLst/>
@@ -5819,8 +4345,8 @@
         </p:nvCxnSpPr>
         <p:spPr>
           <a:xfrm>
-            <a:off x="6083767" y="6709673"/>
-            <a:ext cx="1609" cy="225513"/>
+            <a:off x="6790249" y="6555869"/>
+            <a:ext cx="43602" cy="89406"/>
           </a:xfrm>
           <a:prstGeom prst="line">
             <a:avLst/>
@@ -5854,7 +4380,7 @@
         </p:nvSpPr>
         <p:spPr>
           <a:xfrm>
-            <a:off x="6757047" y="3940108"/>
+            <a:off x="7566036" y="3938110"/>
             <a:ext cx="1095738" cy="272078"/>
           </a:xfrm>
           <a:prstGeom prst="rect">
@@ -5913,46 +4439,6 @@
           </a:p>
         </p:txBody>
       </p:sp>
-      <p:cxnSp>
-        <p:nvCxnSpPr>
-          <p:cNvPr id="118" name="160 Conector angular"/>
-          <p:cNvCxnSpPr>
-            <a:stCxn id="114" idx="2"/>
-            <a:endCxn id="116" idx="0"/>
-          </p:cNvCxnSpPr>
-          <p:nvPr/>
-        </p:nvCxnSpPr>
-        <p:spPr>
-          <a:xfrm rot="5400000">
-            <a:off x="8489227" y="2465122"/>
-            <a:ext cx="290675" cy="2659296"/>
-          </a:xfrm>
-          <a:prstGeom prst="bentConnector3">
-            <a:avLst>
-              <a:gd name="adj1" fmla="val 50000"/>
-            </a:avLst>
-          </a:prstGeom>
-          <a:ln w="12700">
-            <a:solidFill>
-              <a:schemeClr val="tx1"/>
-            </a:solidFill>
-          </a:ln>
-        </p:spPr>
-        <p:style>
-          <a:lnRef idx="1">
-            <a:schemeClr val="accent1"/>
-          </a:lnRef>
-          <a:fillRef idx="0">
-            <a:schemeClr val="accent1"/>
-          </a:fillRef>
-          <a:effectRef idx="0">
-            <a:schemeClr val="accent1"/>
-          </a:effectRef>
-          <a:fontRef idx="minor">
-            <a:schemeClr val="tx1"/>
-          </a:fontRef>
-        </p:style>
-      </p:cxnSp>
       <p:sp>
         <p:nvSpPr>
           <p:cNvPr id="119" name="Rectángulo 33"/>
@@ -5961,7 +4447,7 @@
         </p:nvSpPr>
         <p:spPr>
           <a:xfrm>
-            <a:off x="6827539" y="4397129"/>
+            <a:off x="7641196" y="4387950"/>
             <a:ext cx="950457" cy="449386"/>
           </a:xfrm>
           <a:prstGeom prst="rect">
@@ -6000,7 +4486,7 @@
                 <a:latin typeface="Arial" panose="020B0604020202020204" pitchFamily="34" charset="0"/>
                 <a:cs typeface="Arial" panose="020B0604020202020204" pitchFamily="34" charset="0"/>
               </a:rPr>
-              <a:t>Medición de  </a:t>
+              <a:t>medición </a:t>
             </a:r>
             <a:r>
               <a:rPr lang="es-CO" sz="900" dirty="0" smtClean="0">
@@ -6010,7 +4496,7 @@
                 <a:latin typeface="Arial" panose="020B0604020202020204" pitchFamily="34" charset="0"/>
                 <a:cs typeface="Arial" panose="020B0604020202020204" pitchFamily="34" charset="0"/>
               </a:rPr>
-              <a:t>temblores  </a:t>
+              <a:t>de  temblores  </a:t>
             </a:r>
             <a:endParaRPr lang="es-ES_tradnl" sz="900" i="1" dirty="0" smtClean="0">
               <a:solidFill>
@@ -6030,7 +4516,7 @@
         </p:nvSpPr>
         <p:spPr>
           <a:xfrm>
-            <a:off x="6827536" y="5017607"/>
+            <a:off x="7638676" y="4975029"/>
             <a:ext cx="950457" cy="449386"/>
           </a:xfrm>
           <a:prstGeom prst="rect">
@@ -6062,6 +4548,16 @@
           <a:p>
             <a:pPr algn="ctr"/>
             <a:r>
+              <a:rPr lang="es-CO" sz="900" dirty="0">
+                <a:solidFill>
+                  <a:schemeClr val="tx1"/>
+                </a:solidFill>
+                <a:latin typeface="Arial" panose="020B0604020202020204" pitchFamily="34" charset="0"/>
+                <a:cs typeface="Arial" panose="020B0604020202020204" pitchFamily="34" charset="0"/>
+              </a:rPr>
+              <a:t>c</a:t>
+            </a:r>
+            <a:r>
               <a:rPr lang="es-CO" sz="900" dirty="0" smtClean="0">
                 <a:solidFill>
                   <a:schemeClr val="tx1"/>
@@ -6069,7 +4565,17 @@
                 <a:latin typeface="Arial" panose="020B0604020202020204" pitchFamily="34" charset="0"/>
                 <a:cs typeface="Arial" panose="020B0604020202020204" pitchFamily="34" charset="0"/>
               </a:rPr>
-              <a:t>Calculo antigüedad  objetos  </a:t>
+              <a:t>alculo </a:t>
+            </a:r>
+            <a:r>
+              <a:rPr lang="es-CO" sz="900" dirty="0" smtClean="0">
+                <a:solidFill>
+                  <a:schemeClr val="tx1"/>
+                </a:solidFill>
+                <a:latin typeface="Arial" panose="020B0604020202020204" pitchFamily="34" charset="0"/>
+                <a:cs typeface="Arial" panose="020B0604020202020204" pitchFamily="34" charset="0"/>
+              </a:rPr>
+              <a:t>antigüedad  objetos  </a:t>
             </a:r>
             <a:endParaRPr lang="es-ES_tradnl" sz="900" i="1" dirty="0" smtClean="0">
               <a:solidFill>
@@ -6089,7 +4595,7 @@
         </p:nvSpPr>
         <p:spPr>
           <a:xfrm>
-            <a:off x="6827538" y="5638096"/>
+            <a:off x="7638676" y="5564409"/>
             <a:ext cx="950457" cy="449386"/>
           </a:xfrm>
           <a:prstGeom prst="rect">
@@ -6121,14 +4627,14 @@
           <a:p>
             <a:pPr algn="ctr"/>
             <a:r>
-              <a:rPr lang="es-CO" sz="900" dirty="0">
+              <a:rPr lang="es-CO" sz="900" dirty="0" smtClean="0">
                 <a:solidFill>
                   <a:schemeClr val="tx1"/>
                 </a:solidFill>
                 <a:latin typeface="Arial" panose="020B0604020202020204" pitchFamily="34" charset="0"/>
                 <a:cs typeface="Arial" panose="020B0604020202020204" pitchFamily="34" charset="0"/>
               </a:rPr>
-              <a:t>m</a:t>
+              <a:t>medición de la  </a:t>
             </a:r>
             <a:r>
               <a:rPr lang="es-CO" sz="900" dirty="0" smtClean="0">
@@ -6138,27 +4644,7 @@
                 <a:latin typeface="Arial" panose="020B0604020202020204" pitchFamily="34" charset="0"/>
                 <a:cs typeface="Arial" panose="020B0604020202020204" pitchFamily="34" charset="0"/>
               </a:rPr>
-              <a:t>edir  la </a:t>
-            </a:r>
-            <a:r>
-              <a:rPr lang="es-CO" sz="900" dirty="0" smtClean="0">
-                <a:solidFill>
-                  <a:schemeClr val="tx1"/>
-                </a:solidFill>
-                <a:latin typeface="Arial" panose="020B0604020202020204" pitchFamily="34" charset="0"/>
-                <a:cs typeface="Arial" panose="020B0604020202020204" pitchFamily="34" charset="0"/>
-              </a:rPr>
-              <a:t>acidez </a:t>
-            </a:r>
-            <a:r>
-              <a:rPr lang="es-CO" sz="900" dirty="0" smtClean="0">
-                <a:solidFill>
-                  <a:schemeClr val="tx1"/>
-                </a:solidFill>
-                <a:latin typeface="Arial" panose="020B0604020202020204" pitchFamily="34" charset="0"/>
-                <a:cs typeface="Arial" panose="020B0604020202020204" pitchFamily="34" charset="0"/>
-              </a:rPr>
-              <a:t>pH   </a:t>
+              <a:t>la acidez pH   </a:t>
             </a:r>
             <a:endParaRPr lang="es-ES_tradnl" sz="900" i="1" dirty="0" smtClean="0">
               <a:solidFill>
@@ -6181,8 +4667,8 @@
         </p:nvCxnSpPr>
         <p:spPr>
           <a:xfrm flipH="1">
-            <a:off x="7302765" y="4846515"/>
-            <a:ext cx="3" cy="171092"/>
+            <a:off x="8113905" y="4837336"/>
+            <a:ext cx="2520" cy="137693"/>
           </a:xfrm>
           <a:prstGeom prst="line">
             <a:avLst/>
@@ -6219,8 +4705,8 @@
         </p:nvCxnSpPr>
         <p:spPr>
           <a:xfrm>
-            <a:off x="7302765" y="5466993"/>
-            <a:ext cx="2" cy="171103"/>
+            <a:off x="8113905" y="5424415"/>
+            <a:ext cx="0" cy="139994"/>
           </a:xfrm>
           <a:prstGeom prst="line">
             <a:avLst/>
@@ -6256,9 +4742,9 @@
           <p:nvPr/>
         </p:nvCxnSpPr>
         <p:spPr>
-          <a:xfrm flipH="1">
-            <a:off x="7302768" y="4212186"/>
-            <a:ext cx="2148" cy="184943"/>
+          <a:xfrm>
+            <a:off x="8113905" y="4210188"/>
+            <a:ext cx="2520" cy="177762"/>
           </a:xfrm>
           <a:prstGeom prst="line">
             <a:avLst/>
@@ -6292,7 +4778,7 @@
         </p:nvSpPr>
         <p:spPr>
           <a:xfrm>
-            <a:off x="2429803" y="6266316"/>
+            <a:off x="1208277" y="7394277"/>
             <a:ext cx="1244135" cy="370896"/>
           </a:xfrm>
           <a:prstGeom prst="rect">
@@ -6445,37 +4931,7 @@
                 <a:latin typeface="Arial" panose="020B0604020202020204" pitchFamily="34" charset="0"/>
                 <a:cs typeface="Arial" panose="020B0604020202020204" pitchFamily="34" charset="0"/>
               </a:rPr>
-              <a:t> </a:t>
-            </a:r>
-            <a:r>
-              <a:rPr lang="es-CO" sz="900" dirty="0" smtClean="0">
-                <a:solidFill>
-                  <a:schemeClr val="tx1"/>
-                </a:solidFill>
-                <a:latin typeface="Arial" panose="020B0604020202020204" pitchFamily="34" charset="0"/>
-                <a:cs typeface="Arial" panose="020B0604020202020204" pitchFamily="34" charset="0"/>
-              </a:rPr>
-              <a:t>&gt;</a:t>
-            </a:r>
-            <a:r>
-              <a:rPr lang="es-CO" sz="900" dirty="0" smtClean="0">
-                <a:solidFill>
-                  <a:schemeClr val="tx1"/>
-                </a:solidFill>
-                <a:latin typeface="Arial" panose="020B0604020202020204" pitchFamily="34" charset="0"/>
-                <a:cs typeface="Arial" panose="020B0604020202020204" pitchFamily="34" charset="0"/>
-              </a:rPr>
-              <a:t> </a:t>
-            </a:r>
-            <a:r>
-              <a:rPr lang="es-CO" sz="900" dirty="0" smtClean="0">
-                <a:solidFill>
-                  <a:schemeClr val="tx1"/>
-                </a:solidFill>
-                <a:latin typeface="Arial" panose="020B0604020202020204" pitchFamily="34" charset="0"/>
-                <a:cs typeface="Arial" panose="020B0604020202020204" pitchFamily="34" charset="0"/>
-              </a:rPr>
-              <a:t>1 </a:t>
+              <a:t> &gt; 1 </a:t>
             </a:r>
             <a:r>
               <a:rPr lang="es-CO" sz="900" dirty="0">
@@ -6555,7 +5011,7 @@
         </p:nvSpPr>
         <p:spPr>
           <a:xfrm>
-            <a:off x="10500319" y="6412766"/>
+            <a:off x="9533994" y="7036815"/>
             <a:ext cx="1244135" cy="370896"/>
           </a:xfrm>
           <a:prstGeom prst="rect">
@@ -6708,37 +5164,7 @@
                 <a:latin typeface="Arial" panose="020B0604020202020204" pitchFamily="34" charset="0"/>
                 <a:cs typeface="Arial" panose="020B0604020202020204" pitchFamily="34" charset="0"/>
               </a:rPr>
-              <a:t> </a:t>
-            </a:r>
-            <a:r>
-              <a:rPr lang="es-CO" sz="900" dirty="0" smtClean="0">
-                <a:solidFill>
-                  <a:schemeClr val="tx1"/>
-                </a:solidFill>
-                <a:latin typeface="Arial" panose="020B0604020202020204" pitchFamily="34" charset="0"/>
-                <a:cs typeface="Arial" panose="020B0604020202020204" pitchFamily="34" charset="0"/>
-              </a:rPr>
-              <a:t>&gt;</a:t>
-            </a:r>
-            <a:r>
-              <a:rPr lang="es-CO" sz="900" dirty="0" smtClean="0">
-                <a:solidFill>
-                  <a:schemeClr val="tx1"/>
-                </a:solidFill>
-                <a:latin typeface="Arial" panose="020B0604020202020204" pitchFamily="34" charset="0"/>
-                <a:cs typeface="Arial" panose="020B0604020202020204" pitchFamily="34" charset="0"/>
-              </a:rPr>
-              <a:t> </a:t>
-            </a:r>
-            <a:r>
-              <a:rPr lang="es-CO" sz="900" dirty="0" smtClean="0">
-                <a:solidFill>
-                  <a:schemeClr val="tx1"/>
-                </a:solidFill>
-                <a:latin typeface="Arial" panose="020B0604020202020204" pitchFamily="34" charset="0"/>
-                <a:cs typeface="Arial" panose="020B0604020202020204" pitchFamily="34" charset="0"/>
-              </a:rPr>
-              <a:t>1 </a:t>
+              <a:t> &gt; 1 </a:t>
             </a:r>
             <a:r>
               <a:rPr lang="es-CO" sz="900" dirty="0">
@@ -6810,6 +5236,1293 @@
           </a:p>
         </p:txBody>
       </p:sp>
+      <p:pic>
+        <p:nvPicPr>
+          <p:cNvPr id="1026" name="Picture 2" descr="http://latex.codecogs.com/png.latex?%5Cdpi%7B200%7D%20%5Cfn_jvn%20%5CLARGE%20%5Cbegin%7Bmatrix%7D%20f%3A%5Cmathbb%7BR%7D%5Crightarrow%20%5Cmathbb%7BR%7D%5E&amp;plus;%5C%5C%20f%28x%29%3Da%5Ex%2C%20a%5Cin%20%5Cmathbb%7BR%7D%5E&amp;plus;%2Ca%5Cneq%201%20%5Cend%7Bmatrix%7D"/>
+          <p:cNvPicPr>
+            <a:picLocks noChangeAspect="1" noChangeArrowheads="1"/>
+          </p:cNvPicPr>
+          <p:nvPr/>
+        </p:nvPicPr>
+        <p:blipFill>
+          <a:blip r:embed="rId3" cstate="print">
+            <a:extLst>
+              <a:ext uri="{28A0092B-C50C-407E-A947-70E740481C1C}">
+                <a14:useLocalDpi xmlns:a14="http://schemas.microsoft.com/office/drawing/2010/main" val="0"/>
+              </a:ext>
+            </a:extLst>
+          </a:blip>
+          <a:srcRect/>
+          <a:stretch>
+            <a:fillRect/>
+          </a:stretch>
+        </p:blipFill>
+        <p:spPr bwMode="auto">
+          <a:xfrm>
+            <a:off x="2838775" y="3325124"/>
+            <a:ext cx="1344301" cy="305454"/>
+          </a:xfrm>
+          <a:prstGeom prst="rect">
+            <a:avLst/>
+          </a:prstGeom>
+          <a:noFill/>
+          <a:extLst>
+            <a:ext uri="{909E8E84-426E-40DD-AFC4-6F175D3DCCD1}">
+              <a14:hiddenFill xmlns:a14="http://schemas.microsoft.com/office/drawing/2010/main">
+                <a:solidFill>
+                  <a:srgbClr val="FFFFFF"/>
+                </a:solidFill>
+              </a14:hiddenFill>
+            </a:ext>
+          </a:extLst>
+        </p:spPr>
+      </p:pic>
+      <p:pic>
+        <p:nvPicPr>
+          <p:cNvPr id="1028" name="Picture 4" descr="http://latex.codecogs.com/png.latex?%5Cdpi%7B200%7D%20%5Cfn_jvn%20%5CLARGE%20%5Cbegin%7Bmatrix%7D%20f%3A%5Cmathbb%7BR%7D%5Crightarrow%20%5Cmathbb%7BR%7D%5E&amp;plus;%5C%5C%20f%28x%29%3Dlog_ax%2C%20a%5Cin%20%5Cmathbb%7BR%7D%5E&amp;plus;%2C%20a%20%5Cneq%201%20%5Cend%7Bmatrix%7D"/>
+          <p:cNvPicPr>
+            <a:picLocks noChangeAspect="1" noChangeArrowheads="1"/>
+          </p:cNvPicPr>
+          <p:nvPr/>
+        </p:nvPicPr>
+        <p:blipFill>
+          <a:blip r:embed="rId4" cstate="print">
+            <a:extLst>
+              <a:ext uri="{28A0092B-C50C-407E-A947-70E740481C1C}">
+                <a14:useLocalDpi xmlns:a14="http://schemas.microsoft.com/office/drawing/2010/main" val="0"/>
+              </a:ext>
+            </a:extLst>
+          </a:blip>
+          <a:srcRect/>
+          <a:stretch>
+            <a:fillRect/>
+          </a:stretch>
+        </p:blipFill>
+        <p:spPr bwMode="auto">
+          <a:xfrm>
+            <a:off x="9201838" y="3295593"/>
+            <a:ext cx="1654673" cy="293608"/>
+          </a:xfrm>
+          <a:prstGeom prst="rect">
+            <a:avLst/>
+          </a:prstGeom>
+          <a:noFill/>
+          <a:extLst>
+            <a:ext uri="{909E8E84-426E-40DD-AFC4-6F175D3DCCD1}">
+              <a14:hiddenFill xmlns:a14="http://schemas.microsoft.com/office/drawing/2010/main">
+                <a:solidFill>
+                  <a:srgbClr val="FFFFFF"/>
+                </a:solidFill>
+              </a14:hiddenFill>
+            </a:ext>
+          </a:extLst>
+        </p:spPr>
+      </p:pic>
+      <p:pic>
+        <p:nvPicPr>
+          <p:cNvPr id="1030" name="Picture 6" descr="http://latex.codecogs.com/png.latex?%5Cdpi%7B200%7D%20%5Cfn_jvn%20%5CLARGE%20y%20%3D%20a%5Ex"/>
+          <p:cNvPicPr>
+            <a:picLocks noChangeAspect="1" noChangeArrowheads="1"/>
+          </p:cNvPicPr>
+          <p:nvPr/>
+        </p:nvPicPr>
+        <p:blipFill>
+          <a:blip r:embed="rId5" cstate="print">
+            <a:extLst>
+              <a:ext uri="{28A0092B-C50C-407E-A947-70E740481C1C}">
+                <a14:useLocalDpi xmlns:a14="http://schemas.microsoft.com/office/drawing/2010/main" val="0"/>
+              </a:ext>
+            </a:extLst>
+          </a:blip>
+          <a:srcRect/>
+          <a:stretch>
+            <a:fillRect/>
+          </a:stretch>
+        </p:blipFill>
+        <p:spPr bwMode="auto">
+          <a:xfrm>
+            <a:off x="495203" y="6561778"/>
+            <a:ext cx="692039" cy="225315"/>
+          </a:xfrm>
+          <a:prstGeom prst="rect">
+            <a:avLst/>
+          </a:prstGeom>
+          <a:noFill/>
+          <a:extLst>
+            <a:ext uri="{909E8E84-426E-40DD-AFC4-6F175D3DCCD1}">
+              <a14:hiddenFill xmlns:a14="http://schemas.microsoft.com/office/drawing/2010/main">
+                <a:solidFill>
+                  <a:srgbClr val="FFFFFF"/>
+                </a:solidFill>
+              </a14:hiddenFill>
+            </a:ext>
+          </a:extLst>
+        </p:spPr>
+      </p:pic>
+      <p:cxnSp>
+        <p:nvCxnSpPr>
+          <p:cNvPr id="24" name="Conector angular 23"/>
+          <p:cNvCxnSpPr>
+            <a:stCxn id="124" idx="0"/>
+            <a:endCxn id="396" idx="2"/>
+          </p:cNvCxnSpPr>
+          <p:nvPr/>
+        </p:nvCxnSpPr>
+        <p:spPr>
+          <a:xfrm rot="5400000" flipH="1" flipV="1">
+            <a:off x="1305734" y="6409106"/>
+            <a:ext cx="1509783" cy="460561"/>
+          </a:xfrm>
+          <a:prstGeom prst="bentConnector3">
+            <a:avLst/>
+          </a:prstGeom>
+          <a:ln>
+            <a:solidFill>
+              <a:schemeClr val="tx1"/>
+            </a:solidFill>
+          </a:ln>
+        </p:spPr>
+        <p:style>
+          <a:lnRef idx="1">
+            <a:schemeClr val="accent1"/>
+          </a:lnRef>
+          <a:fillRef idx="0">
+            <a:schemeClr val="accent1"/>
+          </a:fillRef>
+          <a:effectRef idx="0">
+            <a:schemeClr val="accent1"/>
+          </a:effectRef>
+          <a:fontRef idx="minor">
+            <a:schemeClr val="tx1"/>
+          </a:fontRef>
+        </p:style>
+      </p:cxnSp>
+      <p:cxnSp>
+        <p:nvCxnSpPr>
+          <p:cNvPr id="30" name="Conector angular 29"/>
+          <p:cNvCxnSpPr>
+            <a:stCxn id="363" idx="2"/>
+            <a:endCxn id="72" idx="0"/>
+          </p:cNvCxnSpPr>
+          <p:nvPr/>
+        </p:nvCxnSpPr>
+        <p:spPr>
+          <a:xfrm rot="16200000" flipH="1">
+            <a:off x="1948893" y="4223029"/>
+            <a:ext cx="264614" cy="448632"/>
+          </a:xfrm>
+          <a:prstGeom prst="bentConnector3">
+            <a:avLst/>
+          </a:prstGeom>
+          <a:ln>
+            <a:solidFill>
+              <a:schemeClr val="tx1"/>
+            </a:solidFill>
+          </a:ln>
+        </p:spPr>
+        <p:style>
+          <a:lnRef idx="1">
+            <a:schemeClr val="accent1"/>
+          </a:lnRef>
+          <a:fillRef idx="0">
+            <a:schemeClr val="accent1"/>
+          </a:fillRef>
+          <a:effectRef idx="0">
+            <a:schemeClr val="accent1"/>
+          </a:effectRef>
+          <a:fontRef idx="minor">
+            <a:schemeClr val="tx1"/>
+          </a:fontRef>
+        </p:style>
+      </p:cxnSp>
+      <p:sp>
+        <p:nvSpPr>
+          <p:cNvPr id="135" name="Rectángulo 33"/>
+          <p:cNvSpPr/>
+          <p:nvPr/>
+        </p:nvSpPr>
+        <p:spPr>
+          <a:xfrm>
+            <a:off x="3846178" y="5391918"/>
+            <a:ext cx="950457" cy="583430"/>
+          </a:xfrm>
+          <a:prstGeom prst="rect">
+            <a:avLst/>
+          </a:prstGeom>
+          <a:solidFill>
+            <a:schemeClr val="bg2">
+              <a:lumMod val="90000"/>
+            </a:schemeClr>
+          </a:solidFill>
+        </p:spPr>
+        <p:style>
+          <a:lnRef idx="2">
+            <a:schemeClr val="dk1"/>
+          </a:lnRef>
+          <a:fillRef idx="1">
+            <a:schemeClr val="lt1"/>
+          </a:fillRef>
+          <a:effectRef idx="0">
+            <a:schemeClr val="dk1"/>
+          </a:effectRef>
+          <a:fontRef idx="minor">
+            <a:schemeClr val="dk1"/>
+          </a:fontRef>
+        </p:style>
+        <p:txBody>
+          <a:bodyPr lIns="105683" tIns="52841" rIns="105683" bIns="52841" rtlCol="0" anchor="ctr"/>
+          <a:lstStyle/>
+          <a:p>
+            <a:pPr algn="ctr"/>
+            <a:r>
+              <a:rPr lang="es-CO" sz="900" dirty="0" smtClean="0">
+                <a:solidFill>
+                  <a:schemeClr val="tx1"/>
+                </a:solidFill>
+                <a:latin typeface="Arial" panose="020B0604020202020204" pitchFamily="34" charset="0"/>
+                <a:cs typeface="Arial" panose="020B0604020202020204" pitchFamily="34" charset="0"/>
+              </a:rPr>
+              <a:t> </a:t>
+            </a:r>
+            <a:r>
+              <a:rPr lang="es-CO" sz="900" dirty="0" smtClean="0">
+                <a:solidFill>
+                  <a:schemeClr val="tx1"/>
+                </a:solidFill>
+                <a:latin typeface="Arial" panose="020B0604020202020204" pitchFamily="34" charset="0"/>
+                <a:cs typeface="Arial" panose="020B0604020202020204" pitchFamily="34" charset="0"/>
+              </a:rPr>
+              <a:t>Rango: Números reales positivos</a:t>
+            </a:r>
+            <a:endParaRPr lang="es-CO" sz="900" b="1" dirty="0" smtClean="0">
+              <a:solidFill>
+                <a:schemeClr val="tx1"/>
+              </a:solidFill>
+              <a:latin typeface="Arial" panose="020B0604020202020204" pitchFamily="34" charset="0"/>
+              <a:cs typeface="Arial" panose="020B0604020202020204" pitchFamily="34" charset="0"/>
+            </a:endParaRPr>
+          </a:p>
+        </p:txBody>
+      </p:sp>
+      <p:sp>
+        <p:nvSpPr>
+          <p:cNvPr id="170" name="Rectángulo 33"/>
+          <p:cNvSpPr/>
+          <p:nvPr/>
+        </p:nvSpPr>
+        <p:spPr>
+          <a:xfrm>
+            <a:off x="4936560" y="5387000"/>
+            <a:ext cx="950457" cy="449386"/>
+          </a:xfrm>
+          <a:prstGeom prst="rect">
+            <a:avLst/>
+          </a:prstGeom>
+          <a:solidFill>
+            <a:schemeClr val="bg2">
+              <a:lumMod val="90000"/>
+            </a:schemeClr>
+          </a:solidFill>
+        </p:spPr>
+        <p:style>
+          <a:lnRef idx="2">
+            <a:schemeClr val="dk1"/>
+          </a:lnRef>
+          <a:fillRef idx="1">
+            <a:schemeClr val="lt1"/>
+          </a:fillRef>
+          <a:effectRef idx="0">
+            <a:schemeClr val="dk1"/>
+          </a:effectRef>
+          <a:fontRef idx="minor">
+            <a:schemeClr val="dk1"/>
+          </a:fontRef>
+        </p:style>
+        <p:txBody>
+          <a:bodyPr lIns="105683" tIns="52841" rIns="105683" bIns="52841" rtlCol="0" anchor="ctr"/>
+          <a:lstStyle/>
+          <a:p>
+            <a:pPr algn="ctr"/>
+            <a:r>
+              <a:rPr lang="es-CO" sz="900" dirty="0" smtClean="0">
+                <a:solidFill>
+                  <a:schemeClr val="tx1"/>
+                </a:solidFill>
+                <a:latin typeface="Arial" panose="020B0604020202020204" pitchFamily="34" charset="0"/>
+                <a:cs typeface="Arial" panose="020B0604020202020204" pitchFamily="34" charset="0"/>
+              </a:rPr>
+              <a:t>Puntos de corte</a:t>
+            </a:r>
+            <a:endParaRPr lang="es-CO" sz="900" b="1" dirty="0" smtClean="0">
+              <a:solidFill>
+                <a:schemeClr val="tx1"/>
+              </a:solidFill>
+              <a:latin typeface="Arial" panose="020B0604020202020204" pitchFamily="34" charset="0"/>
+              <a:cs typeface="Arial" panose="020B0604020202020204" pitchFamily="34" charset="0"/>
+            </a:endParaRPr>
+          </a:p>
+        </p:txBody>
+      </p:sp>
+      <p:sp>
+        <p:nvSpPr>
+          <p:cNvPr id="178" name="Rectángulo 35"/>
+          <p:cNvSpPr/>
+          <p:nvPr/>
+        </p:nvSpPr>
+        <p:spPr>
+          <a:xfrm>
+            <a:off x="3501764" y="4026426"/>
+            <a:ext cx="1191057" cy="384264"/>
+          </a:xfrm>
+          <a:prstGeom prst="rect">
+            <a:avLst/>
+          </a:prstGeom>
+          <a:ln>
+            <a:noFill/>
+          </a:ln>
+        </p:spPr>
+        <p:style>
+          <a:lnRef idx="2">
+            <a:schemeClr val="dk1"/>
+          </a:lnRef>
+          <a:fillRef idx="1">
+            <a:schemeClr val="lt1"/>
+          </a:fillRef>
+          <a:effectRef idx="0">
+            <a:schemeClr val="dk1"/>
+          </a:effectRef>
+          <a:fontRef idx="minor">
+            <a:schemeClr val="dk1"/>
+          </a:fontRef>
+        </p:style>
+        <p:txBody>
+          <a:bodyPr lIns="105683" tIns="52841" rIns="105683" bIns="52841" rtlCol="0" anchor="ctr"/>
+          <a:lstStyle/>
+          <a:p>
+            <a:pPr algn="ctr"/>
+            <a:r>
+              <a:rPr lang="es-CO" sz="900" dirty="0" smtClean="0">
+                <a:solidFill>
+                  <a:schemeClr val="tx1"/>
+                </a:solidFill>
+                <a:latin typeface="Arial" panose="020B0604020202020204" pitchFamily="34" charset="0"/>
+                <a:cs typeface="Arial" panose="020B0604020202020204" pitchFamily="34" charset="0"/>
+              </a:rPr>
+              <a:t>sus características son</a:t>
+            </a:r>
+            <a:endParaRPr lang="es-CO" sz="900" dirty="0">
+              <a:solidFill>
+                <a:schemeClr val="tx1"/>
+              </a:solidFill>
+              <a:latin typeface="Arial" panose="020B0604020202020204" pitchFamily="34" charset="0"/>
+              <a:cs typeface="Arial" panose="020B0604020202020204" pitchFamily="34" charset="0"/>
+            </a:endParaRPr>
+          </a:p>
+        </p:txBody>
+      </p:sp>
+      <p:sp>
+        <p:nvSpPr>
+          <p:cNvPr id="180" name="Rectángulo 33"/>
+          <p:cNvSpPr/>
+          <p:nvPr/>
+        </p:nvSpPr>
+        <p:spPr>
+          <a:xfrm>
+            <a:off x="4179101" y="6331176"/>
+            <a:ext cx="895494" cy="370896"/>
+          </a:xfrm>
+          <a:prstGeom prst="rect">
+            <a:avLst/>
+          </a:prstGeom>
+          <a:solidFill>
+            <a:schemeClr val="bg1"/>
+          </a:solidFill>
+        </p:spPr>
+        <p:style>
+          <a:lnRef idx="2">
+            <a:schemeClr val="dk1"/>
+          </a:lnRef>
+          <a:fillRef idx="1">
+            <a:schemeClr val="lt1"/>
+          </a:fillRef>
+          <a:effectRef idx="0">
+            <a:schemeClr val="dk1"/>
+          </a:effectRef>
+          <a:fontRef idx="minor">
+            <a:schemeClr val="dk1"/>
+          </a:fontRef>
+        </p:style>
+        <p:txBody>
+          <a:bodyPr lIns="105683" tIns="52841" rIns="105683" bIns="52841" rtlCol="0" anchor="ctr"/>
+          <a:lstStyle/>
+          <a:p>
+            <a:r>
+              <a:rPr lang="es-CO" sz="900" dirty="0" smtClean="0">
+                <a:solidFill>
+                  <a:srgbClr val="FF0000"/>
+                </a:solidFill>
+                <a:latin typeface="Arial" panose="020B0604020202020204" pitchFamily="34" charset="0"/>
+                <a:cs typeface="Arial" panose="020B0604020202020204" pitchFamily="34" charset="0"/>
+              </a:rPr>
+              <a:t>    </a:t>
+            </a:r>
+          </a:p>
+          <a:p>
+            <a:pPr algn="ctr"/>
+            <a:r>
+              <a:rPr lang="es-CO" sz="900" dirty="0" smtClean="0">
+                <a:solidFill>
+                  <a:schemeClr val="tx1">
+                    <a:lumMod val="75000"/>
+                    <a:lumOff val="25000"/>
+                  </a:schemeClr>
+                </a:solidFill>
+                <a:latin typeface="Arial" panose="020B0604020202020204" pitchFamily="34" charset="0"/>
+                <a:cs typeface="Arial" panose="020B0604020202020204" pitchFamily="34" charset="0"/>
+              </a:rPr>
+              <a:t>con el eje </a:t>
+            </a:r>
+            <a:r>
+              <a:rPr lang="es-CO" sz="900" i="1" dirty="0" smtClean="0">
+                <a:solidFill>
+                  <a:schemeClr val="tx1">
+                    <a:lumMod val="75000"/>
+                    <a:lumOff val="25000"/>
+                  </a:schemeClr>
+                </a:solidFill>
+                <a:latin typeface="Arial" panose="020B0604020202020204" pitchFamily="34" charset="0"/>
+                <a:cs typeface="Arial" panose="020B0604020202020204" pitchFamily="34" charset="0"/>
+              </a:rPr>
+              <a:t>Y</a:t>
+            </a:r>
+            <a:r>
+              <a:rPr lang="es-CO" sz="900" dirty="0" smtClean="0">
+                <a:solidFill>
+                  <a:schemeClr val="tx1">
+                    <a:lumMod val="75000"/>
+                    <a:lumOff val="25000"/>
+                  </a:schemeClr>
+                </a:solidFill>
+                <a:latin typeface="Arial" panose="020B0604020202020204" pitchFamily="34" charset="0"/>
+                <a:cs typeface="Arial" panose="020B0604020202020204" pitchFamily="34" charset="0"/>
+              </a:rPr>
+              <a:t>: </a:t>
+            </a:r>
+            <a:r>
+              <a:rPr lang="es-CO" sz="900" i="1" dirty="0" smtClean="0">
+                <a:solidFill>
+                  <a:schemeClr val="tx1">
+                    <a:lumMod val="75000"/>
+                    <a:lumOff val="25000"/>
+                  </a:schemeClr>
+                </a:solidFill>
+                <a:latin typeface="Arial" panose="020B0604020202020204" pitchFamily="34" charset="0"/>
+                <a:cs typeface="Arial" panose="020B0604020202020204" pitchFamily="34" charset="0"/>
+              </a:rPr>
+              <a:t>y</a:t>
+            </a:r>
+            <a:r>
+              <a:rPr lang="es-CO" sz="900" dirty="0" smtClean="0">
+                <a:solidFill>
+                  <a:schemeClr val="tx1">
+                    <a:lumMod val="75000"/>
+                    <a:lumOff val="25000"/>
+                  </a:schemeClr>
+                </a:solidFill>
+                <a:latin typeface="Arial" panose="020B0604020202020204" pitchFamily="34" charset="0"/>
+                <a:cs typeface="Arial" panose="020B0604020202020204" pitchFamily="34" charset="0"/>
+              </a:rPr>
+              <a:t> = 1</a:t>
+            </a:r>
+            <a:r>
+              <a:rPr lang="es-CO" sz="900" dirty="0" smtClean="0">
+                <a:solidFill>
+                  <a:srgbClr val="FF0000"/>
+                </a:solidFill>
+                <a:latin typeface="Arial" panose="020B0604020202020204" pitchFamily="34" charset="0"/>
+                <a:cs typeface="Arial" panose="020B0604020202020204" pitchFamily="34" charset="0"/>
+              </a:rPr>
+              <a:t> </a:t>
+            </a:r>
+            <a:endParaRPr lang="es-CO" sz="900" dirty="0">
+              <a:solidFill>
+                <a:srgbClr val="FF0000"/>
+              </a:solidFill>
+              <a:latin typeface="Arial" panose="020B0604020202020204" pitchFamily="34" charset="0"/>
+              <a:cs typeface="Arial" panose="020B0604020202020204" pitchFamily="34" charset="0"/>
+            </a:endParaRPr>
+          </a:p>
+        </p:txBody>
+      </p:sp>
+      <p:sp>
+        <p:nvSpPr>
+          <p:cNvPr id="182" name="Rectángulo 33"/>
+          <p:cNvSpPr/>
+          <p:nvPr/>
+        </p:nvSpPr>
+        <p:spPr>
+          <a:xfrm>
+            <a:off x="5220959" y="6341777"/>
+            <a:ext cx="895494" cy="370896"/>
+          </a:xfrm>
+          <a:prstGeom prst="rect">
+            <a:avLst/>
+          </a:prstGeom>
+          <a:solidFill>
+            <a:schemeClr val="bg1"/>
+          </a:solidFill>
+        </p:spPr>
+        <p:style>
+          <a:lnRef idx="2">
+            <a:schemeClr val="dk1"/>
+          </a:lnRef>
+          <a:fillRef idx="1">
+            <a:schemeClr val="lt1"/>
+          </a:fillRef>
+          <a:effectRef idx="0">
+            <a:schemeClr val="dk1"/>
+          </a:effectRef>
+          <a:fontRef idx="minor">
+            <a:schemeClr val="dk1"/>
+          </a:fontRef>
+        </p:style>
+        <p:txBody>
+          <a:bodyPr lIns="105683" tIns="52841" rIns="105683" bIns="52841" rtlCol="0" anchor="ctr"/>
+          <a:lstStyle/>
+          <a:p>
+            <a:r>
+              <a:rPr lang="es-CO" sz="900" dirty="0" smtClean="0">
+                <a:solidFill>
+                  <a:srgbClr val="FF0000"/>
+                </a:solidFill>
+                <a:latin typeface="Arial" panose="020B0604020202020204" pitchFamily="34" charset="0"/>
+                <a:cs typeface="Arial" panose="020B0604020202020204" pitchFamily="34" charset="0"/>
+              </a:rPr>
+              <a:t>    </a:t>
+            </a:r>
+          </a:p>
+          <a:p>
+            <a:pPr algn="ctr"/>
+            <a:r>
+              <a:rPr lang="es-CO" sz="900" dirty="0" smtClean="0">
+                <a:solidFill>
+                  <a:schemeClr val="tx1">
+                    <a:lumMod val="75000"/>
+                    <a:lumOff val="25000"/>
+                  </a:schemeClr>
+                </a:solidFill>
+                <a:latin typeface="Arial" panose="020B0604020202020204" pitchFamily="34" charset="0"/>
+                <a:cs typeface="Arial" panose="020B0604020202020204" pitchFamily="34" charset="0"/>
+              </a:rPr>
+              <a:t>con el eje </a:t>
+            </a:r>
+            <a:r>
+              <a:rPr lang="es-CO" sz="900" i="1" dirty="0" smtClean="0">
+                <a:solidFill>
+                  <a:schemeClr val="tx1">
+                    <a:lumMod val="75000"/>
+                    <a:lumOff val="25000"/>
+                  </a:schemeClr>
+                </a:solidFill>
+                <a:latin typeface="Arial" panose="020B0604020202020204" pitchFamily="34" charset="0"/>
+                <a:cs typeface="Arial" panose="020B0604020202020204" pitchFamily="34" charset="0"/>
+              </a:rPr>
+              <a:t>X</a:t>
+            </a:r>
+            <a:r>
+              <a:rPr lang="es-CO" sz="900" dirty="0" smtClean="0">
+                <a:solidFill>
+                  <a:schemeClr val="tx1">
+                    <a:lumMod val="75000"/>
+                    <a:lumOff val="25000"/>
+                  </a:schemeClr>
+                </a:solidFill>
+                <a:latin typeface="Arial" panose="020B0604020202020204" pitchFamily="34" charset="0"/>
+                <a:cs typeface="Arial" panose="020B0604020202020204" pitchFamily="34" charset="0"/>
+              </a:rPr>
+              <a:t>: No tiene</a:t>
+            </a:r>
+            <a:endParaRPr lang="es-CO" sz="900" dirty="0">
+              <a:solidFill>
+                <a:srgbClr val="FF0000"/>
+              </a:solidFill>
+              <a:latin typeface="Arial" panose="020B0604020202020204" pitchFamily="34" charset="0"/>
+              <a:cs typeface="Arial" panose="020B0604020202020204" pitchFamily="34" charset="0"/>
+            </a:endParaRPr>
+          </a:p>
+        </p:txBody>
+      </p:sp>
+      <p:cxnSp>
+        <p:nvCxnSpPr>
+          <p:cNvPr id="86" name="Conector angular 85"/>
+          <p:cNvCxnSpPr>
+            <a:stCxn id="170" idx="2"/>
+            <a:endCxn id="182" idx="0"/>
+          </p:cNvCxnSpPr>
+          <p:nvPr/>
+        </p:nvCxnSpPr>
+        <p:spPr>
+          <a:xfrm rot="16200000" flipH="1">
+            <a:off x="5287552" y="5960622"/>
+            <a:ext cx="505391" cy="256917"/>
+          </a:xfrm>
+          <a:prstGeom prst="bentConnector3">
+            <a:avLst>
+              <a:gd name="adj1" fmla="val 50000"/>
+            </a:avLst>
+          </a:prstGeom>
+          <a:ln>
+            <a:solidFill>
+              <a:schemeClr val="tx1"/>
+            </a:solidFill>
+          </a:ln>
+        </p:spPr>
+        <p:style>
+          <a:lnRef idx="1">
+            <a:schemeClr val="accent1"/>
+          </a:lnRef>
+          <a:fillRef idx="0">
+            <a:schemeClr val="accent1"/>
+          </a:fillRef>
+          <a:effectRef idx="0">
+            <a:schemeClr val="accent1"/>
+          </a:effectRef>
+          <a:fontRef idx="minor">
+            <a:schemeClr val="tx1"/>
+          </a:fontRef>
+        </p:style>
+      </p:cxnSp>
+      <p:cxnSp>
+        <p:nvCxnSpPr>
+          <p:cNvPr id="90" name="Conector recto 89"/>
+          <p:cNvCxnSpPr>
+            <a:stCxn id="178" idx="0"/>
+          </p:cNvCxnSpPr>
+          <p:nvPr/>
+        </p:nvCxnSpPr>
+        <p:spPr>
+          <a:xfrm flipV="1">
+            <a:off x="4097293" y="3866383"/>
+            <a:ext cx="36028" cy="160043"/>
+          </a:xfrm>
+          <a:prstGeom prst="line">
+            <a:avLst/>
+          </a:prstGeom>
+          <a:ln>
+            <a:solidFill>
+              <a:schemeClr val="tx1"/>
+            </a:solidFill>
+          </a:ln>
+        </p:spPr>
+        <p:style>
+          <a:lnRef idx="1">
+            <a:schemeClr val="accent1"/>
+          </a:lnRef>
+          <a:fillRef idx="0">
+            <a:schemeClr val="accent1"/>
+          </a:fillRef>
+          <a:effectRef idx="0">
+            <a:schemeClr val="accent1"/>
+          </a:effectRef>
+          <a:fontRef idx="minor">
+            <a:schemeClr val="tx1"/>
+          </a:fontRef>
+        </p:style>
+      </p:cxnSp>
+      <p:cxnSp>
+        <p:nvCxnSpPr>
+          <p:cNvPr id="94" name="Conector angular 93"/>
+          <p:cNvCxnSpPr>
+            <a:stCxn id="209" idx="0"/>
+            <a:endCxn id="178" idx="2"/>
+          </p:cNvCxnSpPr>
+          <p:nvPr/>
+        </p:nvCxnSpPr>
+        <p:spPr>
+          <a:xfrm rot="5400000" flipH="1" flipV="1">
+            <a:off x="3182756" y="4476442"/>
+            <a:ext cx="980288" cy="848785"/>
+          </a:xfrm>
+          <a:prstGeom prst="bentConnector3">
+            <a:avLst/>
+          </a:prstGeom>
+          <a:ln>
+            <a:solidFill>
+              <a:schemeClr val="tx1"/>
+            </a:solidFill>
+          </a:ln>
+        </p:spPr>
+        <p:style>
+          <a:lnRef idx="1">
+            <a:schemeClr val="accent1"/>
+          </a:lnRef>
+          <a:fillRef idx="0">
+            <a:schemeClr val="accent1"/>
+          </a:fillRef>
+          <a:effectRef idx="0">
+            <a:schemeClr val="accent1"/>
+          </a:effectRef>
+          <a:fontRef idx="minor">
+            <a:schemeClr val="tx1"/>
+          </a:fontRef>
+        </p:style>
+      </p:cxnSp>
+      <p:cxnSp>
+        <p:nvCxnSpPr>
+          <p:cNvPr id="96" name="Conector angular 95"/>
+          <p:cNvCxnSpPr>
+            <a:stCxn id="170" idx="0"/>
+            <a:endCxn id="178" idx="2"/>
+          </p:cNvCxnSpPr>
+          <p:nvPr/>
+        </p:nvCxnSpPr>
+        <p:spPr>
+          <a:xfrm rot="16200000" flipV="1">
+            <a:off x="4266386" y="4241597"/>
+            <a:ext cx="976310" cy="1314496"/>
+          </a:xfrm>
+          <a:prstGeom prst="bentConnector3">
+            <a:avLst/>
+          </a:prstGeom>
+          <a:ln>
+            <a:solidFill>
+              <a:schemeClr val="tx1"/>
+            </a:solidFill>
+          </a:ln>
+        </p:spPr>
+        <p:style>
+          <a:lnRef idx="1">
+            <a:schemeClr val="accent1"/>
+          </a:lnRef>
+          <a:fillRef idx="0">
+            <a:schemeClr val="accent1"/>
+          </a:fillRef>
+          <a:effectRef idx="0">
+            <a:schemeClr val="accent1"/>
+          </a:effectRef>
+          <a:fontRef idx="minor">
+            <a:schemeClr val="tx1"/>
+          </a:fontRef>
+        </p:style>
+      </p:cxnSp>
+      <p:cxnSp>
+        <p:nvCxnSpPr>
+          <p:cNvPr id="103" name="Conector angular 102"/>
+          <p:cNvCxnSpPr>
+            <a:stCxn id="135" idx="0"/>
+            <a:endCxn id="178" idx="2"/>
+          </p:cNvCxnSpPr>
+          <p:nvPr/>
+        </p:nvCxnSpPr>
+        <p:spPr>
+          <a:xfrm rot="16200000" flipV="1">
+            <a:off x="3718736" y="4789247"/>
+            <a:ext cx="981228" cy="224114"/>
+          </a:xfrm>
+          <a:prstGeom prst="bentConnector3">
+            <a:avLst/>
+          </a:prstGeom>
+          <a:ln>
+            <a:solidFill>
+              <a:schemeClr val="tx1"/>
+            </a:solidFill>
+          </a:ln>
+        </p:spPr>
+        <p:style>
+          <a:lnRef idx="1">
+            <a:schemeClr val="accent1"/>
+          </a:lnRef>
+          <a:fillRef idx="0">
+            <a:schemeClr val="accent1"/>
+          </a:fillRef>
+          <a:effectRef idx="0">
+            <a:schemeClr val="accent1"/>
+          </a:effectRef>
+          <a:fontRef idx="minor">
+            <a:schemeClr val="tx1"/>
+          </a:fontRef>
+        </p:style>
+      </p:cxnSp>
+      <p:cxnSp>
+        <p:nvCxnSpPr>
+          <p:cNvPr id="581" name="Conector angular 580"/>
+          <p:cNvCxnSpPr>
+            <a:stCxn id="114" idx="2"/>
+            <a:endCxn id="116" idx="0"/>
+          </p:cNvCxnSpPr>
+          <p:nvPr/>
+        </p:nvCxnSpPr>
+        <p:spPr>
+          <a:xfrm rot="5400000">
+            <a:off x="8894721" y="2868618"/>
+            <a:ext cx="288677" cy="1850307"/>
+          </a:xfrm>
+          <a:prstGeom prst="bentConnector3">
+            <a:avLst/>
+          </a:prstGeom>
+          <a:ln>
+            <a:solidFill>
+              <a:schemeClr val="tx1"/>
+            </a:solidFill>
+          </a:ln>
+        </p:spPr>
+        <p:style>
+          <a:lnRef idx="1">
+            <a:schemeClr val="accent1"/>
+          </a:lnRef>
+          <a:fillRef idx="0">
+            <a:schemeClr val="accent1"/>
+          </a:fillRef>
+          <a:effectRef idx="0">
+            <a:schemeClr val="accent1"/>
+          </a:effectRef>
+          <a:fontRef idx="minor">
+            <a:schemeClr val="tx1"/>
+          </a:fontRef>
+        </p:style>
+      </p:cxnSp>
+      <p:pic>
+        <p:nvPicPr>
+          <p:cNvPr id="1032" name="Picture 8" descr="http://latex.codecogs.com/png.latex?%5Cdpi%7B200%7D%20%5Cfn_jvn%20%5CLARGE%20y%20%3D%20log_ax"/>
+          <p:cNvPicPr>
+            <a:picLocks noChangeAspect="1" noChangeArrowheads="1"/>
+          </p:cNvPicPr>
+          <p:nvPr/>
+        </p:nvPicPr>
+        <p:blipFill>
+          <a:blip r:embed="rId6" cstate="print">
+            <a:extLst>
+              <a:ext uri="{28A0092B-C50C-407E-A947-70E740481C1C}">
+                <a14:useLocalDpi xmlns:a14="http://schemas.microsoft.com/office/drawing/2010/main" val="0"/>
+              </a:ext>
+            </a:extLst>
+          </a:blip>
+          <a:srcRect/>
+          <a:stretch>
+            <a:fillRect/>
+          </a:stretch>
+        </p:blipFill>
+        <p:spPr bwMode="auto">
+          <a:xfrm>
+            <a:off x="9077548" y="6514071"/>
+            <a:ext cx="704323" cy="148421"/>
+          </a:xfrm>
+          <a:prstGeom prst="rect">
+            <a:avLst/>
+          </a:prstGeom>
+          <a:noFill/>
+          <a:extLst>
+            <a:ext uri="{909E8E84-426E-40DD-AFC4-6F175D3DCCD1}">
+              <a14:hiddenFill xmlns:a14="http://schemas.microsoft.com/office/drawing/2010/main">
+                <a:solidFill>
+                  <a:srgbClr val="FFFFFF"/>
+                </a:solidFill>
+              </a14:hiddenFill>
+            </a:ext>
+          </a:extLst>
+        </p:spPr>
+      </p:pic>
+      <p:cxnSp>
+        <p:nvCxnSpPr>
+          <p:cNvPr id="591" name="Conector angular 590"/>
+          <p:cNvCxnSpPr>
+            <a:stCxn id="131" idx="0"/>
+            <a:endCxn id="168" idx="2"/>
+          </p:cNvCxnSpPr>
+          <p:nvPr/>
+        </p:nvCxnSpPr>
+        <p:spPr>
+          <a:xfrm rot="5400000" flipH="1" flipV="1">
+            <a:off x="10156387" y="6341454"/>
+            <a:ext cx="695037" cy="695686"/>
+          </a:xfrm>
+          <a:prstGeom prst="bentConnector3">
+            <a:avLst/>
+          </a:prstGeom>
+          <a:ln>
+            <a:solidFill>
+              <a:schemeClr val="tx1"/>
+            </a:solidFill>
+          </a:ln>
+        </p:spPr>
+        <p:style>
+          <a:lnRef idx="1">
+            <a:schemeClr val="accent1"/>
+          </a:lnRef>
+          <a:fillRef idx="0">
+            <a:schemeClr val="accent1"/>
+          </a:fillRef>
+          <a:effectRef idx="0">
+            <a:schemeClr val="accent1"/>
+          </a:effectRef>
+          <a:fontRef idx="minor">
+            <a:schemeClr val="tx1"/>
+          </a:fontRef>
+        </p:style>
+      </p:cxnSp>
+      <p:cxnSp>
+        <p:nvCxnSpPr>
+          <p:cNvPr id="594" name="Conector angular 593"/>
+          <p:cNvCxnSpPr>
+            <a:stCxn id="164" idx="0"/>
+            <a:endCxn id="168" idx="2"/>
+          </p:cNvCxnSpPr>
+          <p:nvPr/>
+        </p:nvCxnSpPr>
+        <p:spPr>
+          <a:xfrm rot="16200000" flipV="1">
+            <a:off x="10817386" y="6376141"/>
+            <a:ext cx="681603" cy="612877"/>
+          </a:xfrm>
+          <a:prstGeom prst="bentConnector3">
+            <a:avLst/>
+          </a:prstGeom>
+          <a:ln>
+            <a:solidFill>
+              <a:schemeClr val="tx1"/>
+            </a:solidFill>
+          </a:ln>
+        </p:spPr>
+        <p:style>
+          <a:lnRef idx="1">
+            <a:schemeClr val="accent1"/>
+          </a:lnRef>
+          <a:fillRef idx="0">
+            <a:schemeClr val="accent1"/>
+          </a:fillRef>
+          <a:effectRef idx="0">
+            <a:schemeClr val="accent1"/>
+          </a:effectRef>
+          <a:fontRef idx="minor">
+            <a:schemeClr val="tx1"/>
+          </a:fontRef>
+        </p:style>
+      </p:cxnSp>
+      <p:cxnSp>
+        <p:nvCxnSpPr>
+          <p:cNvPr id="597" name="Conector recto 596"/>
+          <p:cNvCxnSpPr/>
+          <p:nvPr/>
+        </p:nvCxnSpPr>
+        <p:spPr>
+          <a:xfrm>
+            <a:off x="10827751" y="5345456"/>
+            <a:ext cx="14471" cy="718017"/>
+          </a:xfrm>
+          <a:prstGeom prst="line">
+            <a:avLst/>
+          </a:prstGeom>
+          <a:ln>
+            <a:solidFill>
+              <a:schemeClr val="tx1"/>
+            </a:solidFill>
+          </a:ln>
+        </p:spPr>
+        <p:style>
+          <a:lnRef idx="1">
+            <a:schemeClr val="accent1"/>
+          </a:lnRef>
+          <a:fillRef idx="0">
+            <a:schemeClr val="accent1"/>
+          </a:fillRef>
+          <a:effectRef idx="0">
+            <a:schemeClr val="accent1"/>
+          </a:effectRef>
+          <a:fontRef idx="minor">
+            <a:schemeClr val="tx1"/>
+          </a:fontRef>
+        </p:style>
+      </p:cxnSp>
+      <p:sp>
+        <p:nvSpPr>
+          <p:cNvPr id="219" name="Rectángulo 33"/>
+          <p:cNvSpPr/>
+          <p:nvPr/>
+        </p:nvSpPr>
+        <p:spPr>
+          <a:xfrm>
+            <a:off x="11566979" y="5028053"/>
+            <a:ext cx="950457" cy="590255"/>
+          </a:xfrm>
+          <a:prstGeom prst="rect">
+            <a:avLst/>
+          </a:prstGeom>
+          <a:solidFill>
+            <a:schemeClr val="bg2">
+              <a:lumMod val="90000"/>
+            </a:schemeClr>
+          </a:solidFill>
+        </p:spPr>
+        <p:style>
+          <a:lnRef idx="2">
+            <a:schemeClr val="dk1"/>
+          </a:lnRef>
+          <a:fillRef idx="1">
+            <a:schemeClr val="lt1"/>
+          </a:fillRef>
+          <a:effectRef idx="0">
+            <a:schemeClr val="dk1"/>
+          </a:effectRef>
+          <a:fontRef idx="minor">
+            <a:schemeClr val="dk1"/>
+          </a:fontRef>
+        </p:style>
+        <p:txBody>
+          <a:bodyPr lIns="105683" tIns="52841" rIns="105683" bIns="52841" rtlCol="0" anchor="ctr"/>
+          <a:lstStyle/>
+          <a:p>
+            <a:pPr algn="ctr"/>
+            <a:endParaRPr lang="es-CO" sz="900" dirty="0" smtClean="0">
+              <a:solidFill>
+                <a:schemeClr val="tx1"/>
+              </a:solidFill>
+              <a:latin typeface="Arial" panose="020B0604020202020204" pitchFamily="34" charset="0"/>
+              <a:cs typeface="Arial" panose="020B0604020202020204" pitchFamily="34" charset="0"/>
+            </a:endParaRPr>
+          </a:p>
+          <a:p>
+            <a:pPr algn="ctr"/>
+            <a:r>
+              <a:rPr lang="es-CO" sz="900" dirty="0" smtClean="0">
+                <a:solidFill>
+                  <a:schemeClr val="tx1"/>
+                </a:solidFill>
+                <a:latin typeface="Arial" panose="020B0604020202020204" pitchFamily="34" charset="0"/>
+                <a:cs typeface="Arial" panose="020B0604020202020204" pitchFamily="34" charset="0"/>
+              </a:rPr>
+              <a:t>Dominio: números reales</a:t>
+            </a:r>
+            <a:endParaRPr lang="es-CO" sz="900" b="1" dirty="0">
+              <a:solidFill>
+                <a:schemeClr val="tx1"/>
+              </a:solidFill>
+              <a:latin typeface="Arial" panose="020B0604020202020204" pitchFamily="34" charset="0"/>
+              <a:cs typeface="Arial" panose="020B0604020202020204" pitchFamily="34" charset="0"/>
+            </a:endParaRPr>
+          </a:p>
+        </p:txBody>
+      </p:sp>
+      <p:sp>
+        <p:nvSpPr>
+          <p:cNvPr id="220" name="Rectángulo 33"/>
+          <p:cNvSpPr/>
+          <p:nvPr/>
+        </p:nvSpPr>
+        <p:spPr>
+          <a:xfrm>
+            <a:off x="12579924" y="5035819"/>
+            <a:ext cx="950457" cy="697206"/>
+          </a:xfrm>
+          <a:prstGeom prst="rect">
+            <a:avLst/>
+          </a:prstGeom>
+          <a:solidFill>
+            <a:schemeClr val="bg2">
+              <a:lumMod val="90000"/>
+            </a:schemeClr>
+          </a:solidFill>
+        </p:spPr>
+        <p:style>
+          <a:lnRef idx="2">
+            <a:schemeClr val="dk1"/>
+          </a:lnRef>
+          <a:fillRef idx="1">
+            <a:schemeClr val="lt1"/>
+          </a:fillRef>
+          <a:effectRef idx="0">
+            <a:schemeClr val="dk1"/>
+          </a:effectRef>
+          <a:fontRef idx="minor">
+            <a:schemeClr val="dk1"/>
+          </a:fontRef>
+        </p:style>
+        <p:txBody>
+          <a:bodyPr lIns="105683" tIns="52841" rIns="105683" bIns="52841" rtlCol="0" anchor="ctr"/>
+          <a:lstStyle/>
+          <a:p>
+            <a:pPr algn="ctr"/>
+            <a:endParaRPr lang="es-CO" sz="900" dirty="0" smtClean="0">
+              <a:solidFill>
+                <a:schemeClr val="tx1"/>
+              </a:solidFill>
+              <a:latin typeface="Arial" panose="020B0604020202020204" pitchFamily="34" charset="0"/>
+              <a:cs typeface="Arial" panose="020B0604020202020204" pitchFamily="34" charset="0"/>
+            </a:endParaRPr>
+          </a:p>
+          <a:p>
+            <a:pPr algn="ctr"/>
+            <a:r>
+              <a:rPr lang="es-CO" sz="900" dirty="0" smtClean="0">
+                <a:solidFill>
+                  <a:schemeClr val="tx1"/>
+                </a:solidFill>
+                <a:latin typeface="Arial" panose="020B0604020202020204" pitchFamily="34" charset="0"/>
+                <a:cs typeface="Arial" panose="020B0604020202020204" pitchFamily="34" charset="0"/>
+              </a:rPr>
+              <a:t>Rango: números reales positivos</a:t>
+            </a:r>
+            <a:endParaRPr lang="es-CO" sz="900" b="1" dirty="0">
+              <a:solidFill>
+                <a:schemeClr val="tx1"/>
+              </a:solidFill>
+              <a:latin typeface="Arial" panose="020B0604020202020204" pitchFamily="34" charset="0"/>
+              <a:cs typeface="Arial" panose="020B0604020202020204" pitchFamily="34" charset="0"/>
+            </a:endParaRPr>
+          </a:p>
+        </p:txBody>
+      </p:sp>
+      <p:cxnSp>
+        <p:nvCxnSpPr>
+          <p:cNvPr id="611" name="Conector angular 610"/>
+          <p:cNvCxnSpPr>
+            <a:stCxn id="214" idx="0"/>
+            <a:endCxn id="396" idx="2"/>
+          </p:cNvCxnSpPr>
+          <p:nvPr/>
+        </p:nvCxnSpPr>
+        <p:spPr>
+          <a:xfrm rot="16200000" flipV="1">
+            <a:off x="2008098" y="6167303"/>
+            <a:ext cx="1523217" cy="957599"/>
+          </a:xfrm>
+          <a:prstGeom prst="bentConnector3">
+            <a:avLst/>
+          </a:prstGeom>
+          <a:ln>
+            <a:solidFill>
+              <a:schemeClr val="tx1"/>
+            </a:solidFill>
+          </a:ln>
+        </p:spPr>
+        <p:style>
+          <a:lnRef idx="1">
+            <a:schemeClr val="accent1"/>
+          </a:lnRef>
+          <a:fillRef idx="0">
+            <a:schemeClr val="accent1"/>
+          </a:fillRef>
+          <a:effectRef idx="0">
+            <a:schemeClr val="accent1"/>
+          </a:effectRef>
+          <a:fontRef idx="minor">
+            <a:schemeClr val="tx1"/>
+          </a:fontRef>
+        </p:style>
+      </p:cxnSp>
+      <p:cxnSp>
+        <p:nvCxnSpPr>
+          <p:cNvPr id="627" name="Conector angular 626"/>
+          <p:cNvCxnSpPr>
+            <a:stCxn id="180" idx="0"/>
+            <a:endCxn id="170" idx="2"/>
+          </p:cNvCxnSpPr>
+          <p:nvPr/>
+        </p:nvCxnSpPr>
+        <p:spPr>
+          <a:xfrm rot="5400000" flipH="1" flipV="1">
+            <a:off x="4771923" y="5691311"/>
+            <a:ext cx="494790" cy="784941"/>
+          </a:xfrm>
+          <a:prstGeom prst="bentConnector3">
+            <a:avLst/>
+          </a:prstGeom>
+          <a:ln>
+            <a:solidFill>
+              <a:schemeClr val="tx1"/>
+            </a:solidFill>
+          </a:ln>
+        </p:spPr>
+        <p:style>
+          <a:lnRef idx="1">
+            <a:schemeClr val="accent1"/>
+          </a:lnRef>
+          <a:fillRef idx="0">
+            <a:schemeClr val="accent1"/>
+          </a:fillRef>
+          <a:effectRef idx="0">
+            <a:schemeClr val="accent1"/>
+          </a:effectRef>
+          <a:fontRef idx="minor">
+            <a:schemeClr val="tx1"/>
+          </a:fontRef>
+        </p:style>
+      </p:cxnSp>
+      <p:cxnSp>
+        <p:nvCxnSpPr>
+          <p:cNvPr id="635" name="Conector angular 634"/>
+          <p:cNvCxnSpPr>
+            <a:stCxn id="219" idx="0"/>
+            <a:endCxn id="106" idx="2"/>
+          </p:cNvCxnSpPr>
+          <p:nvPr/>
+        </p:nvCxnSpPr>
+        <p:spPr>
+          <a:xfrm rot="5400000" flipH="1" flipV="1">
+            <a:off x="12025312" y="4363347"/>
+            <a:ext cx="681603" cy="647810"/>
+          </a:xfrm>
+          <a:prstGeom prst="bentConnector3">
+            <a:avLst/>
+          </a:prstGeom>
+          <a:ln>
+            <a:solidFill>
+              <a:schemeClr val="tx1"/>
+            </a:solidFill>
+          </a:ln>
+        </p:spPr>
+        <p:style>
+          <a:lnRef idx="1">
+            <a:schemeClr val="accent1"/>
+          </a:lnRef>
+          <a:fillRef idx="0">
+            <a:schemeClr val="accent1"/>
+          </a:fillRef>
+          <a:effectRef idx="0">
+            <a:schemeClr val="accent1"/>
+          </a:effectRef>
+          <a:fontRef idx="minor">
+            <a:schemeClr val="tx1"/>
+          </a:fontRef>
+        </p:style>
+      </p:cxnSp>
+      <p:cxnSp>
+        <p:nvCxnSpPr>
+          <p:cNvPr id="637" name="Conector angular 636"/>
+          <p:cNvCxnSpPr>
+            <a:stCxn id="220" idx="0"/>
+            <a:endCxn id="106" idx="2"/>
+          </p:cNvCxnSpPr>
+          <p:nvPr/>
+        </p:nvCxnSpPr>
+        <p:spPr>
+          <a:xfrm rot="16200000" flipV="1">
+            <a:off x="12527902" y="4508567"/>
+            <a:ext cx="689369" cy="365135"/>
+          </a:xfrm>
+          <a:prstGeom prst="bentConnector3">
+            <a:avLst/>
+          </a:prstGeom>
+          <a:ln>
+            <a:solidFill>
+              <a:schemeClr val="tx1"/>
+            </a:solidFill>
+          </a:ln>
+        </p:spPr>
+        <p:style>
+          <a:lnRef idx="1">
+            <a:schemeClr val="accent1"/>
+          </a:lnRef>
+          <a:fillRef idx="0">
+            <a:schemeClr val="accent1"/>
+          </a:fillRef>
+          <a:effectRef idx="0">
+            <a:schemeClr val="accent1"/>
+          </a:effectRef>
+          <a:fontRef idx="minor">
+            <a:schemeClr val="tx1"/>
+          </a:fontRef>
+        </p:style>
+      </p:cxnSp>
     </p:spTree>
     <p:extLst>
       <p:ext uri="{BB962C8B-B14F-4D97-AF65-F5344CB8AC3E}">
@@ -7089,4 +6802,265 @@
     </a:ext>
   </a:extLst>
 </a:theme>
+</file>
+
+<file path=ppt/theme/theme2.xml><?xml version="1.0" encoding="utf-8"?>
+<a:theme xmlns:a="http://schemas.openxmlformats.org/drawingml/2006/main" name="Tema de Office">
+  <a:themeElements>
+    <a:clrScheme name="Office">
+      <a:dk1>
+        <a:sysClr val="windowText" lastClr="000000"/>
+      </a:dk1>
+      <a:lt1>
+        <a:sysClr val="window" lastClr="FFFFFF"/>
+      </a:lt1>
+      <a:dk2>
+        <a:srgbClr val="44546A"/>
+      </a:dk2>
+      <a:lt2>
+        <a:srgbClr val="E7E6E6"/>
+      </a:lt2>
+      <a:accent1>
+        <a:srgbClr val="5B9BD5"/>
+      </a:accent1>
+      <a:accent2>
+        <a:srgbClr val="ED7D31"/>
+      </a:accent2>
+      <a:accent3>
+        <a:srgbClr val="A5A5A5"/>
+      </a:accent3>
+      <a:accent4>
+        <a:srgbClr val="FFC000"/>
+      </a:accent4>
+      <a:accent5>
+        <a:srgbClr val="4472C4"/>
+      </a:accent5>
+      <a:accent6>
+        <a:srgbClr val="70AD47"/>
+      </a:accent6>
+      <a:hlink>
+        <a:srgbClr val="0563C1"/>
+      </a:hlink>
+      <a:folHlink>
+        <a:srgbClr val="954F72"/>
+      </a:folHlink>
+    </a:clrScheme>
+    <a:fontScheme name="Office">
+      <a:majorFont>
+        <a:latin typeface="Calibri Light" panose="020F0302020204030204"/>
+        <a:ea typeface=""/>
+        <a:cs typeface=""/>
+        <a:font script="Jpan" typeface="ＭＳ Ｐゴシック"/>
+        <a:font script="Hang" typeface="맑은 고딕"/>
+        <a:font script="Hans" typeface="宋体"/>
+        <a:font script="Hant" typeface="新細明體"/>
+        <a:font script="Arab" typeface="Times New Roman"/>
+        <a:font script="Hebr" typeface="Times New Roman"/>
+        <a:font script="Thai" typeface="Angsana New"/>
+        <a:font script="Ethi" typeface="Nyala"/>
+        <a:font script="Beng" typeface="Vrinda"/>
+        <a:font script="Gujr" typeface="Shruti"/>
+        <a:font script="Khmr" typeface="MoolBoran"/>
+        <a:font script="Knda" typeface="Tunga"/>
+        <a:font script="Guru" typeface="Raavi"/>
+        <a:font script="Cans" typeface="Euphemia"/>
+        <a:font script="Cher" typeface="Plantagenet Cherokee"/>
+        <a:font script="Yiii" typeface="Microsoft Yi Baiti"/>
+        <a:font script="Tibt" typeface="Microsoft Himalaya"/>
+        <a:font script="Thaa" typeface="MV Boli"/>
+        <a:font script="Deva" typeface="Mangal"/>
+        <a:font script="Telu" typeface="Gautami"/>
+        <a:font script="Taml" typeface="Latha"/>
+        <a:font script="Syrc" typeface="Estrangelo Edessa"/>
+        <a:font script="Orya" typeface="Kalinga"/>
+        <a:font script="Mlym" typeface="Kartika"/>
+        <a:font script="Laoo" typeface="DokChampa"/>
+        <a:font script="Sinh" typeface="Iskoola Pota"/>
+        <a:font script="Mong" typeface="Mongolian Baiti"/>
+        <a:font script="Viet" typeface="Times New Roman"/>
+        <a:font script="Uigh" typeface="Microsoft Uighur"/>
+        <a:font script="Geor" typeface="Sylfaen"/>
+      </a:majorFont>
+      <a:minorFont>
+        <a:latin typeface="Calibri" panose="020F0502020204030204"/>
+        <a:ea typeface=""/>
+        <a:cs typeface=""/>
+        <a:font script="Jpan" typeface="ＭＳ Ｐゴシック"/>
+        <a:font script="Hang" typeface="맑은 고딕"/>
+        <a:font script="Hans" typeface="宋体"/>
+        <a:font script="Hant" typeface="新細明體"/>
+        <a:font script="Arab" typeface="Arial"/>
+        <a:font script="Hebr" typeface="Arial"/>
+        <a:font script="Thai" typeface="Cordia New"/>
+        <a:font script="Ethi" typeface="Nyala"/>
+        <a:font script="Beng" typeface="Vrinda"/>
+        <a:font script="Gujr" typeface="Shruti"/>
+        <a:font script="Khmr" typeface="DaunPenh"/>
+        <a:font script="Knda" typeface="Tunga"/>
+        <a:font script="Guru" typeface="Raavi"/>
+        <a:font script="Cans" typeface="Euphemia"/>
+        <a:font script="Cher" typeface="Plantagenet Cherokee"/>
+        <a:font script="Yiii" typeface="Microsoft Yi Baiti"/>
+        <a:font script="Tibt" typeface="Microsoft Himalaya"/>
+        <a:font script="Thaa" typeface="MV Boli"/>
+        <a:font script="Deva" typeface="Mangal"/>
+        <a:font script="Telu" typeface="Gautami"/>
+        <a:font script="Taml" typeface="Latha"/>
+        <a:font script="Syrc" typeface="Estrangelo Edessa"/>
+        <a:font script="Orya" typeface="Kalinga"/>
+        <a:font script="Mlym" typeface="Kartika"/>
+        <a:font script="Laoo" typeface="DokChampa"/>
+        <a:font script="Sinh" typeface="Iskoola Pota"/>
+        <a:font script="Mong" typeface="Mongolian Baiti"/>
+        <a:font script="Viet" typeface="Arial"/>
+        <a:font script="Uigh" typeface="Microsoft Uighur"/>
+        <a:font script="Geor" typeface="Sylfaen"/>
+      </a:minorFont>
+    </a:fontScheme>
+    <a:fmtScheme name="Office">
+      <a:fillStyleLst>
+        <a:solidFill>
+          <a:schemeClr val="phClr"/>
+        </a:solidFill>
+        <a:gradFill rotWithShape="1">
+          <a:gsLst>
+            <a:gs pos="0">
+              <a:schemeClr val="phClr">
+                <a:lumMod val="110000"/>
+                <a:satMod val="105000"/>
+                <a:tint val="67000"/>
+              </a:schemeClr>
+            </a:gs>
+            <a:gs pos="50000">
+              <a:schemeClr val="phClr">
+                <a:lumMod val="105000"/>
+                <a:satMod val="103000"/>
+                <a:tint val="73000"/>
+              </a:schemeClr>
+            </a:gs>
+            <a:gs pos="100000">
+              <a:schemeClr val="phClr">
+                <a:lumMod val="105000"/>
+                <a:satMod val="109000"/>
+                <a:tint val="81000"/>
+              </a:schemeClr>
+            </a:gs>
+          </a:gsLst>
+          <a:lin ang="5400000" scaled="0"/>
+        </a:gradFill>
+        <a:gradFill rotWithShape="1">
+          <a:gsLst>
+            <a:gs pos="0">
+              <a:schemeClr val="phClr">
+                <a:satMod val="103000"/>
+                <a:lumMod val="102000"/>
+                <a:tint val="94000"/>
+              </a:schemeClr>
+            </a:gs>
+            <a:gs pos="50000">
+              <a:schemeClr val="phClr">
+                <a:satMod val="110000"/>
+                <a:lumMod val="100000"/>
+                <a:shade val="100000"/>
+              </a:schemeClr>
+            </a:gs>
+            <a:gs pos="100000">
+              <a:schemeClr val="phClr">
+                <a:lumMod val="99000"/>
+                <a:satMod val="120000"/>
+                <a:shade val="78000"/>
+              </a:schemeClr>
+            </a:gs>
+          </a:gsLst>
+          <a:lin ang="5400000" scaled="0"/>
+        </a:gradFill>
+      </a:fillStyleLst>
+      <a:lnStyleLst>
+        <a:ln w="6350" cap="flat" cmpd="sng" algn="ctr">
+          <a:solidFill>
+            <a:schemeClr val="phClr"/>
+          </a:solidFill>
+          <a:prstDash val="solid"/>
+          <a:miter lim="800000"/>
+        </a:ln>
+        <a:ln w="12700" cap="flat" cmpd="sng" algn="ctr">
+          <a:solidFill>
+            <a:schemeClr val="phClr"/>
+          </a:solidFill>
+          <a:prstDash val="solid"/>
+          <a:miter lim="800000"/>
+        </a:ln>
+        <a:ln w="19050" cap="flat" cmpd="sng" algn="ctr">
+          <a:solidFill>
+            <a:schemeClr val="phClr"/>
+          </a:solidFill>
+          <a:prstDash val="solid"/>
+          <a:miter lim="800000"/>
+        </a:ln>
+      </a:lnStyleLst>
+      <a:effectStyleLst>
+        <a:effectStyle>
+          <a:effectLst/>
+        </a:effectStyle>
+        <a:effectStyle>
+          <a:effectLst/>
+        </a:effectStyle>
+        <a:effectStyle>
+          <a:effectLst>
+            <a:outerShdw blurRad="57150" dist="19050" dir="5400000" algn="ctr" rotWithShape="0">
+              <a:srgbClr val="000000">
+                <a:alpha val="63000"/>
+              </a:srgbClr>
+            </a:outerShdw>
+          </a:effectLst>
+        </a:effectStyle>
+      </a:effectStyleLst>
+      <a:bgFillStyleLst>
+        <a:solidFill>
+          <a:schemeClr val="phClr"/>
+        </a:solidFill>
+        <a:solidFill>
+          <a:schemeClr val="phClr">
+            <a:tint val="95000"/>
+            <a:satMod val="170000"/>
+          </a:schemeClr>
+        </a:solidFill>
+        <a:gradFill rotWithShape="1">
+          <a:gsLst>
+            <a:gs pos="0">
+              <a:schemeClr val="phClr">
+                <a:tint val="93000"/>
+                <a:satMod val="150000"/>
+                <a:shade val="98000"/>
+                <a:lumMod val="102000"/>
+              </a:schemeClr>
+            </a:gs>
+            <a:gs pos="50000">
+              <a:schemeClr val="phClr">
+                <a:tint val="98000"/>
+                <a:satMod val="130000"/>
+                <a:shade val="90000"/>
+                <a:lumMod val="103000"/>
+              </a:schemeClr>
+            </a:gs>
+            <a:gs pos="100000">
+              <a:schemeClr val="phClr">
+                <a:shade val="63000"/>
+                <a:satMod val="120000"/>
+              </a:schemeClr>
+            </a:gs>
+          </a:gsLst>
+          <a:lin ang="5400000" scaled="0"/>
+        </a:gradFill>
+      </a:bgFillStyleLst>
+    </a:fmtScheme>
+  </a:themeElements>
+  <a:objectDefaults/>
+  <a:extraClrSchemeLst/>
+  <a:extLst>
+    <a:ext uri="{05A4C25C-085E-4340-85A3-A5531E510DB2}">
+      <thm15:themeFamily xmlns:thm15="http://schemas.microsoft.com/office/thememl/2012/main" name="Office Theme" id="{62F939B6-93AF-4DB8-9C6B-D6C7DFDC589F}" vid="{4A3C46E8-61CC-4603-A589-7422A47A8E4A}"/>
+    </a:ext>
+  </a:extLst>
+</a:theme>
 </file>
--- a/fuentes/contenidos/grado09/guion07/MapaConceptual_MA_09_07_CO.pptx
+++ b/fuentes/contenidos/grado09/guion07/MapaConceptual_MA_09_07_CO.pptx
@@ -208,7 +208,7 @@
           <a:p>
             <a:fld id="{D794E39E-C930-453F-9AFB-3A30FEE2AAC4}" type="datetimeFigureOut">
               <a:rPr lang="es-CO" smtClean="0"/>
-              <a:t>23/03/2016</a:t>
+              <a:t>25/03/2016</a:t>
             </a:fld>
             <a:endParaRPr lang="es-CO"/>
           </a:p>
@@ -272,35 +272,35 @@
           <a:p>
             <a:pPr lvl="0"/>
             <a:r>
-              <a:rPr lang="es-ES" smtClean="0"/>
+              <a:rPr lang="es-ES"/>
               <a:t>Haga clic para modificar el estilo de texto del patrón</a:t>
             </a:r>
           </a:p>
           <a:p>
             <a:pPr lvl="1"/>
             <a:r>
-              <a:rPr lang="es-ES" smtClean="0"/>
+              <a:rPr lang="es-ES"/>
               <a:t>Segundo nivel</a:t>
             </a:r>
           </a:p>
           <a:p>
             <a:pPr lvl="2"/>
             <a:r>
-              <a:rPr lang="es-ES" smtClean="0"/>
+              <a:rPr lang="es-ES"/>
               <a:t>Tercer nivel</a:t>
             </a:r>
           </a:p>
           <a:p>
             <a:pPr lvl="3"/>
             <a:r>
-              <a:rPr lang="es-ES" smtClean="0"/>
+              <a:rPr lang="es-ES"/>
               <a:t>Cuarto nivel</a:t>
             </a:r>
           </a:p>
           <a:p>
             <a:pPr lvl="4"/>
             <a:r>
-              <a:rPr lang="es-ES" smtClean="0"/>
+              <a:rPr lang="es-ES"/>
               <a:t>Quinto nivel</a:t>
             </a:r>
             <a:endParaRPr lang="es-CO"/>
@@ -587,13 +587,6 @@
   <p:clrMapOvr>
     <a:masterClrMapping/>
   </p:clrMapOvr>
-  <p:timing>
-    <p:tnLst>
-      <p:par>
-        <p:cTn id="1" dur="indefinite" restart="never" nodeType="tmRoot"/>
-      </p:par>
-    </p:tnLst>
-  </p:timing>
 </p:sldLayout>
 </file>
 
@@ -624,13 +617,6 @@
   <p:clrMapOvr>
     <a:masterClrMapping/>
   </p:clrMapOvr>
-  <p:timing>
-    <p:tnLst>
-      <p:par>
-        <p:cTn id="1" dur="indefinite" restart="never" nodeType="tmRoot"/>
-      </p:par>
-    </p:tnLst>
-  </p:timing>
 </p:sldLayout>
 </file>
 
@@ -661,13 +647,6 @@
   <p:clrMapOvr>
     <a:masterClrMapping/>
   </p:clrMapOvr>
-  <p:timing>
-    <p:tnLst>
-      <p:par>
-        <p:cTn id="1" dur="indefinite" restart="never" nodeType="tmRoot"/>
-      </p:par>
-    </p:tnLst>
-  </p:timing>
 </p:sldLayout>
 </file>
 
@@ -698,13 +677,6 @@
   <p:clrMapOvr>
     <a:masterClrMapping/>
   </p:clrMapOvr>
-  <p:timing>
-    <p:tnLst>
-      <p:par>
-        <p:cTn id="1" dur="indefinite" restart="never" nodeType="tmRoot"/>
-      </p:par>
-    </p:tnLst>
-  </p:timing>
 </p:sldLayout>
 </file>
 
@@ -735,13 +707,6 @@
   <p:clrMapOvr>
     <a:masterClrMapping/>
   </p:clrMapOvr>
-  <p:timing>
-    <p:tnLst>
-      <p:par>
-        <p:cTn id="1" dur="indefinite" restart="never" nodeType="tmRoot"/>
-      </p:par>
-    </p:tnLst>
-  </p:timing>
 </p:sldLayout>
 </file>
 
@@ -772,13 +737,6 @@
   <p:clrMapOvr>
     <a:masterClrMapping/>
   </p:clrMapOvr>
-  <p:timing>
-    <p:tnLst>
-      <p:par>
-        <p:cTn id="1" dur="indefinite" restart="never" nodeType="tmRoot"/>
-      </p:par>
-    </p:tnLst>
-  </p:timing>
 </p:sldLayout>
 </file>
 
@@ -809,13 +767,6 @@
   <p:clrMapOvr>
     <a:masterClrMapping/>
   </p:clrMapOvr>
-  <p:timing>
-    <p:tnLst>
-      <p:par>
-        <p:cTn id="1" dur="indefinite" restart="never" nodeType="tmRoot"/>
-      </p:par>
-    </p:tnLst>
-  </p:timing>
 </p:sldLayout>
 </file>
 
@@ -846,13 +797,6 @@
   <p:clrMapOvr>
     <a:masterClrMapping/>
   </p:clrMapOvr>
-  <p:timing>
-    <p:tnLst>
-      <p:par>
-        <p:cTn id="1" dur="indefinite" restart="never" nodeType="tmRoot"/>
-      </p:par>
-    </p:tnLst>
-  </p:timing>
 </p:sldLayout>
 </file>
 
@@ -899,7 +843,7 @@
             <a:fld id="{5001C876-01F7-4317-94B9-1AE222133113}" type="datetimeFigureOut">
               <a:rPr lang="es-ES" smtClean="0"/>
               <a:pPr/>
-              <a:t>23/03/2016</a:t>
+              <a:t>25/03/2016</a:t>
             </a:fld>
             <a:endParaRPr lang="es-ES"/>
           </a:p>
@@ -974,13 +918,6 @@
   <p:clrMapOvr>
     <a:masterClrMapping/>
   </p:clrMapOvr>
-  <p:timing>
-    <p:tnLst>
-      <p:par>
-        <p:cTn id="1" dur="indefinite" restart="never" nodeType="tmRoot"/>
-      </p:par>
-    </p:tnLst>
-  </p:timing>
 </p:sldLayout>
 </file>
 
@@ -1011,13 +948,6 @@
   <p:clrMapOvr>
     <a:masterClrMapping/>
   </p:clrMapOvr>
-  <p:timing>
-    <p:tnLst>
-      <p:par>
-        <p:cTn id="1" dur="indefinite" restart="never" nodeType="tmRoot"/>
-      </p:par>
-    </p:tnLst>
-  </p:timing>
 </p:sldLayout>
 </file>
 
@@ -1048,13 +978,6 @@
   <p:clrMapOvr>
     <a:masterClrMapping/>
   </p:clrMapOvr>
-  <p:timing>
-    <p:tnLst>
-      <p:par>
-        <p:cTn id="1" dur="indefinite" restart="never" nodeType="tmRoot"/>
-      </p:par>
-    </p:tnLst>
-  </p:timing>
 </p:sldLayout>
 </file>
 
@@ -1104,16 +1027,12 @@
           <a:p>
             <a:pPr algn="ctr"/>
             <a:r>
-              <a:rPr lang="es-ES" sz="1400" dirty="0" smtClean="0">
+              <a:rPr lang="es-ES" sz="1400" dirty="0">
                 <a:latin typeface="Arial" panose="020B0604020202020204" pitchFamily="34" charset="0"/>
                 <a:cs typeface="Arial" panose="020B0604020202020204" pitchFamily="34" charset="0"/>
               </a:rPr>
-              <a:t>© Editorial Planeta Colombiana S.A., 2015.</a:t>
-            </a:r>
-            <a:endParaRPr lang="es-ES" sz="1400" dirty="0">
-              <a:latin typeface="Arial" panose="020B0604020202020204" pitchFamily="34" charset="0"/>
-              <a:cs typeface="Arial" panose="020B0604020202020204" pitchFamily="34" charset="0"/>
-            </a:endParaRPr>
+              <a:t>© Editorial Planeta Colombiana S.A., 2016.</a:t>
+            </a:r>
           </a:p>
         </p:txBody>
       </p:sp>
@@ -1168,13 +1087,6 @@
     <p:sldLayoutId id="2147483670" r:id="rId10"/>
     <p:sldLayoutId id="2147483671" r:id="rId11"/>
   </p:sldLayoutIdLst>
-  <p:timing>
-    <p:tnLst>
-      <p:par>
-        <p:cTn id="1" dur="indefinite" restart="never" nodeType="tmRoot"/>
-      </p:par>
-    </p:tnLst>
-  </p:timing>
   <p:txStyles>
     <p:titleStyle>
       <a:lvl1pPr algn="l" defTabSz="1056822" rtl="0" eaLnBrk="1" latinLnBrk="0" hangingPunct="1">
@@ -1510,7 +1422,7 @@
           <a:p>
             <a:pPr algn="ctr"/>
             <a:r>
-              <a:rPr lang="es-CO" sz="1900" b="1" dirty="0" smtClean="0">
+              <a:rPr lang="es-CO" sz="1900" b="1" dirty="0">
                 <a:solidFill>
                   <a:schemeClr val="tx1"/>
                 </a:solidFill>
@@ -1518,12 +1430,6 @@
               </a:rPr>
               <a:t>Función  exponenciales y funciones logarítmicas   </a:t>
             </a:r>
-            <a:endParaRPr lang="es-CO" sz="1900" b="1" dirty="0">
-              <a:solidFill>
-                <a:schemeClr val="tx1"/>
-              </a:solidFill>
-              <a:cs typeface="Arial" pitchFamily="34" charset="0"/>
-            </a:endParaRPr>
           </a:p>
         </p:txBody>
       </p:sp>
@@ -1535,8 +1441,8 @@
         </p:nvSpPr>
         <p:spPr>
           <a:xfrm>
-            <a:off x="2709865" y="1281967"/>
-            <a:ext cx="1473211" cy="779671"/>
+            <a:off x="2473668" y="1281967"/>
+            <a:ext cx="1960844" cy="779671"/>
           </a:xfrm>
           <a:prstGeom prst="rect">
             <a:avLst/>
@@ -1565,7 +1471,7 @@
           <a:p>
             <a:pPr algn="ctr"/>
             <a:r>
-              <a:rPr lang="es-CO" sz="1400" b="1" dirty="0" smtClean="0">
+              <a:rPr lang="es-CO" sz="1400" b="1" dirty="0">
                 <a:solidFill>
                   <a:schemeClr val="tx1"/>
                 </a:solidFill>
@@ -1573,12 +1479,6 @@
               </a:rPr>
               <a:t>Función exponencial  </a:t>
             </a:r>
-            <a:endParaRPr lang="es-CO" sz="1400" b="1" dirty="0">
-              <a:solidFill>
-                <a:schemeClr val="tx1"/>
-              </a:solidFill>
-              <a:cs typeface="Arial" pitchFamily="34" charset="0"/>
-            </a:endParaRPr>
           </a:p>
         </p:txBody>
       </p:sp>
@@ -1620,7 +1520,7 @@
           <a:p>
             <a:pPr algn="ctr"/>
             <a:r>
-              <a:rPr lang="es-CO" sz="900" dirty="0" smtClean="0">
+              <a:rPr lang="es-CO" sz="900" dirty="0">
                 <a:solidFill>
                   <a:schemeClr val="tx1"/>
                 </a:solidFill>
@@ -1628,12 +1528,6 @@
               </a:rPr>
               <a:t>se define como   </a:t>
             </a:r>
-            <a:endParaRPr lang="es-CO" sz="900" dirty="0">
-              <a:solidFill>
-                <a:schemeClr val="tx1"/>
-              </a:solidFill>
-              <a:cs typeface="Arial" pitchFamily="34" charset="0"/>
-            </a:endParaRPr>
           </a:p>
         </p:txBody>
       </p:sp>
@@ -1647,9 +1541,9 @@
           <p:nvPr/>
         </p:nvCxnSpPr>
         <p:spPr>
-          <a:xfrm>
-            <a:off x="3446471" y="2061638"/>
-            <a:ext cx="6666" cy="181746"/>
+          <a:xfrm flipH="1">
+            <a:off x="3453137" y="2061638"/>
+            <a:ext cx="953" cy="181746"/>
           </a:xfrm>
           <a:prstGeom prst="straightConnector1">
             <a:avLst/>
@@ -1684,8 +1578,8 @@
         </p:nvSpPr>
         <p:spPr>
           <a:xfrm>
-            <a:off x="2511826" y="2714843"/>
-            <a:ext cx="1882622" cy="1044706"/>
+            <a:off x="2511826" y="2832225"/>
+            <a:ext cx="1882622" cy="584772"/>
           </a:xfrm>
           <a:prstGeom prst="rect">
             <a:avLst/>
@@ -1715,26 +1609,6 @@
           <a:lstStyle/>
           <a:p>
             <a:pPr algn="ctr"/>
-            <a:r>
-              <a:rPr lang="es-ES_tradnl" sz="1050" i="1" dirty="0" smtClean="0">
-                <a:solidFill>
-                  <a:schemeClr val="bg1"/>
-                </a:solidFill>
-                <a:latin typeface="Arial" panose="020B0604020202020204" pitchFamily="34" charset="0"/>
-                <a:cs typeface="Arial" panose="020B0604020202020204" pitchFamily="34" charset="0"/>
-              </a:rPr>
-              <a:t>&lt;&lt; </a:t>
-            </a:r>
-            <a:r>
-              <a:rPr lang="es-ES_tradnl" sz="1050" i="1" dirty="0" smtClean="0">
-                <a:solidFill>
-                  <a:schemeClr val="bg1"/>
-                </a:solidFill>
-                <a:latin typeface="Arial" panose="020B0604020202020204" pitchFamily="34" charset="0"/>
-                <a:cs typeface="Arial" panose="020B0604020202020204" pitchFamily="34" charset="0"/>
-              </a:rPr>
-              <a:t>MA_09_07_PNG01&gt;&gt;</a:t>
-            </a:r>
             <a:endParaRPr lang="es-CO" sz="1050" i="1" dirty="0">
               <a:solidFill>
                 <a:schemeClr val="bg1"/>
@@ -1757,7 +1631,7 @@
         <p:spPr>
           <a:xfrm>
             <a:off x="3453137" y="2515462"/>
-            <a:ext cx="0" cy="199381"/>
+            <a:ext cx="0" cy="316763"/>
           </a:xfrm>
           <a:prstGeom prst="straightConnector1">
             <a:avLst/>
@@ -1792,7 +1666,7 @@
         </p:nvSpPr>
         <p:spPr>
           <a:xfrm>
-            <a:off x="1261355" y="3905976"/>
+            <a:off x="1261355" y="3809964"/>
             <a:ext cx="1191057" cy="409062"/>
           </a:xfrm>
           <a:prstGeom prst="rect">
@@ -1822,7 +1696,7 @@
           <a:p>
             <a:pPr algn="ctr"/>
             <a:r>
-              <a:rPr lang="es-CO" sz="900" dirty="0" smtClean="0">
+              <a:rPr lang="es-CO" sz="900" dirty="0">
                 <a:solidFill>
                   <a:schemeClr val="tx1"/>
                 </a:solidFill>
@@ -1831,13 +1705,6 @@
               </a:rPr>
               <a:t>se puede representar  </a:t>
             </a:r>
-            <a:endParaRPr lang="es-CO" sz="900" dirty="0">
-              <a:solidFill>
-                <a:schemeClr val="tx1"/>
-              </a:solidFill>
-              <a:latin typeface="Arial" panose="020B0604020202020204" pitchFamily="34" charset="0"/>
-              <a:cs typeface="Arial" panose="020B0604020202020204" pitchFamily="34" charset="0"/>
-            </a:endParaRPr>
           </a:p>
         </p:txBody>
       </p:sp>
@@ -1849,8 +1716,8 @@
         </p:nvSpPr>
         <p:spPr>
           <a:xfrm>
-            <a:off x="9202428" y="1287777"/>
-            <a:ext cx="1513100" cy="757993"/>
+            <a:off x="9134993" y="1287777"/>
+            <a:ext cx="1830851" cy="757993"/>
           </a:xfrm>
           <a:prstGeom prst="rect">
             <a:avLst/>
@@ -1879,7 +1746,7 @@
           <a:p>
             <a:pPr algn="ctr"/>
             <a:r>
-              <a:rPr lang="es-CO" sz="1400" b="1" dirty="0" smtClean="0">
+              <a:rPr lang="es-CO" sz="1400" b="1" dirty="0">
                 <a:solidFill>
                   <a:schemeClr val="tx1"/>
                 </a:solidFill>
@@ -1887,12 +1754,6 @@
               </a:rPr>
               <a:t>Función logarítmica   </a:t>
             </a:r>
-            <a:endParaRPr lang="es-CO" sz="1400" b="1" dirty="0">
-              <a:solidFill>
-                <a:schemeClr val="tx1"/>
-              </a:solidFill>
-              <a:cs typeface="Arial" pitchFamily="34" charset="0"/>
-            </a:endParaRPr>
           </a:p>
         </p:txBody>
       </p:sp>
@@ -1904,8 +1765,8 @@
         </p:nvSpPr>
         <p:spPr>
           <a:xfrm>
-            <a:off x="1743037" y="5606189"/>
-            <a:ext cx="1095738" cy="278305"/>
+            <a:off x="2126960" y="5032884"/>
+            <a:ext cx="618515" cy="278305"/>
           </a:xfrm>
           <a:prstGeom prst="rect">
             <a:avLst/>
@@ -1934,7 +1795,7 @@
           <a:p>
             <a:pPr algn="ctr"/>
             <a:r>
-              <a:rPr lang="es-CO" sz="900" dirty="0" smtClean="0">
+              <a:rPr lang="es-CO" sz="900" dirty="0">
                 <a:solidFill>
                   <a:schemeClr val="tx1"/>
                 </a:solidFill>
@@ -1944,7 +1805,7 @@
               <a:t>cuando</a:t>
             </a:r>
             <a:r>
-              <a:rPr lang="es-CO" sz="900" dirty="0" smtClean="0">
+              <a:rPr lang="es-CO" sz="900" dirty="0">
                 <a:solidFill>
                   <a:srgbClr val="FF0000"/>
                 </a:solidFill>
@@ -1953,13 +1814,6 @@
               </a:rPr>
               <a:t>   </a:t>
             </a:r>
-            <a:endParaRPr lang="es-CO" sz="900" dirty="0">
-              <a:solidFill>
-                <a:srgbClr val="FF0000"/>
-              </a:solidFill>
-              <a:latin typeface="Arial" panose="020B0604020202020204" pitchFamily="34" charset="0"/>
-              <a:cs typeface="Arial" panose="020B0604020202020204" pitchFamily="34" charset="0"/>
-            </a:endParaRPr>
           </a:p>
         </p:txBody>
       </p:sp>
@@ -1974,8 +1828,8 @@
         </p:nvCxnSpPr>
         <p:spPr>
           <a:xfrm rot="5400000">
-            <a:off x="5012624" y="-530545"/>
-            <a:ext cx="246360" cy="3378665"/>
+            <a:off x="5016433" y="-526736"/>
+            <a:ext cx="246360" cy="3371046"/>
           </a:xfrm>
           <a:prstGeom prst="bentConnector3">
             <a:avLst>
@@ -2014,8 +1868,8 @@
         </p:nvCxnSpPr>
         <p:spPr>
           <a:xfrm rot="16200000" flipH="1">
-            <a:off x="8265972" y="-405229"/>
-            <a:ext cx="252170" cy="3133842"/>
+            <a:off x="8311692" y="-450950"/>
+            <a:ext cx="252170" cy="3225283"/>
           </a:xfrm>
           <a:prstGeom prst="bentConnector3">
             <a:avLst>
@@ -2051,8 +1905,8 @@
         </p:nvSpPr>
         <p:spPr>
           <a:xfrm>
-            <a:off x="319783" y="4543459"/>
-            <a:ext cx="1197786" cy="602489"/>
+            <a:off x="608667" y="4348390"/>
+            <a:ext cx="818104" cy="577193"/>
           </a:xfrm>
           <a:prstGeom prst="rect">
             <a:avLst/>
@@ -2083,7 +1937,7 @@
           <a:p>
             <a:pPr algn="ctr"/>
             <a:r>
-              <a:rPr lang="es-CO" sz="900" dirty="0" smtClean="0">
+              <a:rPr lang="es-CO" sz="900" dirty="0">
                 <a:solidFill>
                   <a:schemeClr val="tx1"/>
                 </a:solidFill>
@@ -2113,8 +1967,8 @@
         </p:nvCxnSpPr>
         <p:spPr>
           <a:xfrm rot="5400000">
-            <a:off x="1273570" y="3960144"/>
-            <a:ext cx="228421" cy="938208"/>
+            <a:off x="1372620" y="3864126"/>
+            <a:ext cx="129364" cy="839165"/>
           </a:xfrm>
           <a:prstGeom prst="bentConnector3">
             <a:avLst>
@@ -2152,9 +2006,9 @@
           <p:nvPr/>
         </p:nvCxnSpPr>
         <p:spPr>
-          <a:xfrm flipH="1">
-            <a:off x="2290906" y="5182141"/>
-            <a:ext cx="14610" cy="424048"/>
+          <a:xfrm>
+            <a:off x="2436218" y="4925583"/>
+            <a:ext cx="0" cy="107301"/>
           </a:xfrm>
           <a:prstGeom prst="line">
             <a:avLst/>
@@ -2188,8 +2042,8 @@
         </p:nvSpPr>
         <p:spPr>
           <a:xfrm>
-            <a:off x="369533" y="5538795"/>
-            <a:ext cx="1095738" cy="221963"/>
+            <a:off x="521944" y="5032884"/>
+            <a:ext cx="996125" cy="221963"/>
           </a:xfrm>
           <a:prstGeom prst="rect">
             <a:avLst/>
@@ -2218,7 +2072,7 @@
           <a:p>
             <a:pPr algn="ctr"/>
             <a:r>
-              <a:rPr lang="es-CO" sz="900" dirty="0" smtClean="0">
+              <a:rPr lang="es-CO" sz="900" dirty="0">
                 <a:solidFill>
                   <a:schemeClr val="tx1"/>
                 </a:solidFill>
@@ -2227,13 +2081,6 @@
               </a:rPr>
               <a:t>determina una   </a:t>
             </a:r>
-            <a:endParaRPr lang="es-CO" sz="900" dirty="0">
-              <a:solidFill>
-                <a:schemeClr val="tx1"/>
-              </a:solidFill>
-              <a:latin typeface="Arial" panose="020B0604020202020204" pitchFamily="34" charset="0"/>
-              <a:cs typeface="Arial" panose="020B0604020202020204" pitchFamily="34" charset="0"/>
-            </a:endParaRPr>
           </a:p>
         </p:txBody>
       </p:sp>
@@ -2242,13 +2089,14 @@
           <p:cNvPr id="17" name="16 Conector recto"/>
           <p:cNvCxnSpPr>
             <a:stCxn id="596" idx="2"/>
+            <a:endCxn id="113" idx="0"/>
           </p:cNvCxnSpPr>
           <p:nvPr/>
         </p:nvCxnSpPr>
         <p:spPr>
-          <a:xfrm flipH="1">
-            <a:off x="917402" y="5145948"/>
-            <a:ext cx="1274" cy="345558"/>
+          <a:xfrm>
+            <a:off x="1017719" y="4925583"/>
+            <a:ext cx="2288" cy="107301"/>
           </a:xfrm>
           <a:prstGeom prst="line">
             <a:avLst/>
@@ -2282,8 +2130,8 @@
         </p:nvSpPr>
         <p:spPr>
           <a:xfrm>
-            <a:off x="149466" y="6093995"/>
-            <a:ext cx="1535872" cy="715539"/>
+            <a:off x="586294" y="5527381"/>
+            <a:ext cx="866959" cy="715539"/>
           </a:xfrm>
           <a:prstGeom prst="rect">
             <a:avLst/>
@@ -2307,22 +2155,25 @@
           </a:fontRef>
         </p:style>
         <p:txBody>
-          <a:bodyPr lIns="105683" tIns="52841" rIns="105683" bIns="52841" rtlCol="0" anchor="ctr"/>
+          <a:bodyPr lIns="105683" tIns="52841" rIns="105683" bIns="52841" rtlCol="0" anchor="t" anchorCtr="0"/>
           <a:lstStyle/>
           <a:p>
             <a:pPr algn="ctr"/>
             <a:r>
-              <a:rPr lang="es-CO" sz="900" dirty="0" smtClean="0">
+              <a:rPr lang="es-CO" sz="900" dirty="0">
                 <a:solidFill>
                   <a:schemeClr val="tx1"/>
                 </a:solidFill>
                 <a:latin typeface="Arial" panose="020B0604020202020204" pitchFamily="34" charset="0"/>
                 <a:cs typeface="Arial" panose="020B0604020202020204" pitchFamily="34" charset="0"/>
               </a:rPr>
-              <a:t>ecuación </a:t>
-            </a:r>
-            <a:r>
-              <a:rPr lang="es-CO" sz="900" dirty="0" smtClean="0">
+              <a:t>ecuación</a:t>
+            </a:r>
+          </a:p>
+          <a:p>
+            <a:pPr algn="ctr"/>
+            <a:r>
+              <a:rPr lang="es-CO" sz="900" dirty="0">
                 <a:solidFill>
                   <a:schemeClr val="tx1"/>
                 </a:solidFill>
@@ -2331,45 +2182,6 @@
               </a:rPr>
               <a:t>exponencial</a:t>
             </a:r>
-          </a:p>
-          <a:p>
-            <a:pPr algn="ctr"/>
-            <a:r>
-              <a:rPr lang="es-ES_tradnl" sz="900" i="1" dirty="0">
-                <a:solidFill>
-                  <a:schemeClr val="tx1">
-                    <a:lumMod val="75000"/>
-                    <a:lumOff val="25000"/>
-                  </a:schemeClr>
-                </a:solidFill>
-                <a:latin typeface="Arial" panose="020B0604020202020204" pitchFamily="34" charset="0"/>
-                <a:cs typeface="Arial" panose="020B0604020202020204" pitchFamily="34" charset="0"/>
-              </a:rPr>
-              <a:t>&lt;&lt; </a:t>
-            </a:r>
-            <a:r>
-              <a:rPr lang="es-ES_tradnl" sz="900" i="1" dirty="0" smtClean="0">
-                <a:solidFill>
-                  <a:schemeClr val="tx1">
-                    <a:lumMod val="75000"/>
-                    <a:lumOff val="25000"/>
-                  </a:schemeClr>
-                </a:solidFill>
-                <a:latin typeface="Arial" panose="020B0604020202020204" pitchFamily="34" charset="0"/>
-                <a:cs typeface="Arial" panose="020B0604020202020204" pitchFamily="34" charset="0"/>
-              </a:rPr>
-              <a:t>MA_09_07_PNG03&gt;&gt;</a:t>
-            </a:r>
-            <a:endParaRPr lang="es-CO" sz="900" i="1" dirty="0">
-              <a:solidFill>
-                <a:schemeClr val="tx1">
-                  <a:lumMod val="75000"/>
-                  <a:lumOff val="25000"/>
-                </a:schemeClr>
-              </a:solidFill>
-              <a:latin typeface="Arial" panose="020B0604020202020204" pitchFamily="34" charset="0"/>
-              <a:cs typeface="Arial" panose="020B0604020202020204" pitchFamily="34" charset="0"/>
-            </a:endParaRPr>
           </a:p>
           <a:p>
             <a:pPr algn="ctr"/>
@@ -2393,9 +2205,9 @@
           <p:nvPr/>
         </p:nvCxnSpPr>
         <p:spPr>
-          <a:xfrm>
-            <a:off x="917402" y="5760758"/>
-            <a:ext cx="0" cy="333237"/>
+          <a:xfrm flipH="1">
+            <a:off x="1019774" y="5254847"/>
+            <a:ext cx="233" cy="272534"/>
           </a:xfrm>
           <a:prstGeom prst="line">
             <a:avLst/>
@@ -2429,8 +2241,8 @@
         </p:nvSpPr>
         <p:spPr>
           <a:xfrm>
-            <a:off x="9415904" y="2134131"/>
-            <a:ext cx="1095738" cy="359339"/>
+            <a:off x="9499724" y="2178812"/>
+            <a:ext cx="1095738" cy="269977"/>
           </a:xfrm>
           <a:prstGeom prst="rect">
             <a:avLst/>
@@ -2459,7 +2271,7 @@
           <a:p>
             <a:pPr algn="ctr"/>
             <a:r>
-              <a:rPr lang="es-CO" sz="900" dirty="0" smtClean="0">
+              <a:rPr lang="es-CO" sz="900" dirty="0">
                 <a:solidFill>
                   <a:schemeClr val="tx1"/>
                 </a:solidFill>
@@ -2467,12 +2279,6 @@
               </a:rPr>
               <a:t>se define como   </a:t>
             </a:r>
-            <a:endParaRPr lang="es-CO" sz="900" dirty="0">
-              <a:solidFill>
-                <a:schemeClr val="tx1"/>
-              </a:solidFill>
-              <a:cs typeface="Arial" pitchFamily="34" charset="0"/>
-            </a:endParaRPr>
           </a:p>
         </p:txBody>
       </p:sp>
@@ -2486,9 +2292,9 @@
           <p:nvPr/>
         </p:nvCxnSpPr>
         <p:spPr>
-          <a:xfrm>
-            <a:off x="9958978" y="2045770"/>
-            <a:ext cx="4795" cy="88361"/>
+          <a:xfrm flipH="1">
+            <a:off x="10047593" y="2045770"/>
+            <a:ext cx="2826" cy="133042"/>
           </a:xfrm>
           <a:prstGeom prst="line">
             <a:avLst/>
@@ -2525,8 +2331,8 @@
         </p:nvCxnSpPr>
         <p:spPr>
           <a:xfrm flipH="1" flipV="1">
-            <a:off x="9963773" y="2493470"/>
-            <a:ext cx="439" cy="111257"/>
+            <a:off x="10047593" y="2448789"/>
+            <a:ext cx="439" cy="383436"/>
           </a:xfrm>
           <a:prstGeom prst="line">
             <a:avLst/>
@@ -2560,8 +2366,8 @@
         </p:nvSpPr>
         <p:spPr>
           <a:xfrm>
-            <a:off x="1706623" y="4579652"/>
-            <a:ext cx="1197786" cy="602489"/>
+            <a:off x="2064352" y="4355454"/>
+            <a:ext cx="743731" cy="570129"/>
           </a:xfrm>
           <a:prstGeom prst="rect">
             <a:avLst/>
@@ -2592,7 +2398,7 @@
           <a:p>
             <a:pPr algn="ctr"/>
             <a:r>
-              <a:rPr lang="es-CO" sz="900" dirty="0" smtClean="0">
+              <a:rPr lang="es-CO" sz="900" dirty="0">
                 <a:solidFill>
                   <a:schemeClr val="tx1"/>
                 </a:solidFill>
@@ -2619,8 +2425,8 @@
         </p:nvSpPr>
         <p:spPr>
           <a:xfrm>
-            <a:off x="9021402" y="2604727"/>
-            <a:ext cx="1885619" cy="1044706"/>
+            <a:off x="9105222" y="2832225"/>
+            <a:ext cx="1885619" cy="589710"/>
           </a:xfrm>
           <a:prstGeom prst="rect">
             <a:avLst/>
@@ -2650,26 +2456,6 @@
           <a:lstStyle/>
           <a:p>
             <a:pPr algn="ctr"/>
-            <a:r>
-              <a:rPr lang="es-ES_tradnl" sz="1050" i="1" dirty="0">
-                <a:solidFill>
-                  <a:schemeClr val="bg1"/>
-                </a:solidFill>
-                <a:latin typeface="Arial" panose="020B0604020202020204" pitchFamily="34" charset="0"/>
-                <a:cs typeface="Arial" panose="020B0604020202020204" pitchFamily="34" charset="0"/>
-              </a:rPr>
-              <a:t>&lt;&lt; </a:t>
-            </a:r>
-            <a:r>
-              <a:rPr lang="es-ES_tradnl" sz="1050" i="1" dirty="0" smtClean="0">
-                <a:solidFill>
-                  <a:schemeClr val="bg1"/>
-                </a:solidFill>
-                <a:latin typeface="Arial" panose="020B0604020202020204" pitchFamily="34" charset="0"/>
-                <a:cs typeface="Arial" panose="020B0604020202020204" pitchFamily="34" charset="0"/>
-              </a:rPr>
-              <a:t>MA_09_07_PNG02&gt;&gt;</a:t>
-            </a:r>
             <a:endParaRPr lang="es-CO" sz="1050" i="1" dirty="0">
               <a:solidFill>
                 <a:schemeClr val="bg1"/>
@@ -2688,8 +2474,8 @@
         </p:nvSpPr>
         <p:spPr>
           <a:xfrm>
-            <a:off x="10842557" y="7023381"/>
-            <a:ext cx="1244135" cy="370896"/>
+            <a:off x="10925444" y="6154277"/>
+            <a:ext cx="849761" cy="493664"/>
           </a:xfrm>
           <a:prstGeom prst="rect">
             <a:avLst/>
@@ -2717,7 +2503,7 @@
           <a:lstStyle/>
           <a:p>
             <a:r>
-              <a:rPr lang="es-CO" sz="900" dirty="0" smtClean="0">
+              <a:rPr lang="es-CO" sz="900" dirty="0">
                 <a:solidFill>
                   <a:srgbClr val="FF0000"/>
                 </a:solidFill>
@@ -2730,7 +2516,7 @@
           <a:p>
             <a:pPr algn="ctr"/>
             <a:r>
-              <a:rPr lang="es-CO" sz="900" dirty="0" smtClean="0">
+              <a:rPr lang="es-CO" sz="900" dirty="0">
                 <a:solidFill>
                   <a:schemeClr val="tx1"/>
                 </a:solidFill>
@@ -2740,7 +2526,7 @@
               <a:t>0 &lt; </a:t>
             </a:r>
             <a:r>
-              <a:rPr lang="es-ES_tradnl" sz="900" i="1" dirty="0" smtClean="0">
+              <a:rPr lang="es-ES_tradnl" sz="900" i="1" dirty="0">
                 <a:solidFill>
                   <a:schemeClr val="tx1"/>
                 </a:solidFill>
@@ -2750,15 +2536,18 @@
               <a:t>a </a:t>
             </a:r>
             <a:r>
-              <a:rPr lang="es-CO" sz="900" dirty="0" smtClean="0">
+              <a:rPr lang="es-CO" sz="900" dirty="0">
                 <a:solidFill>
                   <a:schemeClr val="tx1"/>
                 </a:solidFill>
                 <a:latin typeface="Arial" panose="020B0604020202020204" pitchFamily="34" charset="0"/>
                 <a:cs typeface="Arial" panose="020B0604020202020204" pitchFamily="34" charset="0"/>
               </a:rPr>
-              <a:t>&lt; 1 </a:t>
-            </a:r>
+              <a:t>&lt; 1</a:t>
+            </a:r>
+          </a:p>
+          <a:p>
+            <a:pPr algn="ctr"/>
             <a:r>
               <a:rPr lang="es-CO" sz="900" dirty="0">
                 <a:solidFill>
@@ -2767,48 +2556,21 @@
                 <a:latin typeface="Arial" panose="020B0604020202020204" pitchFamily="34" charset="0"/>
                 <a:cs typeface="Arial" panose="020B0604020202020204" pitchFamily="34" charset="0"/>
               </a:rPr>
-              <a:t>la </a:t>
-            </a:r>
-            <a:r>
-              <a:rPr lang="es-CO" sz="900" dirty="0" smtClean="0">
-                <a:solidFill>
-                  <a:schemeClr val="tx1"/>
+              <a:t>la gráfica es decreciente   </a:t>
+            </a:r>
+          </a:p>
+          <a:p>
+            <a:pPr algn="ctr"/>
+            <a:r>
+              <a:rPr lang="es-CO" sz="900" dirty="0">
+                <a:solidFill>
+                  <a:srgbClr val="FF0000"/>
                 </a:solidFill>
                 <a:latin typeface="Arial" panose="020B0604020202020204" pitchFamily="34" charset="0"/>
                 <a:cs typeface="Arial" panose="020B0604020202020204" pitchFamily="34" charset="0"/>
               </a:rPr>
-              <a:t>gráfica </a:t>
-            </a:r>
-            <a:r>
-              <a:rPr lang="es-CO" sz="900" dirty="0">
-                <a:solidFill>
-                  <a:schemeClr val="tx1"/>
-                </a:solidFill>
-                <a:latin typeface="Arial" panose="020B0604020202020204" pitchFamily="34" charset="0"/>
-                <a:cs typeface="Arial" panose="020B0604020202020204" pitchFamily="34" charset="0"/>
-              </a:rPr>
-              <a:t>es decreciente   </a:t>
-            </a:r>
-          </a:p>
-          <a:p>
-            <a:pPr algn="ctr"/>
-            <a:r>
-              <a:rPr lang="es-CO" sz="900" dirty="0" smtClean="0">
-                <a:solidFill>
-                  <a:srgbClr val="FF0000"/>
-                </a:solidFill>
-                <a:latin typeface="Arial" panose="020B0604020202020204" pitchFamily="34" charset="0"/>
-                <a:cs typeface="Arial" panose="020B0604020202020204" pitchFamily="34" charset="0"/>
-              </a:rPr>
               <a:t> </a:t>
             </a:r>
-            <a:endParaRPr lang="es-CO" sz="900" dirty="0">
-              <a:solidFill>
-                <a:srgbClr val="FF0000"/>
-              </a:solidFill>
-              <a:latin typeface="Arial" panose="020B0604020202020204" pitchFamily="34" charset="0"/>
-              <a:cs typeface="Arial" panose="020B0604020202020204" pitchFamily="34" charset="0"/>
-            </a:endParaRPr>
           </a:p>
         </p:txBody>
       </p:sp>
@@ -2823,8 +2585,8 @@
         </p:nvCxnSpPr>
         <p:spPr>
           <a:xfrm rot="5400000">
-            <a:off x="2581798" y="3034636"/>
-            <a:ext cx="146427" cy="1596253"/>
+            <a:off x="2458528" y="2815354"/>
+            <a:ext cx="392967" cy="1596253"/>
           </a:xfrm>
           <a:prstGeom prst="bentConnector3">
             <a:avLst>
@@ -2860,7 +2622,7 @@
         </p:nvSpPr>
         <p:spPr>
           <a:xfrm>
-            <a:off x="2773279" y="5390978"/>
+            <a:off x="3071091" y="4343145"/>
             <a:ext cx="950457" cy="582441"/>
           </a:xfrm>
           <a:prstGeom prst="rect">
@@ -2892,25 +2654,15 @@
           <a:p>
             <a:pPr algn="ctr"/>
             <a:r>
-              <a:rPr lang="es-CO" sz="900" dirty="0" smtClean="0">
+              <a:rPr lang="es-CO" sz="900" dirty="0">
                 <a:solidFill>
                   <a:schemeClr val="tx1"/>
                 </a:solidFill>
                 <a:latin typeface="Arial" panose="020B0604020202020204" pitchFamily="34" charset="0"/>
                 <a:cs typeface="Arial" panose="020B0604020202020204" pitchFamily="34" charset="0"/>
               </a:rPr>
-              <a:t>Dominio: Números reales</a:t>
-            </a:r>
-            <a:endParaRPr lang="es-CO" sz="900" dirty="0" smtClean="0">
-              <a:solidFill>
-                <a:schemeClr val="tx1"/>
-              </a:solidFill>
-              <a:latin typeface="Arial" panose="020B0604020202020204" pitchFamily="34" charset="0"/>
-              <a:cs typeface="Arial" panose="020B0604020202020204" pitchFamily="34" charset="0"/>
-            </a:endParaRPr>
-          </a:p>
-          <a:p>
-            <a:pPr algn="ctr"/>
+              <a:t>dominio: números reales</a:t>
+            </a:r>
             <a:endParaRPr lang="es-CO" sz="900" b="1" dirty="0">
               <a:solidFill>
                 <a:schemeClr val="tx1"/>
@@ -2959,7 +2711,7 @@
           <a:p>
             <a:pPr algn="ctr"/>
             <a:r>
-              <a:rPr lang="es-CO" sz="900" dirty="0" smtClean="0">
+              <a:rPr lang="es-CO" sz="900" dirty="0">
                 <a:solidFill>
                   <a:schemeClr val="tx1"/>
                 </a:solidFill>
@@ -2968,13 +2720,6 @@
               </a:rPr>
               <a:t>se puede representar  </a:t>
             </a:r>
-            <a:endParaRPr lang="es-CO" sz="900" dirty="0">
-              <a:solidFill>
-                <a:schemeClr val="tx1"/>
-              </a:solidFill>
-              <a:latin typeface="Arial" panose="020B0604020202020204" pitchFamily="34" charset="0"/>
-              <a:cs typeface="Arial" panose="020B0604020202020204" pitchFamily="34" charset="0"/>
-            </a:endParaRPr>
           </a:p>
         </p:txBody>
       </p:sp>
@@ -2986,7 +2731,7 @@
         </p:nvSpPr>
         <p:spPr>
           <a:xfrm>
-            <a:off x="10303879" y="6063473"/>
+            <a:off x="10319119" y="5568173"/>
             <a:ext cx="1095738" cy="278305"/>
           </a:xfrm>
           <a:prstGeom prst="rect">
@@ -3016,17 +2761,17 @@
           <a:p>
             <a:pPr algn="ctr"/>
             <a:r>
-              <a:rPr lang="es-CO" sz="900" dirty="0" smtClean="0">
+              <a:rPr lang="es-CO" sz="900" dirty="0">
                 <a:solidFill>
                   <a:schemeClr val="tx1"/>
                 </a:solidFill>
                 <a:latin typeface="Arial" panose="020B0604020202020204" pitchFamily="34" charset="0"/>
                 <a:cs typeface="Arial" panose="020B0604020202020204" pitchFamily="34" charset="0"/>
               </a:rPr>
-              <a:t>Cuando</a:t>
-            </a:r>
-            <a:r>
-              <a:rPr lang="es-CO" sz="900" dirty="0" smtClean="0">
+              <a:t>cuando</a:t>
+            </a:r>
+            <a:r>
+              <a:rPr lang="es-CO" sz="900" dirty="0">
                 <a:solidFill>
                   <a:srgbClr val="FF0000"/>
                 </a:solidFill>
@@ -3035,13 +2780,6 @@
               </a:rPr>
               <a:t>   </a:t>
             </a:r>
-            <a:endParaRPr lang="es-CO" sz="900" dirty="0">
-              <a:solidFill>
-                <a:srgbClr val="FF0000"/>
-              </a:solidFill>
-              <a:latin typeface="Arial" panose="020B0604020202020204" pitchFamily="34" charset="0"/>
-              <a:cs typeface="Arial" panose="020B0604020202020204" pitchFamily="34" charset="0"/>
-            </a:endParaRPr>
           </a:p>
         </p:txBody>
       </p:sp>
@@ -3053,8 +2791,8 @@
         </p:nvSpPr>
         <p:spPr>
           <a:xfrm>
-            <a:off x="8676449" y="4743472"/>
-            <a:ext cx="1197786" cy="602489"/>
+            <a:off x="8814761" y="4742967"/>
+            <a:ext cx="1088896" cy="691043"/>
           </a:xfrm>
           <a:prstGeom prst="rect">
             <a:avLst/>
@@ -3085,7 +2823,7 @@
           <a:p>
             <a:pPr algn="ctr"/>
             <a:r>
-              <a:rPr lang="es-CO" sz="900" dirty="0" smtClean="0">
+              <a:rPr lang="es-CO" sz="900" dirty="0">
                 <a:solidFill>
                   <a:schemeClr val="tx1"/>
                 </a:solidFill>
@@ -3115,8 +2853,8 @@
         </p:nvCxnSpPr>
         <p:spPr>
           <a:xfrm rot="5400000">
-            <a:off x="9465522" y="4165413"/>
-            <a:ext cx="387880" cy="768239"/>
+            <a:off x="9507708" y="4207093"/>
+            <a:ext cx="387375" cy="684372"/>
           </a:xfrm>
           <a:prstGeom prst="bentConnector3">
             <a:avLst>
@@ -3155,8 +2893,8 @@
         </p:nvCxnSpPr>
         <p:spPr>
           <a:xfrm rot="16200000" flipH="1">
-            <a:off x="10249123" y="4150049"/>
-            <a:ext cx="387375" cy="798459"/>
+            <a:off x="10260553" y="4138619"/>
+            <a:ext cx="387375" cy="821319"/>
           </a:xfrm>
           <a:prstGeom prst="bentConnector3">
             <a:avLst>
@@ -3192,8 +2930,8 @@
         </p:nvSpPr>
         <p:spPr>
           <a:xfrm>
-            <a:off x="8733949" y="5614423"/>
-            <a:ext cx="1095738" cy="221963"/>
+            <a:off x="8859956" y="5614423"/>
+            <a:ext cx="996125" cy="221963"/>
           </a:xfrm>
           <a:prstGeom prst="rect">
             <a:avLst/>
@@ -3222,7 +2960,7 @@
           <a:p>
             <a:pPr algn="ctr"/>
             <a:r>
-              <a:rPr lang="es-CO" sz="900" dirty="0" smtClean="0">
+              <a:rPr lang="es-CO" sz="900" dirty="0">
                 <a:solidFill>
                   <a:schemeClr val="tx1"/>
                 </a:solidFill>
@@ -3231,13 +2969,6 @@
               </a:rPr>
               <a:t>determina una   </a:t>
             </a:r>
-            <a:endParaRPr lang="es-CO" sz="900" dirty="0">
-              <a:solidFill>
-                <a:schemeClr val="tx1"/>
-              </a:solidFill>
-              <a:latin typeface="Arial" panose="020B0604020202020204" pitchFamily="34" charset="0"/>
-              <a:cs typeface="Arial" panose="020B0604020202020204" pitchFamily="34" charset="0"/>
-            </a:endParaRPr>
           </a:p>
         </p:txBody>
       </p:sp>
@@ -3251,9 +2982,9 @@
           <p:nvPr/>
         </p:nvCxnSpPr>
         <p:spPr>
-          <a:xfrm>
-            <a:off x="9275342" y="5345961"/>
-            <a:ext cx="6476" cy="268462"/>
+          <a:xfrm flipH="1">
+            <a:off x="9358019" y="5434010"/>
+            <a:ext cx="1190" cy="180413"/>
           </a:xfrm>
           <a:prstGeom prst="line">
             <a:avLst/>
@@ -3287,8 +3018,8 @@
         </p:nvSpPr>
         <p:spPr>
           <a:xfrm>
-            <a:off x="10243147" y="4742967"/>
-            <a:ext cx="1197786" cy="602489"/>
+            <a:off x="10266007" y="4742967"/>
+            <a:ext cx="1197786" cy="692877"/>
           </a:xfrm>
           <a:prstGeom prst="rect">
             <a:avLst/>
@@ -3319,7 +3050,7 @@
           <a:p>
             <a:pPr algn="ctr"/>
             <a:r>
-              <a:rPr lang="es-CO" sz="900" dirty="0" smtClean="0">
+              <a:rPr lang="es-CO" sz="900" dirty="0">
                 <a:solidFill>
                   <a:schemeClr val="tx1"/>
                 </a:solidFill>
@@ -3346,8 +3077,8 @@
         </p:nvSpPr>
         <p:spPr>
           <a:xfrm>
-            <a:off x="8518010" y="6054997"/>
-            <a:ext cx="1535872" cy="715539"/>
+            <a:off x="8831644" y="6011089"/>
+            <a:ext cx="1049021" cy="623350"/>
           </a:xfrm>
           <a:prstGeom prst="rect">
             <a:avLst/>
@@ -3371,96 +3102,20 @@
           </a:fontRef>
         </p:style>
         <p:txBody>
-          <a:bodyPr lIns="105683" tIns="52841" rIns="105683" bIns="52841" rtlCol="0" anchor="ctr"/>
+          <a:bodyPr lIns="105683" tIns="52841" rIns="105683" bIns="52841" rtlCol="0" anchor="t" anchorCtr="0"/>
           <a:lstStyle/>
           <a:p>
             <a:pPr algn="ctr"/>
             <a:r>
-              <a:rPr lang="es-CO" sz="900" dirty="0" smtClean="0">
+              <a:rPr lang="es-CO" sz="900" dirty="0">
                 <a:solidFill>
                   <a:schemeClr val="tx1"/>
                 </a:solidFill>
                 <a:latin typeface="Arial" panose="020B0604020202020204" pitchFamily="34" charset="0"/>
                 <a:cs typeface="Arial" panose="020B0604020202020204" pitchFamily="34" charset="0"/>
               </a:rPr>
-              <a:t>ecuación </a:t>
-            </a:r>
-            <a:r>
-              <a:rPr lang="es-CO" sz="900" dirty="0" smtClean="0">
-                <a:solidFill>
-                  <a:schemeClr val="tx1"/>
-                </a:solidFill>
-                <a:latin typeface="Arial" panose="020B0604020202020204" pitchFamily="34" charset="0"/>
-                <a:cs typeface="Arial" panose="020B0604020202020204" pitchFamily="34" charset="0"/>
-              </a:rPr>
-              <a:t>logarítmica    </a:t>
-            </a:r>
-            <a:endParaRPr lang="es-CO" sz="900" dirty="0" smtClean="0">
-              <a:solidFill>
-                <a:schemeClr val="tx1"/>
-              </a:solidFill>
-              <a:latin typeface="Arial" panose="020B0604020202020204" pitchFamily="34" charset="0"/>
-              <a:cs typeface="Arial" panose="020B0604020202020204" pitchFamily="34" charset="0"/>
-            </a:endParaRPr>
-          </a:p>
-          <a:p>
-            <a:pPr algn="ctr"/>
-            <a:r>
-              <a:rPr lang="es-ES_tradnl" sz="900" i="1" dirty="0">
-                <a:solidFill>
-                  <a:schemeClr val="tx1">
-                    <a:lumMod val="75000"/>
-                    <a:lumOff val="25000"/>
-                  </a:schemeClr>
-                </a:solidFill>
-                <a:latin typeface="Arial" panose="020B0604020202020204" pitchFamily="34" charset="0"/>
-                <a:cs typeface="Arial" panose="020B0604020202020204" pitchFamily="34" charset="0"/>
-              </a:rPr>
-              <a:t>&lt;&lt; </a:t>
-            </a:r>
-            <a:r>
-              <a:rPr lang="es-ES_tradnl" sz="900" i="1" dirty="0" smtClean="0">
-                <a:solidFill>
-                  <a:schemeClr val="tx1">
-                    <a:lumMod val="75000"/>
-                    <a:lumOff val="25000"/>
-                  </a:schemeClr>
-                </a:solidFill>
-                <a:latin typeface="Arial" panose="020B0604020202020204" pitchFamily="34" charset="0"/>
-                <a:cs typeface="Arial" panose="020B0604020202020204" pitchFamily="34" charset="0"/>
-              </a:rPr>
-              <a:t>MA_09_07_PNG04&gt;&gt;</a:t>
-            </a:r>
-            <a:endParaRPr lang="es-CO" sz="900" i="1" dirty="0">
-              <a:solidFill>
-                <a:schemeClr val="tx1">
-                  <a:lumMod val="75000"/>
-                  <a:lumOff val="25000"/>
-                </a:schemeClr>
-              </a:solidFill>
-              <a:latin typeface="Arial" panose="020B0604020202020204" pitchFamily="34" charset="0"/>
-              <a:cs typeface="Arial" panose="020B0604020202020204" pitchFamily="34" charset="0"/>
-            </a:endParaRPr>
-          </a:p>
-          <a:p>
-            <a:pPr algn="ctr"/>
-            <a:r>
-              <a:rPr lang="es-CO" sz="900" dirty="0" smtClean="0">
-                <a:solidFill>
-                  <a:schemeClr val="tx1"/>
-                </a:solidFill>
-                <a:latin typeface="Arial" panose="020B0604020202020204" pitchFamily="34" charset="0"/>
-                <a:cs typeface="Arial" panose="020B0604020202020204" pitchFamily="34" charset="0"/>
-              </a:rPr>
-              <a:t> </a:t>
-            </a:r>
-            <a:endParaRPr lang="es-CO" sz="900" dirty="0">
-              <a:solidFill>
-                <a:schemeClr val="tx1"/>
-              </a:solidFill>
-              <a:latin typeface="Arial" panose="020B0604020202020204" pitchFamily="34" charset="0"/>
-              <a:cs typeface="Arial" panose="020B0604020202020204" pitchFamily="34" charset="0"/>
-            </a:endParaRPr>
+              <a:t>ecuación logarítmica     </a:t>
+            </a:r>
           </a:p>
         </p:txBody>
       </p:sp>
@@ -3469,13 +3124,14 @@
           <p:cNvPr id="183" name="182 Conector recto"/>
           <p:cNvCxnSpPr>
             <a:stCxn id="175" idx="2"/>
+            <a:endCxn id="181" idx="0"/>
           </p:cNvCxnSpPr>
           <p:nvPr/>
         </p:nvCxnSpPr>
         <p:spPr>
-          <a:xfrm>
-            <a:off x="9281818" y="5836386"/>
-            <a:ext cx="4945" cy="199561"/>
+          <a:xfrm flipH="1">
+            <a:off x="9356155" y="5836386"/>
+            <a:ext cx="1864" cy="174703"/>
           </a:xfrm>
           <a:prstGeom prst="line">
             <a:avLst/>
@@ -3509,8 +3165,8 @@
         </p:nvSpPr>
         <p:spPr>
           <a:xfrm>
-            <a:off x="2626437" y="7407711"/>
-            <a:ext cx="1244135" cy="370896"/>
+            <a:off x="2482347" y="5527381"/>
+            <a:ext cx="849761" cy="493665"/>
           </a:xfrm>
           <a:prstGeom prst="rect">
             <a:avLst/>
@@ -3538,7 +3194,7 @@
           <a:lstStyle/>
           <a:p>
             <a:r>
-              <a:rPr lang="es-CO" sz="900" dirty="0" smtClean="0">
+              <a:rPr lang="es-CO" sz="900" dirty="0">
                 <a:solidFill>
                   <a:srgbClr val="FF0000"/>
                 </a:solidFill>
@@ -3551,7 +3207,7 @@
           <a:p>
             <a:pPr algn="ctr"/>
             <a:r>
-              <a:rPr lang="es-CO" sz="900" dirty="0" smtClean="0">
+              <a:rPr lang="es-CO" sz="900" dirty="0">
                 <a:solidFill>
                   <a:schemeClr val="tx1"/>
                 </a:solidFill>
@@ -3571,15 +3227,18 @@
               <a:t>a</a:t>
             </a:r>
             <a:r>
-              <a:rPr lang="es-CO" sz="900" dirty="0" smtClean="0">
+              <a:rPr lang="es-CO" sz="900" dirty="0">
                 <a:solidFill>
                   <a:schemeClr val="tx1"/>
                 </a:solidFill>
                 <a:latin typeface="Arial" panose="020B0604020202020204" pitchFamily="34" charset="0"/>
                 <a:cs typeface="Arial" panose="020B0604020202020204" pitchFamily="34" charset="0"/>
               </a:rPr>
-              <a:t> &lt; 1 </a:t>
-            </a:r>
+              <a:t> &lt; 1</a:t>
+            </a:r>
+          </a:p>
+          <a:p>
+            <a:pPr algn="ctr"/>
             <a:r>
               <a:rPr lang="es-CO" sz="900" dirty="0">
                 <a:solidFill>
@@ -3588,48 +3247,21 @@
                 <a:latin typeface="Arial" panose="020B0604020202020204" pitchFamily="34" charset="0"/>
                 <a:cs typeface="Arial" panose="020B0604020202020204" pitchFamily="34" charset="0"/>
               </a:rPr>
-              <a:t>la </a:t>
-            </a:r>
-            <a:r>
-              <a:rPr lang="es-CO" sz="900" dirty="0" smtClean="0">
-                <a:solidFill>
-                  <a:schemeClr val="tx1"/>
+              <a:t>la gráfica es decreciente   </a:t>
+            </a:r>
+          </a:p>
+          <a:p>
+            <a:pPr algn="ctr"/>
+            <a:r>
+              <a:rPr lang="es-CO" sz="900" dirty="0">
+                <a:solidFill>
+                  <a:srgbClr val="FF0000"/>
                 </a:solidFill>
                 <a:latin typeface="Arial" panose="020B0604020202020204" pitchFamily="34" charset="0"/>
                 <a:cs typeface="Arial" panose="020B0604020202020204" pitchFamily="34" charset="0"/>
               </a:rPr>
-              <a:t>gráfica </a:t>
-            </a:r>
-            <a:r>
-              <a:rPr lang="es-CO" sz="900" dirty="0">
-                <a:solidFill>
-                  <a:schemeClr val="tx1"/>
-                </a:solidFill>
-                <a:latin typeface="Arial" panose="020B0604020202020204" pitchFamily="34" charset="0"/>
-                <a:cs typeface="Arial" panose="020B0604020202020204" pitchFamily="34" charset="0"/>
-              </a:rPr>
-              <a:t>es decreciente   </a:t>
-            </a:r>
-          </a:p>
-          <a:p>
-            <a:pPr algn="ctr"/>
-            <a:r>
-              <a:rPr lang="es-CO" sz="900" dirty="0" smtClean="0">
-                <a:solidFill>
-                  <a:srgbClr val="FF0000"/>
-                </a:solidFill>
-                <a:latin typeface="Arial" panose="020B0604020202020204" pitchFamily="34" charset="0"/>
-                <a:cs typeface="Arial" panose="020B0604020202020204" pitchFamily="34" charset="0"/>
-              </a:rPr>
               <a:t> </a:t>
             </a:r>
-            <a:endParaRPr lang="es-CO" sz="900" dirty="0">
-              <a:solidFill>
-                <a:srgbClr val="FF0000"/>
-              </a:solidFill>
-              <a:latin typeface="Arial" panose="020B0604020202020204" pitchFamily="34" charset="0"/>
-              <a:cs typeface="Arial" panose="020B0604020202020204" pitchFamily="34" charset="0"/>
-            </a:endParaRPr>
           </a:p>
         </p:txBody>
       </p:sp>
@@ -3643,9 +3275,9 @@
           <p:nvPr/>
         </p:nvCxnSpPr>
         <p:spPr>
-          <a:xfrm rot="16200000" flipH="1">
-            <a:off x="9855348" y="3758296"/>
-            <a:ext cx="297097" cy="79369"/>
+          <a:xfrm rot="5400000">
+            <a:off x="9783510" y="3682007"/>
+            <a:ext cx="524595" cy="4451"/>
           </a:xfrm>
           <a:prstGeom prst="bentConnector3">
             <a:avLst>
@@ -3681,7 +3313,7 @@
         </p:nvSpPr>
         <p:spPr>
           <a:xfrm>
-            <a:off x="12094489" y="3937388"/>
+            <a:off x="11980189" y="3937388"/>
             <a:ext cx="1191057" cy="409062"/>
           </a:xfrm>
           <a:prstGeom prst="rect">
@@ -3718,25 +3350,8 @@
                 <a:latin typeface="Arial" panose="020B0604020202020204" pitchFamily="34" charset="0"/>
                 <a:cs typeface="Arial" panose="020B0604020202020204" pitchFamily="34" charset="0"/>
               </a:rPr>
-              <a:t>s</a:t>
-            </a:r>
-            <a:r>
-              <a:rPr lang="es-CO" sz="900" dirty="0" smtClean="0">
-                <a:solidFill>
-                  <a:schemeClr val="tx1"/>
-                </a:solidFill>
-                <a:latin typeface="Arial" panose="020B0604020202020204" pitchFamily="34" charset="0"/>
-                <a:cs typeface="Arial" panose="020B0604020202020204" pitchFamily="34" charset="0"/>
-              </a:rPr>
-              <a:t>us características  son   </a:t>
-            </a:r>
-            <a:endParaRPr lang="es-CO" sz="900" dirty="0">
-              <a:solidFill>
-                <a:schemeClr val="tx1"/>
-              </a:solidFill>
-              <a:latin typeface="Arial" panose="020B0604020202020204" pitchFamily="34" charset="0"/>
-              <a:cs typeface="Arial" panose="020B0604020202020204" pitchFamily="34" charset="0"/>
-            </a:endParaRPr>
+              <a:t>sus características  son   </a:t>
+            </a:r>
           </a:p>
         </p:txBody>
       </p:sp>
@@ -3751,8 +3366,8 @@
         </p:nvCxnSpPr>
         <p:spPr>
           <a:xfrm rot="16200000" flipH="1">
-            <a:off x="11183138" y="2430507"/>
-            <a:ext cx="287955" cy="2725806"/>
+            <a:off x="11054149" y="2415818"/>
+            <a:ext cx="515453" cy="2527686"/>
           </a:xfrm>
           <a:prstGeom prst="bentConnector3">
             <a:avLst>
@@ -3788,8 +3403,8 @@
         </p:nvSpPr>
         <p:spPr>
           <a:xfrm>
-            <a:off x="6231889" y="3922032"/>
-            <a:ext cx="1095738" cy="272078"/>
+            <a:off x="6439606" y="3805072"/>
+            <a:ext cx="1095738" cy="329215"/>
           </a:xfrm>
           <a:prstGeom prst="rect">
             <a:avLst/>
@@ -3825,25 +3440,8 @@
                 <a:latin typeface="Arial" panose="020B0604020202020204" pitchFamily="34" charset="0"/>
                 <a:cs typeface="Arial" panose="020B0604020202020204" pitchFamily="34" charset="0"/>
               </a:rPr>
-              <a:t>s</a:t>
-            </a:r>
-            <a:r>
-              <a:rPr lang="es-CO" sz="900" dirty="0" smtClean="0">
-                <a:solidFill>
-                  <a:schemeClr val="tx1"/>
-                </a:solidFill>
-                <a:latin typeface="Arial" panose="020B0604020202020204" pitchFamily="34" charset="0"/>
-                <a:cs typeface="Arial" panose="020B0604020202020204" pitchFamily="34" charset="0"/>
-              </a:rPr>
-              <a:t>us aplicaciones se dan en      </a:t>
-            </a:r>
-            <a:endParaRPr lang="es-CO" sz="900" dirty="0">
-              <a:solidFill>
-                <a:schemeClr val="tx1"/>
-              </a:solidFill>
-              <a:latin typeface="Arial" panose="020B0604020202020204" pitchFamily="34" charset="0"/>
-              <a:cs typeface="Arial" panose="020B0604020202020204" pitchFamily="34" charset="0"/>
-            </a:endParaRPr>
+              <a:t>sus aplicaciones se dan en      </a:t>
+            </a:r>
           </a:p>
         </p:txBody>
       </p:sp>
@@ -3858,8 +3456,8 @@
         </p:nvCxnSpPr>
         <p:spPr>
           <a:xfrm rot="16200000" flipH="1">
-            <a:off x="5035206" y="2177479"/>
-            <a:ext cx="162483" cy="3326621"/>
+            <a:off x="5026269" y="1843865"/>
+            <a:ext cx="388075" cy="3534338"/>
           </a:xfrm>
           <a:prstGeom prst="bentConnector3">
             <a:avLst>
@@ -3895,8 +3493,8 @@
         </p:nvSpPr>
         <p:spPr>
           <a:xfrm>
-            <a:off x="6313816" y="4355454"/>
-            <a:ext cx="950457" cy="449386"/>
+            <a:off x="6460573" y="4355454"/>
+            <a:ext cx="1045689" cy="449386"/>
           </a:xfrm>
           <a:prstGeom prst="rect">
             <a:avLst/>
@@ -3927,7 +3525,7 @@
           <a:p>
             <a:pPr algn="ctr"/>
             <a:r>
-              <a:rPr lang="es-CO" sz="900" dirty="0" smtClean="0">
+              <a:rPr lang="es-CO" sz="900" dirty="0">
                 <a:solidFill>
                   <a:schemeClr val="tx1"/>
                 </a:solidFill>
@@ -3936,7 +3534,7 @@
               </a:rPr>
               <a:t>crecimiento exponencial </a:t>
             </a:r>
-            <a:endParaRPr lang="es-ES_tradnl" sz="900" i="1" dirty="0" smtClean="0">
+            <a:endParaRPr lang="es-ES_tradnl" sz="900" i="1" dirty="0">
               <a:solidFill>
                 <a:schemeClr val="tx1"/>
               </a:solidFill>
@@ -3954,8 +3552,8 @@
         </p:nvSpPr>
         <p:spPr>
           <a:xfrm>
-            <a:off x="6304582" y="4941592"/>
-            <a:ext cx="950457" cy="449386"/>
+            <a:off x="6458959" y="4941592"/>
+            <a:ext cx="1045689" cy="449386"/>
           </a:xfrm>
           <a:prstGeom prst="rect">
             <a:avLst/>
@@ -3986,7 +3584,7 @@
           <a:p>
             <a:pPr algn="ctr"/>
             <a:r>
-              <a:rPr lang="es-CO" sz="900" dirty="0" smtClean="0">
+              <a:rPr lang="es-CO" sz="900" dirty="0">
                 <a:solidFill>
                   <a:schemeClr val="tx1"/>
                 </a:solidFill>
@@ -3995,7 +3593,7 @@
               </a:rPr>
               <a:t>interés compuesto </a:t>
             </a:r>
-            <a:endParaRPr lang="es-ES_tradnl" sz="900" i="1" dirty="0" smtClean="0">
+            <a:endParaRPr lang="es-ES_tradnl" sz="900" i="1" dirty="0">
               <a:solidFill>
                 <a:schemeClr val="tx1"/>
               </a:solidFill>
@@ -4013,8 +3611,8 @@
         </p:nvSpPr>
         <p:spPr>
           <a:xfrm>
-            <a:off x="6315027" y="5508332"/>
-            <a:ext cx="950457" cy="449386"/>
+            <a:off x="6461784" y="5508332"/>
+            <a:ext cx="1045689" cy="449386"/>
           </a:xfrm>
           <a:prstGeom prst="rect">
             <a:avLst/>
@@ -4045,7 +3643,7 @@
           <a:p>
             <a:pPr algn="ctr"/>
             <a:r>
-              <a:rPr lang="es-CO" sz="900" dirty="0" smtClean="0">
+              <a:rPr lang="es-CO" sz="900" dirty="0">
                 <a:solidFill>
                   <a:schemeClr val="tx1"/>
                 </a:solidFill>
@@ -4054,7 +3652,7 @@
               </a:rPr>
               <a:t>crecimiento  poblacional  </a:t>
             </a:r>
-            <a:endParaRPr lang="es-ES_tradnl" sz="900" i="1" dirty="0" smtClean="0">
+            <a:endParaRPr lang="es-ES_tradnl" sz="900" i="1" dirty="0">
               <a:solidFill>
                 <a:schemeClr val="tx1"/>
               </a:solidFill>
@@ -4072,8 +3670,8 @@
         </p:nvSpPr>
         <p:spPr>
           <a:xfrm>
-            <a:off x="6315020" y="6106483"/>
-            <a:ext cx="950457" cy="449386"/>
+            <a:off x="6461777" y="6106483"/>
+            <a:ext cx="1045689" cy="449386"/>
           </a:xfrm>
           <a:prstGeom prst="rect">
             <a:avLst/>
@@ -4104,7 +3702,7 @@
           <a:p>
             <a:pPr algn="ctr"/>
             <a:r>
-              <a:rPr lang="es-CO" sz="900" dirty="0" smtClean="0">
+              <a:rPr lang="es-CO" sz="900" dirty="0">
                 <a:solidFill>
                   <a:schemeClr val="tx1"/>
                 </a:solidFill>
@@ -4113,7 +3711,7 @@
               </a:rPr>
               <a:t>decrecimiento exponencial </a:t>
             </a:r>
-            <a:endParaRPr lang="es-ES_tradnl" sz="900" i="1" dirty="0" smtClean="0">
+            <a:endParaRPr lang="es-ES_tradnl" sz="900" i="1" dirty="0">
               <a:solidFill>
                 <a:schemeClr val="tx1"/>
               </a:solidFill>
@@ -4131,7 +3729,7 @@
         </p:nvSpPr>
         <p:spPr>
           <a:xfrm>
-            <a:off x="6305302" y="6645275"/>
+            <a:off x="6459679" y="6645275"/>
             <a:ext cx="1057097" cy="449386"/>
           </a:xfrm>
           <a:prstGeom prst="rect">
@@ -4163,7 +3761,7 @@
           <a:p>
             <a:pPr algn="ctr"/>
             <a:r>
-              <a:rPr lang="es-CO" sz="900" dirty="0" smtClean="0">
+              <a:rPr lang="es-CO" sz="900" dirty="0">
                 <a:solidFill>
                   <a:schemeClr val="tx1"/>
                 </a:solidFill>
@@ -4172,7 +3770,7 @@
               </a:rPr>
               <a:t>descomposición radioactiva </a:t>
             </a:r>
-            <a:endParaRPr lang="es-ES_tradnl" sz="900" i="1" dirty="0" smtClean="0">
+            <a:endParaRPr lang="es-ES_tradnl" sz="900" i="1" dirty="0">
               <a:solidFill>
                 <a:schemeClr val="tx1"/>
               </a:solidFill>
@@ -4192,9 +3790,9 @@
           <p:nvPr/>
         </p:nvCxnSpPr>
         <p:spPr>
-          <a:xfrm>
-            <a:off x="6779758" y="4194110"/>
-            <a:ext cx="9287" cy="161344"/>
+          <a:xfrm flipH="1">
+            <a:off x="6983418" y="4134287"/>
+            <a:ext cx="4057" cy="221167"/>
           </a:xfrm>
           <a:prstGeom prst="line">
             <a:avLst/>
@@ -4231,8 +3829,8 @@
         </p:nvCxnSpPr>
         <p:spPr>
           <a:xfrm flipH="1">
-            <a:off x="6779811" y="4804840"/>
-            <a:ext cx="9234" cy="136752"/>
+            <a:off x="6981804" y="4804840"/>
+            <a:ext cx="1614" cy="136752"/>
           </a:xfrm>
           <a:prstGeom prst="line">
             <a:avLst/>
@@ -4269,8 +3867,8 @@
         </p:nvCxnSpPr>
         <p:spPr>
           <a:xfrm>
-            <a:off x="6779811" y="5390978"/>
-            <a:ext cx="10445" cy="117354"/>
+            <a:off x="6981804" y="5390978"/>
+            <a:ext cx="2825" cy="117354"/>
           </a:xfrm>
           <a:prstGeom prst="line">
             <a:avLst/>
@@ -4307,7 +3905,7 @@
         </p:nvCxnSpPr>
         <p:spPr>
           <a:xfrm flipH="1">
-            <a:off x="6790249" y="5957718"/>
+            <a:off x="6984622" y="5957718"/>
             <a:ext cx="7" cy="148765"/>
           </a:xfrm>
           <a:prstGeom prst="line">
@@ -4345,8 +3943,8 @@
         </p:nvCxnSpPr>
         <p:spPr>
           <a:xfrm>
-            <a:off x="6790249" y="6555869"/>
-            <a:ext cx="43602" cy="89406"/>
+            <a:off x="6984622" y="6555869"/>
+            <a:ext cx="3606" cy="89406"/>
           </a:xfrm>
           <a:prstGeom prst="line">
             <a:avLst/>
@@ -4380,8 +3978,8 @@
         </p:nvSpPr>
         <p:spPr>
           <a:xfrm>
-            <a:off x="7566036" y="3938110"/>
-            <a:ext cx="1095738" cy="272078"/>
+            <a:off x="7566036" y="3923561"/>
+            <a:ext cx="1095738" cy="362137"/>
           </a:xfrm>
           <a:prstGeom prst="rect">
             <a:avLst/>
@@ -4417,19 +4015,61 @@
                 <a:latin typeface="Arial" panose="020B0604020202020204" pitchFamily="34" charset="0"/>
                 <a:cs typeface="Arial" panose="020B0604020202020204" pitchFamily="34" charset="0"/>
               </a:rPr>
-              <a:t>s</a:t>
-            </a:r>
-            <a:r>
-              <a:rPr lang="es-CO" sz="900" dirty="0" smtClean="0">
+              <a:t>sus aplicaciones se dan en      </a:t>
+            </a:r>
+          </a:p>
+        </p:txBody>
+      </p:sp>
+      <p:sp>
+        <p:nvSpPr>
+          <p:cNvPr id="119" name="Rectángulo 33"/>
+          <p:cNvSpPr/>
+          <p:nvPr/>
+        </p:nvSpPr>
+        <p:spPr>
+          <a:xfrm>
+            <a:off x="7641196" y="4723230"/>
+            <a:ext cx="950457" cy="449386"/>
+          </a:xfrm>
+          <a:prstGeom prst="rect">
+            <a:avLst/>
+          </a:prstGeom>
+          <a:solidFill>
+            <a:schemeClr val="bg2">
+              <a:lumMod val="90000"/>
+            </a:schemeClr>
+          </a:solidFill>
+        </p:spPr>
+        <p:style>
+          <a:lnRef idx="2">
+            <a:schemeClr val="dk1"/>
+          </a:lnRef>
+          <a:fillRef idx="1">
+            <a:schemeClr val="lt1"/>
+          </a:fillRef>
+          <a:effectRef idx="0">
+            <a:schemeClr val="dk1"/>
+          </a:effectRef>
+          <a:fontRef idx="minor">
+            <a:schemeClr val="dk1"/>
+          </a:fontRef>
+        </p:style>
+        <p:txBody>
+          <a:bodyPr lIns="105683" tIns="52841" rIns="105683" bIns="52841" rtlCol="0" anchor="ctr"/>
+          <a:lstStyle/>
+          <a:p>
+            <a:pPr algn="ctr"/>
+            <a:r>
+              <a:rPr lang="es-CO" sz="900" dirty="0">
                 <a:solidFill>
                   <a:schemeClr val="tx1"/>
                 </a:solidFill>
                 <a:latin typeface="Arial" panose="020B0604020202020204" pitchFamily="34" charset="0"/>
                 <a:cs typeface="Arial" panose="020B0604020202020204" pitchFamily="34" charset="0"/>
               </a:rPr>
-              <a:t>us aplicaciones se dan en      </a:t>
-            </a:r>
-            <a:endParaRPr lang="es-CO" sz="900" dirty="0">
+              <a:t>medición de  temblores  </a:t>
+            </a:r>
+            <a:endParaRPr lang="es-ES_tradnl" sz="900" i="1" dirty="0">
               <a:solidFill>
                 <a:schemeClr val="tx1"/>
               </a:solidFill>
@@ -4441,13 +4081,13 @@
       </p:sp>
       <p:sp>
         <p:nvSpPr>
-          <p:cNvPr id="119" name="Rectángulo 33"/>
+          <p:cNvPr id="120" name="Rectángulo 33"/>
           <p:cNvSpPr/>
           <p:nvPr/>
         </p:nvSpPr>
         <p:spPr>
           <a:xfrm>
-            <a:off x="7641196" y="4387950"/>
+            <a:off x="7638676" y="5310309"/>
             <a:ext cx="950457" cy="449386"/>
           </a:xfrm>
           <a:prstGeom prst="rect">
@@ -4479,26 +4119,16 @@
           <a:p>
             <a:pPr algn="ctr"/>
             <a:r>
-              <a:rPr lang="es-CO" sz="900" dirty="0" smtClean="0">
+              <a:rPr lang="es-CO" sz="900" dirty="0">
                 <a:solidFill>
                   <a:schemeClr val="tx1"/>
                 </a:solidFill>
                 <a:latin typeface="Arial" panose="020B0604020202020204" pitchFamily="34" charset="0"/>
                 <a:cs typeface="Arial" panose="020B0604020202020204" pitchFamily="34" charset="0"/>
               </a:rPr>
-              <a:t>medición </a:t>
-            </a:r>
-            <a:r>
-              <a:rPr lang="es-CO" sz="900" dirty="0" smtClean="0">
-                <a:solidFill>
-                  <a:schemeClr val="tx1"/>
-                </a:solidFill>
-                <a:latin typeface="Arial" panose="020B0604020202020204" pitchFamily="34" charset="0"/>
-                <a:cs typeface="Arial" panose="020B0604020202020204" pitchFamily="34" charset="0"/>
-              </a:rPr>
-              <a:t>de  temblores  </a:t>
-            </a:r>
-            <a:endParaRPr lang="es-ES_tradnl" sz="900" i="1" dirty="0" smtClean="0">
+              <a:t>calculo antigüedad  objetos  </a:t>
+            </a:r>
+            <a:endParaRPr lang="es-ES_tradnl" sz="900" i="1" dirty="0">
               <a:solidFill>
                 <a:schemeClr val="tx1"/>
               </a:solidFill>
@@ -4510,13 +4140,13 @@
       </p:sp>
       <p:sp>
         <p:nvSpPr>
-          <p:cNvPr id="120" name="Rectángulo 33"/>
+          <p:cNvPr id="123" name="Rectángulo 33"/>
           <p:cNvSpPr/>
           <p:nvPr/>
         </p:nvSpPr>
         <p:spPr>
           <a:xfrm>
-            <a:off x="7638676" y="4975029"/>
+            <a:off x="7638676" y="5899689"/>
             <a:ext cx="950457" cy="449386"/>
           </a:xfrm>
           <a:prstGeom prst="rect">
@@ -4555,98 +4185,9 @@
                 <a:latin typeface="Arial" panose="020B0604020202020204" pitchFamily="34" charset="0"/>
                 <a:cs typeface="Arial" panose="020B0604020202020204" pitchFamily="34" charset="0"/>
               </a:rPr>
-              <a:t>c</a:t>
-            </a:r>
-            <a:r>
-              <a:rPr lang="es-CO" sz="900" dirty="0" smtClean="0">
-                <a:solidFill>
-                  <a:schemeClr val="tx1"/>
-                </a:solidFill>
-                <a:latin typeface="Arial" panose="020B0604020202020204" pitchFamily="34" charset="0"/>
-                <a:cs typeface="Arial" panose="020B0604020202020204" pitchFamily="34" charset="0"/>
-              </a:rPr>
-              <a:t>alculo </a:t>
-            </a:r>
-            <a:r>
-              <a:rPr lang="es-CO" sz="900" dirty="0" smtClean="0">
-                <a:solidFill>
-                  <a:schemeClr val="tx1"/>
-                </a:solidFill>
-                <a:latin typeface="Arial" panose="020B0604020202020204" pitchFamily="34" charset="0"/>
-                <a:cs typeface="Arial" panose="020B0604020202020204" pitchFamily="34" charset="0"/>
-              </a:rPr>
-              <a:t>antigüedad  objetos  </a:t>
-            </a:r>
-            <a:endParaRPr lang="es-ES_tradnl" sz="900" i="1" dirty="0" smtClean="0">
-              <a:solidFill>
-                <a:schemeClr val="tx1"/>
-              </a:solidFill>
-              <a:latin typeface="Arial" panose="020B0604020202020204" pitchFamily="34" charset="0"/>
-              <a:cs typeface="Arial" panose="020B0604020202020204" pitchFamily="34" charset="0"/>
-            </a:endParaRPr>
-          </a:p>
-        </p:txBody>
-      </p:sp>
-      <p:sp>
-        <p:nvSpPr>
-          <p:cNvPr id="123" name="Rectángulo 33"/>
-          <p:cNvSpPr/>
-          <p:nvPr/>
-        </p:nvSpPr>
-        <p:spPr>
-          <a:xfrm>
-            <a:off x="7638676" y="5564409"/>
-            <a:ext cx="950457" cy="449386"/>
-          </a:xfrm>
-          <a:prstGeom prst="rect">
-            <a:avLst/>
-          </a:prstGeom>
-          <a:solidFill>
-            <a:schemeClr val="bg2">
-              <a:lumMod val="90000"/>
-            </a:schemeClr>
-          </a:solidFill>
-        </p:spPr>
-        <p:style>
-          <a:lnRef idx="2">
-            <a:schemeClr val="dk1"/>
-          </a:lnRef>
-          <a:fillRef idx="1">
-            <a:schemeClr val="lt1"/>
-          </a:fillRef>
-          <a:effectRef idx="0">
-            <a:schemeClr val="dk1"/>
-          </a:effectRef>
-          <a:fontRef idx="minor">
-            <a:schemeClr val="dk1"/>
-          </a:fontRef>
-        </p:style>
-        <p:txBody>
-          <a:bodyPr lIns="105683" tIns="52841" rIns="105683" bIns="52841" rtlCol="0" anchor="ctr"/>
-          <a:lstStyle/>
-          <a:p>
-            <a:pPr algn="ctr"/>
-            <a:r>
-              <a:rPr lang="es-CO" sz="900" dirty="0" smtClean="0">
-                <a:solidFill>
-                  <a:schemeClr val="tx1"/>
-                </a:solidFill>
-                <a:latin typeface="Arial" panose="020B0604020202020204" pitchFamily="34" charset="0"/>
-                <a:cs typeface="Arial" panose="020B0604020202020204" pitchFamily="34" charset="0"/>
-              </a:rPr>
-              <a:t>medición de la  </a:t>
-            </a:r>
-            <a:r>
-              <a:rPr lang="es-CO" sz="900" dirty="0" smtClean="0">
-                <a:solidFill>
-                  <a:schemeClr val="tx1"/>
-                </a:solidFill>
-                <a:latin typeface="Arial" panose="020B0604020202020204" pitchFamily="34" charset="0"/>
-                <a:cs typeface="Arial" panose="020B0604020202020204" pitchFamily="34" charset="0"/>
-              </a:rPr>
-              <a:t>la acidez pH   </a:t>
-            </a:r>
-            <a:endParaRPr lang="es-ES_tradnl" sz="900" i="1" dirty="0" smtClean="0">
+              <a:t>medición de la  la acidez pH   </a:t>
+            </a:r>
+            <a:endParaRPr lang="es-ES_tradnl" sz="900" i="1" dirty="0">
               <a:solidFill>
                 <a:schemeClr val="tx1"/>
               </a:solidFill>
@@ -4667,7 +4208,7 @@
         </p:nvCxnSpPr>
         <p:spPr>
           <a:xfrm flipH="1">
-            <a:off x="8113905" y="4837336"/>
+            <a:off x="8113905" y="5172616"/>
             <a:ext cx="2520" cy="137693"/>
           </a:xfrm>
           <a:prstGeom prst="line">
@@ -4705,7 +4246,7 @@
         </p:nvCxnSpPr>
         <p:spPr>
           <a:xfrm>
-            <a:off x="8113905" y="5424415"/>
+            <a:off x="8113905" y="5759695"/>
             <a:ext cx="0" cy="139994"/>
           </a:xfrm>
           <a:prstGeom prst="line">
@@ -4743,8 +4284,8 @@
         </p:nvCxnSpPr>
         <p:spPr>
           <a:xfrm>
-            <a:off x="8113905" y="4210188"/>
-            <a:ext cx="2520" cy="177762"/>
+            <a:off x="8113905" y="4285698"/>
+            <a:ext cx="2520" cy="437532"/>
           </a:xfrm>
           <a:prstGeom prst="line">
             <a:avLst/>
@@ -4778,8 +4319,8 @@
         </p:nvSpPr>
         <p:spPr>
           <a:xfrm>
-            <a:off x="1208277" y="7394277"/>
-            <a:ext cx="1244135" cy="370896"/>
+            <a:off x="1557963" y="5527382"/>
+            <a:ext cx="849761" cy="493664"/>
           </a:xfrm>
           <a:prstGeom prst="rect">
             <a:avLst/>
@@ -4901,7 +4442,7 @@
           </a:lstStyle>
           <a:p>
             <a:r>
-              <a:rPr lang="es-CO" sz="900" dirty="0" smtClean="0">
+              <a:rPr lang="es-CO" sz="900" dirty="0">
                 <a:solidFill>
                   <a:srgbClr val="FF0000"/>
                 </a:solidFill>
@@ -4914,7 +4455,7 @@
           <a:p>
             <a:pPr algn="ctr"/>
             <a:r>
-              <a:rPr lang="es-ES_tradnl" sz="900" i="1" dirty="0" smtClean="0">
+              <a:rPr lang="es-ES_tradnl" sz="900" i="1" dirty="0">
                 <a:solidFill>
                   <a:schemeClr val="tx1"/>
                 </a:solidFill>
@@ -4924,15 +4465,18 @@
               <a:t>a</a:t>
             </a:r>
             <a:r>
-              <a:rPr lang="es-CO" sz="900" dirty="0" smtClean="0">
+              <a:rPr lang="es-CO" sz="900" dirty="0">
                 <a:solidFill>
                   <a:schemeClr val="tx1"/>
                 </a:solidFill>
                 <a:latin typeface="Arial" panose="020B0604020202020204" pitchFamily="34" charset="0"/>
                 <a:cs typeface="Arial" panose="020B0604020202020204" pitchFamily="34" charset="0"/>
               </a:rPr>
-              <a:t> &gt; 1 </a:t>
-            </a:r>
+              <a:t> &gt; 1</a:t>
+            </a:r>
+          </a:p>
+          <a:p>
+            <a:pPr algn="ctr"/>
             <a:r>
               <a:rPr lang="es-CO" sz="900" dirty="0">
                 <a:solidFill>
@@ -4941,65 +4485,21 @@
                 <a:latin typeface="Arial" panose="020B0604020202020204" pitchFamily="34" charset="0"/>
                 <a:cs typeface="Arial" panose="020B0604020202020204" pitchFamily="34" charset="0"/>
               </a:rPr>
-              <a:t>la </a:t>
-            </a:r>
-            <a:r>
-              <a:rPr lang="es-CO" sz="900" dirty="0" smtClean="0">
-                <a:solidFill>
-                  <a:schemeClr val="tx1"/>
+              <a:t>la gráfica es creciente   </a:t>
+            </a:r>
+          </a:p>
+          <a:p>
+            <a:pPr algn="ctr"/>
+            <a:r>
+              <a:rPr lang="es-CO" sz="900" dirty="0">
+                <a:solidFill>
+                  <a:srgbClr val="FF0000"/>
                 </a:solidFill>
                 <a:latin typeface="Arial" panose="020B0604020202020204" pitchFamily="34" charset="0"/>
                 <a:cs typeface="Arial" panose="020B0604020202020204" pitchFamily="34" charset="0"/>
               </a:rPr>
-              <a:t>gráfica </a:t>
-            </a:r>
-            <a:r>
-              <a:rPr lang="es-CO" sz="900" dirty="0">
-                <a:solidFill>
-                  <a:schemeClr val="tx1"/>
-                </a:solidFill>
-                <a:latin typeface="Arial" panose="020B0604020202020204" pitchFamily="34" charset="0"/>
-                <a:cs typeface="Arial" panose="020B0604020202020204" pitchFamily="34" charset="0"/>
-              </a:rPr>
-              <a:t>es </a:t>
-            </a:r>
-            <a:r>
-              <a:rPr lang="es-CO" sz="900" dirty="0" smtClean="0">
-                <a:solidFill>
-                  <a:schemeClr val="tx1"/>
-                </a:solidFill>
-                <a:latin typeface="Arial" panose="020B0604020202020204" pitchFamily="34" charset="0"/>
-                <a:cs typeface="Arial" panose="020B0604020202020204" pitchFamily="34" charset="0"/>
-              </a:rPr>
-              <a:t>creciente   </a:t>
-            </a:r>
-            <a:endParaRPr lang="es-CO" sz="900" dirty="0">
-              <a:solidFill>
-                <a:schemeClr val="tx1"/>
-              </a:solidFill>
-              <a:latin typeface="Arial" panose="020B0604020202020204" pitchFamily="34" charset="0"/>
-              <a:cs typeface="Arial" panose="020B0604020202020204" pitchFamily="34" charset="0"/>
-            </a:endParaRPr>
-          </a:p>
-          <a:p>
-            <a:pPr algn="ctr"/>
-            <a:r>
-              <a:rPr lang="es-CO" sz="900" dirty="0" smtClean="0">
-                <a:solidFill>
-                  <a:srgbClr val="FF0000"/>
-                </a:solidFill>
-                <a:latin typeface="Arial" panose="020B0604020202020204" pitchFamily="34" charset="0"/>
-                <a:cs typeface="Arial" panose="020B0604020202020204" pitchFamily="34" charset="0"/>
-              </a:rPr>
               <a:t> </a:t>
             </a:r>
-            <a:endParaRPr lang="es-CO" sz="900" dirty="0">
-              <a:solidFill>
-                <a:srgbClr val="FF0000"/>
-              </a:solidFill>
-              <a:latin typeface="Arial" panose="020B0604020202020204" pitchFamily="34" charset="0"/>
-              <a:cs typeface="Arial" panose="020B0604020202020204" pitchFamily="34" charset="0"/>
-            </a:endParaRPr>
           </a:p>
         </p:txBody>
       </p:sp>
@@ -5011,8 +4511,8 @@
         </p:nvSpPr>
         <p:spPr>
           <a:xfrm>
-            <a:off x="9533994" y="7036815"/>
-            <a:ext cx="1244135" cy="370896"/>
+            <a:off x="9997881" y="6154277"/>
+            <a:ext cx="849761" cy="493664"/>
           </a:xfrm>
           <a:prstGeom prst="rect">
             <a:avLst/>
@@ -5134,7 +4634,7 @@
           </a:lstStyle>
           <a:p>
             <a:r>
-              <a:rPr lang="es-CO" sz="900" dirty="0" smtClean="0">
+              <a:rPr lang="es-CO" sz="900" dirty="0">
                 <a:solidFill>
                   <a:srgbClr val="FF0000"/>
                 </a:solidFill>
@@ -5147,7 +4647,7 @@
           <a:p>
             <a:pPr algn="ctr"/>
             <a:r>
-              <a:rPr lang="es-ES_tradnl" sz="900" i="1" dirty="0" smtClean="0">
+              <a:rPr lang="es-ES_tradnl" sz="900" i="1" dirty="0">
                 <a:solidFill>
                   <a:schemeClr val="tx1"/>
                 </a:solidFill>
@@ -5157,15 +4657,18 @@
               <a:t>a</a:t>
             </a:r>
             <a:r>
-              <a:rPr lang="es-CO" sz="900" dirty="0" smtClean="0">
+              <a:rPr lang="es-CO" sz="900" dirty="0">
                 <a:solidFill>
                   <a:schemeClr val="tx1"/>
                 </a:solidFill>
                 <a:latin typeface="Arial" panose="020B0604020202020204" pitchFamily="34" charset="0"/>
                 <a:cs typeface="Arial" panose="020B0604020202020204" pitchFamily="34" charset="0"/>
               </a:rPr>
-              <a:t> &gt; 1 </a:t>
-            </a:r>
+              <a:t> &gt; 1</a:t>
+            </a:r>
+          </a:p>
+          <a:p>
+            <a:pPr algn="ctr"/>
             <a:r>
               <a:rPr lang="es-CO" sz="900" dirty="0">
                 <a:solidFill>
@@ -5174,65 +4677,21 @@
                 <a:latin typeface="Arial" panose="020B0604020202020204" pitchFamily="34" charset="0"/>
                 <a:cs typeface="Arial" panose="020B0604020202020204" pitchFamily="34" charset="0"/>
               </a:rPr>
-              <a:t>la </a:t>
-            </a:r>
-            <a:r>
-              <a:rPr lang="es-CO" sz="900" dirty="0" smtClean="0">
-                <a:solidFill>
-                  <a:schemeClr val="tx1"/>
+              <a:t>la gráfica es creciente   </a:t>
+            </a:r>
+          </a:p>
+          <a:p>
+            <a:pPr algn="ctr"/>
+            <a:r>
+              <a:rPr lang="es-CO" sz="900" dirty="0">
+                <a:solidFill>
+                  <a:srgbClr val="FF0000"/>
                 </a:solidFill>
                 <a:latin typeface="Arial" panose="020B0604020202020204" pitchFamily="34" charset="0"/>
                 <a:cs typeface="Arial" panose="020B0604020202020204" pitchFamily="34" charset="0"/>
               </a:rPr>
-              <a:t>gráfica </a:t>
-            </a:r>
-            <a:r>
-              <a:rPr lang="es-CO" sz="900" dirty="0">
-                <a:solidFill>
-                  <a:schemeClr val="tx1"/>
-                </a:solidFill>
-                <a:latin typeface="Arial" panose="020B0604020202020204" pitchFamily="34" charset="0"/>
-                <a:cs typeface="Arial" panose="020B0604020202020204" pitchFamily="34" charset="0"/>
-              </a:rPr>
-              <a:t>es </a:t>
-            </a:r>
-            <a:r>
-              <a:rPr lang="es-CO" sz="900" dirty="0" smtClean="0">
-                <a:solidFill>
-                  <a:schemeClr val="tx1"/>
-                </a:solidFill>
-                <a:latin typeface="Arial" panose="020B0604020202020204" pitchFamily="34" charset="0"/>
-                <a:cs typeface="Arial" panose="020B0604020202020204" pitchFamily="34" charset="0"/>
-              </a:rPr>
-              <a:t>creciente   </a:t>
-            </a:r>
-            <a:endParaRPr lang="es-CO" sz="900" dirty="0">
-              <a:solidFill>
-                <a:schemeClr val="tx1"/>
-              </a:solidFill>
-              <a:latin typeface="Arial" panose="020B0604020202020204" pitchFamily="34" charset="0"/>
-              <a:cs typeface="Arial" panose="020B0604020202020204" pitchFamily="34" charset="0"/>
-            </a:endParaRPr>
-          </a:p>
-          <a:p>
-            <a:pPr algn="ctr"/>
-            <a:r>
-              <a:rPr lang="es-CO" sz="900" dirty="0" smtClean="0">
-                <a:solidFill>
-                  <a:srgbClr val="FF0000"/>
-                </a:solidFill>
-                <a:latin typeface="Arial" panose="020B0604020202020204" pitchFamily="34" charset="0"/>
-                <a:cs typeface="Arial" panose="020B0604020202020204" pitchFamily="34" charset="0"/>
-              </a:rPr>
               <a:t> </a:t>
             </a:r>
-            <a:endParaRPr lang="es-CO" sz="900" dirty="0">
-              <a:solidFill>
-                <a:srgbClr val="FF0000"/>
-              </a:solidFill>
-              <a:latin typeface="Arial" panose="020B0604020202020204" pitchFamily="34" charset="0"/>
-              <a:cs typeface="Arial" panose="020B0604020202020204" pitchFamily="34" charset="0"/>
-            </a:endParaRPr>
           </a:p>
         </p:txBody>
       </p:sp>
@@ -5259,7 +4718,7 @@
         </p:blipFill>
         <p:spPr bwMode="auto">
           <a:xfrm>
-            <a:off x="2838775" y="3325124"/>
+            <a:off x="2793055" y="2974604"/>
             <a:ext cx="1344301" cy="305454"/>
           </a:xfrm>
           <a:prstGeom prst="rect">
@@ -5300,7 +4759,7 @@
         </p:blipFill>
         <p:spPr bwMode="auto">
           <a:xfrm>
-            <a:off x="9201838" y="3295593"/>
+            <a:off x="9224698" y="2990793"/>
             <a:ext cx="1654673" cy="293608"/>
           </a:xfrm>
           <a:prstGeom prst="rect">
@@ -5341,7 +4800,7 @@
         </p:blipFill>
         <p:spPr bwMode="auto">
           <a:xfrm>
-            <a:off x="495203" y="6561778"/>
+            <a:off x="684802" y="5920227"/>
             <a:ext cx="692039" cy="225315"/>
           </a:xfrm>
           <a:prstGeom prst="rect">
@@ -5370,8 +4829,8 @@
         </p:nvCxnSpPr>
         <p:spPr>
           <a:xfrm rot="5400000" flipH="1" flipV="1">
-            <a:off x="1305734" y="6409106"/>
-            <a:ext cx="1509783" cy="460561"/>
+            <a:off x="2101435" y="5192599"/>
+            <a:ext cx="216193" cy="453374"/>
           </a:xfrm>
           <a:prstGeom prst="bentConnector3">
             <a:avLst/>
@@ -5408,8 +4867,8 @@
         </p:nvCxnSpPr>
         <p:spPr>
           <a:xfrm rot="16200000" flipH="1">
-            <a:off x="1948893" y="4223029"/>
-            <a:ext cx="264614" cy="448632"/>
+            <a:off x="2078337" y="3997573"/>
+            <a:ext cx="136428" cy="579334"/>
           </a:xfrm>
           <a:prstGeom prst="bentConnector3">
             <a:avLst/>
@@ -5443,7 +4902,7 @@
         </p:nvSpPr>
         <p:spPr>
           <a:xfrm>
-            <a:off x="3846178" y="5391918"/>
+            <a:off x="4113169" y="4342156"/>
             <a:ext cx="950457" cy="583430"/>
           </a:xfrm>
           <a:prstGeom prst="rect">
@@ -5475,26 +4934,16 @@
           <a:p>
             <a:pPr algn="ctr"/>
             <a:r>
-              <a:rPr lang="es-CO" sz="900" dirty="0" smtClean="0">
+              <a:rPr lang="es-CO" sz="900" dirty="0">
                 <a:solidFill>
                   <a:schemeClr val="tx1"/>
                 </a:solidFill>
                 <a:latin typeface="Arial" panose="020B0604020202020204" pitchFamily="34" charset="0"/>
                 <a:cs typeface="Arial" panose="020B0604020202020204" pitchFamily="34" charset="0"/>
               </a:rPr>
-              <a:t> </a:t>
-            </a:r>
-            <a:r>
-              <a:rPr lang="es-CO" sz="900" dirty="0" smtClean="0">
-                <a:solidFill>
-                  <a:schemeClr val="tx1"/>
-                </a:solidFill>
-                <a:latin typeface="Arial" panose="020B0604020202020204" pitchFamily="34" charset="0"/>
-                <a:cs typeface="Arial" panose="020B0604020202020204" pitchFamily="34" charset="0"/>
-              </a:rPr>
-              <a:t>Rango: Números reales positivos</a:t>
-            </a:r>
-            <a:endParaRPr lang="es-CO" sz="900" b="1" dirty="0" smtClean="0">
+              <a:t> rango: números reales positivos</a:t>
+            </a:r>
+            <a:endParaRPr lang="es-CO" sz="900" b="1" dirty="0">
               <a:solidFill>
                 <a:schemeClr val="tx1"/>
               </a:solidFill>
@@ -5512,8 +4961,8 @@
         </p:nvSpPr>
         <p:spPr>
           <a:xfrm>
-            <a:off x="4936560" y="5387000"/>
-            <a:ext cx="950457" cy="449386"/>
+            <a:off x="5194437" y="4347490"/>
+            <a:ext cx="950457" cy="578095"/>
           </a:xfrm>
           <a:prstGeom prst="rect">
             <a:avLst/>
@@ -5544,16 +4993,16 @@
           <a:p>
             <a:pPr algn="ctr"/>
             <a:r>
-              <a:rPr lang="es-CO" sz="900" dirty="0" smtClean="0">
+              <a:rPr lang="es-CO" sz="900" dirty="0">
                 <a:solidFill>
                   <a:schemeClr val="tx1"/>
                 </a:solidFill>
                 <a:latin typeface="Arial" panose="020B0604020202020204" pitchFamily="34" charset="0"/>
                 <a:cs typeface="Arial" panose="020B0604020202020204" pitchFamily="34" charset="0"/>
               </a:rPr>
-              <a:t>Puntos de corte</a:t>
-            </a:r>
-            <a:endParaRPr lang="es-CO" sz="900" b="1" dirty="0" smtClean="0">
+              <a:t>puntos de corte</a:t>
+            </a:r>
+            <a:endParaRPr lang="es-CO" sz="900" b="1" dirty="0">
               <a:solidFill>
                 <a:schemeClr val="tx1"/>
               </a:solidFill>
@@ -5571,8 +5020,8 @@
         </p:nvSpPr>
         <p:spPr>
           <a:xfrm>
-            <a:off x="3501764" y="4026426"/>
-            <a:ext cx="1191057" cy="384264"/>
+            <a:off x="3501764" y="3800691"/>
+            <a:ext cx="1191057" cy="317574"/>
           </a:xfrm>
           <a:prstGeom prst="rect">
             <a:avLst/>
@@ -5601,7 +5050,7 @@
           <a:p>
             <a:pPr algn="ctr"/>
             <a:r>
-              <a:rPr lang="es-CO" sz="900" dirty="0" smtClean="0">
+              <a:rPr lang="es-CO" sz="900" dirty="0">
                 <a:solidFill>
                   <a:schemeClr val="tx1"/>
                 </a:solidFill>
@@ -5610,13 +5059,6 @@
               </a:rPr>
               <a:t>sus características son</a:t>
             </a:r>
-            <a:endParaRPr lang="es-CO" sz="900" dirty="0">
-              <a:solidFill>
-                <a:schemeClr val="tx1"/>
-              </a:solidFill>
-              <a:latin typeface="Arial" panose="020B0604020202020204" pitchFamily="34" charset="0"/>
-              <a:cs typeface="Arial" panose="020B0604020202020204" pitchFamily="34" charset="0"/>
-            </a:endParaRPr>
           </a:p>
         </p:txBody>
       </p:sp>
@@ -5628,8 +5070,8 @@
         </p:nvSpPr>
         <p:spPr>
           <a:xfrm>
-            <a:off x="4179101" y="6331176"/>
-            <a:ext cx="895494" cy="370896"/>
+            <a:off x="4526827" y="5530408"/>
+            <a:ext cx="881155" cy="370896"/>
           </a:xfrm>
           <a:prstGeom prst="rect">
             <a:avLst/>
@@ -5657,20 +5099,7 @@
           <a:lstStyle/>
           <a:p>
             <a:r>
-              <a:rPr lang="es-CO" sz="900" dirty="0" smtClean="0">
-                <a:solidFill>
-                  <a:srgbClr val="FF0000"/>
-                </a:solidFill>
-                <a:latin typeface="Arial" panose="020B0604020202020204" pitchFamily="34" charset="0"/>
-                <a:cs typeface="Arial" panose="020B0604020202020204" pitchFamily="34" charset="0"/>
-              </a:rPr>
-              <a:t>    </a:t>
-            </a:r>
-          </a:p>
-          <a:p>
-            <a:pPr algn="ctr"/>
-            <a:r>
-              <a:rPr lang="es-CO" sz="900" dirty="0" smtClean="0">
+              <a:rPr lang="es-CO" sz="900" dirty="0">
                 <a:solidFill>
                   <a:schemeClr val="tx1">
                     <a:lumMod val="75000"/>
@@ -5683,7 +5112,7 @@
               <a:t>con el eje </a:t>
             </a:r>
             <a:r>
-              <a:rPr lang="es-CO" sz="900" i="1" dirty="0" smtClean="0">
+              <a:rPr lang="es-CO" sz="900" i="1" dirty="0">
                 <a:solidFill>
                   <a:schemeClr val="tx1">
                     <a:lumMod val="75000"/>
@@ -5696,7 +5125,7 @@
               <a:t>Y</a:t>
             </a:r>
             <a:r>
-              <a:rPr lang="es-CO" sz="900" dirty="0" smtClean="0">
+              <a:rPr lang="es-CO" sz="900" dirty="0">
                 <a:solidFill>
                   <a:schemeClr val="tx1">
                     <a:lumMod val="75000"/>
@@ -5709,7 +5138,7 @@
               <a:t>: </a:t>
             </a:r>
             <a:r>
-              <a:rPr lang="es-CO" sz="900" i="1" dirty="0" smtClean="0">
+              <a:rPr lang="es-CO" sz="900" i="1" dirty="0">
                 <a:solidFill>
                   <a:schemeClr val="tx1">
                     <a:lumMod val="75000"/>
@@ -5722,7 +5151,7 @@
               <a:t>y</a:t>
             </a:r>
             <a:r>
-              <a:rPr lang="es-CO" sz="900" dirty="0" smtClean="0">
+              <a:rPr lang="es-CO" sz="900" dirty="0">
                 <a:solidFill>
                   <a:schemeClr val="tx1">
                     <a:lumMod val="75000"/>
@@ -5735,7 +5164,7 @@
               <a:t> = 1</a:t>
             </a:r>
             <a:r>
-              <a:rPr lang="es-CO" sz="900" dirty="0" smtClean="0">
+              <a:rPr lang="es-CO" sz="900" dirty="0">
                 <a:solidFill>
                   <a:srgbClr val="FF0000"/>
                 </a:solidFill>
@@ -5744,13 +5173,6 @@
               </a:rPr>
               <a:t> </a:t>
             </a:r>
-            <a:endParaRPr lang="es-CO" sz="900" dirty="0">
-              <a:solidFill>
-                <a:srgbClr val="FF0000"/>
-              </a:solidFill>
-              <a:latin typeface="Arial" panose="020B0604020202020204" pitchFamily="34" charset="0"/>
-              <a:cs typeface="Arial" panose="020B0604020202020204" pitchFamily="34" charset="0"/>
-            </a:endParaRPr>
           </a:p>
         </p:txBody>
       </p:sp>
@@ -5762,8 +5184,8 @@
         </p:nvSpPr>
         <p:spPr>
           <a:xfrm>
-            <a:off x="5220959" y="6341777"/>
-            <a:ext cx="895494" cy="370896"/>
+            <a:off x="5500674" y="5527382"/>
+            <a:ext cx="843296" cy="370896"/>
           </a:xfrm>
           <a:prstGeom prst="rect">
             <a:avLst/>
@@ -5791,20 +5213,7 @@
           <a:lstStyle/>
           <a:p>
             <a:r>
-              <a:rPr lang="es-CO" sz="900" dirty="0" smtClean="0">
-                <a:solidFill>
-                  <a:srgbClr val="FF0000"/>
-                </a:solidFill>
-                <a:latin typeface="Arial" panose="020B0604020202020204" pitchFamily="34" charset="0"/>
-                <a:cs typeface="Arial" panose="020B0604020202020204" pitchFamily="34" charset="0"/>
-              </a:rPr>
-              <a:t>    </a:t>
-            </a:r>
-          </a:p>
-          <a:p>
-            <a:pPr algn="ctr"/>
-            <a:r>
-              <a:rPr lang="es-CO" sz="900" dirty="0" smtClean="0">
+              <a:rPr lang="es-CO" sz="900" dirty="0">
                 <a:solidFill>
                   <a:schemeClr val="tx1">
                     <a:lumMod val="75000"/>
@@ -5817,7 +5226,7 @@
               <a:t>con el eje </a:t>
             </a:r>
             <a:r>
-              <a:rPr lang="es-CO" sz="900" i="1" dirty="0" smtClean="0">
+              <a:rPr lang="es-CO" sz="900" i="1" dirty="0">
                 <a:solidFill>
                   <a:schemeClr val="tx1">
                     <a:lumMod val="75000"/>
@@ -5830,7 +5239,7 @@
               <a:t>X</a:t>
             </a:r>
             <a:r>
-              <a:rPr lang="es-CO" sz="900" dirty="0" smtClean="0">
+              <a:rPr lang="es-CO" sz="900" dirty="0">
                 <a:solidFill>
                   <a:schemeClr val="tx1">
                     <a:lumMod val="75000"/>
@@ -5840,7 +5249,7 @@
                 <a:latin typeface="Arial" panose="020B0604020202020204" pitchFamily="34" charset="0"/>
                 <a:cs typeface="Arial" panose="020B0604020202020204" pitchFamily="34" charset="0"/>
               </a:rPr>
-              <a:t>: No tiene</a:t>
+              <a:t>: no tiene</a:t>
             </a:r>
             <a:endParaRPr lang="es-CO" sz="900" dirty="0">
               <a:solidFill>
@@ -5863,50 +5272,13 @@
         </p:nvCxnSpPr>
         <p:spPr>
           <a:xfrm rot="16200000" flipH="1">
-            <a:off x="5287552" y="5960622"/>
-            <a:ext cx="505391" cy="256917"/>
+            <a:off x="5495096" y="5100155"/>
+            <a:ext cx="601797" cy="252656"/>
           </a:xfrm>
           <a:prstGeom prst="bentConnector3">
             <a:avLst>
               <a:gd name="adj1" fmla="val 50000"/>
             </a:avLst>
-          </a:prstGeom>
-          <a:ln>
-            <a:solidFill>
-              <a:schemeClr val="tx1"/>
-            </a:solidFill>
-          </a:ln>
-        </p:spPr>
-        <p:style>
-          <a:lnRef idx="1">
-            <a:schemeClr val="accent1"/>
-          </a:lnRef>
-          <a:fillRef idx="0">
-            <a:schemeClr val="accent1"/>
-          </a:fillRef>
-          <a:effectRef idx="0">
-            <a:schemeClr val="accent1"/>
-          </a:effectRef>
-          <a:fontRef idx="minor">
-            <a:schemeClr val="tx1"/>
-          </a:fontRef>
-        </p:style>
-      </p:cxnSp>
-      <p:cxnSp>
-        <p:nvCxnSpPr>
-          <p:cNvPr id="90" name="Conector recto 89"/>
-          <p:cNvCxnSpPr>
-            <a:stCxn id="178" idx="0"/>
-          </p:cNvCxnSpPr>
-          <p:nvPr/>
-        </p:nvCxnSpPr>
-        <p:spPr>
-          <a:xfrm flipV="1">
-            <a:off x="4097293" y="3866383"/>
-            <a:ext cx="36028" cy="160043"/>
-          </a:xfrm>
-          <a:prstGeom prst="line">
-            <a:avLst/>
           </a:prstGeom>
           <a:ln>
             <a:solidFill>
@@ -5940,8 +5312,8 @@
         </p:nvCxnSpPr>
         <p:spPr>
           <a:xfrm rot="5400000" flipH="1" flipV="1">
-            <a:off x="3182756" y="4476442"/>
-            <a:ext cx="980288" cy="848785"/>
+            <a:off x="3709366" y="3955219"/>
+            <a:ext cx="224880" cy="550973"/>
           </a:xfrm>
           <a:prstGeom prst="bentConnector3">
             <a:avLst/>
@@ -5978,8 +5350,8 @@
         </p:nvCxnSpPr>
         <p:spPr>
           <a:xfrm rot="16200000" flipV="1">
-            <a:off x="4266386" y="4241597"/>
-            <a:ext cx="976310" cy="1314496"/>
+            <a:off x="4768868" y="3446691"/>
+            <a:ext cx="229225" cy="1572373"/>
           </a:xfrm>
           <a:prstGeom prst="bentConnector3">
             <a:avLst/>
@@ -6016,8 +5388,8 @@
         </p:nvCxnSpPr>
         <p:spPr>
           <a:xfrm rot="16200000" flipV="1">
-            <a:off x="3718736" y="4789247"/>
-            <a:ext cx="981228" cy="224114"/>
+            <a:off x="4230901" y="3984658"/>
+            <a:ext cx="223891" cy="491105"/>
           </a:xfrm>
           <a:prstGeom prst="bentConnector3">
             <a:avLst/>
@@ -6054,8 +5426,8 @@
         </p:nvCxnSpPr>
         <p:spPr>
           <a:xfrm rot="5400000">
-            <a:off x="8894721" y="2868618"/>
-            <a:ext cx="288677" cy="1850307"/>
+            <a:off x="8830156" y="2705685"/>
+            <a:ext cx="501626" cy="1934127"/>
           </a:xfrm>
           <a:prstGeom prst="bentConnector3">
             <a:avLst/>
@@ -6104,7 +5476,7 @@
         </p:blipFill>
         <p:spPr bwMode="auto">
           <a:xfrm>
-            <a:off x="9077548" y="6514071"/>
+            <a:off x="8963499" y="6362720"/>
             <a:ext cx="704323" cy="148421"/>
           </a:xfrm>
           <a:prstGeom prst="rect">
@@ -6133,8 +5505,8 @@
         </p:nvCxnSpPr>
         <p:spPr>
           <a:xfrm rot="5400000" flipH="1" flipV="1">
-            <a:off x="10156387" y="6341454"/>
-            <a:ext cx="695037" cy="695686"/>
+            <a:off x="10490976" y="5778265"/>
+            <a:ext cx="307799" cy="444226"/>
           </a:xfrm>
           <a:prstGeom prst="bentConnector3">
             <a:avLst/>
@@ -6171,8 +5543,8 @@
         </p:nvCxnSpPr>
         <p:spPr>
           <a:xfrm rot="16200000" flipV="1">
-            <a:off x="10817386" y="6376141"/>
-            <a:ext cx="681603" cy="612877"/>
+            <a:off x="10954758" y="5758709"/>
+            <a:ext cx="307799" cy="483337"/>
           </a:xfrm>
           <a:prstGeom prst="bentConnector3">
             <a:avLst/>
@@ -6201,13 +5573,16 @@
       <p:cxnSp>
         <p:nvCxnSpPr>
           <p:cNvPr id="597" name="Conector recto 596"/>
-          <p:cNvCxnSpPr/>
+          <p:cNvCxnSpPr>
+            <a:stCxn id="179" idx="2"/>
+            <a:endCxn id="168" idx="0"/>
+          </p:cNvCxnSpPr>
           <p:nvPr/>
         </p:nvCxnSpPr>
         <p:spPr>
           <a:xfrm>
-            <a:off x="10827751" y="5345456"/>
-            <a:ext cx="14471" cy="718017"/>
+            <a:off x="10864900" y="5435844"/>
+            <a:ext cx="2088" cy="132329"/>
           </a:xfrm>
           <a:prstGeom prst="line">
             <a:avLst/>
@@ -6241,8 +5616,8 @@
         </p:nvSpPr>
         <p:spPr>
           <a:xfrm>
-            <a:off x="11566979" y="5028053"/>
-            <a:ext cx="950457" cy="590255"/>
+            <a:off x="11589839" y="4730873"/>
+            <a:ext cx="950457" cy="697351"/>
           </a:xfrm>
           <a:prstGeom prst="rect">
             <a:avLst/>
@@ -6272,25 +5647,15 @@
           <a:lstStyle/>
           <a:p>
             <a:pPr algn="ctr"/>
-            <a:endParaRPr lang="es-CO" sz="900" dirty="0" smtClean="0">
-              <a:solidFill>
-                <a:schemeClr val="tx1"/>
-              </a:solidFill>
-              <a:latin typeface="Arial" panose="020B0604020202020204" pitchFamily="34" charset="0"/>
-              <a:cs typeface="Arial" panose="020B0604020202020204" pitchFamily="34" charset="0"/>
-            </a:endParaRPr>
-          </a:p>
-          <a:p>
-            <a:pPr algn="ctr"/>
-            <a:r>
-              <a:rPr lang="es-CO" sz="900" dirty="0" smtClean="0">
+            <a:r>
+              <a:rPr lang="es-CO" sz="900" dirty="0">
                 <a:solidFill>
                   <a:schemeClr val="tx1"/>
                 </a:solidFill>
                 <a:latin typeface="Arial" panose="020B0604020202020204" pitchFamily="34" charset="0"/>
                 <a:cs typeface="Arial" panose="020B0604020202020204" pitchFamily="34" charset="0"/>
               </a:rPr>
-              <a:t>Dominio: números reales</a:t>
+              <a:t>dominio: números reales</a:t>
             </a:r>
             <a:endParaRPr lang="es-CO" sz="900" b="1" dirty="0">
               <a:solidFill>
@@ -6310,8 +5675,8 @@
         </p:nvSpPr>
         <p:spPr>
           <a:xfrm>
-            <a:off x="12579924" y="5035819"/>
-            <a:ext cx="950457" cy="697206"/>
+            <a:off x="12617198" y="4731597"/>
+            <a:ext cx="950457" cy="704247"/>
           </a:xfrm>
           <a:prstGeom prst="rect">
             <a:avLst/>
@@ -6341,25 +5706,15 @@
           <a:lstStyle/>
           <a:p>
             <a:pPr algn="ctr"/>
-            <a:endParaRPr lang="es-CO" sz="900" dirty="0" smtClean="0">
-              <a:solidFill>
-                <a:schemeClr val="tx1"/>
-              </a:solidFill>
-              <a:latin typeface="Arial" panose="020B0604020202020204" pitchFamily="34" charset="0"/>
-              <a:cs typeface="Arial" panose="020B0604020202020204" pitchFamily="34" charset="0"/>
-            </a:endParaRPr>
-          </a:p>
-          <a:p>
-            <a:pPr algn="ctr"/>
-            <a:r>
-              <a:rPr lang="es-CO" sz="900" dirty="0" smtClean="0">
+            <a:r>
+              <a:rPr lang="es-CO" sz="900" dirty="0">
                 <a:solidFill>
                   <a:schemeClr val="tx1"/>
                 </a:solidFill>
                 <a:latin typeface="Arial" panose="020B0604020202020204" pitchFamily="34" charset="0"/>
                 <a:cs typeface="Arial" panose="020B0604020202020204" pitchFamily="34" charset="0"/>
               </a:rPr>
-              <a:t>Rango: números reales positivos</a:t>
+              <a:t>rango: números reales positivos</a:t>
             </a:r>
             <a:endParaRPr lang="es-CO" sz="900" b="1" dirty="0">
               <a:solidFill>
@@ -6382,8 +5737,8 @@
         </p:nvCxnSpPr>
         <p:spPr>
           <a:xfrm rot="16200000" flipV="1">
-            <a:off x="2008098" y="6167303"/>
-            <a:ext cx="1523217" cy="957599"/>
+            <a:off x="2563627" y="5183780"/>
+            <a:ext cx="216192" cy="471010"/>
           </a:xfrm>
           <a:prstGeom prst="bentConnector3">
             <a:avLst/>
@@ -6420,8 +5775,8 @@
         </p:nvCxnSpPr>
         <p:spPr>
           <a:xfrm rot="5400000" flipH="1" flipV="1">
-            <a:off x="4771923" y="5691311"/>
-            <a:ext cx="494790" cy="784941"/>
+            <a:off x="5016124" y="4876867"/>
+            <a:ext cx="604823" cy="702261"/>
           </a:xfrm>
           <a:prstGeom prst="bentConnector3">
             <a:avLst/>
@@ -6458,8 +5813,8 @@
         </p:nvCxnSpPr>
         <p:spPr>
           <a:xfrm rot="5400000" flipH="1" flipV="1">
-            <a:off x="12025312" y="4363347"/>
-            <a:ext cx="681603" cy="647810"/>
+            <a:off x="12128182" y="4283337"/>
+            <a:ext cx="384423" cy="510650"/>
           </a:xfrm>
           <a:prstGeom prst="bentConnector3">
             <a:avLst/>
@@ -6496,13 +5851,53 @@
         </p:nvCxnSpPr>
         <p:spPr>
           <a:xfrm rot="16200000" flipV="1">
-            <a:off x="12527902" y="4508567"/>
-            <a:ext cx="689369" cy="365135"/>
+            <a:off x="12641500" y="4280669"/>
+            <a:ext cx="385147" cy="516709"/>
           </a:xfrm>
           <a:prstGeom prst="bentConnector3">
             <a:avLst/>
           </a:prstGeom>
           <a:ln>
+            <a:solidFill>
+              <a:schemeClr val="tx1"/>
+            </a:solidFill>
+          </a:ln>
+        </p:spPr>
+        <p:style>
+          <a:lnRef idx="1">
+            <a:schemeClr val="accent1"/>
+          </a:lnRef>
+          <a:fillRef idx="0">
+            <a:schemeClr val="accent1"/>
+          </a:fillRef>
+          <a:effectRef idx="0">
+            <a:schemeClr val="accent1"/>
+          </a:effectRef>
+          <a:fontRef idx="minor">
+            <a:schemeClr val="tx1"/>
+          </a:fontRef>
+        </p:style>
+      </p:cxnSp>
+      <p:cxnSp>
+        <p:nvCxnSpPr>
+          <p:cNvPr id="118" name="120 Conector angular"/>
+          <p:cNvCxnSpPr>
+            <a:stCxn id="330" idx="2"/>
+            <a:endCxn id="178" idx="0"/>
+          </p:cNvCxnSpPr>
+          <p:nvPr/>
+        </p:nvCxnSpPr>
+        <p:spPr>
+          <a:xfrm rot="16200000" flipH="1">
+            <a:off x="3583368" y="3286766"/>
+            <a:ext cx="383694" cy="644156"/>
+          </a:xfrm>
+          <a:prstGeom prst="bentConnector3">
+            <a:avLst>
+              <a:gd name="adj1" fmla="val 50000"/>
+            </a:avLst>
+          </a:prstGeom>
+          <a:ln w="12700">
             <a:solidFill>
               <a:schemeClr val="tx1"/>
             </a:solidFill>
@@ -6533,13 +5928,6 @@
   <p:clrMapOvr>
     <a:masterClrMapping/>
   </p:clrMapOvr>
-  <p:timing>
-    <p:tnLst>
-      <p:par>
-        <p:cTn id="1" dur="indefinite" restart="never" nodeType="tmRoot"/>
-      </p:par>
-    </p:tnLst>
-  </p:timing>
 </p:sld>
 </file>
 
